--- a/Structure.pptx
+++ b/Structure.pptx
@@ -5432,7 +5432,7 @@
             <a:pPr lvl="1"/>
             <a:r>
               <a:rPr lang="en-US" dirty="0"/>
-              <a:t>Gets channel and returns a hardcoded list of files on request</a:t>
+              <a:t>Gets channel and returns a hardcoded int via channel</a:t>
             </a:r>
           </a:p>
           <a:p>
@@ -5468,10 +5468,10 @@
             <a:pPr lvl="1"/>
             <a:r>
               <a:rPr lang="en-US" dirty="0"/>
-              <a:t>Dumps files using </a:t>
-            </a:r>
-            <a:r>
-              <a:rPr lang="en-US" dirty="0" err="1"/>
+              <a:t>Dumps int value from channel using </a:t>
+            </a:r>
+            <a:r>
+              <a:rPr lang="en-US"/>
               <a:t>emitInformation</a:t>
             </a:r>
             <a:endParaRPr lang="en-SE" dirty="0"/>

--- a/Structure.pptx
+++ b/Structure.pptx
@@ -263,7 +263,7 @@
           <a:p>
             <a:fld id="{3D89798B-2076-463D-B995-CA32E41DD97F}" type="datetimeFigureOut">
               <a:rPr lang="en-SE" smtClean="0"/>
-              <a:t>2021-10-19</a:t>
+              <a:t>2021-10-22</a:t>
             </a:fld>
             <a:endParaRPr lang="en-SE"/>
           </a:p>
@@ -463,7 +463,7 @@
           <a:p>
             <a:fld id="{3D89798B-2076-463D-B995-CA32E41DD97F}" type="datetimeFigureOut">
               <a:rPr lang="en-SE" smtClean="0"/>
-              <a:t>2021-10-19</a:t>
+              <a:t>2021-10-22</a:t>
             </a:fld>
             <a:endParaRPr lang="en-SE"/>
           </a:p>
@@ -673,7 +673,7 @@
           <a:p>
             <a:fld id="{3D89798B-2076-463D-B995-CA32E41DD97F}" type="datetimeFigureOut">
               <a:rPr lang="en-SE" smtClean="0"/>
-              <a:t>2021-10-19</a:t>
+              <a:t>2021-10-22</a:t>
             </a:fld>
             <a:endParaRPr lang="en-SE"/>
           </a:p>
@@ -873,7 +873,7 @@
           <a:p>
             <a:fld id="{3D89798B-2076-463D-B995-CA32E41DD97F}" type="datetimeFigureOut">
               <a:rPr lang="en-SE" smtClean="0"/>
-              <a:t>2021-10-19</a:t>
+              <a:t>2021-10-22</a:t>
             </a:fld>
             <a:endParaRPr lang="en-SE"/>
           </a:p>
@@ -1149,7 +1149,7 @@
           <a:p>
             <a:fld id="{3D89798B-2076-463D-B995-CA32E41DD97F}" type="datetimeFigureOut">
               <a:rPr lang="en-SE" smtClean="0"/>
-              <a:t>2021-10-19</a:t>
+              <a:t>2021-10-22</a:t>
             </a:fld>
             <a:endParaRPr lang="en-SE"/>
           </a:p>
@@ -1417,7 +1417,7 @@
           <a:p>
             <a:fld id="{3D89798B-2076-463D-B995-CA32E41DD97F}" type="datetimeFigureOut">
               <a:rPr lang="en-SE" smtClean="0"/>
-              <a:t>2021-10-19</a:t>
+              <a:t>2021-10-22</a:t>
             </a:fld>
             <a:endParaRPr lang="en-SE"/>
           </a:p>
@@ -1832,7 +1832,7 @@
           <a:p>
             <a:fld id="{3D89798B-2076-463D-B995-CA32E41DD97F}" type="datetimeFigureOut">
               <a:rPr lang="en-SE" smtClean="0"/>
-              <a:t>2021-10-19</a:t>
+              <a:t>2021-10-22</a:t>
             </a:fld>
             <a:endParaRPr lang="en-SE"/>
           </a:p>
@@ -1974,7 +1974,7 @@
           <a:p>
             <a:fld id="{3D89798B-2076-463D-B995-CA32E41DD97F}" type="datetimeFigureOut">
               <a:rPr lang="en-SE" smtClean="0"/>
-              <a:t>2021-10-19</a:t>
+              <a:t>2021-10-22</a:t>
             </a:fld>
             <a:endParaRPr lang="en-SE"/>
           </a:p>
@@ -2087,7 +2087,7 @@
           <a:p>
             <a:fld id="{3D89798B-2076-463D-B995-CA32E41DD97F}" type="datetimeFigureOut">
               <a:rPr lang="en-SE" smtClean="0"/>
-              <a:t>2021-10-19</a:t>
+              <a:t>2021-10-22</a:t>
             </a:fld>
             <a:endParaRPr lang="en-SE"/>
           </a:p>
@@ -2400,7 +2400,7 @@
           <a:p>
             <a:fld id="{3D89798B-2076-463D-B995-CA32E41DD97F}" type="datetimeFigureOut">
               <a:rPr lang="en-SE" smtClean="0"/>
-              <a:t>2021-10-19</a:t>
+              <a:t>2021-10-22</a:t>
             </a:fld>
             <a:endParaRPr lang="en-SE"/>
           </a:p>
@@ -2689,7 +2689,7 @@
           <a:p>
             <a:fld id="{3D89798B-2076-463D-B995-CA32E41DD97F}" type="datetimeFigureOut">
               <a:rPr lang="en-SE" smtClean="0"/>
-              <a:t>2021-10-19</a:t>
+              <a:t>2021-10-22</a:t>
             </a:fld>
             <a:endParaRPr lang="en-SE"/>
           </a:p>
@@ -2932,7 +2932,7 @@
           <a:p>
             <a:fld id="{3D89798B-2076-463D-B995-CA32E41DD97F}" type="datetimeFigureOut">
               <a:rPr lang="en-SE" smtClean="0"/>
-              <a:t>2021-10-19</a:t>
+              <a:t>2021-10-22</a:t>
             </a:fld>
             <a:endParaRPr lang="en-SE"/>
           </a:p>
@@ -5402,7 +5402,9 @@
         </p:nvSpPr>
         <p:spPr/>
         <p:txBody>
-          <a:bodyPr/>
+          <a:bodyPr>
+            <a:normAutofit fontScale="85000" lnSpcReduction="20000"/>
+          </a:bodyPr>
           <a:lstStyle/>
           <a:p>
             <a:r>
@@ -5442,7 +5444,7 @@
           <a:p>
             <a:r>
               <a:rPr lang="en-US" dirty="0"/>
-              <a:t>Directory-list</a:t>
+              <a:t>Directory-list (rust)</a:t>
             </a:r>
           </a:p>
           <a:p>
@@ -5471,9 +5473,61 @@
               <a:t>Dumps int value from channel using </a:t>
             </a:r>
             <a:r>
-              <a:rPr lang="en-US"/>
+              <a:rPr lang="en-US" dirty="0" err="1"/>
               <a:t>emitInformation</a:t>
             </a:r>
+            <a:endParaRPr lang="en-US" dirty="0"/>
+          </a:p>
+          <a:p>
+            <a:endParaRPr lang="en-US" dirty="0"/>
+          </a:p>
+          <a:p>
+            <a:r>
+              <a:rPr lang="en-US" dirty="0"/>
+              <a:t>Directory-list (</a:t>
+            </a:r>
+            <a:r>
+              <a:rPr lang="en-US" dirty="0" err="1"/>
+              <a:t>.net</a:t>
+            </a:r>
+            <a:r>
+              <a:rPr lang="en-US" dirty="0"/>
+              <a:t>)</a:t>
+            </a:r>
+          </a:p>
+          <a:p>
+            <a:pPr lvl="1"/>
+            <a:r>
+              <a:rPr lang="en-US" dirty="0"/>
+              <a:t>Connects to service</a:t>
+            </a:r>
+          </a:p>
+          <a:p>
+            <a:pPr lvl="1"/>
+            <a:r>
+              <a:rPr lang="en-US" dirty="0"/>
+              <a:t>IPC calls </a:t>
+            </a:r>
+            <a:r>
+              <a:rPr lang="en-US" dirty="0" err="1"/>
+              <a:t>ListFiles</a:t>
+            </a:r>
+            <a:endParaRPr lang="en-US" dirty="0"/>
+          </a:p>
+          <a:p>
+            <a:pPr lvl="1"/>
+            <a:r>
+              <a:rPr lang="en-US" dirty="0"/>
+              <a:t>Dumps int value from channel using </a:t>
+            </a:r>
+            <a:r>
+              <a:rPr lang="en-US" dirty="0" err="1"/>
+              <a:t>emitInformation</a:t>
+            </a:r>
+            <a:endParaRPr lang="en-SE" dirty="0"/>
+          </a:p>
+          <a:p>
+            <a:pPr lvl="1"/>
             <a:endParaRPr lang="en-SE" dirty="0"/>
           </a:p>
         </p:txBody>

--- a/Structure.pptx
+++ b/Structure.pptx
@@ -8,6 +8,7 @@
     <p:sldId id="256" r:id="rId2"/>
     <p:sldId id="257" r:id="rId3"/>
     <p:sldId id="258" r:id="rId4"/>
+    <p:sldId id="259" r:id="rId5"/>
   </p:sldIdLst>
   <p:sldSz cx="12192000" cy="6858000"/>
   <p:notesSz cx="6858000" cy="9144000"/>
@@ -263,7 +264,7 @@
           <a:p>
             <a:fld id="{3D89798B-2076-463D-B995-CA32E41DD97F}" type="datetimeFigureOut">
               <a:rPr lang="en-SE" smtClean="0"/>
-              <a:t>2021-10-22</a:t>
+              <a:t>2021-10-25</a:t>
             </a:fld>
             <a:endParaRPr lang="en-SE"/>
           </a:p>
@@ -463,7 +464,7 @@
           <a:p>
             <a:fld id="{3D89798B-2076-463D-B995-CA32E41DD97F}" type="datetimeFigureOut">
               <a:rPr lang="en-SE" smtClean="0"/>
-              <a:t>2021-10-22</a:t>
+              <a:t>2021-10-25</a:t>
             </a:fld>
             <a:endParaRPr lang="en-SE"/>
           </a:p>
@@ -673,7 +674,7 @@
           <a:p>
             <a:fld id="{3D89798B-2076-463D-B995-CA32E41DD97F}" type="datetimeFigureOut">
               <a:rPr lang="en-SE" smtClean="0"/>
-              <a:t>2021-10-22</a:t>
+              <a:t>2021-10-25</a:t>
             </a:fld>
             <a:endParaRPr lang="en-SE"/>
           </a:p>
@@ -873,7 +874,7 @@
           <a:p>
             <a:fld id="{3D89798B-2076-463D-B995-CA32E41DD97F}" type="datetimeFigureOut">
               <a:rPr lang="en-SE" smtClean="0"/>
-              <a:t>2021-10-22</a:t>
+              <a:t>2021-10-25</a:t>
             </a:fld>
             <a:endParaRPr lang="en-SE"/>
           </a:p>
@@ -1149,7 +1150,7 @@
           <a:p>
             <a:fld id="{3D89798B-2076-463D-B995-CA32E41DD97F}" type="datetimeFigureOut">
               <a:rPr lang="en-SE" smtClean="0"/>
-              <a:t>2021-10-22</a:t>
+              <a:t>2021-10-25</a:t>
             </a:fld>
             <a:endParaRPr lang="en-SE"/>
           </a:p>
@@ -1417,7 +1418,7 @@
           <a:p>
             <a:fld id="{3D89798B-2076-463D-B995-CA32E41DD97F}" type="datetimeFigureOut">
               <a:rPr lang="en-SE" smtClean="0"/>
-              <a:t>2021-10-22</a:t>
+              <a:t>2021-10-25</a:t>
             </a:fld>
             <a:endParaRPr lang="en-SE"/>
           </a:p>
@@ -1832,7 +1833,7 @@
           <a:p>
             <a:fld id="{3D89798B-2076-463D-B995-CA32E41DD97F}" type="datetimeFigureOut">
               <a:rPr lang="en-SE" smtClean="0"/>
-              <a:t>2021-10-22</a:t>
+              <a:t>2021-10-25</a:t>
             </a:fld>
             <a:endParaRPr lang="en-SE"/>
           </a:p>
@@ -1974,7 +1975,7 @@
           <a:p>
             <a:fld id="{3D89798B-2076-463D-B995-CA32E41DD97F}" type="datetimeFigureOut">
               <a:rPr lang="en-SE" smtClean="0"/>
-              <a:t>2021-10-22</a:t>
+              <a:t>2021-10-25</a:t>
             </a:fld>
             <a:endParaRPr lang="en-SE"/>
           </a:p>
@@ -2087,7 +2088,7 @@
           <a:p>
             <a:fld id="{3D89798B-2076-463D-B995-CA32E41DD97F}" type="datetimeFigureOut">
               <a:rPr lang="en-SE" smtClean="0"/>
-              <a:t>2021-10-22</a:t>
+              <a:t>2021-10-25</a:t>
             </a:fld>
             <a:endParaRPr lang="en-SE"/>
           </a:p>
@@ -2400,7 +2401,7 @@
           <a:p>
             <a:fld id="{3D89798B-2076-463D-B995-CA32E41DD97F}" type="datetimeFigureOut">
               <a:rPr lang="en-SE" smtClean="0"/>
-              <a:t>2021-10-22</a:t>
+              <a:t>2021-10-25</a:t>
             </a:fld>
             <a:endParaRPr lang="en-SE"/>
           </a:p>
@@ -2689,7 +2690,7 @@
           <a:p>
             <a:fld id="{3D89798B-2076-463D-B995-CA32E41DD97F}" type="datetimeFigureOut">
               <a:rPr lang="en-SE" smtClean="0"/>
-              <a:t>2021-10-22</a:t>
+              <a:t>2021-10-25</a:t>
             </a:fld>
             <a:endParaRPr lang="en-SE"/>
           </a:p>
@@ -2932,7 +2933,7 @@
           <a:p>
             <a:fld id="{3D89798B-2076-463D-B995-CA32E41DD97F}" type="datetimeFigureOut">
               <a:rPr lang="en-SE" smtClean="0"/>
-              <a:t>2021-10-22</a:t>
+              <a:t>2021-10-25</a:t>
             </a:fld>
             <a:endParaRPr lang="en-SE"/>
           </a:p>
@@ -3450,6 +3451,13 @@
           <a:p>
             <a:pPr algn="ctr"/>
             <a:r>
+              <a:rPr lang="en-US" sz="800" dirty="0"/>
+              <a:t>Native</a:t>
+            </a:r>
+          </a:p>
+          <a:p>
+            <a:pPr algn="ctr"/>
+            <a:r>
               <a:rPr lang="en-US" sz="800" dirty="0" err="1"/>
               <a:t>DisplayServer</a:t>
             </a:r>
@@ -3459,7 +3467,7 @@
             <a:pPr algn="ctr"/>
             <a:r>
               <a:rPr lang="en-US" sz="800" dirty="0"/>
-              <a:t>.NET</a:t>
+              <a:t>Rust</a:t>
             </a:r>
             <a:endParaRPr lang="en-SE" sz="800" dirty="0"/>
           </a:p>
@@ -3680,8 +3688,12 @@
           <a:p>
             <a:pPr algn="ctr"/>
             <a:r>
+              <a:rPr lang="en-US" sz="800" dirty="0"/>
+              <a:t>Native </a:t>
+            </a:r>
+            <a:r>
               <a:rPr lang="en-US" sz="800" dirty="0" err="1"/>
-              <a:t>NativeFSServer</a:t>
+              <a:t>FSServer</a:t>
             </a:r>
             <a:endParaRPr lang="en-US" sz="800" dirty="0"/>
           </a:p>
@@ -3689,7 +3701,7 @@
             <a:pPr algn="ctr"/>
             <a:r>
               <a:rPr lang="en-US" sz="800" dirty="0"/>
-              <a:t>.NET</a:t>
+              <a:t>Rust</a:t>
             </a:r>
             <a:endParaRPr lang="en-SE" sz="800" dirty="0"/>
           </a:p>
@@ -5377,10 +5389,18 @@
           <a:lstStyle/>
           <a:p>
             <a:r>
-              <a:rPr lang="en-US" dirty="0"/>
+              <a:rPr lang="en-US" dirty="0">
+                <a:solidFill>
+                  <a:srgbClr val="92D050"/>
+                </a:solidFill>
+              </a:rPr>
               <a:t>Steg 1</a:t>
             </a:r>
-            <a:endParaRPr lang="en-SE" dirty="0"/>
+            <a:endParaRPr lang="en-SE" dirty="0">
+              <a:solidFill>
+                <a:srgbClr val="92D050"/>
+              </a:solidFill>
+            </a:endParaRPr>
           </a:p>
         </p:txBody>
       </p:sp>
@@ -5403,132 +5423,136 @@
         <p:spPr/>
         <p:txBody>
           <a:bodyPr>
-            <a:normAutofit fontScale="85000" lnSpcReduction="20000"/>
+            <a:normAutofit/>
           </a:bodyPr>
           <a:lstStyle/>
           <a:p>
             <a:r>
-              <a:rPr lang="en-US" dirty="0" err="1"/>
+              <a:rPr lang="en-US" dirty="0" err="1">
+                <a:solidFill>
+                  <a:srgbClr val="92D050"/>
+                </a:solidFill>
+              </a:rPr>
               <a:t>VFSServer</a:t>
             </a:r>
             <a:r>
-              <a:rPr lang="en-US" dirty="0"/>
+              <a:rPr lang="en-US" dirty="0">
+                <a:solidFill>
+                  <a:srgbClr val="92D050"/>
+                </a:solidFill>
+              </a:rPr>
               <a:t> (rust)</a:t>
             </a:r>
           </a:p>
           <a:p>
             <a:pPr lvl="1"/>
             <a:r>
-              <a:rPr lang="en-US" dirty="0"/>
+              <a:rPr lang="en-US" dirty="0">
+                <a:solidFill>
+                  <a:srgbClr val="92D050"/>
+                </a:solidFill>
+              </a:rPr>
               <a:t>Creates service</a:t>
             </a:r>
           </a:p>
           <a:p>
             <a:pPr lvl="1"/>
             <a:r>
-              <a:rPr lang="en-US" dirty="0"/>
+              <a:rPr lang="en-US" dirty="0">
+                <a:solidFill>
+                  <a:srgbClr val="92D050"/>
+                </a:solidFill>
+              </a:rPr>
               <a:t>Listen for connects</a:t>
             </a:r>
           </a:p>
           <a:p>
             <a:pPr lvl="1"/>
             <a:r>
-              <a:rPr lang="en-US" dirty="0"/>
+              <a:rPr lang="en-US" dirty="0">
+                <a:solidFill>
+                  <a:srgbClr val="92D050"/>
+                </a:solidFill>
+              </a:rPr>
               <a:t>Gets channel and returns a hardcoded int via channel</a:t>
             </a:r>
           </a:p>
           <a:p>
             <a:pPr lvl="1"/>
-            <a:endParaRPr lang="en-US" dirty="0"/>
-          </a:p>
-          <a:p>
-            <a:r>
-              <a:rPr lang="en-US" dirty="0"/>
+            <a:endParaRPr lang="en-US" dirty="0">
+              <a:solidFill>
+                <a:srgbClr val="92D050"/>
+              </a:solidFill>
+            </a:endParaRPr>
+          </a:p>
+          <a:p>
+            <a:r>
+              <a:rPr lang="en-US" dirty="0">
+                <a:solidFill>
+                  <a:srgbClr val="92D050"/>
+                </a:solidFill>
+              </a:rPr>
               <a:t>Directory-list (rust)</a:t>
             </a:r>
           </a:p>
           <a:p>
             <a:pPr lvl="1"/>
             <a:r>
-              <a:rPr lang="en-US" dirty="0"/>
+              <a:rPr lang="en-US" dirty="0">
+                <a:solidFill>
+                  <a:srgbClr val="92D050"/>
+                </a:solidFill>
+              </a:rPr>
               <a:t>Connects to service</a:t>
             </a:r>
           </a:p>
           <a:p>
             <a:pPr lvl="1"/>
             <a:r>
-              <a:rPr lang="en-US" dirty="0"/>
+              <a:rPr lang="en-US" dirty="0">
+                <a:solidFill>
+                  <a:srgbClr val="92D050"/>
+                </a:solidFill>
+              </a:rPr>
               <a:t>IPC calls </a:t>
             </a:r>
             <a:r>
-              <a:rPr lang="en-US" dirty="0" err="1"/>
+              <a:rPr lang="en-US" dirty="0" err="1">
+                <a:solidFill>
+                  <a:srgbClr val="92D050"/>
+                </a:solidFill>
+              </a:rPr>
               <a:t>ListFiles</a:t>
             </a:r>
-            <a:endParaRPr lang="en-US" dirty="0"/>
+            <a:endParaRPr lang="en-US" dirty="0">
+              <a:solidFill>
+                <a:srgbClr val="92D050"/>
+              </a:solidFill>
+            </a:endParaRPr>
           </a:p>
           <a:p>
             <a:pPr lvl="1"/>
             <a:r>
-              <a:rPr lang="en-US" dirty="0"/>
+              <a:rPr lang="en-US" dirty="0">
+                <a:solidFill>
+                  <a:srgbClr val="92D050"/>
+                </a:solidFill>
+              </a:rPr>
               <a:t>Dumps int value from channel using </a:t>
             </a:r>
             <a:r>
-              <a:rPr lang="en-US" dirty="0" err="1"/>
+              <a:rPr lang="en-US" dirty="0" err="1">
+                <a:solidFill>
+                  <a:srgbClr val="92D050"/>
+                </a:solidFill>
+              </a:rPr>
               <a:t>emitInformation</a:t>
             </a:r>
-            <a:endParaRPr lang="en-US" dirty="0"/>
-          </a:p>
-          <a:p>
-            <a:endParaRPr lang="en-US" dirty="0"/>
-          </a:p>
-          <a:p>
-            <a:r>
-              <a:rPr lang="en-US" dirty="0"/>
-              <a:t>Directory-list (</a:t>
-            </a:r>
-            <a:r>
-              <a:rPr lang="en-US" dirty="0" err="1"/>
-              <a:t>.net</a:t>
-            </a:r>
-            <a:r>
-              <a:rPr lang="en-US" dirty="0"/>
-              <a:t>)</a:t>
-            </a:r>
-          </a:p>
-          <a:p>
-            <a:pPr lvl="1"/>
-            <a:r>
-              <a:rPr lang="en-US" dirty="0"/>
-              <a:t>Connects to service</a:t>
-            </a:r>
-          </a:p>
-          <a:p>
-            <a:pPr lvl="1"/>
-            <a:r>
-              <a:rPr lang="en-US" dirty="0"/>
-              <a:t>IPC calls </a:t>
-            </a:r>
-            <a:r>
-              <a:rPr lang="en-US" dirty="0" err="1"/>
-              <a:t>ListFiles</a:t>
-            </a:r>
-            <a:endParaRPr lang="en-US" dirty="0"/>
-          </a:p>
-          <a:p>
-            <a:pPr lvl="1"/>
-            <a:r>
-              <a:rPr lang="en-US" dirty="0"/>
-              <a:t>Dumps int value from channel using </a:t>
-            </a:r>
-            <a:r>
-              <a:rPr lang="en-US" dirty="0" err="1"/>
-              <a:t>emitInformation</a:t>
-            </a:r>
-            <a:endParaRPr lang="en-SE" dirty="0"/>
-          </a:p>
-          <a:p>
-            <a:pPr lvl="1"/>
-            <a:endParaRPr lang="en-SE" dirty="0"/>
+            <a:endParaRPr lang="en-US" dirty="0">
+              <a:solidFill>
+                <a:srgbClr val="92D050"/>
+              </a:solidFill>
+            </a:endParaRPr>
           </a:p>
         </p:txBody>
       </p:sp>
@@ -5609,7 +5633,9 @@
         </p:nvSpPr>
         <p:spPr/>
         <p:txBody>
-          <a:bodyPr/>
+          <a:bodyPr>
+            <a:normAutofit fontScale="92500" lnSpcReduction="10000"/>
+          </a:bodyPr>
           <a:lstStyle/>
           <a:p>
             <a:r>
@@ -5634,7 +5660,7 @@
           <a:p>
             <a:r>
               <a:rPr lang="en-US" dirty="0"/>
-              <a:t>Use IDL compiler for interfaces (rust and </a:t>
+              <a:t>Use IDL compiler for interfaces (written in </a:t>
             </a:r>
             <a:r>
               <a:rPr lang="en-US" dirty="0" err="1"/>
@@ -5642,22 +5668,24 @@
             </a:r>
             <a:r>
               <a:rPr lang="en-US" dirty="0"/>
-              <a:t>)</a:t>
+              <a:t>, generates rust)</a:t>
             </a:r>
           </a:p>
           <a:p>
             <a:pPr lvl="1"/>
             <a:r>
-              <a:rPr lang="en-US" dirty="0"/>
-              <a:t>VFS</a:t>
-            </a:r>
+              <a:rPr lang="en-US" dirty="0" err="1"/>
+              <a:t>Protocol.VFS</a:t>
+            </a:r>
+            <a:endParaRPr lang="en-US" dirty="0"/>
           </a:p>
           <a:p>
             <a:pPr lvl="1"/>
             <a:r>
-              <a:rPr lang="en-US" dirty="0"/>
-              <a:t>FS</a:t>
-            </a:r>
+              <a:rPr lang="en-US" dirty="0" err="1"/>
+              <a:t>Protocol.FS</a:t>
+            </a:r>
+            <a:endParaRPr lang="en-US" dirty="0"/>
           </a:p>
           <a:p>
             <a:r>
@@ -5666,7 +5694,7 @@
             </a:r>
             <a:r>
               <a:rPr lang="en-US" dirty="0" err="1"/>
-              <a:t>WindowsFSServer</a:t>
+              <a:t>HostBridge.FS</a:t>
             </a:r>
             <a:endParaRPr lang="en-US" dirty="0"/>
           </a:p>
@@ -5677,11 +5705,52 @@
             </a:r>
             <a:r>
               <a:rPr lang="en-US" dirty="0" err="1"/>
-              <a:t>WindowsFSServer</a:t>
+              <a:t>HostBridge.FS</a:t>
             </a:r>
             <a:r>
               <a:rPr lang="en-US" dirty="0"/>
-              <a:t> mount to VFS</a:t>
+              <a:t> mount to </a:t>
+            </a:r>
+            <a:r>
+              <a:rPr lang="en-US" dirty="0" err="1"/>
+              <a:t>Server.VFS</a:t>
+            </a:r>
+            <a:endParaRPr lang="en-US" dirty="0"/>
+          </a:p>
+          <a:p>
+            <a:r>
+              <a:rPr lang="en-US" dirty="0"/>
+              <a:t>Rename and use </a:t>
+            </a:r>
+            <a:r>
+              <a:rPr lang="en-US" dirty="0" err="1"/>
+              <a:t>Application.DirectoryList</a:t>
+            </a:r>
+            <a:r>
+              <a:rPr lang="en-US" dirty="0"/>
+              <a:t> to list windows(native) files</a:t>
+            </a:r>
+          </a:p>
+          <a:p>
+            <a:r>
+              <a:rPr lang="en-US" dirty="0"/>
+              <a:t>Write and use </a:t>
+            </a:r>
+            <a:r>
+              <a:rPr lang="en-US" dirty="0" err="1"/>
+              <a:t>Application.FileRead</a:t>
+            </a:r>
+            <a:r>
+              <a:rPr lang="en-US" dirty="0"/>
+              <a:t> to read a file from VFS and </a:t>
+            </a:r>
+            <a:r>
+              <a:rPr lang="en-US" dirty="0" err="1"/>
+              <a:t>emitInformation</a:t>
+            </a:r>
+            <a:r>
+              <a:rPr lang="en-US" dirty="0"/>
+              <a:t> it</a:t>
             </a:r>
             <a:endParaRPr lang="en-SE" dirty="0"/>
           </a:p>
@@ -5691,6 +5760,218 @@
     <p:extLst>
       <p:ext uri="{BB962C8B-B14F-4D97-AF65-F5344CB8AC3E}">
         <p14:creationId xmlns:p14="http://schemas.microsoft.com/office/powerpoint/2010/main" val="26878499"/>
+      </p:ext>
+    </p:extLst>
+  </p:cSld>
+  <p:clrMapOvr>
+    <a:masterClrMapping/>
+  </p:clrMapOvr>
+</p:sld>
+</file>
+
+<file path=ppt/slides/slide4.xml><?xml version="1.0" encoding="utf-8"?>
+<p:sld xmlns:a="http://schemas.openxmlformats.org/drawingml/2006/main" xmlns:r="http://schemas.openxmlformats.org/officeDocument/2006/relationships" xmlns:p="http://schemas.openxmlformats.org/presentationml/2006/main">
+  <p:cSld>
+    <p:spTree>
+      <p:nvGrpSpPr>
+        <p:cNvPr id="1" name=""/>
+        <p:cNvGrpSpPr/>
+        <p:nvPr/>
+      </p:nvGrpSpPr>
+      <p:grpSpPr>
+        <a:xfrm>
+          <a:off x="0" y="0"/>
+          <a:ext cx="0" cy="0"/>
+          <a:chOff x="0" y="0"/>
+          <a:chExt cx="0" cy="0"/>
+        </a:xfrm>
+      </p:grpSpPr>
+      <p:sp>
+        <p:nvSpPr>
+          <p:cNvPr id="2" name="Title 1">
+            <a:extLst>
+              <a:ext uri="{FF2B5EF4-FFF2-40B4-BE49-F238E27FC236}">
+                <a16:creationId xmlns:a16="http://schemas.microsoft.com/office/drawing/2014/main" id="{C3DC3DA8-603B-46EF-A3A8-8FDA8DC07B26}"/>
+              </a:ext>
+            </a:extLst>
+          </p:cNvPr>
+          <p:cNvSpPr>
+            <a:spLocks noGrp="1"/>
+          </p:cNvSpPr>
+          <p:nvPr>
+            <p:ph type="title"/>
+          </p:nvPr>
+        </p:nvSpPr>
+        <p:spPr/>
+        <p:txBody>
+          <a:bodyPr/>
+          <a:lstStyle/>
+          <a:p>
+            <a:r>
+              <a:rPr lang="en-US" dirty="0"/>
+              <a:t>Steg 3</a:t>
+            </a:r>
+            <a:endParaRPr lang="en-SE" dirty="0"/>
+          </a:p>
+        </p:txBody>
+      </p:sp>
+      <p:sp>
+        <p:nvSpPr>
+          <p:cNvPr id="3" name="Content Placeholder 2">
+            <a:extLst>
+              <a:ext uri="{FF2B5EF4-FFF2-40B4-BE49-F238E27FC236}">
+                <a16:creationId xmlns:a16="http://schemas.microsoft.com/office/drawing/2014/main" id="{251FF763-FAD9-4517-9B30-1826018E5EF1}"/>
+              </a:ext>
+            </a:extLst>
+          </p:cNvPr>
+          <p:cNvSpPr>
+            <a:spLocks noGrp="1"/>
+          </p:cNvSpPr>
+          <p:nvPr>
+            <p:ph idx="1"/>
+          </p:nvPr>
+        </p:nvSpPr>
+        <p:spPr/>
+        <p:txBody>
+          <a:bodyPr>
+            <a:normAutofit fontScale="92500" lnSpcReduction="20000"/>
+          </a:bodyPr>
+          <a:lstStyle/>
+          <a:p>
+            <a:r>
+              <a:rPr lang="en-US" dirty="0"/>
+              <a:t>Write simple </a:t>
+            </a:r>
+            <a:r>
+              <a:rPr lang="en-US" dirty="0" err="1"/>
+              <a:t>HostBridge.Display</a:t>
+            </a:r>
+            <a:r>
+              <a:rPr lang="en-US" dirty="0"/>
+              <a:t> server</a:t>
+            </a:r>
+          </a:p>
+          <a:p>
+            <a:pPr lvl="1"/>
+            <a:r>
+              <a:rPr lang="en-US" dirty="0"/>
+              <a:t>IDL</a:t>
+            </a:r>
+          </a:p>
+          <a:p>
+            <a:r>
+              <a:rPr lang="en-US" dirty="0"/>
+              <a:t>Write simple </a:t>
+            </a:r>
+            <a:r>
+              <a:rPr lang="en-US" dirty="0" err="1"/>
+              <a:t>Server.Tornado</a:t>
+            </a:r>
+            <a:endParaRPr lang="en-US" dirty="0"/>
+          </a:p>
+          <a:p>
+            <a:pPr lvl="1"/>
+            <a:r>
+              <a:rPr lang="en-US" dirty="0"/>
+              <a:t>IDL</a:t>
+            </a:r>
+          </a:p>
+          <a:p>
+            <a:pPr lvl="1"/>
+            <a:r>
+              <a:rPr lang="en-US" dirty="0"/>
+              <a:t>GUI primitives</a:t>
+            </a:r>
+          </a:p>
+          <a:p>
+            <a:pPr lvl="2"/>
+            <a:r>
+              <a:rPr lang="en-US" dirty="0" err="1"/>
+              <a:t>GUI.Window</a:t>
+            </a:r>
+            <a:endParaRPr lang="en-US" dirty="0"/>
+          </a:p>
+          <a:p>
+            <a:pPr lvl="2"/>
+            <a:r>
+              <a:rPr lang="en-US" dirty="0" err="1"/>
+              <a:t>GUI.CharacterGrid</a:t>
+            </a:r>
+            <a:r>
+              <a:rPr lang="en-US" dirty="0"/>
+              <a:t> (will be used for text editor)</a:t>
+            </a:r>
+          </a:p>
+          <a:p>
+            <a:pPr lvl="2"/>
+            <a:r>
+              <a:rPr lang="en-US" dirty="0" err="1"/>
+              <a:t>GUI.LineInput</a:t>
+            </a:r>
+            <a:r>
+              <a:rPr lang="en-US" dirty="0"/>
+              <a:t> (used for shell)</a:t>
+            </a:r>
+          </a:p>
+          <a:p>
+            <a:pPr lvl="2"/>
+            <a:r>
+              <a:rPr lang="en-US" dirty="0"/>
+              <a:t>…</a:t>
+            </a:r>
+          </a:p>
+          <a:p>
+            <a:r>
+              <a:rPr lang="en-US" dirty="0"/>
+              <a:t>Write simple </a:t>
+            </a:r>
+            <a:r>
+              <a:rPr lang="en-US" dirty="0" err="1"/>
+              <a:t>Application.Shell</a:t>
+            </a:r>
+            <a:endParaRPr lang="en-US" dirty="0"/>
+          </a:p>
+          <a:p>
+            <a:r>
+              <a:rPr lang="en-US" dirty="0"/>
+              <a:t>Write simple </a:t>
+            </a:r>
+            <a:r>
+              <a:rPr lang="en-US" dirty="0" err="1"/>
+              <a:t>Application.FileEditor</a:t>
+            </a:r>
+            <a:endParaRPr lang="en-US" dirty="0"/>
+          </a:p>
+          <a:p>
+            <a:pPr lvl="1"/>
+            <a:r>
+              <a:rPr lang="en-US" dirty="0"/>
+              <a:t>Reads file from </a:t>
+            </a:r>
+            <a:r>
+              <a:rPr lang="en-US" dirty="0" err="1"/>
+              <a:t>Server.VFS</a:t>
+            </a:r>
+            <a:endParaRPr lang="en-US" dirty="0"/>
+          </a:p>
+          <a:p>
+            <a:pPr lvl="1"/>
+            <a:r>
+              <a:rPr lang="en-US" dirty="0"/>
+              <a:t>Displays and edits using </a:t>
+            </a:r>
+            <a:r>
+              <a:rPr lang="en-US" dirty="0" err="1"/>
+              <a:t>GUI.CharacterGrid</a:t>
+            </a:r>
+            <a:endParaRPr lang="en-US" dirty="0"/>
+          </a:p>
+        </p:txBody>
+      </p:sp>
+    </p:spTree>
+    <p:extLst>
+      <p:ext uri="{BB962C8B-B14F-4D97-AF65-F5344CB8AC3E}">
+        <p14:creationId xmlns:p14="http://schemas.microsoft.com/office/powerpoint/2010/main" val="1881553423"/>
       </p:ext>
     </p:extLst>
   </p:cSld>

--- a/Structure.pptx
+++ b/Structure.pptx
@@ -9,6 +9,7 @@
     <p:sldId id="257" r:id="rId3"/>
     <p:sldId id="258" r:id="rId4"/>
     <p:sldId id="259" r:id="rId5"/>
+    <p:sldId id="260" r:id="rId6"/>
   </p:sldIdLst>
   <p:sldSz cx="12192000" cy="6858000"/>
   <p:notesSz cx="6858000" cy="9144000"/>
@@ -115,6 +116,4584 @@
 </p:presentation>
 </file>
 
+<file path=ppt/diagrams/colors1.xml><?xml version="1.0" encoding="utf-8"?>
+<dgm:colorsDef xmlns:dgm="http://schemas.openxmlformats.org/drawingml/2006/diagram" xmlns:a="http://schemas.openxmlformats.org/drawingml/2006/main" uniqueId="urn:microsoft.com/office/officeart/2005/8/colors/colorful4">
+  <dgm:title val=""/>
+  <dgm:desc val=""/>
+  <dgm:catLst>
+    <dgm:cat type="colorful" pri="10400"/>
+  </dgm:catLst>
+  <dgm:styleLbl name="node0">
+    <dgm:fillClrLst meth="repeat">
+      <a:schemeClr val="accent3"/>
+    </dgm:fillClrLst>
+    <dgm:linClrLst meth="repeat">
+      <a:schemeClr val="lt1"/>
+    </dgm:linClrLst>
+    <dgm:effectClrLst/>
+    <dgm:txLinClrLst/>
+    <dgm:txFillClrLst/>
+    <dgm:txEffectClrLst/>
+  </dgm:styleLbl>
+  <dgm:styleLbl name="node1">
+    <dgm:fillClrLst>
+      <a:schemeClr val="accent4"/>
+      <a:schemeClr val="accent5"/>
+    </dgm:fillClrLst>
+    <dgm:linClrLst meth="repeat">
+      <a:schemeClr val="lt1"/>
+    </dgm:linClrLst>
+    <dgm:effectClrLst/>
+    <dgm:txLinClrLst/>
+    <dgm:txFillClrLst/>
+    <dgm:txEffectClrLst/>
+  </dgm:styleLbl>
+  <dgm:styleLbl name="alignNode1">
+    <dgm:fillClrLst>
+      <a:schemeClr val="accent4"/>
+      <a:schemeClr val="accent5"/>
+    </dgm:fillClrLst>
+    <dgm:linClrLst>
+      <a:schemeClr val="accent4"/>
+      <a:schemeClr val="accent5"/>
+    </dgm:linClrLst>
+    <dgm:effectClrLst/>
+    <dgm:txLinClrLst/>
+    <dgm:txFillClrLst/>
+    <dgm:txEffectClrLst/>
+  </dgm:styleLbl>
+  <dgm:styleLbl name="lnNode1">
+    <dgm:fillClrLst>
+      <a:schemeClr val="accent4"/>
+      <a:schemeClr val="accent5"/>
+    </dgm:fillClrLst>
+    <dgm:linClrLst meth="repeat">
+      <a:schemeClr val="lt1"/>
+    </dgm:linClrLst>
+    <dgm:effectClrLst/>
+    <dgm:txLinClrLst/>
+    <dgm:txFillClrLst/>
+    <dgm:txEffectClrLst/>
+  </dgm:styleLbl>
+  <dgm:styleLbl name="vennNode1">
+    <dgm:fillClrLst>
+      <a:schemeClr val="accent4">
+        <a:alpha val="50000"/>
+      </a:schemeClr>
+      <a:schemeClr val="accent5">
+        <a:alpha val="50000"/>
+      </a:schemeClr>
+    </dgm:fillClrLst>
+    <dgm:linClrLst meth="repeat">
+      <a:schemeClr val="lt1"/>
+    </dgm:linClrLst>
+    <dgm:effectClrLst/>
+    <dgm:txLinClrLst/>
+    <dgm:txFillClrLst/>
+    <dgm:txEffectClrLst/>
+  </dgm:styleLbl>
+  <dgm:styleLbl name="node2">
+    <dgm:fillClrLst>
+      <a:schemeClr val="accent5"/>
+    </dgm:fillClrLst>
+    <dgm:linClrLst meth="repeat">
+      <a:schemeClr val="lt1"/>
+    </dgm:linClrLst>
+    <dgm:effectClrLst/>
+    <dgm:txLinClrLst/>
+    <dgm:txFillClrLst/>
+    <dgm:txEffectClrLst/>
+  </dgm:styleLbl>
+  <dgm:styleLbl name="node3">
+    <dgm:fillClrLst>
+      <a:schemeClr val="accent6"/>
+    </dgm:fillClrLst>
+    <dgm:linClrLst meth="repeat">
+      <a:schemeClr val="lt1"/>
+    </dgm:linClrLst>
+    <dgm:effectClrLst/>
+    <dgm:txLinClrLst/>
+    <dgm:txFillClrLst/>
+    <dgm:txEffectClrLst/>
+  </dgm:styleLbl>
+  <dgm:styleLbl name="node4">
+    <dgm:fillClrLst>
+      <a:schemeClr val="accent1"/>
+    </dgm:fillClrLst>
+    <dgm:linClrLst meth="repeat">
+      <a:schemeClr val="lt1"/>
+    </dgm:linClrLst>
+    <dgm:effectClrLst/>
+    <dgm:txLinClrLst/>
+    <dgm:txFillClrLst/>
+    <dgm:txEffectClrLst/>
+  </dgm:styleLbl>
+  <dgm:styleLbl name="fgImgPlace1">
+    <dgm:fillClrLst>
+      <a:schemeClr val="accent4">
+        <a:tint val="50000"/>
+      </a:schemeClr>
+      <a:schemeClr val="accent5">
+        <a:tint val="50000"/>
+      </a:schemeClr>
+    </dgm:fillClrLst>
+    <dgm:linClrLst meth="repeat">
+      <a:schemeClr val="lt1"/>
+    </dgm:linClrLst>
+    <dgm:effectClrLst/>
+    <dgm:txLinClrLst/>
+    <dgm:txFillClrLst meth="repeat">
+      <a:schemeClr val="lt1"/>
+    </dgm:txFillClrLst>
+    <dgm:txEffectClrLst/>
+  </dgm:styleLbl>
+  <dgm:styleLbl name="alignImgPlace1">
+    <dgm:fillClrLst>
+      <a:schemeClr val="accent4">
+        <a:tint val="50000"/>
+      </a:schemeClr>
+      <a:schemeClr val="accent5">
+        <a:tint val="20000"/>
+      </a:schemeClr>
+    </dgm:fillClrLst>
+    <dgm:linClrLst meth="repeat">
+      <a:schemeClr val="lt1"/>
+    </dgm:linClrLst>
+    <dgm:effectClrLst/>
+    <dgm:txLinClrLst/>
+    <dgm:txFillClrLst meth="repeat">
+      <a:schemeClr val="lt1"/>
+    </dgm:txFillClrLst>
+    <dgm:txEffectClrLst/>
+  </dgm:styleLbl>
+  <dgm:styleLbl name="bgImgPlace1">
+    <dgm:fillClrLst>
+      <a:schemeClr val="accent4">
+        <a:tint val="50000"/>
+      </a:schemeClr>
+      <a:schemeClr val="accent5">
+        <a:tint val="20000"/>
+      </a:schemeClr>
+    </dgm:fillClrLst>
+    <dgm:linClrLst meth="repeat">
+      <a:schemeClr val="lt1"/>
+    </dgm:linClrLst>
+    <dgm:effectClrLst/>
+    <dgm:txLinClrLst/>
+    <dgm:txFillClrLst meth="repeat">
+      <a:schemeClr val="lt1"/>
+    </dgm:txFillClrLst>
+    <dgm:txEffectClrLst/>
+  </dgm:styleLbl>
+  <dgm:styleLbl name="sibTrans2D1">
+    <dgm:fillClrLst>
+      <a:schemeClr val="accent4"/>
+      <a:schemeClr val="accent5"/>
+    </dgm:fillClrLst>
+    <dgm:linClrLst meth="repeat">
+      <a:schemeClr val="lt1"/>
+    </dgm:linClrLst>
+    <dgm:effectClrLst/>
+    <dgm:txLinClrLst/>
+    <dgm:txFillClrLst/>
+    <dgm:txEffectClrLst/>
+  </dgm:styleLbl>
+  <dgm:styleLbl name="fgSibTrans2D1">
+    <dgm:fillClrLst>
+      <a:schemeClr val="accent4"/>
+      <a:schemeClr val="accent5"/>
+    </dgm:fillClrLst>
+    <dgm:linClrLst meth="repeat">
+      <a:schemeClr val="lt1"/>
+    </dgm:linClrLst>
+    <dgm:effectClrLst/>
+    <dgm:txLinClrLst/>
+    <dgm:txFillClrLst meth="repeat">
+      <a:schemeClr val="lt1"/>
+    </dgm:txFillClrLst>
+    <dgm:txEffectClrLst/>
+  </dgm:styleLbl>
+  <dgm:styleLbl name="bgSibTrans2D1">
+    <dgm:fillClrLst>
+      <a:schemeClr val="accent4"/>
+      <a:schemeClr val="accent5"/>
+    </dgm:fillClrLst>
+    <dgm:linClrLst meth="repeat">
+      <a:schemeClr val="lt1"/>
+    </dgm:linClrLst>
+    <dgm:effectClrLst/>
+    <dgm:txLinClrLst/>
+    <dgm:txFillClrLst meth="repeat">
+      <a:schemeClr val="lt1"/>
+    </dgm:txFillClrLst>
+    <dgm:txEffectClrLst/>
+  </dgm:styleLbl>
+  <dgm:styleLbl name="sibTrans1D1">
+    <dgm:fillClrLst/>
+    <dgm:linClrLst>
+      <a:schemeClr val="accent4"/>
+      <a:schemeClr val="accent5"/>
+    </dgm:linClrLst>
+    <dgm:effectClrLst/>
+    <dgm:txLinClrLst/>
+    <dgm:txFillClrLst meth="repeat">
+      <a:schemeClr val="tx1"/>
+    </dgm:txFillClrLst>
+    <dgm:txEffectClrLst/>
+  </dgm:styleLbl>
+  <dgm:styleLbl name="callout">
+    <dgm:fillClrLst meth="repeat">
+      <a:schemeClr val="accent4"/>
+    </dgm:fillClrLst>
+    <dgm:linClrLst meth="repeat">
+      <a:schemeClr val="accent4">
+        <a:tint val="50000"/>
+      </a:schemeClr>
+    </dgm:linClrLst>
+    <dgm:effectClrLst/>
+    <dgm:txLinClrLst/>
+    <dgm:txFillClrLst meth="repeat">
+      <a:schemeClr val="tx1"/>
+    </dgm:txFillClrLst>
+    <dgm:txEffectClrLst/>
+  </dgm:styleLbl>
+  <dgm:styleLbl name="asst0">
+    <dgm:fillClrLst meth="repeat">
+      <a:schemeClr val="accent4"/>
+    </dgm:fillClrLst>
+    <dgm:linClrLst meth="repeat">
+      <a:schemeClr val="lt1">
+        <a:shade val="80000"/>
+      </a:schemeClr>
+    </dgm:linClrLst>
+    <dgm:effectClrLst/>
+    <dgm:txLinClrLst/>
+    <dgm:txFillClrLst/>
+    <dgm:txEffectClrLst/>
+  </dgm:styleLbl>
+  <dgm:styleLbl name="asst1">
+    <dgm:fillClrLst meth="repeat">
+      <a:schemeClr val="accent5"/>
+    </dgm:fillClrLst>
+    <dgm:linClrLst meth="repeat">
+      <a:schemeClr val="lt1">
+        <a:shade val="80000"/>
+      </a:schemeClr>
+    </dgm:linClrLst>
+    <dgm:effectClrLst/>
+    <dgm:txLinClrLst/>
+    <dgm:txFillClrLst/>
+    <dgm:txEffectClrLst/>
+  </dgm:styleLbl>
+  <dgm:styleLbl name="asst2">
+    <dgm:fillClrLst>
+      <a:schemeClr val="accent6"/>
+    </dgm:fillClrLst>
+    <dgm:linClrLst meth="repeat">
+      <a:schemeClr val="lt1"/>
+    </dgm:linClrLst>
+    <dgm:effectClrLst/>
+    <dgm:txLinClrLst/>
+    <dgm:txFillClrLst/>
+    <dgm:txEffectClrLst/>
+  </dgm:styleLbl>
+  <dgm:styleLbl name="asst3">
+    <dgm:fillClrLst>
+      <a:schemeClr val="accent1"/>
+    </dgm:fillClrLst>
+    <dgm:linClrLst meth="repeat">
+      <a:schemeClr val="lt1"/>
+    </dgm:linClrLst>
+    <dgm:effectClrLst/>
+    <dgm:txLinClrLst/>
+    <dgm:txFillClrLst/>
+    <dgm:txEffectClrLst/>
+  </dgm:styleLbl>
+  <dgm:styleLbl name="asst4">
+    <dgm:fillClrLst>
+      <a:schemeClr val="accent2"/>
+    </dgm:fillClrLst>
+    <dgm:linClrLst meth="repeat">
+      <a:schemeClr val="lt1"/>
+    </dgm:linClrLst>
+    <dgm:effectClrLst/>
+    <dgm:txLinClrLst/>
+    <dgm:txFillClrLst/>
+    <dgm:txEffectClrLst/>
+  </dgm:styleLbl>
+  <dgm:styleLbl name="parChTrans2D1">
+    <dgm:fillClrLst meth="repeat">
+      <a:schemeClr val="accent4"/>
+    </dgm:fillClrLst>
+    <dgm:linClrLst meth="repeat">
+      <a:schemeClr val="lt1"/>
+    </dgm:linClrLst>
+    <dgm:effectClrLst/>
+    <dgm:txLinClrLst/>
+    <dgm:txFillClrLst meth="repeat">
+      <a:schemeClr val="lt1"/>
+    </dgm:txFillClrLst>
+    <dgm:txEffectClrLst/>
+  </dgm:styleLbl>
+  <dgm:styleLbl name="parChTrans2D2">
+    <dgm:fillClrLst meth="repeat">
+      <a:schemeClr val="accent5"/>
+    </dgm:fillClrLst>
+    <dgm:linClrLst meth="repeat">
+      <a:schemeClr val="lt1"/>
+    </dgm:linClrLst>
+    <dgm:effectClrLst/>
+    <dgm:txLinClrLst/>
+    <dgm:txFillClrLst/>
+    <dgm:txEffectClrLst/>
+  </dgm:styleLbl>
+  <dgm:styleLbl name="parChTrans2D3">
+    <dgm:fillClrLst meth="repeat">
+      <a:schemeClr val="accent5"/>
+    </dgm:fillClrLst>
+    <dgm:linClrLst meth="repeat">
+      <a:schemeClr val="lt1"/>
+    </dgm:linClrLst>
+    <dgm:effectClrLst/>
+    <dgm:txLinClrLst/>
+    <dgm:txFillClrLst/>
+    <dgm:txEffectClrLst/>
+  </dgm:styleLbl>
+  <dgm:styleLbl name="parChTrans2D4">
+    <dgm:fillClrLst meth="repeat">
+      <a:schemeClr val="accent6"/>
+    </dgm:fillClrLst>
+    <dgm:linClrLst meth="repeat">
+      <a:schemeClr val="lt1"/>
+    </dgm:linClrLst>
+    <dgm:effectClrLst/>
+    <dgm:txLinClrLst/>
+    <dgm:txFillClrLst meth="repeat">
+      <a:schemeClr val="lt1"/>
+    </dgm:txFillClrLst>
+    <dgm:txEffectClrLst/>
+  </dgm:styleLbl>
+  <dgm:styleLbl name="parChTrans1D1">
+    <dgm:fillClrLst meth="repeat">
+      <a:schemeClr val="accent4"/>
+    </dgm:fillClrLst>
+    <dgm:linClrLst meth="repeat">
+      <a:schemeClr val="accent4"/>
+    </dgm:linClrLst>
+    <dgm:effectClrLst/>
+    <dgm:txLinClrLst/>
+    <dgm:txFillClrLst meth="repeat">
+      <a:schemeClr val="tx1"/>
+    </dgm:txFillClrLst>
+    <dgm:txEffectClrLst/>
+  </dgm:styleLbl>
+  <dgm:styleLbl name="parChTrans1D2">
+    <dgm:fillClrLst meth="repeat">
+      <a:schemeClr val="accent4">
+        <a:tint val="90000"/>
+      </a:schemeClr>
+    </dgm:fillClrLst>
+    <dgm:linClrLst meth="repeat">
+      <a:schemeClr val="accent5"/>
+    </dgm:linClrLst>
+    <dgm:effectClrLst/>
+    <dgm:txLinClrLst/>
+    <dgm:txFillClrLst meth="repeat">
+      <a:schemeClr val="tx1"/>
+    </dgm:txFillClrLst>
+    <dgm:txEffectClrLst/>
+  </dgm:styleLbl>
+  <dgm:styleLbl name="parChTrans1D3">
+    <dgm:fillClrLst meth="repeat">
+      <a:schemeClr val="accent4">
+        <a:tint val="70000"/>
+      </a:schemeClr>
+    </dgm:fillClrLst>
+    <dgm:linClrLst meth="repeat">
+      <a:schemeClr val="accent6"/>
+    </dgm:linClrLst>
+    <dgm:effectClrLst/>
+    <dgm:txLinClrLst/>
+    <dgm:txFillClrLst meth="repeat">
+      <a:schemeClr val="tx1"/>
+    </dgm:txFillClrLst>
+    <dgm:txEffectClrLst/>
+  </dgm:styleLbl>
+  <dgm:styleLbl name="parChTrans1D4">
+    <dgm:fillClrLst meth="repeat">
+      <a:schemeClr val="accent4">
+        <a:tint val="50000"/>
+      </a:schemeClr>
+    </dgm:fillClrLst>
+    <dgm:linClrLst meth="repeat">
+      <a:schemeClr val="accent1"/>
+    </dgm:linClrLst>
+    <dgm:effectClrLst/>
+    <dgm:txLinClrLst/>
+    <dgm:txFillClrLst meth="repeat">
+      <a:schemeClr val="tx1"/>
+    </dgm:txFillClrLst>
+    <dgm:txEffectClrLst/>
+  </dgm:styleLbl>
+  <dgm:styleLbl name="fgAcc1">
+    <dgm:fillClrLst meth="repeat">
+      <a:schemeClr val="lt1">
+        <a:alpha val="90000"/>
+      </a:schemeClr>
+    </dgm:fillClrLst>
+    <dgm:linClrLst>
+      <a:schemeClr val="accent4"/>
+      <a:schemeClr val="accent5"/>
+    </dgm:linClrLst>
+    <dgm:effectClrLst/>
+    <dgm:txLinClrLst/>
+    <dgm:txFillClrLst meth="repeat">
+      <a:schemeClr val="dk1"/>
+    </dgm:txFillClrLst>
+    <dgm:txEffectClrLst/>
+  </dgm:styleLbl>
+  <dgm:styleLbl name="conFgAcc1">
+    <dgm:fillClrLst meth="repeat">
+      <a:schemeClr val="lt1">
+        <a:alpha val="90000"/>
+      </a:schemeClr>
+    </dgm:fillClrLst>
+    <dgm:linClrLst>
+      <a:schemeClr val="accent4"/>
+      <a:schemeClr val="accent5"/>
+    </dgm:linClrLst>
+    <dgm:effectClrLst/>
+    <dgm:txLinClrLst/>
+    <dgm:txFillClrLst meth="repeat">
+      <a:schemeClr val="dk1"/>
+    </dgm:txFillClrLst>
+    <dgm:txEffectClrLst/>
+  </dgm:styleLbl>
+  <dgm:styleLbl name="alignAcc1">
+    <dgm:fillClrLst meth="repeat">
+      <a:schemeClr val="lt1">
+        <a:alpha val="90000"/>
+      </a:schemeClr>
+    </dgm:fillClrLst>
+    <dgm:linClrLst>
+      <a:schemeClr val="accent4"/>
+      <a:schemeClr val="accent5"/>
+    </dgm:linClrLst>
+    <dgm:effectClrLst/>
+    <dgm:txLinClrLst/>
+    <dgm:txFillClrLst meth="repeat">
+      <a:schemeClr val="dk1"/>
+    </dgm:txFillClrLst>
+    <dgm:txEffectClrLst/>
+  </dgm:styleLbl>
+  <dgm:styleLbl name="trAlignAcc1">
+    <dgm:fillClrLst meth="repeat">
+      <a:schemeClr val="lt1">
+        <a:alpha val="40000"/>
+      </a:schemeClr>
+    </dgm:fillClrLst>
+    <dgm:linClrLst meth="repeat">
+      <a:schemeClr val="accent4"/>
+    </dgm:linClrLst>
+    <dgm:effectClrLst/>
+    <dgm:txLinClrLst/>
+    <dgm:txFillClrLst meth="repeat">
+      <a:schemeClr val="dk1"/>
+    </dgm:txFillClrLst>
+    <dgm:txEffectClrLst/>
+  </dgm:styleLbl>
+  <dgm:styleLbl name="bgAcc1">
+    <dgm:fillClrLst meth="repeat">
+      <a:schemeClr val="lt1">
+        <a:alpha val="90000"/>
+      </a:schemeClr>
+    </dgm:fillClrLst>
+    <dgm:linClrLst>
+      <a:schemeClr val="accent4"/>
+      <a:schemeClr val="accent5"/>
+    </dgm:linClrLst>
+    <dgm:effectClrLst/>
+    <dgm:txLinClrLst/>
+    <dgm:txFillClrLst meth="repeat">
+      <a:schemeClr val="dk1"/>
+    </dgm:txFillClrLst>
+    <dgm:txEffectClrLst/>
+  </dgm:styleLbl>
+  <dgm:styleLbl name="solidFgAcc1">
+    <dgm:fillClrLst meth="repeat">
+      <a:schemeClr val="lt1"/>
+    </dgm:fillClrLst>
+    <dgm:linClrLst>
+      <a:schemeClr val="accent4"/>
+      <a:schemeClr val="accent5"/>
+    </dgm:linClrLst>
+    <dgm:effectClrLst/>
+    <dgm:txLinClrLst/>
+    <dgm:txFillClrLst meth="repeat">
+      <a:schemeClr val="dk1"/>
+    </dgm:txFillClrLst>
+    <dgm:txEffectClrLst/>
+  </dgm:styleLbl>
+  <dgm:styleLbl name="solidAlignAcc1">
+    <dgm:fillClrLst meth="repeat">
+      <a:schemeClr val="lt1"/>
+    </dgm:fillClrLst>
+    <dgm:linClrLst>
+      <a:schemeClr val="accent4"/>
+      <a:schemeClr val="accent5"/>
+    </dgm:linClrLst>
+    <dgm:effectClrLst/>
+    <dgm:txLinClrLst/>
+    <dgm:txFillClrLst meth="repeat">
+      <a:schemeClr val="dk1"/>
+    </dgm:txFillClrLst>
+    <dgm:txEffectClrLst/>
+  </dgm:styleLbl>
+  <dgm:styleLbl name="solidBgAcc1">
+    <dgm:fillClrLst meth="repeat">
+      <a:schemeClr val="lt1"/>
+    </dgm:fillClrLst>
+    <dgm:linClrLst>
+      <a:schemeClr val="accent4"/>
+      <a:schemeClr val="accent5"/>
+    </dgm:linClrLst>
+    <dgm:effectClrLst/>
+    <dgm:txLinClrLst/>
+    <dgm:txFillClrLst meth="repeat">
+      <a:schemeClr val="dk1"/>
+    </dgm:txFillClrLst>
+    <dgm:txEffectClrLst/>
+  </dgm:styleLbl>
+  <dgm:styleLbl name="fgAccFollowNode1">
+    <dgm:fillClrLst>
+      <a:schemeClr val="accent4">
+        <a:tint val="40000"/>
+        <a:alpha val="90000"/>
+      </a:schemeClr>
+      <a:schemeClr val="accent5">
+        <a:tint val="40000"/>
+        <a:alpha val="90000"/>
+      </a:schemeClr>
+    </dgm:fillClrLst>
+    <dgm:linClrLst>
+      <a:schemeClr val="accent4">
+        <a:tint val="40000"/>
+        <a:alpha val="90000"/>
+      </a:schemeClr>
+      <a:schemeClr val="accent5">
+        <a:tint val="40000"/>
+        <a:alpha val="90000"/>
+      </a:schemeClr>
+    </dgm:linClrLst>
+    <dgm:effectClrLst/>
+    <dgm:txLinClrLst/>
+    <dgm:txFillClrLst meth="repeat">
+      <a:schemeClr val="dk1"/>
+    </dgm:txFillClrLst>
+    <dgm:txEffectClrLst/>
+  </dgm:styleLbl>
+  <dgm:styleLbl name="alignAccFollowNode1">
+    <dgm:fillClrLst>
+      <a:schemeClr val="accent4">
+        <a:tint val="40000"/>
+        <a:alpha val="90000"/>
+      </a:schemeClr>
+      <a:schemeClr val="accent5">
+        <a:tint val="40000"/>
+        <a:alpha val="90000"/>
+      </a:schemeClr>
+    </dgm:fillClrLst>
+    <dgm:linClrLst>
+      <a:schemeClr val="accent4">
+        <a:tint val="40000"/>
+        <a:alpha val="90000"/>
+      </a:schemeClr>
+      <a:schemeClr val="accent5">
+        <a:tint val="40000"/>
+        <a:alpha val="90000"/>
+      </a:schemeClr>
+    </dgm:linClrLst>
+    <dgm:effectClrLst/>
+    <dgm:txLinClrLst/>
+    <dgm:txFillClrLst meth="repeat">
+      <a:schemeClr val="dk1"/>
+    </dgm:txFillClrLst>
+    <dgm:txEffectClrLst/>
+  </dgm:styleLbl>
+  <dgm:styleLbl name="bgAccFollowNode1">
+    <dgm:fillClrLst>
+      <a:schemeClr val="accent4">
+        <a:tint val="40000"/>
+        <a:alpha val="90000"/>
+      </a:schemeClr>
+      <a:schemeClr val="accent5">
+        <a:tint val="40000"/>
+        <a:alpha val="90000"/>
+      </a:schemeClr>
+    </dgm:fillClrLst>
+    <dgm:linClrLst>
+      <a:schemeClr val="accent4">
+        <a:tint val="40000"/>
+        <a:alpha val="90000"/>
+      </a:schemeClr>
+      <a:schemeClr val="accent5">
+        <a:tint val="40000"/>
+        <a:alpha val="90000"/>
+      </a:schemeClr>
+    </dgm:linClrLst>
+    <dgm:effectClrLst/>
+    <dgm:txLinClrLst/>
+    <dgm:txFillClrLst meth="repeat">
+      <a:schemeClr val="dk1"/>
+    </dgm:txFillClrLst>
+    <dgm:txEffectClrLst/>
+  </dgm:styleLbl>
+  <dgm:styleLbl name="fgAcc0">
+    <dgm:fillClrLst meth="repeat">
+      <a:schemeClr val="lt1">
+        <a:alpha val="90000"/>
+      </a:schemeClr>
+    </dgm:fillClrLst>
+    <dgm:linClrLst>
+      <a:schemeClr val="accent3"/>
+    </dgm:linClrLst>
+    <dgm:effectClrLst/>
+    <dgm:txLinClrLst/>
+    <dgm:txFillClrLst meth="repeat">
+      <a:schemeClr val="dk1"/>
+    </dgm:txFillClrLst>
+    <dgm:txEffectClrLst/>
+  </dgm:styleLbl>
+  <dgm:styleLbl name="fgAcc2">
+    <dgm:fillClrLst meth="repeat">
+      <a:schemeClr val="lt1">
+        <a:alpha val="90000"/>
+      </a:schemeClr>
+    </dgm:fillClrLst>
+    <dgm:linClrLst>
+      <a:schemeClr val="accent5"/>
+    </dgm:linClrLst>
+    <dgm:effectClrLst/>
+    <dgm:txLinClrLst/>
+    <dgm:txFillClrLst meth="repeat">
+      <a:schemeClr val="dk1"/>
+    </dgm:txFillClrLst>
+    <dgm:txEffectClrLst/>
+  </dgm:styleLbl>
+  <dgm:styleLbl name="fgAcc3">
+    <dgm:fillClrLst meth="repeat">
+      <a:schemeClr val="lt1">
+        <a:alpha val="90000"/>
+      </a:schemeClr>
+    </dgm:fillClrLst>
+    <dgm:linClrLst>
+      <a:schemeClr val="accent6"/>
+    </dgm:linClrLst>
+    <dgm:effectClrLst/>
+    <dgm:txLinClrLst/>
+    <dgm:txFillClrLst meth="repeat">
+      <a:schemeClr val="dk1"/>
+    </dgm:txFillClrLst>
+    <dgm:txEffectClrLst/>
+  </dgm:styleLbl>
+  <dgm:styleLbl name="fgAcc4">
+    <dgm:fillClrLst meth="repeat">
+      <a:schemeClr val="lt1">
+        <a:alpha val="90000"/>
+      </a:schemeClr>
+    </dgm:fillClrLst>
+    <dgm:linClrLst>
+      <a:schemeClr val="accent1"/>
+    </dgm:linClrLst>
+    <dgm:effectClrLst/>
+    <dgm:txLinClrLst/>
+    <dgm:txFillClrLst meth="repeat">
+      <a:schemeClr val="dk1"/>
+    </dgm:txFillClrLst>
+    <dgm:txEffectClrLst/>
+  </dgm:styleLbl>
+  <dgm:styleLbl name="bgShp">
+    <dgm:fillClrLst meth="repeat">
+      <a:schemeClr val="accent4">
+        <a:tint val="40000"/>
+      </a:schemeClr>
+    </dgm:fillClrLst>
+    <dgm:linClrLst meth="repeat">
+      <a:schemeClr val="dk1"/>
+    </dgm:linClrLst>
+    <dgm:effectClrLst/>
+    <dgm:txLinClrLst/>
+    <dgm:txFillClrLst meth="repeat">
+      <a:schemeClr val="dk1"/>
+    </dgm:txFillClrLst>
+    <dgm:txEffectClrLst/>
+  </dgm:styleLbl>
+  <dgm:styleLbl name="dkBgShp">
+    <dgm:fillClrLst meth="repeat">
+      <a:schemeClr val="accent4">
+        <a:shade val="90000"/>
+      </a:schemeClr>
+    </dgm:fillClrLst>
+    <dgm:linClrLst meth="repeat">
+      <a:schemeClr val="dk1"/>
+    </dgm:linClrLst>
+    <dgm:effectClrLst/>
+    <dgm:txLinClrLst/>
+    <dgm:txFillClrLst meth="repeat">
+      <a:schemeClr val="lt1"/>
+    </dgm:txFillClrLst>
+    <dgm:txEffectClrLst/>
+  </dgm:styleLbl>
+  <dgm:styleLbl name="trBgShp">
+    <dgm:fillClrLst meth="repeat">
+      <a:schemeClr val="accent4">
+        <a:tint val="50000"/>
+        <a:alpha val="40000"/>
+      </a:schemeClr>
+    </dgm:fillClrLst>
+    <dgm:linClrLst meth="repeat">
+      <a:schemeClr val="accent4"/>
+    </dgm:linClrLst>
+    <dgm:effectClrLst/>
+    <dgm:txLinClrLst/>
+    <dgm:txFillClrLst meth="repeat">
+      <a:schemeClr val="lt1"/>
+    </dgm:txFillClrLst>
+    <dgm:txEffectClrLst/>
+  </dgm:styleLbl>
+  <dgm:styleLbl name="fgShp">
+    <dgm:fillClrLst meth="repeat">
+      <a:schemeClr val="accent4">
+        <a:tint val="40000"/>
+      </a:schemeClr>
+    </dgm:fillClrLst>
+    <dgm:linClrLst meth="repeat">
+      <a:schemeClr val="lt1"/>
+    </dgm:linClrLst>
+    <dgm:effectClrLst/>
+    <dgm:txLinClrLst/>
+    <dgm:txFillClrLst meth="repeat">
+      <a:schemeClr val="dk1"/>
+    </dgm:txFillClrLst>
+    <dgm:txEffectClrLst/>
+  </dgm:styleLbl>
+  <dgm:styleLbl name="revTx">
+    <dgm:fillClrLst meth="repeat">
+      <a:schemeClr val="lt1">
+        <a:alpha val="0"/>
+      </a:schemeClr>
+    </dgm:fillClrLst>
+    <dgm:linClrLst meth="repeat">
+      <a:schemeClr val="dk1">
+        <a:alpha val="0"/>
+      </a:schemeClr>
+    </dgm:linClrLst>
+    <dgm:effectClrLst/>
+    <dgm:txLinClrLst/>
+    <dgm:txFillClrLst meth="repeat">
+      <a:schemeClr val="tx1"/>
+    </dgm:txFillClrLst>
+    <dgm:txEffectClrLst/>
+  </dgm:styleLbl>
+</dgm:colorsDef>
+</file>
+
+<file path=ppt/diagrams/data1.xml><?xml version="1.0" encoding="utf-8"?>
+<dgm:dataModel xmlns:dgm="http://schemas.openxmlformats.org/drawingml/2006/diagram" xmlns:a="http://schemas.openxmlformats.org/drawingml/2006/main">
+  <dgm:ptLst>
+    <dgm:pt modelId="{3D60309A-56C7-46C3-A44A-79F7634788CF}" type="doc">
+      <dgm:prSet loTypeId="urn:microsoft.com/office/officeart/2005/8/layout/architecture" loCatId="hierarchy" qsTypeId="urn:microsoft.com/office/officeart/2005/8/quickstyle/simple1" qsCatId="simple" csTypeId="urn:microsoft.com/office/officeart/2005/8/colors/colorful4" csCatId="colorful" phldr="1"/>
+      <dgm:spPr/>
+      <dgm:t>
+        <a:bodyPr/>
+        <a:lstStyle/>
+        <a:p>
+          <a:endParaRPr lang="en-SE"/>
+        </a:p>
+      </dgm:t>
+    </dgm:pt>
+    <dgm:pt modelId="{DC29AF53-8313-4508-AF13-AC79B51FA742}">
+      <dgm:prSet phldrT="[Text]"/>
+      <dgm:spPr/>
+      <dgm:t>
+        <a:bodyPr/>
+        <a:lstStyle/>
+        <a:p>
+          <a:r>
+            <a:rPr lang="en-US" dirty="0"/>
+            <a:t>Storm Kernel (.NET)</a:t>
+          </a:r>
+          <a:endParaRPr lang="en-SE" dirty="0"/>
+        </a:p>
+      </dgm:t>
+    </dgm:pt>
+    <dgm:pt modelId="{49F58B85-AB2A-40AC-9BD5-0359B2D7A5EB}" type="parTrans" cxnId="{EE9736EA-EB18-4B49-B250-CD54433987AE}">
+      <dgm:prSet/>
+      <dgm:spPr/>
+      <dgm:t>
+        <a:bodyPr/>
+        <a:lstStyle/>
+        <a:p>
+          <a:endParaRPr lang="en-SE"/>
+        </a:p>
+      </dgm:t>
+    </dgm:pt>
+    <dgm:pt modelId="{424F29AA-6EC1-4358-A79D-0E889B8AF099}" type="sibTrans" cxnId="{EE9736EA-EB18-4B49-B250-CD54433987AE}">
+      <dgm:prSet/>
+      <dgm:spPr/>
+      <dgm:t>
+        <a:bodyPr/>
+        <a:lstStyle/>
+        <a:p>
+          <a:endParaRPr lang="en-SE"/>
+        </a:p>
+      </dgm:t>
+    </dgm:pt>
+    <dgm:pt modelId="{19A6659F-692E-4E0D-9503-50408ABC83B4}">
+      <dgm:prSet phldrT="[Text]"/>
+      <dgm:spPr/>
+      <dgm:t>
+        <a:bodyPr/>
+        <a:lstStyle/>
+        <a:p>
+          <a:r>
+            <a:rPr lang="en-US" dirty="0" err="1"/>
+            <a:t>Protocol.FileSystem</a:t>
+          </a:r>
+          <a:endParaRPr lang="en-SE" dirty="0"/>
+        </a:p>
+      </dgm:t>
+    </dgm:pt>
+    <dgm:pt modelId="{08CFB5E9-4D9E-4CA7-A065-F67CDDAB9D31}" type="parTrans" cxnId="{DA15AFFF-E672-471E-A207-F4EB697B010E}">
+      <dgm:prSet/>
+      <dgm:spPr/>
+      <dgm:t>
+        <a:bodyPr/>
+        <a:lstStyle/>
+        <a:p>
+          <a:endParaRPr lang="en-SE"/>
+        </a:p>
+      </dgm:t>
+    </dgm:pt>
+    <dgm:pt modelId="{7FD937A8-A5D8-4DBE-8DEB-4A88AA82216D}" type="sibTrans" cxnId="{DA15AFFF-E672-471E-A207-F4EB697B010E}">
+      <dgm:prSet/>
+      <dgm:spPr/>
+      <dgm:t>
+        <a:bodyPr/>
+        <a:lstStyle/>
+        <a:p>
+          <a:endParaRPr lang="en-SE"/>
+        </a:p>
+      </dgm:t>
+    </dgm:pt>
+    <dgm:pt modelId="{1D90E48A-DD8B-418B-B4EA-A5747F0BFEE1}">
+      <dgm:prSet phldrT="[Text]"/>
+      <dgm:spPr/>
+      <dgm:t>
+        <a:bodyPr/>
+        <a:lstStyle/>
+        <a:p>
+          <a:r>
+            <a:rPr lang="en-US" dirty="0" err="1"/>
+            <a:t>Library.FileSystem</a:t>
+          </a:r>
+          <a:endParaRPr lang="en-SE" dirty="0"/>
+        </a:p>
+      </dgm:t>
+    </dgm:pt>
+    <dgm:pt modelId="{13E65B5C-CB5A-4646-86D0-0FEEF3EDADF2}" type="parTrans" cxnId="{7BD982E9-A838-434F-99E4-FBC90EB1D77B}">
+      <dgm:prSet/>
+      <dgm:spPr/>
+      <dgm:t>
+        <a:bodyPr/>
+        <a:lstStyle/>
+        <a:p>
+          <a:endParaRPr lang="en-SE"/>
+        </a:p>
+      </dgm:t>
+    </dgm:pt>
+    <dgm:pt modelId="{0D9A8E0D-C802-420C-89EC-0F29BB5A1ABE}" type="sibTrans" cxnId="{7BD982E9-A838-434F-99E4-FBC90EB1D77B}">
+      <dgm:prSet/>
+      <dgm:spPr/>
+      <dgm:t>
+        <a:bodyPr/>
+        <a:lstStyle/>
+        <a:p>
+          <a:endParaRPr lang="en-SE"/>
+        </a:p>
+      </dgm:t>
+    </dgm:pt>
+    <dgm:pt modelId="{0FBD671D-4A2C-4BD8-BE82-E1FBB3FBD43D}">
+      <dgm:prSet phldrT="[Text]"/>
+      <dgm:spPr/>
+      <dgm:t>
+        <a:bodyPr/>
+        <a:lstStyle/>
+        <a:p>
+          <a:r>
+            <a:rPr lang="en-US" dirty="0" err="1"/>
+            <a:t>Protocol.GUI</a:t>
+          </a:r>
+          <a:endParaRPr lang="en-SE" dirty="0"/>
+        </a:p>
+      </dgm:t>
+    </dgm:pt>
+    <dgm:pt modelId="{007911EE-156F-4499-A086-6DF716412DD6}" type="parTrans" cxnId="{084DE87C-6B26-4374-9424-32B35A1734B9}">
+      <dgm:prSet/>
+      <dgm:spPr/>
+      <dgm:t>
+        <a:bodyPr/>
+        <a:lstStyle/>
+        <a:p>
+          <a:endParaRPr lang="en-SE"/>
+        </a:p>
+      </dgm:t>
+    </dgm:pt>
+    <dgm:pt modelId="{77DC09AC-F770-4940-B257-D129D522B7FB}" type="sibTrans" cxnId="{084DE87C-6B26-4374-9424-32B35A1734B9}">
+      <dgm:prSet/>
+      <dgm:spPr/>
+      <dgm:t>
+        <a:bodyPr/>
+        <a:lstStyle/>
+        <a:p>
+          <a:endParaRPr lang="en-SE"/>
+        </a:p>
+      </dgm:t>
+    </dgm:pt>
+    <dgm:pt modelId="{E069F2A1-214E-4BE7-8A25-408905404154}">
+      <dgm:prSet phldrT="[Text]"/>
+      <dgm:spPr/>
+      <dgm:t>
+        <a:bodyPr/>
+        <a:lstStyle/>
+        <a:p>
+          <a:r>
+            <a:rPr lang="en-US" dirty="0" err="1"/>
+            <a:t>Library.GUI</a:t>
+          </a:r>
+          <a:endParaRPr lang="en-SE" dirty="0"/>
+        </a:p>
+      </dgm:t>
+    </dgm:pt>
+    <dgm:pt modelId="{38EBE295-6331-46BA-BD26-3E96688858AA}" type="parTrans" cxnId="{EC81EB93-BD98-4BF5-9E3D-6CD4646B59C0}">
+      <dgm:prSet/>
+      <dgm:spPr/>
+      <dgm:t>
+        <a:bodyPr/>
+        <a:lstStyle/>
+        <a:p>
+          <a:endParaRPr lang="en-SE"/>
+        </a:p>
+      </dgm:t>
+    </dgm:pt>
+    <dgm:pt modelId="{F309EF30-F6AF-4CAD-8A2B-78048D158CB6}" type="sibTrans" cxnId="{EC81EB93-BD98-4BF5-9E3D-6CD4646B59C0}">
+      <dgm:prSet/>
+      <dgm:spPr/>
+      <dgm:t>
+        <a:bodyPr/>
+        <a:lstStyle/>
+        <a:p>
+          <a:endParaRPr lang="en-SE"/>
+        </a:p>
+      </dgm:t>
+    </dgm:pt>
+    <dgm:pt modelId="{EB4FF7DB-00E5-4088-8425-542F860F570A}">
+      <dgm:prSet phldrT="[Text]"/>
+      <dgm:spPr/>
+      <dgm:t>
+        <a:bodyPr/>
+        <a:lstStyle/>
+        <a:p>
+          <a:r>
+            <a:rPr lang="en-US" dirty="0" err="1"/>
+            <a:t>Protocol.BlockStorage</a:t>
+          </a:r>
+          <a:endParaRPr lang="en-SE" dirty="0"/>
+        </a:p>
+      </dgm:t>
+    </dgm:pt>
+    <dgm:pt modelId="{DB142554-C848-41F0-B2BB-A653E69C817F}" type="parTrans" cxnId="{9BAC96E3-87C3-4541-94F9-BFFA2F107416}">
+      <dgm:prSet/>
+      <dgm:spPr/>
+      <dgm:t>
+        <a:bodyPr/>
+        <a:lstStyle/>
+        <a:p>
+          <a:endParaRPr lang="en-SE"/>
+        </a:p>
+      </dgm:t>
+    </dgm:pt>
+    <dgm:pt modelId="{2C72999B-3E0B-4EAF-A500-3780A77758DC}" type="sibTrans" cxnId="{9BAC96E3-87C3-4541-94F9-BFFA2F107416}">
+      <dgm:prSet/>
+      <dgm:spPr/>
+      <dgm:t>
+        <a:bodyPr/>
+        <a:lstStyle/>
+        <a:p>
+          <a:endParaRPr lang="en-SE"/>
+        </a:p>
+      </dgm:t>
+    </dgm:pt>
+    <dgm:pt modelId="{974C2676-6D27-42CE-A367-1719B0BD7B2C}">
+      <dgm:prSet phldrT="[Text]"/>
+      <dgm:spPr/>
+      <dgm:t>
+        <a:bodyPr/>
+        <a:lstStyle/>
+        <a:p>
+          <a:r>
+            <a:rPr lang="en-US" dirty="0" err="1"/>
+            <a:t>Protocol.FrameBufferDisplay</a:t>
+          </a:r>
+          <a:endParaRPr lang="en-SE" dirty="0"/>
+        </a:p>
+      </dgm:t>
+    </dgm:pt>
+    <dgm:pt modelId="{7759D993-250F-4FDD-98C2-0B20F078FAA2}" type="parTrans" cxnId="{0CA7DC9C-B6E0-473A-A04B-582F3CDED1B4}">
+      <dgm:prSet/>
+      <dgm:spPr/>
+      <dgm:t>
+        <a:bodyPr/>
+        <a:lstStyle/>
+        <a:p>
+          <a:endParaRPr lang="en-SE"/>
+        </a:p>
+      </dgm:t>
+    </dgm:pt>
+    <dgm:pt modelId="{690B99E5-7252-4404-A276-D69F1302AADA}" type="sibTrans" cxnId="{0CA7DC9C-B6E0-473A-A04B-582F3CDED1B4}">
+      <dgm:prSet/>
+      <dgm:spPr/>
+      <dgm:t>
+        <a:bodyPr/>
+        <a:lstStyle/>
+        <a:p>
+          <a:endParaRPr lang="en-SE"/>
+        </a:p>
+      </dgm:t>
+    </dgm:pt>
+    <dgm:pt modelId="{D9F1C7A2-15E0-407B-9741-C08D5296D9BF}">
+      <dgm:prSet phldrT="[Text]"/>
+      <dgm:spPr/>
+      <dgm:t>
+        <a:bodyPr/>
+        <a:lstStyle/>
+        <a:p>
+          <a:r>
+            <a:rPr lang="en-US" dirty="0" err="1"/>
+            <a:t>HostServer.Display</a:t>
+          </a:r>
+          <a:endParaRPr lang="en-SE" dirty="0"/>
+        </a:p>
+      </dgm:t>
+    </dgm:pt>
+    <dgm:pt modelId="{679B3479-CD81-49C1-8D3B-C7DD90A257DB}" type="parTrans" cxnId="{0DC79599-1F21-4EC5-BE03-F8626F3FCDE6}">
+      <dgm:prSet/>
+      <dgm:spPr/>
+      <dgm:t>
+        <a:bodyPr/>
+        <a:lstStyle/>
+        <a:p>
+          <a:endParaRPr lang="en-SE"/>
+        </a:p>
+      </dgm:t>
+    </dgm:pt>
+    <dgm:pt modelId="{F8037FE2-8FFD-461C-88BD-28F2B56492B2}" type="sibTrans" cxnId="{0DC79599-1F21-4EC5-BE03-F8626F3FCDE6}">
+      <dgm:prSet/>
+      <dgm:spPr/>
+      <dgm:t>
+        <a:bodyPr/>
+        <a:lstStyle/>
+        <a:p>
+          <a:endParaRPr lang="en-SE"/>
+        </a:p>
+      </dgm:t>
+    </dgm:pt>
+    <dgm:pt modelId="{39A0A52C-8AE7-4BDC-9951-E2926C695611}">
+      <dgm:prSet phldrT="[Text]"/>
+      <dgm:spPr/>
+      <dgm:t>
+        <a:bodyPr/>
+        <a:lstStyle/>
+        <a:p>
+          <a:r>
+            <a:rPr lang="en-US" dirty="0" err="1"/>
+            <a:t>Server.RootFileSystem</a:t>
+          </a:r>
+          <a:endParaRPr lang="en-SE" dirty="0"/>
+        </a:p>
+      </dgm:t>
+    </dgm:pt>
+    <dgm:pt modelId="{3874B931-933B-48D1-9A8C-A3D60392DA38}" type="parTrans" cxnId="{558BC429-8529-4147-9C40-39E65AE1029C}">
+      <dgm:prSet/>
+      <dgm:spPr/>
+      <dgm:t>
+        <a:bodyPr/>
+        <a:lstStyle/>
+        <a:p>
+          <a:endParaRPr lang="en-SE"/>
+        </a:p>
+      </dgm:t>
+    </dgm:pt>
+    <dgm:pt modelId="{CB1D9902-1DB4-4FEF-B3C1-B4CCC9309021}" type="sibTrans" cxnId="{558BC429-8529-4147-9C40-39E65AE1029C}">
+      <dgm:prSet/>
+      <dgm:spPr/>
+      <dgm:t>
+        <a:bodyPr/>
+        <a:lstStyle/>
+        <a:p>
+          <a:endParaRPr lang="en-SE"/>
+        </a:p>
+      </dgm:t>
+    </dgm:pt>
+    <dgm:pt modelId="{396A7FD3-0526-47C3-9692-481E1B4553E0}">
+      <dgm:prSet phldrT="[Text]"/>
+      <dgm:spPr/>
+      <dgm:t>
+        <a:bodyPr/>
+        <a:lstStyle/>
+        <a:p>
+          <a:r>
+            <a:rPr lang="en-US" dirty="0" err="1"/>
+            <a:t>HostServer.NativeFileSystem</a:t>
+          </a:r>
+          <a:endParaRPr lang="en-SE" dirty="0"/>
+        </a:p>
+      </dgm:t>
+    </dgm:pt>
+    <dgm:pt modelId="{1C3299AC-8B96-46C2-A9D2-B8805B14147F}" type="parTrans" cxnId="{62BC2DCF-C045-4CE5-BF18-9DF86364D744}">
+      <dgm:prSet/>
+      <dgm:spPr/>
+      <dgm:t>
+        <a:bodyPr/>
+        <a:lstStyle/>
+        <a:p>
+          <a:endParaRPr lang="en-SE"/>
+        </a:p>
+      </dgm:t>
+    </dgm:pt>
+    <dgm:pt modelId="{D634CD22-0EFE-4DB4-9685-D07C5F02D447}" type="sibTrans" cxnId="{62BC2DCF-C045-4CE5-BF18-9DF86364D744}">
+      <dgm:prSet/>
+      <dgm:spPr/>
+      <dgm:t>
+        <a:bodyPr/>
+        <a:lstStyle/>
+        <a:p>
+          <a:endParaRPr lang="en-SE"/>
+        </a:p>
+      </dgm:t>
+    </dgm:pt>
+    <dgm:pt modelId="{A6C618F4-7601-4628-A582-2B201FA2B77A}">
+      <dgm:prSet phldrT="[Text]"/>
+      <dgm:spPr/>
+      <dgm:t>
+        <a:bodyPr/>
+        <a:lstStyle/>
+        <a:p>
+          <a:r>
+            <a:rPr lang="en-US" dirty="0"/>
+            <a:t>APP</a:t>
+          </a:r>
+          <a:endParaRPr lang="en-SE" dirty="0"/>
+        </a:p>
+      </dgm:t>
+    </dgm:pt>
+    <dgm:pt modelId="{02725D76-2A3B-4045-8949-9CDB60CEE3CE}" type="parTrans" cxnId="{D0A8B765-37FA-4EA4-B566-BEBC160794B8}">
+      <dgm:prSet/>
+      <dgm:spPr/>
+      <dgm:t>
+        <a:bodyPr/>
+        <a:lstStyle/>
+        <a:p>
+          <a:endParaRPr lang="en-SE"/>
+        </a:p>
+      </dgm:t>
+    </dgm:pt>
+    <dgm:pt modelId="{8E172EFC-A303-4F4E-BD81-5E4EAC7FE28D}" type="sibTrans" cxnId="{D0A8B765-37FA-4EA4-B566-BEBC160794B8}">
+      <dgm:prSet/>
+      <dgm:spPr/>
+      <dgm:t>
+        <a:bodyPr/>
+        <a:lstStyle/>
+        <a:p>
+          <a:endParaRPr lang="en-SE"/>
+        </a:p>
+      </dgm:t>
+    </dgm:pt>
+    <dgm:pt modelId="{2AFF379C-3413-42ED-941D-EAE5C0FF9264}">
+      <dgm:prSet phldrT="[Text]"/>
+      <dgm:spPr/>
+      <dgm:t>
+        <a:bodyPr/>
+        <a:lstStyle/>
+        <a:p>
+          <a:r>
+            <a:rPr lang="en-US" dirty="0"/>
+            <a:t>APP</a:t>
+          </a:r>
+          <a:endParaRPr lang="en-SE" dirty="0"/>
+        </a:p>
+      </dgm:t>
+    </dgm:pt>
+    <dgm:pt modelId="{09601DD9-F8BE-4E17-BC9D-6FA02C8DBE0C}" type="parTrans" cxnId="{2B8F5C85-C582-45EB-9BE4-434DE8AC37F4}">
+      <dgm:prSet/>
+      <dgm:spPr/>
+      <dgm:t>
+        <a:bodyPr/>
+        <a:lstStyle/>
+        <a:p>
+          <a:endParaRPr lang="en-SE"/>
+        </a:p>
+      </dgm:t>
+    </dgm:pt>
+    <dgm:pt modelId="{D44001B9-7B2E-46BD-9FEE-5FA6DB48B0A8}" type="sibTrans" cxnId="{2B8F5C85-C582-45EB-9BE4-434DE8AC37F4}">
+      <dgm:prSet/>
+      <dgm:spPr/>
+      <dgm:t>
+        <a:bodyPr/>
+        <a:lstStyle/>
+        <a:p>
+          <a:endParaRPr lang="en-SE"/>
+        </a:p>
+      </dgm:t>
+    </dgm:pt>
+    <dgm:pt modelId="{7AAAB01E-5D73-40E2-819A-F86C009D452B}">
+      <dgm:prSet phldrT="[Text]"/>
+      <dgm:spPr/>
+      <dgm:t>
+        <a:bodyPr/>
+        <a:lstStyle/>
+        <a:p>
+          <a:r>
+            <a:rPr lang="en-US" dirty="0" err="1"/>
+            <a:t>Server.Tornado</a:t>
+          </a:r>
+          <a:endParaRPr lang="en-SE" dirty="0"/>
+        </a:p>
+      </dgm:t>
+    </dgm:pt>
+    <dgm:pt modelId="{56554297-FFD8-49C9-B336-4A38B009FD5B}" type="parTrans" cxnId="{8EB51FE9-277D-42C5-BE1B-ADB4721D6681}">
+      <dgm:prSet/>
+      <dgm:spPr/>
+      <dgm:t>
+        <a:bodyPr/>
+        <a:lstStyle/>
+        <a:p>
+          <a:endParaRPr lang="en-SE"/>
+        </a:p>
+      </dgm:t>
+    </dgm:pt>
+    <dgm:pt modelId="{B9686B05-0E34-41D5-9871-49CA74AC1007}" type="sibTrans" cxnId="{8EB51FE9-277D-42C5-BE1B-ADB4721D6681}">
+      <dgm:prSet/>
+      <dgm:spPr/>
+      <dgm:t>
+        <a:bodyPr/>
+        <a:lstStyle/>
+        <a:p>
+          <a:endParaRPr lang="en-SE"/>
+        </a:p>
+      </dgm:t>
+    </dgm:pt>
+    <dgm:pt modelId="{4447D811-A065-41D6-A3A4-64B2594C1385}">
+      <dgm:prSet phldrT="[Text]"/>
+      <dgm:spPr/>
+      <dgm:t>
+        <a:bodyPr/>
+        <a:lstStyle/>
+        <a:p>
+          <a:r>
+            <a:rPr lang="en-US" dirty="0" err="1"/>
+            <a:t>Protocol.DataDisplay</a:t>
+          </a:r>
+          <a:endParaRPr lang="en-SE" dirty="0"/>
+        </a:p>
+      </dgm:t>
+    </dgm:pt>
+    <dgm:pt modelId="{F0B3905E-FE66-4493-91BC-593DC7D8CBB6}" type="parTrans" cxnId="{8E8CD7DC-E717-410B-A05F-7E4A4040334A}">
+      <dgm:prSet/>
+      <dgm:spPr/>
+      <dgm:t>
+        <a:bodyPr/>
+        <a:lstStyle/>
+        <a:p>
+          <a:endParaRPr lang="en-SE"/>
+        </a:p>
+      </dgm:t>
+    </dgm:pt>
+    <dgm:pt modelId="{59861433-A356-445B-8586-69BA74C4019E}" type="sibTrans" cxnId="{8E8CD7DC-E717-410B-A05F-7E4A4040334A}">
+      <dgm:prSet/>
+      <dgm:spPr/>
+      <dgm:t>
+        <a:bodyPr/>
+        <a:lstStyle/>
+        <a:p>
+          <a:endParaRPr lang="en-SE"/>
+        </a:p>
+      </dgm:t>
+    </dgm:pt>
+    <dgm:pt modelId="{EA068C98-38EA-45A1-9EA0-5909AA278E3C}">
+      <dgm:prSet phldrT="[Text]"/>
+      <dgm:spPr/>
+      <dgm:t>
+        <a:bodyPr/>
+        <a:lstStyle/>
+        <a:p>
+          <a:r>
+            <a:rPr lang="en-US" dirty="0" err="1"/>
+            <a:t>Protocol.Input</a:t>
+          </a:r>
+          <a:r>
+            <a:rPr lang="en-US" dirty="0"/>
+            <a:t> (keyboard/mouse/touch/pen/gamepad </a:t>
+          </a:r>
+          <a:r>
+            <a:rPr lang="en-US" dirty="0" err="1"/>
+            <a:t>etc</a:t>
+          </a:r>
+          <a:r>
+            <a:rPr lang="en-US" dirty="0"/>
+            <a:t>)</a:t>
+          </a:r>
+          <a:endParaRPr lang="en-SE" dirty="0"/>
+        </a:p>
+      </dgm:t>
+    </dgm:pt>
+    <dgm:pt modelId="{EB179B8D-C344-4387-9D03-3114585BB616}" type="parTrans" cxnId="{A46DB92A-7220-4B1C-BDB9-A8DA8D12D8F3}">
+      <dgm:prSet/>
+      <dgm:spPr/>
+      <dgm:t>
+        <a:bodyPr/>
+        <a:lstStyle/>
+        <a:p>
+          <a:endParaRPr lang="en-SE"/>
+        </a:p>
+      </dgm:t>
+    </dgm:pt>
+    <dgm:pt modelId="{591DC999-13D0-4E4A-A330-729CC2AB3197}" type="sibTrans" cxnId="{A46DB92A-7220-4B1C-BDB9-A8DA8D12D8F3}">
+      <dgm:prSet/>
+      <dgm:spPr/>
+      <dgm:t>
+        <a:bodyPr/>
+        <a:lstStyle/>
+        <a:p>
+          <a:endParaRPr lang="en-SE"/>
+        </a:p>
+      </dgm:t>
+    </dgm:pt>
+    <dgm:pt modelId="{5182FABF-190A-4D2D-AE6E-651B135A7CB1}" type="pres">
+      <dgm:prSet presAssocID="{3D60309A-56C7-46C3-A44A-79F7634788CF}" presName="Name0" presStyleCnt="0">
+        <dgm:presLayoutVars>
+          <dgm:chPref val="1"/>
+          <dgm:dir/>
+          <dgm:animOne val="branch"/>
+          <dgm:animLvl val="lvl"/>
+          <dgm:resizeHandles/>
+        </dgm:presLayoutVars>
+      </dgm:prSet>
+      <dgm:spPr/>
+    </dgm:pt>
+    <dgm:pt modelId="{A186EE94-7019-470E-AD5E-6637DBC0727E}" type="pres">
+      <dgm:prSet presAssocID="{DC29AF53-8313-4508-AF13-AC79B51FA742}" presName="vertOne" presStyleCnt="0"/>
+      <dgm:spPr/>
+    </dgm:pt>
+    <dgm:pt modelId="{195D95A7-CCA1-42BD-AFB5-27D659AEB410}" type="pres">
+      <dgm:prSet presAssocID="{DC29AF53-8313-4508-AF13-AC79B51FA742}" presName="txOne" presStyleLbl="node0" presStyleIdx="0" presStyleCnt="1">
+        <dgm:presLayoutVars>
+          <dgm:chPref val="3"/>
+        </dgm:presLayoutVars>
+      </dgm:prSet>
+      <dgm:spPr/>
+    </dgm:pt>
+    <dgm:pt modelId="{A191D4DE-113A-4336-9A02-2684A6678CB5}" type="pres">
+      <dgm:prSet presAssocID="{DC29AF53-8313-4508-AF13-AC79B51FA742}" presName="parTransOne" presStyleCnt="0"/>
+      <dgm:spPr/>
+    </dgm:pt>
+    <dgm:pt modelId="{C6FEF348-D9AD-41EC-8540-B39DD7C9C810}" type="pres">
+      <dgm:prSet presAssocID="{DC29AF53-8313-4508-AF13-AC79B51FA742}" presName="horzOne" presStyleCnt="0"/>
+      <dgm:spPr/>
+    </dgm:pt>
+    <dgm:pt modelId="{05505B05-0524-42C8-B5C1-24F0B7540A27}" type="pres">
+      <dgm:prSet presAssocID="{EB4FF7DB-00E5-4088-8425-542F860F570A}" presName="vertTwo" presStyleCnt="0"/>
+      <dgm:spPr/>
+    </dgm:pt>
+    <dgm:pt modelId="{A12FD2B2-D784-43C3-8CCB-650C72E46278}" type="pres">
+      <dgm:prSet presAssocID="{EB4FF7DB-00E5-4088-8425-542F860F570A}" presName="txTwo" presStyleLbl="node2" presStyleIdx="0" presStyleCnt="6">
+        <dgm:presLayoutVars>
+          <dgm:chPref val="3"/>
+        </dgm:presLayoutVars>
+      </dgm:prSet>
+      <dgm:spPr/>
+    </dgm:pt>
+    <dgm:pt modelId="{DAF45C8F-AEE1-4C4C-AAEF-D37E7A964874}" type="pres">
+      <dgm:prSet presAssocID="{EB4FF7DB-00E5-4088-8425-542F860F570A}" presName="horzTwo" presStyleCnt="0"/>
+      <dgm:spPr/>
+    </dgm:pt>
+    <dgm:pt modelId="{9C00C15C-B7FA-4D0A-AD84-78744EB2573A}" type="pres">
+      <dgm:prSet presAssocID="{2C72999B-3E0B-4EAF-A500-3780A77758DC}" presName="sibSpaceTwo" presStyleCnt="0"/>
+      <dgm:spPr/>
+    </dgm:pt>
+    <dgm:pt modelId="{EAAD6D1B-7FFD-4EEE-AC7A-5B86BFB02069}" type="pres">
+      <dgm:prSet presAssocID="{19A6659F-692E-4E0D-9503-50408ABC83B4}" presName="vertTwo" presStyleCnt="0"/>
+      <dgm:spPr/>
+    </dgm:pt>
+    <dgm:pt modelId="{44CD5B9E-0EF4-43FE-9091-20B8E5351AEB}" type="pres">
+      <dgm:prSet presAssocID="{19A6659F-692E-4E0D-9503-50408ABC83B4}" presName="txTwo" presStyleLbl="node2" presStyleIdx="1" presStyleCnt="6">
+        <dgm:presLayoutVars>
+          <dgm:chPref val="3"/>
+        </dgm:presLayoutVars>
+      </dgm:prSet>
+      <dgm:spPr/>
+    </dgm:pt>
+    <dgm:pt modelId="{FC208E8B-F081-4A15-B5DF-962DE169C758}" type="pres">
+      <dgm:prSet presAssocID="{19A6659F-692E-4E0D-9503-50408ABC83B4}" presName="parTransTwo" presStyleCnt="0"/>
+      <dgm:spPr/>
+    </dgm:pt>
+    <dgm:pt modelId="{DD8BFE04-428D-4504-A4CA-56C80FF0534A}" type="pres">
+      <dgm:prSet presAssocID="{19A6659F-692E-4E0D-9503-50408ABC83B4}" presName="horzTwo" presStyleCnt="0"/>
+      <dgm:spPr/>
+    </dgm:pt>
+    <dgm:pt modelId="{B00703CA-9EE1-4C8C-B316-4BF5EDF4AA6C}" type="pres">
+      <dgm:prSet presAssocID="{39A0A52C-8AE7-4BDC-9951-E2926C695611}" presName="vertThree" presStyleCnt="0"/>
+      <dgm:spPr/>
+    </dgm:pt>
+    <dgm:pt modelId="{2FD1F9D2-08A4-463C-B3FE-9194158FB82B}" type="pres">
+      <dgm:prSet presAssocID="{39A0A52C-8AE7-4BDC-9951-E2926C695611}" presName="txThree" presStyleLbl="node3" presStyleIdx="0" presStyleCnt="6">
+        <dgm:presLayoutVars>
+          <dgm:chPref val="3"/>
+        </dgm:presLayoutVars>
+      </dgm:prSet>
+      <dgm:spPr/>
+    </dgm:pt>
+    <dgm:pt modelId="{A5CFA3CF-FF0C-488A-B006-C4845C2E9351}" type="pres">
+      <dgm:prSet presAssocID="{39A0A52C-8AE7-4BDC-9951-E2926C695611}" presName="horzThree" presStyleCnt="0"/>
+      <dgm:spPr/>
+    </dgm:pt>
+    <dgm:pt modelId="{2BBD47C5-3610-4227-810F-F0C4918BF7C9}" type="pres">
+      <dgm:prSet presAssocID="{CB1D9902-1DB4-4FEF-B3C1-B4CCC9309021}" presName="sibSpaceThree" presStyleCnt="0"/>
+      <dgm:spPr/>
+    </dgm:pt>
+    <dgm:pt modelId="{BA562F62-8CE1-4748-945F-E3229756695A}" type="pres">
+      <dgm:prSet presAssocID="{396A7FD3-0526-47C3-9692-481E1B4553E0}" presName="vertThree" presStyleCnt="0"/>
+      <dgm:spPr/>
+    </dgm:pt>
+    <dgm:pt modelId="{3B6C985F-397C-47EA-8A52-80A2F5F02609}" type="pres">
+      <dgm:prSet presAssocID="{396A7FD3-0526-47C3-9692-481E1B4553E0}" presName="txThree" presStyleLbl="node3" presStyleIdx="1" presStyleCnt="6">
+        <dgm:presLayoutVars>
+          <dgm:chPref val="3"/>
+        </dgm:presLayoutVars>
+      </dgm:prSet>
+      <dgm:spPr/>
+    </dgm:pt>
+    <dgm:pt modelId="{FB76FB30-EE1C-4DCA-B212-3EFAD7BC7510}" type="pres">
+      <dgm:prSet presAssocID="{396A7FD3-0526-47C3-9692-481E1B4553E0}" presName="horzThree" presStyleCnt="0"/>
+      <dgm:spPr/>
+    </dgm:pt>
+    <dgm:pt modelId="{534D23FC-CE05-42CD-AF02-25AD607875B4}" type="pres">
+      <dgm:prSet presAssocID="{D634CD22-0EFE-4DB4-9685-D07C5F02D447}" presName="sibSpaceThree" presStyleCnt="0"/>
+      <dgm:spPr/>
+    </dgm:pt>
+    <dgm:pt modelId="{81FCE170-E42B-4CCD-BFF7-5E585DF29E20}" type="pres">
+      <dgm:prSet presAssocID="{1D90E48A-DD8B-418B-B4EA-A5747F0BFEE1}" presName="vertThree" presStyleCnt="0"/>
+      <dgm:spPr/>
+    </dgm:pt>
+    <dgm:pt modelId="{1E18E9F9-614A-46D6-8FD2-577805A54B02}" type="pres">
+      <dgm:prSet presAssocID="{1D90E48A-DD8B-418B-B4EA-A5747F0BFEE1}" presName="txThree" presStyleLbl="node3" presStyleIdx="2" presStyleCnt="6">
+        <dgm:presLayoutVars>
+          <dgm:chPref val="3"/>
+        </dgm:presLayoutVars>
+      </dgm:prSet>
+      <dgm:spPr/>
+    </dgm:pt>
+    <dgm:pt modelId="{91C255A2-1712-4DBE-8BF5-A3A1A6E72516}" type="pres">
+      <dgm:prSet presAssocID="{1D90E48A-DD8B-418B-B4EA-A5747F0BFEE1}" presName="parTransThree" presStyleCnt="0"/>
+      <dgm:spPr/>
+    </dgm:pt>
+    <dgm:pt modelId="{CF253EEE-633D-4742-8A2D-4DBF428901F2}" type="pres">
+      <dgm:prSet presAssocID="{1D90E48A-DD8B-418B-B4EA-A5747F0BFEE1}" presName="horzThree" presStyleCnt="0"/>
+      <dgm:spPr/>
+    </dgm:pt>
+    <dgm:pt modelId="{A0D57949-2CB3-472E-B3DD-1CDD92FB6E05}" type="pres">
+      <dgm:prSet presAssocID="{A6C618F4-7601-4628-A582-2B201FA2B77A}" presName="vertFour" presStyleCnt="0">
+        <dgm:presLayoutVars>
+          <dgm:chPref val="3"/>
+        </dgm:presLayoutVars>
+      </dgm:prSet>
+      <dgm:spPr/>
+    </dgm:pt>
+    <dgm:pt modelId="{7D569B00-4303-4DAC-90CD-46153E61C281}" type="pres">
+      <dgm:prSet presAssocID="{A6C618F4-7601-4628-A582-2B201FA2B77A}" presName="txFour" presStyleLbl="node4" presStyleIdx="0" presStyleCnt="2">
+        <dgm:presLayoutVars>
+          <dgm:chPref val="3"/>
+        </dgm:presLayoutVars>
+      </dgm:prSet>
+      <dgm:spPr/>
+    </dgm:pt>
+    <dgm:pt modelId="{754214B3-F298-45C1-BE2D-0DB6CD63D575}" type="pres">
+      <dgm:prSet presAssocID="{A6C618F4-7601-4628-A582-2B201FA2B77A}" presName="horzFour" presStyleCnt="0"/>
+      <dgm:spPr/>
+    </dgm:pt>
+    <dgm:pt modelId="{3A3C7213-818E-4DC4-BF70-54DC591DAD59}" type="pres">
+      <dgm:prSet presAssocID="{7FD937A8-A5D8-4DBE-8DEB-4A88AA82216D}" presName="sibSpaceTwo" presStyleCnt="0"/>
+      <dgm:spPr/>
+    </dgm:pt>
+    <dgm:pt modelId="{0D11F832-A4C1-4C1D-BC24-7EF91497F1DD}" type="pres">
+      <dgm:prSet presAssocID="{4447D811-A065-41D6-A3A4-64B2594C1385}" presName="vertTwo" presStyleCnt="0"/>
+      <dgm:spPr/>
+    </dgm:pt>
+    <dgm:pt modelId="{666A9C95-C307-4CF4-A3B9-2BC1D88A4403}" type="pres">
+      <dgm:prSet presAssocID="{4447D811-A065-41D6-A3A4-64B2594C1385}" presName="txTwo" presStyleLbl="node2" presStyleIdx="2" presStyleCnt="6">
+        <dgm:presLayoutVars>
+          <dgm:chPref val="3"/>
+        </dgm:presLayoutVars>
+      </dgm:prSet>
+      <dgm:spPr/>
+    </dgm:pt>
+    <dgm:pt modelId="{568CE014-7FAA-45D9-9B45-746A3A7F0659}" type="pres">
+      <dgm:prSet presAssocID="{4447D811-A065-41D6-A3A4-64B2594C1385}" presName="horzTwo" presStyleCnt="0"/>
+      <dgm:spPr/>
+    </dgm:pt>
+    <dgm:pt modelId="{2E33734A-D17E-457A-9176-C813EF7B91B5}" type="pres">
+      <dgm:prSet presAssocID="{59861433-A356-445B-8586-69BA74C4019E}" presName="sibSpaceTwo" presStyleCnt="0"/>
+      <dgm:spPr/>
+    </dgm:pt>
+    <dgm:pt modelId="{480C9F25-BD62-4B0E-9D6D-39C98FB81BD0}" type="pres">
+      <dgm:prSet presAssocID="{974C2676-6D27-42CE-A367-1719B0BD7B2C}" presName="vertTwo" presStyleCnt="0"/>
+      <dgm:spPr/>
+    </dgm:pt>
+    <dgm:pt modelId="{83B20DC0-9E1B-4A92-9F5C-48D1917C9061}" type="pres">
+      <dgm:prSet presAssocID="{974C2676-6D27-42CE-A367-1719B0BD7B2C}" presName="txTwo" presStyleLbl="node2" presStyleIdx="3" presStyleCnt="6">
+        <dgm:presLayoutVars>
+          <dgm:chPref val="3"/>
+        </dgm:presLayoutVars>
+      </dgm:prSet>
+      <dgm:spPr/>
+    </dgm:pt>
+    <dgm:pt modelId="{30D96D3D-63F1-43B1-A8F6-30F54EF70741}" type="pres">
+      <dgm:prSet presAssocID="{974C2676-6D27-42CE-A367-1719B0BD7B2C}" presName="parTransTwo" presStyleCnt="0"/>
+      <dgm:spPr/>
+    </dgm:pt>
+    <dgm:pt modelId="{0A77A0D2-73C7-4B0B-96C7-FBD890B55666}" type="pres">
+      <dgm:prSet presAssocID="{974C2676-6D27-42CE-A367-1719B0BD7B2C}" presName="horzTwo" presStyleCnt="0"/>
+      <dgm:spPr/>
+    </dgm:pt>
+    <dgm:pt modelId="{0F58BE75-4338-4576-9E5A-5B5D94CD991D}" type="pres">
+      <dgm:prSet presAssocID="{D9F1C7A2-15E0-407B-9741-C08D5296D9BF}" presName="vertThree" presStyleCnt="0"/>
+      <dgm:spPr/>
+    </dgm:pt>
+    <dgm:pt modelId="{14ED00E2-7B0E-4D1B-9BEA-99433F3C7174}" type="pres">
+      <dgm:prSet presAssocID="{D9F1C7A2-15E0-407B-9741-C08D5296D9BF}" presName="txThree" presStyleLbl="node3" presStyleIdx="3" presStyleCnt="6">
+        <dgm:presLayoutVars>
+          <dgm:chPref val="3"/>
+        </dgm:presLayoutVars>
+      </dgm:prSet>
+      <dgm:spPr/>
+    </dgm:pt>
+    <dgm:pt modelId="{1156C46B-2A05-48A4-B7C3-F61C20212785}" type="pres">
+      <dgm:prSet presAssocID="{D9F1C7A2-15E0-407B-9741-C08D5296D9BF}" presName="horzThree" presStyleCnt="0"/>
+      <dgm:spPr/>
+    </dgm:pt>
+    <dgm:pt modelId="{F1AD0001-5B75-4739-B2E3-ADED648F2D76}" type="pres">
+      <dgm:prSet presAssocID="{690B99E5-7252-4404-A276-D69F1302AADA}" presName="sibSpaceTwo" presStyleCnt="0"/>
+      <dgm:spPr/>
+    </dgm:pt>
+    <dgm:pt modelId="{43DFAEA1-0C5F-4135-BBB2-B0EDB3D0D1F5}" type="pres">
+      <dgm:prSet presAssocID="{EA068C98-38EA-45A1-9EA0-5909AA278E3C}" presName="vertTwo" presStyleCnt="0"/>
+      <dgm:spPr/>
+    </dgm:pt>
+    <dgm:pt modelId="{0009A52D-6841-4355-81C5-7519A60DA41B}" type="pres">
+      <dgm:prSet presAssocID="{EA068C98-38EA-45A1-9EA0-5909AA278E3C}" presName="txTwo" presStyleLbl="node2" presStyleIdx="4" presStyleCnt="6">
+        <dgm:presLayoutVars>
+          <dgm:chPref val="3"/>
+        </dgm:presLayoutVars>
+      </dgm:prSet>
+      <dgm:spPr/>
+    </dgm:pt>
+    <dgm:pt modelId="{B82C0C81-951D-414F-9D97-05E715823220}" type="pres">
+      <dgm:prSet presAssocID="{EA068C98-38EA-45A1-9EA0-5909AA278E3C}" presName="horzTwo" presStyleCnt="0"/>
+      <dgm:spPr/>
+    </dgm:pt>
+    <dgm:pt modelId="{D49C769A-F7FB-47BF-A0DA-BD0E327D973F}" type="pres">
+      <dgm:prSet presAssocID="{591DC999-13D0-4E4A-A330-729CC2AB3197}" presName="sibSpaceTwo" presStyleCnt="0"/>
+      <dgm:spPr/>
+    </dgm:pt>
+    <dgm:pt modelId="{0DAB641C-9337-4F1A-A1A6-82A2824BCD66}" type="pres">
+      <dgm:prSet presAssocID="{0FBD671D-4A2C-4BD8-BE82-E1FBB3FBD43D}" presName="vertTwo" presStyleCnt="0"/>
+      <dgm:spPr/>
+    </dgm:pt>
+    <dgm:pt modelId="{20B114C2-B163-4909-9B4D-9657922B200F}" type="pres">
+      <dgm:prSet presAssocID="{0FBD671D-4A2C-4BD8-BE82-E1FBB3FBD43D}" presName="txTwo" presStyleLbl="node2" presStyleIdx="5" presStyleCnt="6">
+        <dgm:presLayoutVars>
+          <dgm:chPref val="3"/>
+        </dgm:presLayoutVars>
+      </dgm:prSet>
+      <dgm:spPr/>
+    </dgm:pt>
+    <dgm:pt modelId="{54CD1B20-80D4-4004-A55D-561DBF513982}" type="pres">
+      <dgm:prSet presAssocID="{0FBD671D-4A2C-4BD8-BE82-E1FBB3FBD43D}" presName="parTransTwo" presStyleCnt="0"/>
+      <dgm:spPr/>
+    </dgm:pt>
+    <dgm:pt modelId="{5F7DBDE7-E859-4BB0-B02F-BAD56D218F23}" type="pres">
+      <dgm:prSet presAssocID="{0FBD671D-4A2C-4BD8-BE82-E1FBB3FBD43D}" presName="horzTwo" presStyleCnt="0"/>
+      <dgm:spPr/>
+    </dgm:pt>
+    <dgm:pt modelId="{4FC23D99-6EAA-4350-A453-F2A5DC743439}" type="pres">
+      <dgm:prSet presAssocID="{7AAAB01E-5D73-40E2-819A-F86C009D452B}" presName="vertThree" presStyleCnt="0"/>
+      <dgm:spPr/>
+    </dgm:pt>
+    <dgm:pt modelId="{CB197B57-22E6-4E83-AA82-4D3235538DF4}" type="pres">
+      <dgm:prSet presAssocID="{7AAAB01E-5D73-40E2-819A-F86C009D452B}" presName="txThree" presStyleLbl="node3" presStyleIdx="4" presStyleCnt="6">
+        <dgm:presLayoutVars>
+          <dgm:chPref val="3"/>
+        </dgm:presLayoutVars>
+      </dgm:prSet>
+      <dgm:spPr/>
+    </dgm:pt>
+    <dgm:pt modelId="{A57BD986-4E58-4F9C-BFA0-E807CD2BF2AF}" type="pres">
+      <dgm:prSet presAssocID="{7AAAB01E-5D73-40E2-819A-F86C009D452B}" presName="horzThree" presStyleCnt="0"/>
+      <dgm:spPr/>
+    </dgm:pt>
+    <dgm:pt modelId="{A9D49AC8-EABB-41AA-B013-F78D2D7B0C4A}" type="pres">
+      <dgm:prSet presAssocID="{B9686B05-0E34-41D5-9871-49CA74AC1007}" presName="sibSpaceThree" presStyleCnt="0"/>
+      <dgm:spPr/>
+    </dgm:pt>
+    <dgm:pt modelId="{E7E93D87-4300-4D58-9F10-B79AE476DC9C}" type="pres">
+      <dgm:prSet presAssocID="{E069F2A1-214E-4BE7-8A25-408905404154}" presName="vertThree" presStyleCnt="0"/>
+      <dgm:spPr/>
+    </dgm:pt>
+    <dgm:pt modelId="{5CDFF962-77E7-4D83-A943-E9F93D0677D1}" type="pres">
+      <dgm:prSet presAssocID="{E069F2A1-214E-4BE7-8A25-408905404154}" presName="txThree" presStyleLbl="node3" presStyleIdx="5" presStyleCnt="6">
+        <dgm:presLayoutVars>
+          <dgm:chPref val="3"/>
+        </dgm:presLayoutVars>
+      </dgm:prSet>
+      <dgm:spPr/>
+    </dgm:pt>
+    <dgm:pt modelId="{37D91DEF-84F6-4044-ABEA-6E93284D8A74}" type="pres">
+      <dgm:prSet presAssocID="{E069F2A1-214E-4BE7-8A25-408905404154}" presName="parTransThree" presStyleCnt="0"/>
+      <dgm:spPr/>
+    </dgm:pt>
+    <dgm:pt modelId="{88359D64-A708-4C2A-9841-1DE1CFA9E749}" type="pres">
+      <dgm:prSet presAssocID="{E069F2A1-214E-4BE7-8A25-408905404154}" presName="horzThree" presStyleCnt="0"/>
+      <dgm:spPr/>
+    </dgm:pt>
+    <dgm:pt modelId="{4A8E843C-5A56-4CF4-9B64-B2688547D845}" type="pres">
+      <dgm:prSet presAssocID="{2AFF379C-3413-42ED-941D-EAE5C0FF9264}" presName="vertFour" presStyleCnt="0">
+        <dgm:presLayoutVars>
+          <dgm:chPref val="3"/>
+        </dgm:presLayoutVars>
+      </dgm:prSet>
+      <dgm:spPr/>
+    </dgm:pt>
+    <dgm:pt modelId="{ECB1DC98-E855-4D45-96DB-5217E986B1C9}" type="pres">
+      <dgm:prSet presAssocID="{2AFF379C-3413-42ED-941D-EAE5C0FF9264}" presName="txFour" presStyleLbl="node4" presStyleIdx="1" presStyleCnt="2">
+        <dgm:presLayoutVars>
+          <dgm:chPref val="3"/>
+        </dgm:presLayoutVars>
+      </dgm:prSet>
+      <dgm:spPr/>
+    </dgm:pt>
+    <dgm:pt modelId="{7B422C28-CC2F-49E0-B8E2-0538CCCF5606}" type="pres">
+      <dgm:prSet presAssocID="{2AFF379C-3413-42ED-941D-EAE5C0FF9264}" presName="horzFour" presStyleCnt="0"/>
+      <dgm:spPr/>
+    </dgm:pt>
+  </dgm:ptLst>
+  <dgm:cxnLst>
+    <dgm:cxn modelId="{7212C709-78D0-4BAF-9A94-DC4EE2106CB6}" type="presOf" srcId="{DC29AF53-8313-4508-AF13-AC79B51FA742}" destId="{195D95A7-CCA1-42BD-AFB5-27D659AEB410}" srcOrd="0" destOrd="0" presId="urn:microsoft.com/office/officeart/2005/8/layout/architecture"/>
+    <dgm:cxn modelId="{1EA93515-AEA2-45BD-A423-E837718A1904}" type="presOf" srcId="{19A6659F-692E-4E0D-9503-50408ABC83B4}" destId="{44CD5B9E-0EF4-43FE-9091-20B8E5351AEB}" srcOrd="0" destOrd="0" presId="urn:microsoft.com/office/officeart/2005/8/layout/architecture"/>
+    <dgm:cxn modelId="{CF5C8816-0E12-4177-AC06-B636F274DC37}" type="presOf" srcId="{E069F2A1-214E-4BE7-8A25-408905404154}" destId="{5CDFF962-77E7-4D83-A943-E9F93D0677D1}" srcOrd="0" destOrd="0" presId="urn:microsoft.com/office/officeart/2005/8/layout/architecture"/>
+    <dgm:cxn modelId="{558BC429-8529-4147-9C40-39E65AE1029C}" srcId="{19A6659F-692E-4E0D-9503-50408ABC83B4}" destId="{39A0A52C-8AE7-4BDC-9951-E2926C695611}" srcOrd="0" destOrd="0" parTransId="{3874B931-933B-48D1-9A8C-A3D60392DA38}" sibTransId="{CB1D9902-1DB4-4FEF-B3C1-B4CCC9309021}"/>
+    <dgm:cxn modelId="{A46DB92A-7220-4B1C-BDB9-A8DA8D12D8F3}" srcId="{DC29AF53-8313-4508-AF13-AC79B51FA742}" destId="{EA068C98-38EA-45A1-9EA0-5909AA278E3C}" srcOrd="4" destOrd="0" parTransId="{EB179B8D-C344-4387-9D03-3114585BB616}" sibTransId="{591DC999-13D0-4E4A-A330-729CC2AB3197}"/>
+    <dgm:cxn modelId="{6FC34C5C-A3C9-476F-85B4-EDA8A38D2C75}" type="presOf" srcId="{EA068C98-38EA-45A1-9EA0-5909AA278E3C}" destId="{0009A52D-6841-4355-81C5-7519A60DA41B}" srcOrd="0" destOrd="0" presId="urn:microsoft.com/office/officeart/2005/8/layout/architecture"/>
+    <dgm:cxn modelId="{D0A8B765-37FA-4EA4-B566-BEBC160794B8}" srcId="{1D90E48A-DD8B-418B-B4EA-A5747F0BFEE1}" destId="{A6C618F4-7601-4628-A582-2B201FA2B77A}" srcOrd="0" destOrd="0" parTransId="{02725D76-2A3B-4045-8949-9CDB60CEE3CE}" sibTransId="{8E172EFC-A303-4F4E-BD81-5E4EAC7FE28D}"/>
+    <dgm:cxn modelId="{084DE87C-6B26-4374-9424-32B35A1734B9}" srcId="{DC29AF53-8313-4508-AF13-AC79B51FA742}" destId="{0FBD671D-4A2C-4BD8-BE82-E1FBB3FBD43D}" srcOrd="5" destOrd="0" parTransId="{007911EE-156F-4499-A086-6DF716412DD6}" sibTransId="{77DC09AC-F770-4940-B257-D129D522B7FB}"/>
+    <dgm:cxn modelId="{78B08C7D-5BCB-40D7-BAD7-1482736BBF47}" type="presOf" srcId="{974C2676-6D27-42CE-A367-1719B0BD7B2C}" destId="{83B20DC0-9E1B-4A92-9F5C-48D1917C9061}" srcOrd="0" destOrd="0" presId="urn:microsoft.com/office/officeart/2005/8/layout/architecture"/>
+    <dgm:cxn modelId="{2B8F5C85-C582-45EB-9BE4-434DE8AC37F4}" srcId="{E069F2A1-214E-4BE7-8A25-408905404154}" destId="{2AFF379C-3413-42ED-941D-EAE5C0FF9264}" srcOrd="0" destOrd="0" parTransId="{09601DD9-F8BE-4E17-BC9D-6FA02C8DBE0C}" sibTransId="{D44001B9-7B2E-46BD-9FEE-5FA6DB48B0A8}"/>
+    <dgm:cxn modelId="{474B238F-6EDA-4EA9-9F6C-1AFCE46D30C4}" type="presOf" srcId="{396A7FD3-0526-47C3-9692-481E1B4553E0}" destId="{3B6C985F-397C-47EA-8A52-80A2F5F02609}" srcOrd="0" destOrd="0" presId="urn:microsoft.com/office/officeart/2005/8/layout/architecture"/>
+    <dgm:cxn modelId="{EC81EB93-BD98-4BF5-9E3D-6CD4646B59C0}" srcId="{0FBD671D-4A2C-4BD8-BE82-E1FBB3FBD43D}" destId="{E069F2A1-214E-4BE7-8A25-408905404154}" srcOrd="1" destOrd="0" parTransId="{38EBE295-6331-46BA-BD26-3E96688858AA}" sibTransId="{F309EF30-F6AF-4CAD-8A2B-78048D158CB6}"/>
+    <dgm:cxn modelId="{45CBE098-E477-4F8D-8E68-E8701430D5FA}" type="presOf" srcId="{4447D811-A065-41D6-A3A4-64B2594C1385}" destId="{666A9C95-C307-4CF4-A3B9-2BC1D88A4403}" srcOrd="0" destOrd="0" presId="urn:microsoft.com/office/officeart/2005/8/layout/architecture"/>
+    <dgm:cxn modelId="{0DC79599-1F21-4EC5-BE03-F8626F3FCDE6}" srcId="{974C2676-6D27-42CE-A367-1719B0BD7B2C}" destId="{D9F1C7A2-15E0-407B-9741-C08D5296D9BF}" srcOrd="0" destOrd="0" parTransId="{679B3479-CD81-49C1-8D3B-C7DD90A257DB}" sibTransId="{F8037FE2-8FFD-461C-88BD-28F2B56492B2}"/>
+    <dgm:cxn modelId="{0CA7DC9C-B6E0-473A-A04B-582F3CDED1B4}" srcId="{DC29AF53-8313-4508-AF13-AC79B51FA742}" destId="{974C2676-6D27-42CE-A367-1719B0BD7B2C}" srcOrd="3" destOrd="0" parTransId="{7759D993-250F-4FDD-98C2-0B20F078FAA2}" sibTransId="{690B99E5-7252-4404-A276-D69F1302AADA}"/>
+    <dgm:cxn modelId="{AFB1FAAD-C8D0-4587-9052-E1044A3C2034}" type="presOf" srcId="{39A0A52C-8AE7-4BDC-9951-E2926C695611}" destId="{2FD1F9D2-08A4-463C-B3FE-9194158FB82B}" srcOrd="0" destOrd="0" presId="urn:microsoft.com/office/officeart/2005/8/layout/architecture"/>
+    <dgm:cxn modelId="{5669B1AF-CFAE-4AE6-A2C3-2CBA317835CB}" type="presOf" srcId="{EB4FF7DB-00E5-4088-8425-542F860F570A}" destId="{A12FD2B2-D784-43C3-8CCB-650C72E46278}" srcOrd="0" destOrd="0" presId="urn:microsoft.com/office/officeart/2005/8/layout/architecture"/>
+    <dgm:cxn modelId="{A8A402C6-D18D-4F84-8AA0-C0AAC7B4B322}" type="presOf" srcId="{7AAAB01E-5D73-40E2-819A-F86C009D452B}" destId="{CB197B57-22E6-4E83-AA82-4D3235538DF4}" srcOrd="0" destOrd="0" presId="urn:microsoft.com/office/officeart/2005/8/layout/architecture"/>
+    <dgm:cxn modelId="{62BC2DCF-C045-4CE5-BF18-9DF86364D744}" srcId="{19A6659F-692E-4E0D-9503-50408ABC83B4}" destId="{396A7FD3-0526-47C3-9692-481E1B4553E0}" srcOrd="1" destOrd="0" parTransId="{1C3299AC-8B96-46C2-A9D2-B8805B14147F}" sibTransId="{D634CD22-0EFE-4DB4-9685-D07C5F02D447}"/>
+    <dgm:cxn modelId="{4973B1D9-7DAE-4942-91B2-CEF7C9F7E633}" type="presOf" srcId="{D9F1C7A2-15E0-407B-9741-C08D5296D9BF}" destId="{14ED00E2-7B0E-4D1B-9BEA-99433F3C7174}" srcOrd="0" destOrd="0" presId="urn:microsoft.com/office/officeart/2005/8/layout/architecture"/>
+    <dgm:cxn modelId="{8E8CD7DC-E717-410B-A05F-7E4A4040334A}" srcId="{DC29AF53-8313-4508-AF13-AC79B51FA742}" destId="{4447D811-A065-41D6-A3A4-64B2594C1385}" srcOrd="2" destOrd="0" parTransId="{F0B3905E-FE66-4493-91BC-593DC7D8CBB6}" sibTransId="{59861433-A356-445B-8586-69BA74C4019E}"/>
+    <dgm:cxn modelId="{732271E1-291E-4863-98CB-282D489F1C11}" type="presOf" srcId="{2AFF379C-3413-42ED-941D-EAE5C0FF9264}" destId="{ECB1DC98-E855-4D45-96DB-5217E986B1C9}" srcOrd="0" destOrd="0" presId="urn:microsoft.com/office/officeart/2005/8/layout/architecture"/>
+    <dgm:cxn modelId="{9BAC96E3-87C3-4541-94F9-BFFA2F107416}" srcId="{DC29AF53-8313-4508-AF13-AC79B51FA742}" destId="{EB4FF7DB-00E5-4088-8425-542F860F570A}" srcOrd="0" destOrd="0" parTransId="{DB142554-C848-41F0-B2BB-A653E69C817F}" sibTransId="{2C72999B-3E0B-4EAF-A500-3780A77758DC}"/>
+    <dgm:cxn modelId="{33EDE2E3-36AC-47C6-8A9A-9AEA4B313A63}" type="presOf" srcId="{1D90E48A-DD8B-418B-B4EA-A5747F0BFEE1}" destId="{1E18E9F9-614A-46D6-8FD2-577805A54B02}" srcOrd="0" destOrd="0" presId="urn:microsoft.com/office/officeart/2005/8/layout/architecture"/>
+    <dgm:cxn modelId="{D33BEBE5-C92D-43CB-96FB-F75114876E8E}" type="presOf" srcId="{0FBD671D-4A2C-4BD8-BE82-E1FBB3FBD43D}" destId="{20B114C2-B163-4909-9B4D-9657922B200F}" srcOrd="0" destOrd="0" presId="urn:microsoft.com/office/officeart/2005/8/layout/architecture"/>
+    <dgm:cxn modelId="{8EB51FE9-277D-42C5-BE1B-ADB4721D6681}" srcId="{0FBD671D-4A2C-4BD8-BE82-E1FBB3FBD43D}" destId="{7AAAB01E-5D73-40E2-819A-F86C009D452B}" srcOrd="0" destOrd="0" parTransId="{56554297-FFD8-49C9-B336-4A38B009FD5B}" sibTransId="{B9686B05-0E34-41D5-9871-49CA74AC1007}"/>
+    <dgm:cxn modelId="{7BD982E9-A838-434F-99E4-FBC90EB1D77B}" srcId="{19A6659F-692E-4E0D-9503-50408ABC83B4}" destId="{1D90E48A-DD8B-418B-B4EA-A5747F0BFEE1}" srcOrd="2" destOrd="0" parTransId="{13E65B5C-CB5A-4646-86D0-0FEEF3EDADF2}" sibTransId="{0D9A8E0D-C802-420C-89EC-0F29BB5A1ABE}"/>
+    <dgm:cxn modelId="{AA9800EA-357B-44EA-8503-A6D47562F886}" type="presOf" srcId="{A6C618F4-7601-4628-A582-2B201FA2B77A}" destId="{7D569B00-4303-4DAC-90CD-46153E61C281}" srcOrd="0" destOrd="0" presId="urn:microsoft.com/office/officeart/2005/8/layout/architecture"/>
+    <dgm:cxn modelId="{EE9736EA-EB18-4B49-B250-CD54433987AE}" srcId="{3D60309A-56C7-46C3-A44A-79F7634788CF}" destId="{DC29AF53-8313-4508-AF13-AC79B51FA742}" srcOrd="0" destOrd="0" parTransId="{49F58B85-AB2A-40AC-9BD5-0359B2D7A5EB}" sibTransId="{424F29AA-6EC1-4358-A79D-0E889B8AF099}"/>
+    <dgm:cxn modelId="{D7CAC6F1-8BC7-4111-A8CE-B0F242322C66}" type="presOf" srcId="{3D60309A-56C7-46C3-A44A-79F7634788CF}" destId="{5182FABF-190A-4D2D-AE6E-651B135A7CB1}" srcOrd="0" destOrd="0" presId="urn:microsoft.com/office/officeart/2005/8/layout/architecture"/>
+    <dgm:cxn modelId="{DA15AFFF-E672-471E-A207-F4EB697B010E}" srcId="{DC29AF53-8313-4508-AF13-AC79B51FA742}" destId="{19A6659F-692E-4E0D-9503-50408ABC83B4}" srcOrd="1" destOrd="0" parTransId="{08CFB5E9-4D9E-4CA7-A065-F67CDDAB9D31}" sibTransId="{7FD937A8-A5D8-4DBE-8DEB-4A88AA82216D}"/>
+    <dgm:cxn modelId="{DBD6978D-485A-4C82-B94F-733C2F175509}" type="presParOf" srcId="{5182FABF-190A-4D2D-AE6E-651B135A7CB1}" destId="{A186EE94-7019-470E-AD5E-6637DBC0727E}" srcOrd="0" destOrd="0" presId="urn:microsoft.com/office/officeart/2005/8/layout/architecture"/>
+    <dgm:cxn modelId="{9AE1B3D5-C3FF-49B8-9A16-D40F4913A8E5}" type="presParOf" srcId="{A186EE94-7019-470E-AD5E-6637DBC0727E}" destId="{195D95A7-CCA1-42BD-AFB5-27D659AEB410}" srcOrd="0" destOrd="0" presId="urn:microsoft.com/office/officeart/2005/8/layout/architecture"/>
+    <dgm:cxn modelId="{094569F6-5BD5-40B3-A7DD-8DE9DBBC1CE7}" type="presParOf" srcId="{A186EE94-7019-470E-AD5E-6637DBC0727E}" destId="{A191D4DE-113A-4336-9A02-2684A6678CB5}" srcOrd="1" destOrd="0" presId="urn:microsoft.com/office/officeart/2005/8/layout/architecture"/>
+    <dgm:cxn modelId="{220736E9-3A8B-488D-BEE1-7503E782A2CB}" type="presParOf" srcId="{A186EE94-7019-470E-AD5E-6637DBC0727E}" destId="{C6FEF348-D9AD-41EC-8540-B39DD7C9C810}" srcOrd="2" destOrd="0" presId="urn:microsoft.com/office/officeart/2005/8/layout/architecture"/>
+    <dgm:cxn modelId="{96E3D828-BC19-43DE-8699-05186089286D}" type="presParOf" srcId="{C6FEF348-D9AD-41EC-8540-B39DD7C9C810}" destId="{05505B05-0524-42C8-B5C1-24F0B7540A27}" srcOrd="0" destOrd="0" presId="urn:microsoft.com/office/officeart/2005/8/layout/architecture"/>
+    <dgm:cxn modelId="{D51ABAD7-0FF5-4C99-998C-4F2DA1D54DF2}" type="presParOf" srcId="{05505B05-0524-42C8-B5C1-24F0B7540A27}" destId="{A12FD2B2-D784-43C3-8CCB-650C72E46278}" srcOrd="0" destOrd="0" presId="urn:microsoft.com/office/officeart/2005/8/layout/architecture"/>
+    <dgm:cxn modelId="{2B9805C2-4DC4-46D4-BB64-5728C89DAFCA}" type="presParOf" srcId="{05505B05-0524-42C8-B5C1-24F0B7540A27}" destId="{DAF45C8F-AEE1-4C4C-AAEF-D37E7A964874}" srcOrd="1" destOrd="0" presId="urn:microsoft.com/office/officeart/2005/8/layout/architecture"/>
+    <dgm:cxn modelId="{03C60E51-0C7A-4012-9D33-0C556C9BAAA4}" type="presParOf" srcId="{C6FEF348-D9AD-41EC-8540-B39DD7C9C810}" destId="{9C00C15C-B7FA-4D0A-AD84-78744EB2573A}" srcOrd="1" destOrd="0" presId="urn:microsoft.com/office/officeart/2005/8/layout/architecture"/>
+    <dgm:cxn modelId="{D41E4A7A-CE38-4C72-AAA0-04CD53336940}" type="presParOf" srcId="{C6FEF348-D9AD-41EC-8540-B39DD7C9C810}" destId="{EAAD6D1B-7FFD-4EEE-AC7A-5B86BFB02069}" srcOrd="2" destOrd="0" presId="urn:microsoft.com/office/officeart/2005/8/layout/architecture"/>
+    <dgm:cxn modelId="{BCBF173F-9AD7-4AF6-A0EF-D17FE70F4859}" type="presParOf" srcId="{EAAD6D1B-7FFD-4EEE-AC7A-5B86BFB02069}" destId="{44CD5B9E-0EF4-43FE-9091-20B8E5351AEB}" srcOrd="0" destOrd="0" presId="urn:microsoft.com/office/officeart/2005/8/layout/architecture"/>
+    <dgm:cxn modelId="{6BDCFD05-B1F9-4BB3-B332-5FD0DD2DA9FC}" type="presParOf" srcId="{EAAD6D1B-7FFD-4EEE-AC7A-5B86BFB02069}" destId="{FC208E8B-F081-4A15-B5DF-962DE169C758}" srcOrd="1" destOrd="0" presId="urn:microsoft.com/office/officeart/2005/8/layout/architecture"/>
+    <dgm:cxn modelId="{EF67381F-FB7C-42EC-9D1F-8C110C6F4145}" type="presParOf" srcId="{EAAD6D1B-7FFD-4EEE-AC7A-5B86BFB02069}" destId="{DD8BFE04-428D-4504-A4CA-56C80FF0534A}" srcOrd="2" destOrd="0" presId="urn:microsoft.com/office/officeart/2005/8/layout/architecture"/>
+    <dgm:cxn modelId="{27014F22-6C0C-46FC-A076-1E4AAC26A489}" type="presParOf" srcId="{DD8BFE04-428D-4504-A4CA-56C80FF0534A}" destId="{B00703CA-9EE1-4C8C-B316-4BF5EDF4AA6C}" srcOrd="0" destOrd="0" presId="urn:microsoft.com/office/officeart/2005/8/layout/architecture"/>
+    <dgm:cxn modelId="{2B0C8E3F-E735-44B2-B926-D98FDB4BFF71}" type="presParOf" srcId="{B00703CA-9EE1-4C8C-B316-4BF5EDF4AA6C}" destId="{2FD1F9D2-08A4-463C-B3FE-9194158FB82B}" srcOrd="0" destOrd="0" presId="urn:microsoft.com/office/officeart/2005/8/layout/architecture"/>
+    <dgm:cxn modelId="{21BE7807-A465-4B4D-B0B5-42B96C21BF5A}" type="presParOf" srcId="{B00703CA-9EE1-4C8C-B316-4BF5EDF4AA6C}" destId="{A5CFA3CF-FF0C-488A-B006-C4845C2E9351}" srcOrd="1" destOrd="0" presId="urn:microsoft.com/office/officeart/2005/8/layout/architecture"/>
+    <dgm:cxn modelId="{4667BF88-9DB6-45BA-A379-BF7978F87B36}" type="presParOf" srcId="{DD8BFE04-428D-4504-A4CA-56C80FF0534A}" destId="{2BBD47C5-3610-4227-810F-F0C4918BF7C9}" srcOrd="1" destOrd="0" presId="urn:microsoft.com/office/officeart/2005/8/layout/architecture"/>
+    <dgm:cxn modelId="{A422D3DF-1E12-4DC8-A19E-8EFCACC79E4A}" type="presParOf" srcId="{DD8BFE04-428D-4504-A4CA-56C80FF0534A}" destId="{BA562F62-8CE1-4748-945F-E3229756695A}" srcOrd="2" destOrd="0" presId="urn:microsoft.com/office/officeart/2005/8/layout/architecture"/>
+    <dgm:cxn modelId="{C7343E7A-89AE-4820-8068-CA29EA7782F9}" type="presParOf" srcId="{BA562F62-8CE1-4748-945F-E3229756695A}" destId="{3B6C985F-397C-47EA-8A52-80A2F5F02609}" srcOrd="0" destOrd="0" presId="urn:microsoft.com/office/officeart/2005/8/layout/architecture"/>
+    <dgm:cxn modelId="{75913FAA-13E9-4F1B-B79F-49BB8FBD47C3}" type="presParOf" srcId="{BA562F62-8CE1-4748-945F-E3229756695A}" destId="{FB76FB30-EE1C-4DCA-B212-3EFAD7BC7510}" srcOrd="1" destOrd="0" presId="urn:microsoft.com/office/officeart/2005/8/layout/architecture"/>
+    <dgm:cxn modelId="{F50779BC-6062-4AA1-82A3-D95926A6B222}" type="presParOf" srcId="{DD8BFE04-428D-4504-A4CA-56C80FF0534A}" destId="{534D23FC-CE05-42CD-AF02-25AD607875B4}" srcOrd="3" destOrd="0" presId="urn:microsoft.com/office/officeart/2005/8/layout/architecture"/>
+    <dgm:cxn modelId="{25A0440E-B390-46D5-9A49-BD75260078AF}" type="presParOf" srcId="{DD8BFE04-428D-4504-A4CA-56C80FF0534A}" destId="{81FCE170-E42B-4CCD-BFF7-5E585DF29E20}" srcOrd="4" destOrd="0" presId="urn:microsoft.com/office/officeart/2005/8/layout/architecture"/>
+    <dgm:cxn modelId="{22C2011A-892B-43B4-89C0-0E7E7854632A}" type="presParOf" srcId="{81FCE170-E42B-4CCD-BFF7-5E585DF29E20}" destId="{1E18E9F9-614A-46D6-8FD2-577805A54B02}" srcOrd="0" destOrd="0" presId="urn:microsoft.com/office/officeart/2005/8/layout/architecture"/>
+    <dgm:cxn modelId="{2CD63238-48E6-453D-8BE1-C44868C2E488}" type="presParOf" srcId="{81FCE170-E42B-4CCD-BFF7-5E585DF29E20}" destId="{91C255A2-1712-4DBE-8BF5-A3A1A6E72516}" srcOrd="1" destOrd="0" presId="urn:microsoft.com/office/officeart/2005/8/layout/architecture"/>
+    <dgm:cxn modelId="{232FE38D-8DE6-4E91-B973-CC9731CB8672}" type="presParOf" srcId="{81FCE170-E42B-4CCD-BFF7-5E585DF29E20}" destId="{CF253EEE-633D-4742-8A2D-4DBF428901F2}" srcOrd="2" destOrd="0" presId="urn:microsoft.com/office/officeart/2005/8/layout/architecture"/>
+    <dgm:cxn modelId="{7574A01D-C7C9-490D-B8AB-68248A860EB2}" type="presParOf" srcId="{CF253EEE-633D-4742-8A2D-4DBF428901F2}" destId="{A0D57949-2CB3-472E-B3DD-1CDD92FB6E05}" srcOrd="0" destOrd="0" presId="urn:microsoft.com/office/officeart/2005/8/layout/architecture"/>
+    <dgm:cxn modelId="{31BC7F22-ADE5-4B95-9B72-EACB34F92AC6}" type="presParOf" srcId="{A0D57949-2CB3-472E-B3DD-1CDD92FB6E05}" destId="{7D569B00-4303-4DAC-90CD-46153E61C281}" srcOrd="0" destOrd="0" presId="urn:microsoft.com/office/officeart/2005/8/layout/architecture"/>
+    <dgm:cxn modelId="{0EE72B90-2D4F-4D86-B9DC-0FF10154F426}" type="presParOf" srcId="{A0D57949-2CB3-472E-B3DD-1CDD92FB6E05}" destId="{754214B3-F298-45C1-BE2D-0DB6CD63D575}" srcOrd="1" destOrd="0" presId="urn:microsoft.com/office/officeart/2005/8/layout/architecture"/>
+    <dgm:cxn modelId="{9447E3F5-0E04-407C-96E5-594FC965F223}" type="presParOf" srcId="{C6FEF348-D9AD-41EC-8540-B39DD7C9C810}" destId="{3A3C7213-818E-4DC4-BF70-54DC591DAD59}" srcOrd="3" destOrd="0" presId="urn:microsoft.com/office/officeart/2005/8/layout/architecture"/>
+    <dgm:cxn modelId="{E74F5EC8-3D5F-4388-B8C6-60D26445D751}" type="presParOf" srcId="{C6FEF348-D9AD-41EC-8540-B39DD7C9C810}" destId="{0D11F832-A4C1-4C1D-BC24-7EF91497F1DD}" srcOrd="4" destOrd="0" presId="urn:microsoft.com/office/officeart/2005/8/layout/architecture"/>
+    <dgm:cxn modelId="{B71B5B75-4D63-4840-95FA-836494E9F55F}" type="presParOf" srcId="{0D11F832-A4C1-4C1D-BC24-7EF91497F1DD}" destId="{666A9C95-C307-4CF4-A3B9-2BC1D88A4403}" srcOrd="0" destOrd="0" presId="urn:microsoft.com/office/officeart/2005/8/layout/architecture"/>
+    <dgm:cxn modelId="{7436DA4D-A372-4100-A4B9-5F065034DE62}" type="presParOf" srcId="{0D11F832-A4C1-4C1D-BC24-7EF91497F1DD}" destId="{568CE014-7FAA-45D9-9B45-746A3A7F0659}" srcOrd="1" destOrd="0" presId="urn:microsoft.com/office/officeart/2005/8/layout/architecture"/>
+    <dgm:cxn modelId="{72749CCF-D6B7-4F1C-866F-1517993ACDBA}" type="presParOf" srcId="{C6FEF348-D9AD-41EC-8540-B39DD7C9C810}" destId="{2E33734A-D17E-457A-9176-C813EF7B91B5}" srcOrd="5" destOrd="0" presId="urn:microsoft.com/office/officeart/2005/8/layout/architecture"/>
+    <dgm:cxn modelId="{161E458F-5CEA-42EB-AF58-522363E3408A}" type="presParOf" srcId="{C6FEF348-D9AD-41EC-8540-B39DD7C9C810}" destId="{480C9F25-BD62-4B0E-9D6D-39C98FB81BD0}" srcOrd="6" destOrd="0" presId="urn:microsoft.com/office/officeart/2005/8/layout/architecture"/>
+    <dgm:cxn modelId="{CFEB0D47-58A0-49A6-8C16-EFBFFD2828F0}" type="presParOf" srcId="{480C9F25-BD62-4B0E-9D6D-39C98FB81BD0}" destId="{83B20DC0-9E1B-4A92-9F5C-48D1917C9061}" srcOrd="0" destOrd="0" presId="urn:microsoft.com/office/officeart/2005/8/layout/architecture"/>
+    <dgm:cxn modelId="{0FAA5231-7291-459F-99B3-F5BD895C4E0B}" type="presParOf" srcId="{480C9F25-BD62-4B0E-9D6D-39C98FB81BD0}" destId="{30D96D3D-63F1-43B1-A8F6-30F54EF70741}" srcOrd="1" destOrd="0" presId="urn:microsoft.com/office/officeart/2005/8/layout/architecture"/>
+    <dgm:cxn modelId="{B081C5D5-5FEC-41A2-9C7A-BB8821993FEF}" type="presParOf" srcId="{480C9F25-BD62-4B0E-9D6D-39C98FB81BD0}" destId="{0A77A0D2-73C7-4B0B-96C7-FBD890B55666}" srcOrd="2" destOrd="0" presId="urn:microsoft.com/office/officeart/2005/8/layout/architecture"/>
+    <dgm:cxn modelId="{60F7B6F0-2F28-4A2F-9F1C-98CA14C5D809}" type="presParOf" srcId="{0A77A0D2-73C7-4B0B-96C7-FBD890B55666}" destId="{0F58BE75-4338-4576-9E5A-5B5D94CD991D}" srcOrd="0" destOrd="0" presId="urn:microsoft.com/office/officeart/2005/8/layout/architecture"/>
+    <dgm:cxn modelId="{81A53582-CE99-4B07-9276-52B7D2CDCD7D}" type="presParOf" srcId="{0F58BE75-4338-4576-9E5A-5B5D94CD991D}" destId="{14ED00E2-7B0E-4D1B-9BEA-99433F3C7174}" srcOrd="0" destOrd="0" presId="urn:microsoft.com/office/officeart/2005/8/layout/architecture"/>
+    <dgm:cxn modelId="{5A967A23-4A6B-4F0C-9B46-D370676F4793}" type="presParOf" srcId="{0F58BE75-4338-4576-9E5A-5B5D94CD991D}" destId="{1156C46B-2A05-48A4-B7C3-F61C20212785}" srcOrd="1" destOrd="0" presId="urn:microsoft.com/office/officeart/2005/8/layout/architecture"/>
+    <dgm:cxn modelId="{A30DB8CD-2EC9-4F8F-B527-BB937309BED6}" type="presParOf" srcId="{C6FEF348-D9AD-41EC-8540-B39DD7C9C810}" destId="{F1AD0001-5B75-4739-B2E3-ADED648F2D76}" srcOrd="7" destOrd="0" presId="urn:microsoft.com/office/officeart/2005/8/layout/architecture"/>
+    <dgm:cxn modelId="{F04C7B47-CC96-4612-B961-6946968A5F41}" type="presParOf" srcId="{C6FEF348-D9AD-41EC-8540-B39DD7C9C810}" destId="{43DFAEA1-0C5F-4135-BBB2-B0EDB3D0D1F5}" srcOrd="8" destOrd="0" presId="urn:microsoft.com/office/officeart/2005/8/layout/architecture"/>
+    <dgm:cxn modelId="{A9B027A7-9DAF-4524-AEAF-2DFD13D16C50}" type="presParOf" srcId="{43DFAEA1-0C5F-4135-BBB2-B0EDB3D0D1F5}" destId="{0009A52D-6841-4355-81C5-7519A60DA41B}" srcOrd="0" destOrd="0" presId="urn:microsoft.com/office/officeart/2005/8/layout/architecture"/>
+    <dgm:cxn modelId="{7D60B973-36B6-4A3D-9388-0386C0ED73E9}" type="presParOf" srcId="{43DFAEA1-0C5F-4135-BBB2-B0EDB3D0D1F5}" destId="{B82C0C81-951D-414F-9D97-05E715823220}" srcOrd="1" destOrd="0" presId="urn:microsoft.com/office/officeart/2005/8/layout/architecture"/>
+    <dgm:cxn modelId="{73AA3387-0889-4D5D-A3A3-C56366BA8F3F}" type="presParOf" srcId="{C6FEF348-D9AD-41EC-8540-B39DD7C9C810}" destId="{D49C769A-F7FB-47BF-A0DA-BD0E327D973F}" srcOrd="9" destOrd="0" presId="urn:microsoft.com/office/officeart/2005/8/layout/architecture"/>
+    <dgm:cxn modelId="{21739C56-170A-47A8-89E3-55DD8AD05633}" type="presParOf" srcId="{C6FEF348-D9AD-41EC-8540-B39DD7C9C810}" destId="{0DAB641C-9337-4F1A-A1A6-82A2824BCD66}" srcOrd="10" destOrd="0" presId="urn:microsoft.com/office/officeart/2005/8/layout/architecture"/>
+    <dgm:cxn modelId="{5DA3F41B-426A-4B60-8CAE-4005B3B534A5}" type="presParOf" srcId="{0DAB641C-9337-4F1A-A1A6-82A2824BCD66}" destId="{20B114C2-B163-4909-9B4D-9657922B200F}" srcOrd="0" destOrd="0" presId="urn:microsoft.com/office/officeart/2005/8/layout/architecture"/>
+    <dgm:cxn modelId="{354D1921-862F-4013-B8BB-F91753DA1BBE}" type="presParOf" srcId="{0DAB641C-9337-4F1A-A1A6-82A2824BCD66}" destId="{54CD1B20-80D4-4004-A55D-561DBF513982}" srcOrd="1" destOrd="0" presId="urn:microsoft.com/office/officeart/2005/8/layout/architecture"/>
+    <dgm:cxn modelId="{365A6B68-B44D-4D1A-9A95-A21593F06406}" type="presParOf" srcId="{0DAB641C-9337-4F1A-A1A6-82A2824BCD66}" destId="{5F7DBDE7-E859-4BB0-B02F-BAD56D218F23}" srcOrd="2" destOrd="0" presId="urn:microsoft.com/office/officeart/2005/8/layout/architecture"/>
+    <dgm:cxn modelId="{4837B359-9F02-438E-A1C6-0C89E06C5DCE}" type="presParOf" srcId="{5F7DBDE7-E859-4BB0-B02F-BAD56D218F23}" destId="{4FC23D99-6EAA-4350-A453-F2A5DC743439}" srcOrd="0" destOrd="0" presId="urn:microsoft.com/office/officeart/2005/8/layout/architecture"/>
+    <dgm:cxn modelId="{ECF1962D-B2C6-4D28-B5FA-D1197956B347}" type="presParOf" srcId="{4FC23D99-6EAA-4350-A453-F2A5DC743439}" destId="{CB197B57-22E6-4E83-AA82-4D3235538DF4}" srcOrd="0" destOrd="0" presId="urn:microsoft.com/office/officeart/2005/8/layout/architecture"/>
+    <dgm:cxn modelId="{9E9B5C95-A41D-4943-B8FA-750857795D82}" type="presParOf" srcId="{4FC23D99-6EAA-4350-A453-F2A5DC743439}" destId="{A57BD986-4E58-4F9C-BFA0-E807CD2BF2AF}" srcOrd="1" destOrd="0" presId="urn:microsoft.com/office/officeart/2005/8/layout/architecture"/>
+    <dgm:cxn modelId="{50AD17A1-21C2-4A8F-B0C7-BB60E569EF09}" type="presParOf" srcId="{5F7DBDE7-E859-4BB0-B02F-BAD56D218F23}" destId="{A9D49AC8-EABB-41AA-B013-F78D2D7B0C4A}" srcOrd="1" destOrd="0" presId="urn:microsoft.com/office/officeart/2005/8/layout/architecture"/>
+    <dgm:cxn modelId="{0CD507BA-4660-4D85-B16D-044989E4D150}" type="presParOf" srcId="{5F7DBDE7-E859-4BB0-B02F-BAD56D218F23}" destId="{E7E93D87-4300-4D58-9F10-B79AE476DC9C}" srcOrd="2" destOrd="0" presId="urn:microsoft.com/office/officeart/2005/8/layout/architecture"/>
+    <dgm:cxn modelId="{40F475B6-4750-4405-90D2-739BDF3E7EAD}" type="presParOf" srcId="{E7E93D87-4300-4D58-9F10-B79AE476DC9C}" destId="{5CDFF962-77E7-4D83-A943-E9F93D0677D1}" srcOrd="0" destOrd="0" presId="urn:microsoft.com/office/officeart/2005/8/layout/architecture"/>
+    <dgm:cxn modelId="{B0F91BED-2F68-4928-A38D-707A5E84B50D}" type="presParOf" srcId="{E7E93D87-4300-4D58-9F10-B79AE476DC9C}" destId="{37D91DEF-84F6-4044-ABEA-6E93284D8A74}" srcOrd="1" destOrd="0" presId="urn:microsoft.com/office/officeart/2005/8/layout/architecture"/>
+    <dgm:cxn modelId="{9D0C8C07-7625-4BCB-A7EC-D29C50F530D8}" type="presParOf" srcId="{E7E93D87-4300-4D58-9F10-B79AE476DC9C}" destId="{88359D64-A708-4C2A-9841-1DE1CFA9E749}" srcOrd="2" destOrd="0" presId="urn:microsoft.com/office/officeart/2005/8/layout/architecture"/>
+    <dgm:cxn modelId="{1F7E985B-5885-4C31-A7E3-3AD05A3EC3FC}" type="presParOf" srcId="{88359D64-A708-4C2A-9841-1DE1CFA9E749}" destId="{4A8E843C-5A56-4CF4-9B64-B2688547D845}" srcOrd="0" destOrd="0" presId="urn:microsoft.com/office/officeart/2005/8/layout/architecture"/>
+    <dgm:cxn modelId="{918CD8C8-D3D8-4C17-807D-8D6426DECAD8}" type="presParOf" srcId="{4A8E843C-5A56-4CF4-9B64-B2688547D845}" destId="{ECB1DC98-E855-4D45-96DB-5217E986B1C9}" srcOrd="0" destOrd="0" presId="urn:microsoft.com/office/officeart/2005/8/layout/architecture"/>
+    <dgm:cxn modelId="{D718F1DD-87FB-4F01-BBA9-E5668C68CC8D}" type="presParOf" srcId="{4A8E843C-5A56-4CF4-9B64-B2688547D845}" destId="{7B422C28-CC2F-49E0-B8E2-0538CCCF5606}" srcOrd="1" destOrd="0" presId="urn:microsoft.com/office/officeart/2005/8/layout/architecture"/>
+  </dgm:cxnLst>
+  <dgm:bg/>
+  <dgm:whole/>
+  <dgm:extLst>
+    <a:ext uri="http://schemas.microsoft.com/office/drawing/2008/diagram">
+      <dsp:dataModelExt xmlns:dsp="http://schemas.microsoft.com/office/drawing/2008/diagram" relId="rId6" minVer="http://schemas.openxmlformats.org/drawingml/2006/diagram"/>
+    </a:ext>
+  </dgm:extLst>
+</dgm:dataModel>
+</file>
+
+<file path=ppt/diagrams/drawing1.xml><?xml version="1.0" encoding="utf-8"?>
+<dsp:drawing xmlns:dgm="http://schemas.openxmlformats.org/drawingml/2006/diagram" xmlns:dsp="http://schemas.microsoft.com/office/drawing/2008/diagram" xmlns:a="http://schemas.openxmlformats.org/drawingml/2006/main">
+  <dsp:spTree>
+    <dsp:nvGrpSpPr>
+      <dsp:cNvPr id="0" name=""/>
+      <dsp:cNvGrpSpPr/>
+    </dsp:nvGrpSpPr>
+    <dsp:grpSpPr/>
+    <dsp:sp modelId="{195D95A7-CCA1-42BD-AFB5-27D659AEB410}">
+      <dsp:nvSpPr>
+        <dsp:cNvPr id="0" name=""/>
+        <dsp:cNvSpPr/>
+      </dsp:nvSpPr>
+      <dsp:spPr>
+        <a:xfrm>
+          <a:off x="1117" y="2502063"/>
+          <a:ext cx="11945925" cy="689066"/>
+        </a:xfrm>
+        <a:prstGeom prst="roundRect">
+          <a:avLst>
+            <a:gd name="adj" fmla="val 10000"/>
+          </a:avLst>
+        </a:prstGeom>
+        <a:solidFill>
+          <a:schemeClr val="accent3">
+            <a:hueOff val="0"/>
+            <a:satOff val="0"/>
+            <a:lumOff val="0"/>
+            <a:alphaOff val="0"/>
+          </a:schemeClr>
+        </a:solidFill>
+        <a:ln w="12700" cap="flat" cmpd="sng" algn="ctr">
+          <a:solidFill>
+            <a:schemeClr val="lt1">
+              <a:hueOff val="0"/>
+              <a:satOff val="0"/>
+              <a:lumOff val="0"/>
+              <a:alphaOff val="0"/>
+            </a:schemeClr>
+          </a:solidFill>
+          <a:prstDash val="solid"/>
+          <a:miter lim="800000"/>
+        </a:ln>
+        <a:effectLst/>
+      </dsp:spPr>
+      <dsp:style>
+        <a:lnRef idx="2">
+          <a:scrgbClr r="0" g="0" b="0"/>
+        </a:lnRef>
+        <a:fillRef idx="1">
+          <a:scrgbClr r="0" g="0" b="0"/>
+        </a:fillRef>
+        <a:effectRef idx="0">
+          <a:scrgbClr r="0" g="0" b="0"/>
+        </a:effectRef>
+        <a:fontRef idx="minor">
+          <a:schemeClr val="lt1"/>
+        </a:fontRef>
+      </dsp:style>
+      <dsp:txBody>
+        <a:bodyPr spcFirstLastPara="0" vert="horz" wrap="square" lIns="114300" tIns="114300" rIns="114300" bIns="114300" numCol="1" spcCol="1270" anchor="ctr" anchorCtr="0">
+          <a:noAutofit/>
+        </a:bodyPr>
+        <a:lstStyle/>
+        <a:p>
+          <a:pPr marL="0" lvl="0" indent="0" algn="ctr" defTabSz="1333500">
+            <a:lnSpc>
+              <a:spcPct val="90000"/>
+            </a:lnSpc>
+            <a:spcBef>
+              <a:spcPct val="0"/>
+            </a:spcBef>
+            <a:spcAft>
+              <a:spcPct val="35000"/>
+            </a:spcAft>
+            <a:buNone/>
+          </a:pPr>
+          <a:r>
+            <a:rPr lang="en-US" sz="3000" kern="1200" dirty="0"/>
+            <a:t>Storm Kernel (.NET)</a:t>
+          </a:r>
+          <a:endParaRPr lang="en-SE" sz="3000" kern="1200" dirty="0"/>
+        </a:p>
+      </dsp:txBody>
+      <dsp:txXfrm>
+        <a:off x="21299" y="2522245"/>
+        <a:ext cx="11905561" cy="648702"/>
+      </dsp:txXfrm>
+    </dsp:sp>
+    <dsp:sp modelId="{A12FD2B2-D784-43C3-8CCB-650C72E46278}">
+      <dsp:nvSpPr>
+        <dsp:cNvPr id="0" name=""/>
+        <dsp:cNvSpPr/>
+      </dsp:nvSpPr>
+      <dsp:spPr>
+        <a:xfrm>
+          <a:off x="1117" y="1668592"/>
+          <a:ext cx="1251406" cy="689066"/>
+        </a:xfrm>
+        <a:prstGeom prst="roundRect">
+          <a:avLst>
+            <a:gd name="adj" fmla="val 10000"/>
+          </a:avLst>
+        </a:prstGeom>
+        <a:solidFill>
+          <a:schemeClr val="accent5">
+            <a:hueOff val="0"/>
+            <a:satOff val="0"/>
+            <a:lumOff val="0"/>
+            <a:alphaOff val="0"/>
+          </a:schemeClr>
+        </a:solidFill>
+        <a:ln w="12700" cap="flat" cmpd="sng" algn="ctr">
+          <a:solidFill>
+            <a:schemeClr val="lt1">
+              <a:hueOff val="0"/>
+              <a:satOff val="0"/>
+              <a:lumOff val="0"/>
+              <a:alphaOff val="0"/>
+            </a:schemeClr>
+          </a:solidFill>
+          <a:prstDash val="solid"/>
+          <a:miter lim="800000"/>
+        </a:ln>
+        <a:effectLst/>
+      </dsp:spPr>
+      <dsp:style>
+        <a:lnRef idx="2">
+          <a:scrgbClr r="0" g="0" b="0"/>
+        </a:lnRef>
+        <a:fillRef idx="1">
+          <a:scrgbClr r="0" g="0" b="0"/>
+        </a:fillRef>
+        <a:effectRef idx="0">
+          <a:scrgbClr r="0" g="0" b="0"/>
+        </a:effectRef>
+        <a:fontRef idx="minor">
+          <a:schemeClr val="lt1"/>
+        </a:fontRef>
+      </dsp:style>
+      <dsp:txBody>
+        <a:bodyPr spcFirstLastPara="0" vert="horz" wrap="square" lIns="19050" tIns="19050" rIns="19050" bIns="19050" numCol="1" spcCol="1270" anchor="ctr" anchorCtr="0">
+          <a:noAutofit/>
+        </a:bodyPr>
+        <a:lstStyle/>
+        <a:p>
+          <a:pPr marL="0" lvl="0" indent="0" algn="ctr" defTabSz="222250">
+            <a:lnSpc>
+              <a:spcPct val="90000"/>
+            </a:lnSpc>
+            <a:spcBef>
+              <a:spcPct val="0"/>
+            </a:spcBef>
+            <a:spcAft>
+              <a:spcPct val="35000"/>
+            </a:spcAft>
+            <a:buNone/>
+          </a:pPr>
+          <a:r>
+            <a:rPr lang="en-US" sz="500" kern="1200" dirty="0" err="1"/>
+            <a:t>Protocol.BlockStorage</a:t>
+          </a:r>
+          <a:endParaRPr lang="en-SE" sz="500" kern="1200" dirty="0"/>
+        </a:p>
+      </dsp:txBody>
+      <dsp:txXfrm>
+        <a:off x="21299" y="1688774"/>
+        <a:ext cx="1211042" cy="648702"/>
+      </dsp:txXfrm>
+    </dsp:sp>
+    <dsp:sp modelId="{44CD5B9E-0EF4-43FE-9091-20B8E5351AEB}">
+      <dsp:nvSpPr>
+        <dsp:cNvPr id="0" name=""/>
+        <dsp:cNvSpPr/>
+      </dsp:nvSpPr>
+      <dsp:spPr>
+        <a:xfrm>
+          <a:off x="1357641" y="1668592"/>
+          <a:ext cx="3859337" cy="689066"/>
+        </a:xfrm>
+        <a:prstGeom prst="roundRect">
+          <a:avLst>
+            <a:gd name="adj" fmla="val 10000"/>
+          </a:avLst>
+        </a:prstGeom>
+        <a:solidFill>
+          <a:schemeClr val="accent5">
+            <a:hueOff val="0"/>
+            <a:satOff val="0"/>
+            <a:lumOff val="0"/>
+            <a:alphaOff val="0"/>
+          </a:schemeClr>
+        </a:solidFill>
+        <a:ln w="12700" cap="flat" cmpd="sng" algn="ctr">
+          <a:solidFill>
+            <a:schemeClr val="lt1">
+              <a:hueOff val="0"/>
+              <a:satOff val="0"/>
+              <a:lumOff val="0"/>
+              <a:alphaOff val="0"/>
+            </a:schemeClr>
+          </a:solidFill>
+          <a:prstDash val="solid"/>
+          <a:miter lim="800000"/>
+        </a:ln>
+        <a:effectLst/>
+      </dsp:spPr>
+      <dsp:style>
+        <a:lnRef idx="2">
+          <a:scrgbClr r="0" g="0" b="0"/>
+        </a:lnRef>
+        <a:fillRef idx="1">
+          <a:scrgbClr r="0" g="0" b="0"/>
+        </a:fillRef>
+        <a:effectRef idx="0">
+          <a:scrgbClr r="0" g="0" b="0"/>
+        </a:effectRef>
+        <a:fontRef idx="minor">
+          <a:schemeClr val="lt1"/>
+        </a:fontRef>
+      </dsp:style>
+      <dsp:txBody>
+        <a:bodyPr spcFirstLastPara="0" vert="horz" wrap="square" lIns="19050" tIns="19050" rIns="19050" bIns="19050" numCol="1" spcCol="1270" anchor="ctr" anchorCtr="0">
+          <a:noAutofit/>
+        </a:bodyPr>
+        <a:lstStyle/>
+        <a:p>
+          <a:pPr marL="0" lvl="0" indent="0" algn="ctr" defTabSz="222250">
+            <a:lnSpc>
+              <a:spcPct val="90000"/>
+            </a:lnSpc>
+            <a:spcBef>
+              <a:spcPct val="0"/>
+            </a:spcBef>
+            <a:spcAft>
+              <a:spcPct val="35000"/>
+            </a:spcAft>
+            <a:buNone/>
+          </a:pPr>
+          <a:r>
+            <a:rPr lang="en-US" sz="500" kern="1200" dirty="0" err="1"/>
+            <a:t>Protocol.FileSystem</a:t>
+          </a:r>
+          <a:endParaRPr lang="en-SE" sz="500" kern="1200" dirty="0"/>
+        </a:p>
+      </dsp:txBody>
+      <dsp:txXfrm>
+        <a:off x="1377823" y="1688774"/>
+        <a:ext cx="3818973" cy="648702"/>
+      </dsp:txXfrm>
+    </dsp:sp>
+    <dsp:sp modelId="{2FD1F9D2-08A4-463C-B3FE-9194158FB82B}">
+      <dsp:nvSpPr>
+        <dsp:cNvPr id="0" name=""/>
+        <dsp:cNvSpPr/>
+      </dsp:nvSpPr>
+      <dsp:spPr>
+        <a:xfrm>
+          <a:off x="1357641" y="835120"/>
+          <a:ext cx="1251406" cy="689066"/>
+        </a:xfrm>
+        <a:prstGeom prst="roundRect">
+          <a:avLst>
+            <a:gd name="adj" fmla="val 10000"/>
+          </a:avLst>
+        </a:prstGeom>
+        <a:solidFill>
+          <a:schemeClr val="accent6">
+            <a:hueOff val="0"/>
+            <a:satOff val="0"/>
+            <a:lumOff val="0"/>
+            <a:alphaOff val="0"/>
+          </a:schemeClr>
+        </a:solidFill>
+        <a:ln w="12700" cap="flat" cmpd="sng" algn="ctr">
+          <a:solidFill>
+            <a:schemeClr val="lt1">
+              <a:hueOff val="0"/>
+              <a:satOff val="0"/>
+              <a:lumOff val="0"/>
+              <a:alphaOff val="0"/>
+            </a:schemeClr>
+          </a:solidFill>
+          <a:prstDash val="solid"/>
+          <a:miter lim="800000"/>
+        </a:ln>
+        <a:effectLst/>
+      </dsp:spPr>
+      <dsp:style>
+        <a:lnRef idx="2">
+          <a:scrgbClr r="0" g="0" b="0"/>
+        </a:lnRef>
+        <a:fillRef idx="1">
+          <a:scrgbClr r="0" g="0" b="0"/>
+        </a:fillRef>
+        <a:effectRef idx="0">
+          <a:scrgbClr r="0" g="0" b="0"/>
+        </a:effectRef>
+        <a:fontRef idx="minor">
+          <a:schemeClr val="lt1"/>
+        </a:fontRef>
+      </dsp:style>
+      <dsp:txBody>
+        <a:bodyPr spcFirstLastPara="0" vert="horz" wrap="square" lIns="19050" tIns="19050" rIns="19050" bIns="19050" numCol="1" spcCol="1270" anchor="ctr" anchorCtr="0">
+          <a:noAutofit/>
+        </a:bodyPr>
+        <a:lstStyle/>
+        <a:p>
+          <a:pPr marL="0" lvl="0" indent="0" algn="ctr" defTabSz="222250">
+            <a:lnSpc>
+              <a:spcPct val="90000"/>
+            </a:lnSpc>
+            <a:spcBef>
+              <a:spcPct val="0"/>
+            </a:spcBef>
+            <a:spcAft>
+              <a:spcPct val="35000"/>
+            </a:spcAft>
+            <a:buNone/>
+          </a:pPr>
+          <a:r>
+            <a:rPr lang="en-US" sz="500" kern="1200" dirty="0" err="1"/>
+            <a:t>Server.RootFileSystem</a:t>
+          </a:r>
+          <a:endParaRPr lang="en-SE" sz="500" kern="1200" dirty="0"/>
+        </a:p>
+      </dsp:txBody>
+      <dsp:txXfrm>
+        <a:off x="1377823" y="855302"/>
+        <a:ext cx="1211042" cy="648702"/>
+      </dsp:txXfrm>
+    </dsp:sp>
+    <dsp:sp modelId="{3B6C985F-397C-47EA-8A52-80A2F5F02609}">
+      <dsp:nvSpPr>
+        <dsp:cNvPr id="0" name=""/>
+        <dsp:cNvSpPr/>
+      </dsp:nvSpPr>
+      <dsp:spPr>
+        <a:xfrm>
+          <a:off x="2661607" y="835120"/>
+          <a:ext cx="1251406" cy="689066"/>
+        </a:xfrm>
+        <a:prstGeom prst="roundRect">
+          <a:avLst>
+            <a:gd name="adj" fmla="val 10000"/>
+          </a:avLst>
+        </a:prstGeom>
+        <a:solidFill>
+          <a:schemeClr val="accent6">
+            <a:hueOff val="0"/>
+            <a:satOff val="0"/>
+            <a:lumOff val="0"/>
+            <a:alphaOff val="0"/>
+          </a:schemeClr>
+        </a:solidFill>
+        <a:ln w="12700" cap="flat" cmpd="sng" algn="ctr">
+          <a:solidFill>
+            <a:schemeClr val="lt1">
+              <a:hueOff val="0"/>
+              <a:satOff val="0"/>
+              <a:lumOff val="0"/>
+              <a:alphaOff val="0"/>
+            </a:schemeClr>
+          </a:solidFill>
+          <a:prstDash val="solid"/>
+          <a:miter lim="800000"/>
+        </a:ln>
+        <a:effectLst/>
+      </dsp:spPr>
+      <dsp:style>
+        <a:lnRef idx="2">
+          <a:scrgbClr r="0" g="0" b="0"/>
+        </a:lnRef>
+        <a:fillRef idx="1">
+          <a:scrgbClr r="0" g="0" b="0"/>
+        </a:fillRef>
+        <a:effectRef idx="0">
+          <a:scrgbClr r="0" g="0" b="0"/>
+        </a:effectRef>
+        <a:fontRef idx="minor">
+          <a:schemeClr val="lt1"/>
+        </a:fontRef>
+      </dsp:style>
+      <dsp:txBody>
+        <a:bodyPr spcFirstLastPara="0" vert="horz" wrap="square" lIns="19050" tIns="19050" rIns="19050" bIns="19050" numCol="1" spcCol="1270" anchor="ctr" anchorCtr="0">
+          <a:noAutofit/>
+        </a:bodyPr>
+        <a:lstStyle/>
+        <a:p>
+          <a:pPr marL="0" lvl="0" indent="0" algn="ctr" defTabSz="222250">
+            <a:lnSpc>
+              <a:spcPct val="90000"/>
+            </a:lnSpc>
+            <a:spcBef>
+              <a:spcPct val="0"/>
+            </a:spcBef>
+            <a:spcAft>
+              <a:spcPct val="35000"/>
+            </a:spcAft>
+            <a:buNone/>
+          </a:pPr>
+          <a:r>
+            <a:rPr lang="en-US" sz="500" kern="1200" dirty="0" err="1"/>
+            <a:t>HostServer.NativeFileSystem</a:t>
+          </a:r>
+          <a:endParaRPr lang="en-SE" sz="500" kern="1200" dirty="0"/>
+        </a:p>
+      </dsp:txBody>
+      <dsp:txXfrm>
+        <a:off x="2681789" y="855302"/>
+        <a:ext cx="1211042" cy="648702"/>
+      </dsp:txXfrm>
+    </dsp:sp>
+    <dsp:sp modelId="{1E18E9F9-614A-46D6-8FD2-577805A54B02}">
+      <dsp:nvSpPr>
+        <dsp:cNvPr id="0" name=""/>
+        <dsp:cNvSpPr/>
+      </dsp:nvSpPr>
+      <dsp:spPr>
+        <a:xfrm>
+          <a:off x="3965572" y="835120"/>
+          <a:ext cx="1251406" cy="689066"/>
+        </a:xfrm>
+        <a:prstGeom prst="roundRect">
+          <a:avLst>
+            <a:gd name="adj" fmla="val 10000"/>
+          </a:avLst>
+        </a:prstGeom>
+        <a:solidFill>
+          <a:schemeClr val="accent6">
+            <a:hueOff val="0"/>
+            <a:satOff val="0"/>
+            <a:lumOff val="0"/>
+            <a:alphaOff val="0"/>
+          </a:schemeClr>
+        </a:solidFill>
+        <a:ln w="12700" cap="flat" cmpd="sng" algn="ctr">
+          <a:solidFill>
+            <a:schemeClr val="lt1">
+              <a:hueOff val="0"/>
+              <a:satOff val="0"/>
+              <a:lumOff val="0"/>
+              <a:alphaOff val="0"/>
+            </a:schemeClr>
+          </a:solidFill>
+          <a:prstDash val="solid"/>
+          <a:miter lim="800000"/>
+        </a:ln>
+        <a:effectLst/>
+      </dsp:spPr>
+      <dsp:style>
+        <a:lnRef idx="2">
+          <a:scrgbClr r="0" g="0" b="0"/>
+        </a:lnRef>
+        <a:fillRef idx="1">
+          <a:scrgbClr r="0" g="0" b="0"/>
+        </a:fillRef>
+        <a:effectRef idx="0">
+          <a:scrgbClr r="0" g="0" b="0"/>
+        </a:effectRef>
+        <a:fontRef idx="minor">
+          <a:schemeClr val="lt1"/>
+        </a:fontRef>
+      </dsp:style>
+      <dsp:txBody>
+        <a:bodyPr spcFirstLastPara="0" vert="horz" wrap="square" lIns="19050" tIns="19050" rIns="19050" bIns="19050" numCol="1" spcCol="1270" anchor="ctr" anchorCtr="0">
+          <a:noAutofit/>
+        </a:bodyPr>
+        <a:lstStyle/>
+        <a:p>
+          <a:pPr marL="0" lvl="0" indent="0" algn="ctr" defTabSz="222250">
+            <a:lnSpc>
+              <a:spcPct val="90000"/>
+            </a:lnSpc>
+            <a:spcBef>
+              <a:spcPct val="0"/>
+            </a:spcBef>
+            <a:spcAft>
+              <a:spcPct val="35000"/>
+            </a:spcAft>
+            <a:buNone/>
+          </a:pPr>
+          <a:r>
+            <a:rPr lang="en-US" sz="500" kern="1200" dirty="0" err="1"/>
+            <a:t>Library.FileSystem</a:t>
+          </a:r>
+          <a:endParaRPr lang="en-SE" sz="500" kern="1200" dirty="0"/>
+        </a:p>
+      </dsp:txBody>
+      <dsp:txXfrm>
+        <a:off x="3985754" y="855302"/>
+        <a:ext cx="1211042" cy="648702"/>
+      </dsp:txXfrm>
+    </dsp:sp>
+    <dsp:sp modelId="{7D569B00-4303-4DAC-90CD-46153E61C281}">
+      <dsp:nvSpPr>
+        <dsp:cNvPr id="0" name=""/>
+        <dsp:cNvSpPr/>
+      </dsp:nvSpPr>
+      <dsp:spPr>
+        <a:xfrm>
+          <a:off x="3965572" y="1649"/>
+          <a:ext cx="1251406" cy="689066"/>
+        </a:xfrm>
+        <a:prstGeom prst="roundRect">
+          <a:avLst>
+            <a:gd name="adj" fmla="val 10000"/>
+          </a:avLst>
+        </a:prstGeom>
+        <a:solidFill>
+          <a:schemeClr val="accent1">
+            <a:hueOff val="0"/>
+            <a:satOff val="0"/>
+            <a:lumOff val="0"/>
+            <a:alphaOff val="0"/>
+          </a:schemeClr>
+        </a:solidFill>
+        <a:ln w="12700" cap="flat" cmpd="sng" algn="ctr">
+          <a:solidFill>
+            <a:schemeClr val="lt1">
+              <a:hueOff val="0"/>
+              <a:satOff val="0"/>
+              <a:lumOff val="0"/>
+              <a:alphaOff val="0"/>
+            </a:schemeClr>
+          </a:solidFill>
+          <a:prstDash val="solid"/>
+          <a:miter lim="800000"/>
+        </a:ln>
+        <a:effectLst/>
+      </dsp:spPr>
+      <dsp:style>
+        <a:lnRef idx="2">
+          <a:scrgbClr r="0" g="0" b="0"/>
+        </a:lnRef>
+        <a:fillRef idx="1">
+          <a:scrgbClr r="0" g="0" b="0"/>
+        </a:fillRef>
+        <a:effectRef idx="0">
+          <a:scrgbClr r="0" g="0" b="0"/>
+        </a:effectRef>
+        <a:fontRef idx="minor">
+          <a:schemeClr val="lt1"/>
+        </a:fontRef>
+      </dsp:style>
+      <dsp:txBody>
+        <a:bodyPr spcFirstLastPara="0" vert="horz" wrap="square" lIns="19050" tIns="19050" rIns="19050" bIns="19050" numCol="1" spcCol="1270" anchor="ctr" anchorCtr="0">
+          <a:noAutofit/>
+        </a:bodyPr>
+        <a:lstStyle/>
+        <a:p>
+          <a:pPr marL="0" lvl="0" indent="0" algn="ctr" defTabSz="222250">
+            <a:lnSpc>
+              <a:spcPct val="90000"/>
+            </a:lnSpc>
+            <a:spcBef>
+              <a:spcPct val="0"/>
+            </a:spcBef>
+            <a:spcAft>
+              <a:spcPct val="35000"/>
+            </a:spcAft>
+            <a:buNone/>
+          </a:pPr>
+          <a:r>
+            <a:rPr lang="en-US" sz="500" kern="1200" dirty="0"/>
+            <a:t>APP</a:t>
+          </a:r>
+          <a:endParaRPr lang="en-SE" sz="500" kern="1200" dirty="0"/>
+        </a:p>
+      </dsp:txBody>
+      <dsp:txXfrm>
+        <a:off x="3985754" y="21831"/>
+        <a:ext cx="1211042" cy="648702"/>
+      </dsp:txXfrm>
+    </dsp:sp>
+    <dsp:sp modelId="{666A9C95-C307-4CF4-A3B9-2BC1D88A4403}">
+      <dsp:nvSpPr>
+        <dsp:cNvPr id="0" name=""/>
+        <dsp:cNvSpPr/>
+      </dsp:nvSpPr>
+      <dsp:spPr>
+        <a:xfrm>
+          <a:off x="5322097" y="1668592"/>
+          <a:ext cx="1251406" cy="689066"/>
+        </a:xfrm>
+        <a:prstGeom prst="roundRect">
+          <a:avLst>
+            <a:gd name="adj" fmla="val 10000"/>
+          </a:avLst>
+        </a:prstGeom>
+        <a:solidFill>
+          <a:schemeClr val="accent5">
+            <a:hueOff val="0"/>
+            <a:satOff val="0"/>
+            <a:lumOff val="0"/>
+            <a:alphaOff val="0"/>
+          </a:schemeClr>
+        </a:solidFill>
+        <a:ln w="12700" cap="flat" cmpd="sng" algn="ctr">
+          <a:solidFill>
+            <a:schemeClr val="lt1">
+              <a:hueOff val="0"/>
+              <a:satOff val="0"/>
+              <a:lumOff val="0"/>
+              <a:alphaOff val="0"/>
+            </a:schemeClr>
+          </a:solidFill>
+          <a:prstDash val="solid"/>
+          <a:miter lim="800000"/>
+        </a:ln>
+        <a:effectLst/>
+      </dsp:spPr>
+      <dsp:style>
+        <a:lnRef idx="2">
+          <a:scrgbClr r="0" g="0" b="0"/>
+        </a:lnRef>
+        <a:fillRef idx="1">
+          <a:scrgbClr r="0" g="0" b="0"/>
+        </a:fillRef>
+        <a:effectRef idx="0">
+          <a:scrgbClr r="0" g="0" b="0"/>
+        </a:effectRef>
+        <a:fontRef idx="minor">
+          <a:schemeClr val="lt1"/>
+        </a:fontRef>
+      </dsp:style>
+      <dsp:txBody>
+        <a:bodyPr spcFirstLastPara="0" vert="horz" wrap="square" lIns="19050" tIns="19050" rIns="19050" bIns="19050" numCol="1" spcCol="1270" anchor="ctr" anchorCtr="0">
+          <a:noAutofit/>
+        </a:bodyPr>
+        <a:lstStyle/>
+        <a:p>
+          <a:pPr marL="0" lvl="0" indent="0" algn="ctr" defTabSz="222250">
+            <a:lnSpc>
+              <a:spcPct val="90000"/>
+            </a:lnSpc>
+            <a:spcBef>
+              <a:spcPct val="0"/>
+            </a:spcBef>
+            <a:spcAft>
+              <a:spcPct val="35000"/>
+            </a:spcAft>
+            <a:buNone/>
+          </a:pPr>
+          <a:r>
+            <a:rPr lang="en-US" sz="500" kern="1200" dirty="0" err="1"/>
+            <a:t>Protocol.DataDisplay</a:t>
+          </a:r>
+          <a:endParaRPr lang="en-SE" sz="500" kern="1200" dirty="0"/>
+        </a:p>
+      </dsp:txBody>
+      <dsp:txXfrm>
+        <a:off x="5342279" y="1688774"/>
+        <a:ext cx="1211042" cy="648702"/>
+      </dsp:txXfrm>
+    </dsp:sp>
+    <dsp:sp modelId="{83B20DC0-9E1B-4A92-9F5C-48D1917C9061}">
+      <dsp:nvSpPr>
+        <dsp:cNvPr id="0" name=""/>
+        <dsp:cNvSpPr/>
+      </dsp:nvSpPr>
+      <dsp:spPr>
+        <a:xfrm>
+          <a:off x="6678621" y="1668592"/>
+          <a:ext cx="1251406" cy="689066"/>
+        </a:xfrm>
+        <a:prstGeom prst="roundRect">
+          <a:avLst>
+            <a:gd name="adj" fmla="val 10000"/>
+          </a:avLst>
+        </a:prstGeom>
+        <a:solidFill>
+          <a:schemeClr val="accent5">
+            <a:hueOff val="0"/>
+            <a:satOff val="0"/>
+            <a:lumOff val="0"/>
+            <a:alphaOff val="0"/>
+          </a:schemeClr>
+        </a:solidFill>
+        <a:ln w="12700" cap="flat" cmpd="sng" algn="ctr">
+          <a:solidFill>
+            <a:schemeClr val="lt1">
+              <a:hueOff val="0"/>
+              <a:satOff val="0"/>
+              <a:lumOff val="0"/>
+              <a:alphaOff val="0"/>
+            </a:schemeClr>
+          </a:solidFill>
+          <a:prstDash val="solid"/>
+          <a:miter lim="800000"/>
+        </a:ln>
+        <a:effectLst/>
+      </dsp:spPr>
+      <dsp:style>
+        <a:lnRef idx="2">
+          <a:scrgbClr r="0" g="0" b="0"/>
+        </a:lnRef>
+        <a:fillRef idx="1">
+          <a:scrgbClr r="0" g="0" b="0"/>
+        </a:fillRef>
+        <a:effectRef idx="0">
+          <a:scrgbClr r="0" g="0" b="0"/>
+        </a:effectRef>
+        <a:fontRef idx="minor">
+          <a:schemeClr val="lt1"/>
+        </a:fontRef>
+      </dsp:style>
+      <dsp:txBody>
+        <a:bodyPr spcFirstLastPara="0" vert="horz" wrap="square" lIns="19050" tIns="19050" rIns="19050" bIns="19050" numCol="1" spcCol="1270" anchor="ctr" anchorCtr="0">
+          <a:noAutofit/>
+        </a:bodyPr>
+        <a:lstStyle/>
+        <a:p>
+          <a:pPr marL="0" lvl="0" indent="0" algn="ctr" defTabSz="222250">
+            <a:lnSpc>
+              <a:spcPct val="90000"/>
+            </a:lnSpc>
+            <a:spcBef>
+              <a:spcPct val="0"/>
+            </a:spcBef>
+            <a:spcAft>
+              <a:spcPct val="35000"/>
+            </a:spcAft>
+            <a:buNone/>
+          </a:pPr>
+          <a:r>
+            <a:rPr lang="en-US" sz="500" kern="1200" dirty="0" err="1"/>
+            <a:t>Protocol.FrameBufferDisplay</a:t>
+          </a:r>
+          <a:endParaRPr lang="en-SE" sz="500" kern="1200" dirty="0"/>
+        </a:p>
+      </dsp:txBody>
+      <dsp:txXfrm>
+        <a:off x="6698803" y="1688774"/>
+        <a:ext cx="1211042" cy="648702"/>
+      </dsp:txXfrm>
+    </dsp:sp>
+    <dsp:sp modelId="{14ED00E2-7B0E-4D1B-9BEA-99433F3C7174}">
+      <dsp:nvSpPr>
+        <dsp:cNvPr id="0" name=""/>
+        <dsp:cNvSpPr/>
+      </dsp:nvSpPr>
+      <dsp:spPr>
+        <a:xfrm>
+          <a:off x="6678621" y="835120"/>
+          <a:ext cx="1251406" cy="689066"/>
+        </a:xfrm>
+        <a:prstGeom prst="roundRect">
+          <a:avLst>
+            <a:gd name="adj" fmla="val 10000"/>
+          </a:avLst>
+        </a:prstGeom>
+        <a:solidFill>
+          <a:schemeClr val="accent6">
+            <a:hueOff val="0"/>
+            <a:satOff val="0"/>
+            <a:lumOff val="0"/>
+            <a:alphaOff val="0"/>
+          </a:schemeClr>
+        </a:solidFill>
+        <a:ln w="12700" cap="flat" cmpd="sng" algn="ctr">
+          <a:solidFill>
+            <a:schemeClr val="lt1">
+              <a:hueOff val="0"/>
+              <a:satOff val="0"/>
+              <a:lumOff val="0"/>
+              <a:alphaOff val="0"/>
+            </a:schemeClr>
+          </a:solidFill>
+          <a:prstDash val="solid"/>
+          <a:miter lim="800000"/>
+        </a:ln>
+        <a:effectLst/>
+      </dsp:spPr>
+      <dsp:style>
+        <a:lnRef idx="2">
+          <a:scrgbClr r="0" g="0" b="0"/>
+        </a:lnRef>
+        <a:fillRef idx="1">
+          <a:scrgbClr r="0" g="0" b="0"/>
+        </a:fillRef>
+        <a:effectRef idx="0">
+          <a:scrgbClr r="0" g="0" b="0"/>
+        </a:effectRef>
+        <a:fontRef idx="minor">
+          <a:schemeClr val="lt1"/>
+        </a:fontRef>
+      </dsp:style>
+      <dsp:txBody>
+        <a:bodyPr spcFirstLastPara="0" vert="horz" wrap="square" lIns="19050" tIns="19050" rIns="19050" bIns="19050" numCol="1" spcCol="1270" anchor="ctr" anchorCtr="0">
+          <a:noAutofit/>
+        </a:bodyPr>
+        <a:lstStyle/>
+        <a:p>
+          <a:pPr marL="0" lvl="0" indent="0" algn="ctr" defTabSz="222250">
+            <a:lnSpc>
+              <a:spcPct val="90000"/>
+            </a:lnSpc>
+            <a:spcBef>
+              <a:spcPct val="0"/>
+            </a:spcBef>
+            <a:spcAft>
+              <a:spcPct val="35000"/>
+            </a:spcAft>
+            <a:buNone/>
+          </a:pPr>
+          <a:r>
+            <a:rPr lang="en-US" sz="500" kern="1200" dirty="0" err="1"/>
+            <a:t>HostServer.Display</a:t>
+          </a:r>
+          <a:endParaRPr lang="en-SE" sz="500" kern="1200" dirty="0"/>
+        </a:p>
+      </dsp:txBody>
+      <dsp:txXfrm>
+        <a:off x="6698803" y="855302"/>
+        <a:ext cx="1211042" cy="648702"/>
+      </dsp:txXfrm>
+    </dsp:sp>
+    <dsp:sp modelId="{0009A52D-6841-4355-81C5-7519A60DA41B}">
+      <dsp:nvSpPr>
+        <dsp:cNvPr id="0" name=""/>
+        <dsp:cNvSpPr/>
+      </dsp:nvSpPr>
+      <dsp:spPr>
+        <a:xfrm>
+          <a:off x="8035146" y="1668592"/>
+          <a:ext cx="1251406" cy="689066"/>
+        </a:xfrm>
+        <a:prstGeom prst="roundRect">
+          <a:avLst>
+            <a:gd name="adj" fmla="val 10000"/>
+          </a:avLst>
+        </a:prstGeom>
+        <a:solidFill>
+          <a:schemeClr val="accent5">
+            <a:hueOff val="0"/>
+            <a:satOff val="0"/>
+            <a:lumOff val="0"/>
+            <a:alphaOff val="0"/>
+          </a:schemeClr>
+        </a:solidFill>
+        <a:ln w="12700" cap="flat" cmpd="sng" algn="ctr">
+          <a:solidFill>
+            <a:schemeClr val="lt1">
+              <a:hueOff val="0"/>
+              <a:satOff val="0"/>
+              <a:lumOff val="0"/>
+              <a:alphaOff val="0"/>
+            </a:schemeClr>
+          </a:solidFill>
+          <a:prstDash val="solid"/>
+          <a:miter lim="800000"/>
+        </a:ln>
+        <a:effectLst/>
+      </dsp:spPr>
+      <dsp:style>
+        <a:lnRef idx="2">
+          <a:scrgbClr r="0" g="0" b="0"/>
+        </a:lnRef>
+        <a:fillRef idx="1">
+          <a:scrgbClr r="0" g="0" b="0"/>
+        </a:fillRef>
+        <a:effectRef idx="0">
+          <a:scrgbClr r="0" g="0" b="0"/>
+        </a:effectRef>
+        <a:fontRef idx="minor">
+          <a:schemeClr val="lt1"/>
+        </a:fontRef>
+      </dsp:style>
+      <dsp:txBody>
+        <a:bodyPr spcFirstLastPara="0" vert="horz" wrap="square" lIns="19050" tIns="19050" rIns="19050" bIns="19050" numCol="1" spcCol="1270" anchor="ctr" anchorCtr="0">
+          <a:noAutofit/>
+        </a:bodyPr>
+        <a:lstStyle/>
+        <a:p>
+          <a:pPr marL="0" lvl="0" indent="0" algn="ctr" defTabSz="222250">
+            <a:lnSpc>
+              <a:spcPct val="90000"/>
+            </a:lnSpc>
+            <a:spcBef>
+              <a:spcPct val="0"/>
+            </a:spcBef>
+            <a:spcAft>
+              <a:spcPct val="35000"/>
+            </a:spcAft>
+            <a:buNone/>
+          </a:pPr>
+          <a:r>
+            <a:rPr lang="en-US" sz="500" kern="1200" dirty="0" err="1"/>
+            <a:t>Protocol.Input</a:t>
+          </a:r>
+          <a:r>
+            <a:rPr lang="en-US" sz="500" kern="1200" dirty="0"/>
+            <a:t> (keyboard/mouse/touch/pen/gamepad </a:t>
+          </a:r>
+          <a:r>
+            <a:rPr lang="en-US" sz="500" kern="1200" dirty="0" err="1"/>
+            <a:t>etc</a:t>
+          </a:r>
+          <a:r>
+            <a:rPr lang="en-US" sz="500" kern="1200" dirty="0"/>
+            <a:t>)</a:t>
+          </a:r>
+          <a:endParaRPr lang="en-SE" sz="500" kern="1200" dirty="0"/>
+        </a:p>
+      </dsp:txBody>
+      <dsp:txXfrm>
+        <a:off x="8055328" y="1688774"/>
+        <a:ext cx="1211042" cy="648702"/>
+      </dsp:txXfrm>
+    </dsp:sp>
+    <dsp:sp modelId="{20B114C2-B163-4909-9B4D-9657922B200F}">
+      <dsp:nvSpPr>
+        <dsp:cNvPr id="0" name=""/>
+        <dsp:cNvSpPr/>
+      </dsp:nvSpPr>
+      <dsp:spPr>
+        <a:xfrm>
+          <a:off x="9391670" y="1668592"/>
+          <a:ext cx="2555371" cy="689066"/>
+        </a:xfrm>
+        <a:prstGeom prst="roundRect">
+          <a:avLst>
+            <a:gd name="adj" fmla="val 10000"/>
+          </a:avLst>
+        </a:prstGeom>
+        <a:solidFill>
+          <a:schemeClr val="accent5">
+            <a:hueOff val="0"/>
+            <a:satOff val="0"/>
+            <a:lumOff val="0"/>
+            <a:alphaOff val="0"/>
+          </a:schemeClr>
+        </a:solidFill>
+        <a:ln w="12700" cap="flat" cmpd="sng" algn="ctr">
+          <a:solidFill>
+            <a:schemeClr val="lt1">
+              <a:hueOff val="0"/>
+              <a:satOff val="0"/>
+              <a:lumOff val="0"/>
+              <a:alphaOff val="0"/>
+            </a:schemeClr>
+          </a:solidFill>
+          <a:prstDash val="solid"/>
+          <a:miter lim="800000"/>
+        </a:ln>
+        <a:effectLst/>
+      </dsp:spPr>
+      <dsp:style>
+        <a:lnRef idx="2">
+          <a:scrgbClr r="0" g="0" b="0"/>
+        </a:lnRef>
+        <a:fillRef idx="1">
+          <a:scrgbClr r="0" g="0" b="0"/>
+        </a:fillRef>
+        <a:effectRef idx="0">
+          <a:scrgbClr r="0" g="0" b="0"/>
+        </a:effectRef>
+        <a:fontRef idx="minor">
+          <a:schemeClr val="lt1"/>
+        </a:fontRef>
+      </dsp:style>
+      <dsp:txBody>
+        <a:bodyPr spcFirstLastPara="0" vert="horz" wrap="square" lIns="19050" tIns="19050" rIns="19050" bIns="19050" numCol="1" spcCol="1270" anchor="ctr" anchorCtr="0">
+          <a:noAutofit/>
+        </a:bodyPr>
+        <a:lstStyle/>
+        <a:p>
+          <a:pPr marL="0" lvl="0" indent="0" algn="ctr" defTabSz="222250">
+            <a:lnSpc>
+              <a:spcPct val="90000"/>
+            </a:lnSpc>
+            <a:spcBef>
+              <a:spcPct val="0"/>
+            </a:spcBef>
+            <a:spcAft>
+              <a:spcPct val="35000"/>
+            </a:spcAft>
+            <a:buNone/>
+          </a:pPr>
+          <a:r>
+            <a:rPr lang="en-US" sz="500" kern="1200" dirty="0" err="1"/>
+            <a:t>Protocol.GUI</a:t>
+          </a:r>
+          <a:endParaRPr lang="en-SE" sz="500" kern="1200" dirty="0"/>
+        </a:p>
+      </dsp:txBody>
+      <dsp:txXfrm>
+        <a:off x="9411852" y="1688774"/>
+        <a:ext cx="2515007" cy="648702"/>
+      </dsp:txXfrm>
+    </dsp:sp>
+    <dsp:sp modelId="{CB197B57-22E6-4E83-AA82-4D3235538DF4}">
+      <dsp:nvSpPr>
+        <dsp:cNvPr id="0" name=""/>
+        <dsp:cNvSpPr/>
+      </dsp:nvSpPr>
+      <dsp:spPr>
+        <a:xfrm>
+          <a:off x="9391670" y="835120"/>
+          <a:ext cx="1251406" cy="689066"/>
+        </a:xfrm>
+        <a:prstGeom prst="roundRect">
+          <a:avLst>
+            <a:gd name="adj" fmla="val 10000"/>
+          </a:avLst>
+        </a:prstGeom>
+        <a:solidFill>
+          <a:schemeClr val="accent6">
+            <a:hueOff val="0"/>
+            <a:satOff val="0"/>
+            <a:lumOff val="0"/>
+            <a:alphaOff val="0"/>
+          </a:schemeClr>
+        </a:solidFill>
+        <a:ln w="12700" cap="flat" cmpd="sng" algn="ctr">
+          <a:solidFill>
+            <a:schemeClr val="lt1">
+              <a:hueOff val="0"/>
+              <a:satOff val="0"/>
+              <a:lumOff val="0"/>
+              <a:alphaOff val="0"/>
+            </a:schemeClr>
+          </a:solidFill>
+          <a:prstDash val="solid"/>
+          <a:miter lim="800000"/>
+        </a:ln>
+        <a:effectLst/>
+      </dsp:spPr>
+      <dsp:style>
+        <a:lnRef idx="2">
+          <a:scrgbClr r="0" g="0" b="0"/>
+        </a:lnRef>
+        <a:fillRef idx="1">
+          <a:scrgbClr r="0" g="0" b="0"/>
+        </a:fillRef>
+        <a:effectRef idx="0">
+          <a:scrgbClr r="0" g="0" b="0"/>
+        </a:effectRef>
+        <a:fontRef idx="minor">
+          <a:schemeClr val="lt1"/>
+        </a:fontRef>
+      </dsp:style>
+      <dsp:txBody>
+        <a:bodyPr spcFirstLastPara="0" vert="horz" wrap="square" lIns="19050" tIns="19050" rIns="19050" bIns="19050" numCol="1" spcCol="1270" anchor="ctr" anchorCtr="0">
+          <a:noAutofit/>
+        </a:bodyPr>
+        <a:lstStyle/>
+        <a:p>
+          <a:pPr marL="0" lvl="0" indent="0" algn="ctr" defTabSz="222250">
+            <a:lnSpc>
+              <a:spcPct val="90000"/>
+            </a:lnSpc>
+            <a:spcBef>
+              <a:spcPct val="0"/>
+            </a:spcBef>
+            <a:spcAft>
+              <a:spcPct val="35000"/>
+            </a:spcAft>
+            <a:buNone/>
+          </a:pPr>
+          <a:r>
+            <a:rPr lang="en-US" sz="500" kern="1200" dirty="0" err="1"/>
+            <a:t>Server.Tornado</a:t>
+          </a:r>
+          <a:endParaRPr lang="en-SE" sz="500" kern="1200" dirty="0"/>
+        </a:p>
+      </dsp:txBody>
+      <dsp:txXfrm>
+        <a:off x="9411852" y="855302"/>
+        <a:ext cx="1211042" cy="648702"/>
+      </dsp:txXfrm>
+    </dsp:sp>
+    <dsp:sp modelId="{5CDFF962-77E7-4D83-A943-E9F93D0677D1}">
+      <dsp:nvSpPr>
+        <dsp:cNvPr id="0" name=""/>
+        <dsp:cNvSpPr/>
+      </dsp:nvSpPr>
+      <dsp:spPr>
+        <a:xfrm>
+          <a:off x="10695636" y="835120"/>
+          <a:ext cx="1251406" cy="689066"/>
+        </a:xfrm>
+        <a:prstGeom prst="roundRect">
+          <a:avLst>
+            <a:gd name="adj" fmla="val 10000"/>
+          </a:avLst>
+        </a:prstGeom>
+        <a:solidFill>
+          <a:schemeClr val="accent6">
+            <a:hueOff val="0"/>
+            <a:satOff val="0"/>
+            <a:lumOff val="0"/>
+            <a:alphaOff val="0"/>
+          </a:schemeClr>
+        </a:solidFill>
+        <a:ln w="12700" cap="flat" cmpd="sng" algn="ctr">
+          <a:solidFill>
+            <a:schemeClr val="lt1">
+              <a:hueOff val="0"/>
+              <a:satOff val="0"/>
+              <a:lumOff val="0"/>
+              <a:alphaOff val="0"/>
+            </a:schemeClr>
+          </a:solidFill>
+          <a:prstDash val="solid"/>
+          <a:miter lim="800000"/>
+        </a:ln>
+        <a:effectLst/>
+      </dsp:spPr>
+      <dsp:style>
+        <a:lnRef idx="2">
+          <a:scrgbClr r="0" g="0" b="0"/>
+        </a:lnRef>
+        <a:fillRef idx="1">
+          <a:scrgbClr r="0" g="0" b="0"/>
+        </a:fillRef>
+        <a:effectRef idx="0">
+          <a:scrgbClr r="0" g="0" b="0"/>
+        </a:effectRef>
+        <a:fontRef idx="minor">
+          <a:schemeClr val="lt1"/>
+        </a:fontRef>
+      </dsp:style>
+      <dsp:txBody>
+        <a:bodyPr spcFirstLastPara="0" vert="horz" wrap="square" lIns="19050" tIns="19050" rIns="19050" bIns="19050" numCol="1" spcCol="1270" anchor="ctr" anchorCtr="0">
+          <a:noAutofit/>
+        </a:bodyPr>
+        <a:lstStyle/>
+        <a:p>
+          <a:pPr marL="0" lvl="0" indent="0" algn="ctr" defTabSz="222250">
+            <a:lnSpc>
+              <a:spcPct val="90000"/>
+            </a:lnSpc>
+            <a:spcBef>
+              <a:spcPct val="0"/>
+            </a:spcBef>
+            <a:spcAft>
+              <a:spcPct val="35000"/>
+            </a:spcAft>
+            <a:buNone/>
+          </a:pPr>
+          <a:r>
+            <a:rPr lang="en-US" sz="500" kern="1200" dirty="0" err="1"/>
+            <a:t>Library.GUI</a:t>
+          </a:r>
+          <a:endParaRPr lang="en-SE" sz="500" kern="1200" dirty="0"/>
+        </a:p>
+      </dsp:txBody>
+      <dsp:txXfrm>
+        <a:off x="10715818" y="855302"/>
+        <a:ext cx="1211042" cy="648702"/>
+      </dsp:txXfrm>
+    </dsp:sp>
+    <dsp:sp modelId="{ECB1DC98-E855-4D45-96DB-5217E986B1C9}">
+      <dsp:nvSpPr>
+        <dsp:cNvPr id="0" name=""/>
+        <dsp:cNvSpPr/>
+      </dsp:nvSpPr>
+      <dsp:spPr>
+        <a:xfrm>
+          <a:off x="10695636" y="1649"/>
+          <a:ext cx="1251406" cy="689066"/>
+        </a:xfrm>
+        <a:prstGeom prst="roundRect">
+          <a:avLst>
+            <a:gd name="adj" fmla="val 10000"/>
+          </a:avLst>
+        </a:prstGeom>
+        <a:solidFill>
+          <a:schemeClr val="accent1">
+            <a:hueOff val="0"/>
+            <a:satOff val="0"/>
+            <a:lumOff val="0"/>
+            <a:alphaOff val="0"/>
+          </a:schemeClr>
+        </a:solidFill>
+        <a:ln w="12700" cap="flat" cmpd="sng" algn="ctr">
+          <a:solidFill>
+            <a:schemeClr val="lt1">
+              <a:hueOff val="0"/>
+              <a:satOff val="0"/>
+              <a:lumOff val="0"/>
+              <a:alphaOff val="0"/>
+            </a:schemeClr>
+          </a:solidFill>
+          <a:prstDash val="solid"/>
+          <a:miter lim="800000"/>
+        </a:ln>
+        <a:effectLst/>
+      </dsp:spPr>
+      <dsp:style>
+        <a:lnRef idx="2">
+          <a:scrgbClr r="0" g="0" b="0"/>
+        </a:lnRef>
+        <a:fillRef idx="1">
+          <a:scrgbClr r="0" g="0" b="0"/>
+        </a:fillRef>
+        <a:effectRef idx="0">
+          <a:scrgbClr r="0" g="0" b="0"/>
+        </a:effectRef>
+        <a:fontRef idx="minor">
+          <a:schemeClr val="lt1"/>
+        </a:fontRef>
+      </dsp:style>
+      <dsp:txBody>
+        <a:bodyPr spcFirstLastPara="0" vert="horz" wrap="square" lIns="19050" tIns="19050" rIns="19050" bIns="19050" numCol="1" spcCol="1270" anchor="ctr" anchorCtr="0">
+          <a:noAutofit/>
+        </a:bodyPr>
+        <a:lstStyle/>
+        <a:p>
+          <a:pPr marL="0" lvl="0" indent="0" algn="ctr" defTabSz="222250">
+            <a:lnSpc>
+              <a:spcPct val="90000"/>
+            </a:lnSpc>
+            <a:spcBef>
+              <a:spcPct val="0"/>
+            </a:spcBef>
+            <a:spcAft>
+              <a:spcPct val="35000"/>
+            </a:spcAft>
+            <a:buNone/>
+          </a:pPr>
+          <a:r>
+            <a:rPr lang="en-US" sz="500" kern="1200" dirty="0"/>
+            <a:t>APP</a:t>
+          </a:r>
+          <a:endParaRPr lang="en-SE" sz="500" kern="1200" dirty="0"/>
+        </a:p>
+      </dsp:txBody>
+      <dsp:txXfrm>
+        <a:off x="10715818" y="21831"/>
+        <a:ext cx="1211042" cy="648702"/>
+      </dsp:txXfrm>
+    </dsp:sp>
+  </dsp:spTree>
+</dsp:drawing>
+</file>
+
+<file path=ppt/diagrams/layout1.xml><?xml version="1.0" encoding="utf-8"?>
+<dgm:layoutDef xmlns:dgm="http://schemas.openxmlformats.org/drawingml/2006/diagram" xmlns:a="http://schemas.openxmlformats.org/drawingml/2006/main" uniqueId="urn:microsoft.com/office/officeart/2005/8/layout/architecture">
+  <dgm:title val="Architecture Layout"/>
+  <dgm:desc val="Use to show hierarchical relationships that build from the bottom up. This layout works well for showing architectural components or objects that build on other objects."/>
+  <dgm:catLst>
+    <dgm:cat type="hierarchy" pri="4500"/>
+    <dgm:cat type="list" pri="24500"/>
+    <dgm:cat type="relationship" pri="10500"/>
+    <dgm:cat type="officeonline" pri="7000"/>
+  </dgm:catLst>
+  <dgm:sampData>
+    <dgm:dataModel>
+      <dgm:ptLst>
+        <dgm:pt modelId="0" type="doc"/>
+        <dgm:pt modelId="1">
+          <dgm:prSet phldr="1"/>
+        </dgm:pt>
+        <dgm:pt modelId="2">
+          <dgm:prSet phldr="1"/>
+        </dgm:pt>
+        <dgm:pt modelId="21">
+          <dgm:prSet phldr="1"/>
+        </dgm:pt>
+        <dgm:pt modelId="22">
+          <dgm:prSet phldr="1"/>
+        </dgm:pt>
+        <dgm:pt modelId="3">
+          <dgm:prSet phldr="1"/>
+        </dgm:pt>
+        <dgm:pt modelId="31">
+          <dgm:prSet phldr="1"/>
+        </dgm:pt>
+      </dgm:ptLst>
+      <dgm:cxnLst>
+        <dgm:cxn modelId="4" srcId="0" destId="1" srcOrd="0" destOrd="0"/>
+        <dgm:cxn modelId="5" srcId="1" destId="2" srcOrd="0" destOrd="0"/>
+        <dgm:cxn modelId="6" srcId="1" destId="3" srcOrd="1" destOrd="0"/>
+        <dgm:cxn modelId="23" srcId="2" destId="21" srcOrd="0" destOrd="0"/>
+        <dgm:cxn modelId="24" srcId="2" destId="22" srcOrd="1" destOrd="0"/>
+        <dgm:cxn modelId="33" srcId="3" destId="31" srcOrd="0" destOrd="0"/>
+      </dgm:cxnLst>
+      <dgm:bg/>
+      <dgm:whole/>
+    </dgm:dataModel>
+  </dgm:sampData>
+  <dgm:styleData>
+    <dgm:dataModel>
+      <dgm:ptLst>
+        <dgm:pt modelId="0" type="doc"/>
+        <dgm:pt modelId="1"/>
+        <dgm:pt modelId="11"/>
+        <dgm:pt modelId="12"/>
+      </dgm:ptLst>
+      <dgm:cxnLst>
+        <dgm:cxn modelId="2" srcId="0" destId="1" srcOrd="0" destOrd="0"/>
+        <dgm:cxn modelId="13" srcId="1" destId="11" srcOrd="0" destOrd="0"/>
+        <dgm:cxn modelId="14" srcId="1" destId="12" srcOrd="1" destOrd="0"/>
+      </dgm:cxnLst>
+      <dgm:bg/>
+      <dgm:whole/>
+    </dgm:dataModel>
+  </dgm:styleData>
+  <dgm:clrData>
+    <dgm:dataModel>
+      <dgm:ptLst>
+        <dgm:pt modelId="0" type="doc"/>
+        <dgm:pt modelId="1"/>
+        <dgm:pt modelId="2"/>
+        <dgm:pt modelId="21"/>
+        <dgm:pt modelId="211"/>
+        <dgm:pt modelId="3"/>
+        <dgm:pt modelId="31"/>
+        <dgm:pt modelId="311"/>
+      </dgm:ptLst>
+      <dgm:cxnLst>
+        <dgm:cxn modelId="4" srcId="0" destId="1" srcOrd="0" destOrd="0"/>
+        <dgm:cxn modelId="5" srcId="1" destId="2" srcOrd="0" destOrd="0"/>
+        <dgm:cxn modelId="6" srcId="1" destId="3" srcOrd="1" destOrd="0"/>
+        <dgm:cxn modelId="23" srcId="2" destId="21" srcOrd="0" destOrd="0"/>
+        <dgm:cxn modelId="24" srcId="21" destId="211" srcOrd="0" destOrd="0"/>
+        <dgm:cxn modelId="33" srcId="3" destId="31" srcOrd="0" destOrd="0"/>
+        <dgm:cxn modelId="34" srcId="31" destId="311" srcOrd="0" destOrd="0"/>
+      </dgm:cxnLst>
+      <dgm:bg/>
+      <dgm:whole/>
+    </dgm:dataModel>
+  </dgm:clrData>
+  <dgm:layoutNode name="Name0">
+    <dgm:varLst>
+      <dgm:chPref val="1"/>
+      <dgm:dir/>
+      <dgm:animOne val="branch"/>
+      <dgm:animLvl val="lvl"/>
+      <dgm:resizeHandles/>
+    </dgm:varLst>
+    <dgm:choose name="Name1">
+      <dgm:if name="Name2" func="var" arg="dir" op="equ" val="norm">
+        <dgm:alg type="lin">
+          <dgm:param type="linDir" val="fromL"/>
+          <dgm:param type="nodeVertAlign" val="b"/>
+        </dgm:alg>
+      </dgm:if>
+      <dgm:else name="Name3">
+        <dgm:alg type="lin">
+          <dgm:param type="linDir" val="fromR"/>
+          <dgm:param type="nodeVertAlign" val="b"/>
+        </dgm:alg>
+      </dgm:else>
+    </dgm:choose>
+    <dgm:shape xmlns:r="http://schemas.openxmlformats.org/officeDocument/2006/relationships" r:blip="">
+      <dgm:adjLst/>
+    </dgm:shape>
+    <dgm:presOf/>
+    <dgm:constrLst>
+      <dgm:constr type="w" for="ch" forName="vertOne" refType="w"/>
+      <dgm:constr type="w" for="des" forName="horzOne" refType="w"/>
+      <dgm:constr type="w" for="des" forName="txOne" refType="w"/>
+      <dgm:constr type="w" for="des" forName="vertTwo" refType="w"/>
+      <dgm:constr type="w" for="des" forName="horzTwo" refType="w"/>
+      <dgm:constr type="w" for="des" forName="txTwo" refType="w"/>
+      <dgm:constr type="w" for="des" forName="vertThree" refType="w"/>
+      <dgm:constr type="w" for="des" forName="horzThree" refType="w"/>
+      <dgm:constr type="w" for="des" forName="txThree" refType="w"/>
+      <dgm:constr type="w" for="des" forName="vertFour" refType="w"/>
+      <dgm:constr type="w" for="des" forName="horzFour" refType="w"/>
+      <dgm:constr type="w" for="des" forName="txFour" refType="w"/>
+      <dgm:constr type="h" for="des" ptType="node" op="equ"/>
+      <dgm:constr type="h" for="des" forName="txOne" refType="h"/>
+      <dgm:constr type="userH" for="des" ptType="node" refType="h" refFor="des" refForName="txOne"/>
+      <dgm:constr type="primFontSz" for="des" forName="txOne" val="65"/>
+      <dgm:constr type="primFontSz" for="des" forName="txTwo" val="65"/>
+      <dgm:constr type="primFontSz" for="des" forName="txTwo" refType="primFontSz" refFor="des" refForName="txOne" op="lte"/>
+      <dgm:constr type="primFontSz" for="des" forName="txThree" val="65"/>
+      <dgm:constr type="primFontSz" for="des" forName="txThree" refType="primFontSz" refFor="des" refForName="txOne" op="lte"/>
+      <dgm:constr type="primFontSz" for="des" forName="txThree" refType="primFontSz" refFor="des" refForName="txTwo" op="lte"/>
+      <dgm:constr type="primFontSz" for="des" forName="txFour" val="65"/>
+      <dgm:constr type="primFontSz" for="des" forName="txFour" refType="primFontSz" refFor="des" refForName="txOne" op="lte"/>
+      <dgm:constr type="primFontSz" for="des" forName="txFour" refType="primFontSz" refFor="des" refForName="txTwo" op="lte"/>
+      <dgm:constr type="primFontSz" for="des" forName="txFour" refType="primFontSz" refFor="des" refForName="txThree" op="lte"/>
+      <dgm:constr type="w" for="des" forName="sibSpaceOne" refType="w" fact="0.168"/>
+      <dgm:constr type="w" for="des" forName="sibSpaceTwo" refType="w" refFor="des" refForName="sibSpaceOne" op="equ" fact="0.5"/>
+      <dgm:constr type="w" for="des" forName="sibSpaceThree" refType="w" refFor="des" refForName="sibSpaceTwo" op="equ" fact="0.5"/>
+      <dgm:constr type="w" for="des" forName="sibSpaceFour" refType="w" refFor="des" refForName="sibSpaceThree" op="equ" fact="0.5"/>
+      <dgm:constr type="h" for="des" forName="parTransOne" refType="w" fact="0.056"/>
+      <dgm:constr type="h" for="des" forName="parTransTwo" refType="h" refFor="des" refForName="parTransOne" op="equ"/>
+      <dgm:constr type="h" for="des" forName="parTransThree" refType="h" refFor="des" refForName="parTransTwo" op="equ"/>
+      <dgm:constr type="h" for="des" forName="parTransFour" refType="h" refFor="des" refForName="parTransThree" op="equ"/>
+    </dgm:constrLst>
+    <dgm:ruleLst/>
+    <dgm:forEach name="Name4" axis="ch" ptType="node">
+      <dgm:layoutNode name="vertOne">
+        <dgm:alg type="lin">
+          <dgm:param type="linDir" val="fromB"/>
+        </dgm:alg>
+        <dgm:shape xmlns:r="http://schemas.openxmlformats.org/officeDocument/2006/relationships" r:blip="">
+          <dgm:adjLst/>
+        </dgm:shape>
+        <dgm:presOf/>
+        <dgm:constrLst>
+          <dgm:constr type="w" for="ch" forName="txOne" refType="w" refFor="ch" refForName="horzOne" op="gte"/>
+        </dgm:constrLst>
+        <dgm:ruleLst/>
+        <dgm:layoutNode name="txOne" styleLbl="node0">
+          <dgm:varLst>
+            <dgm:chPref val="3"/>
+          </dgm:varLst>
+          <dgm:alg type="tx"/>
+          <dgm:shape xmlns:r="http://schemas.openxmlformats.org/officeDocument/2006/relationships" type="roundRect" r:blip="">
+            <dgm:adjLst>
+              <dgm:adj idx="1" val="0.1"/>
+            </dgm:adjLst>
+          </dgm:shape>
+          <dgm:presOf axis="self"/>
+          <dgm:constrLst>
+            <dgm:constr type="tMarg" refType="primFontSz" fact="0.3"/>
+            <dgm:constr type="bMarg" refType="primFontSz" fact="0.3"/>
+            <dgm:constr type="lMarg" refType="primFontSz" fact="0.3"/>
+            <dgm:constr type="rMarg" refType="primFontSz" fact="0.3"/>
+          </dgm:constrLst>
+          <dgm:ruleLst>
+            <dgm:rule type="primFontSz" val="5" fact="NaN" max="NaN"/>
+          </dgm:ruleLst>
+        </dgm:layoutNode>
+        <dgm:choose name="Name5">
+          <dgm:if name="Name6" axis="des" ptType="node" func="cnt" op="gt" val="0">
+            <dgm:layoutNode name="parTransOne">
+              <dgm:alg type="sp"/>
+              <dgm:shape xmlns:r="http://schemas.openxmlformats.org/officeDocument/2006/relationships" r:blip="">
+                <dgm:adjLst/>
+              </dgm:shape>
+              <dgm:presOf/>
+              <dgm:constrLst/>
+              <dgm:ruleLst/>
+            </dgm:layoutNode>
+          </dgm:if>
+          <dgm:else name="Name7"/>
+        </dgm:choose>
+        <dgm:layoutNode name="horzOne">
+          <dgm:choose name="Name8">
+            <dgm:if name="Name9" func="var" arg="dir" op="equ" val="norm">
+              <dgm:alg type="lin">
+                <dgm:param type="linDir" val="fromL"/>
+                <dgm:param type="nodeVertAlign" val="b"/>
+              </dgm:alg>
+            </dgm:if>
+            <dgm:else name="Name10">
+              <dgm:alg type="lin">
+                <dgm:param type="linDir" val="fromR"/>
+                <dgm:param type="nodeVertAlign" val="b"/>
+              </dgm:alg>
+            </dgm:else>
+          </dgm:choose>
+          <dgm:shape xmlns:r="http://schemas.openxmlformats.org/officeDocument/2006/relationships" r:blip="">
+            <dgm:adjLst/>
+          </dgm:shape>
+          <dgm:presOf/>
+          <dgm:constrLst/>
+          <dgm:ruleLst>
+            <dgm:rule type="w" val="INF" fact="NaN" max="NaN"/>
+          </dgm:ruleLst>
+          <dgm:forEach name="Name11" axis="ch" ptType="node">
+            <dgm:layoutNode name="vertTwo">
+              <dgm:alg type="lin">
+                <dgm:param type="linDir" val="fromB"/>
+              </dgm:alg>
+              <dgm:shape xmlns:r="http://schemas.openxmlformats.org/officeDocument/2006/relationships" r:blip="">
+                <dgm:adjLst/>
+              </dgm:shape>
+              <dgm:presOf/>
+              <dgm:constrLst>
+                <dgm:constr type="w" for="ch" forName="txTwo" refType="w" refFor="ch" refForName="horzTwo" op="gte"/>
+              </dgm:constrLst>
+              <dgm:ruleLst/>
+              <dgm:layoutNode name="txTwo">
+                <dgm:varLst>
+                  <dgm:chPref val="3"/>
+                </dgm:varLst>
+                <dgm:alg type="tx"/>
+                <dgm:shape xmlns:r="http://schemas.openxmlformats.org/officeDocument/2006/relationships" type="roundRect" r:blip="">
+                  <dgm:adjLst>
+                    <dgm:adj idx="1" val="0.1"/>
+                  </dgm:adjLst>
+                </dgm:shape>
+                <dgm:presOf axis="self"/>
+                <dgm:constrLst>
+                  <dgm:constr type="userH"/>
+                  <dgm:constr type="h" refType="userH"/>
+                  <dgm:constr type="tMarg" refType="primFontSz" fact="0.3"/>
+                  <dgm:constr type="bMarg" refType="primFontSz" fact="0.3"/>
+                  <dgm:constr type="lMarg" refType="primFontSz" fact="0.3"/>
+                  <dgm:constr type="rMarg" refType="primFontSz" fact="0.3"/>
+                </dgm:constrLst>
+                <dgm:ruleLst>
+                  <dgm:rule type="primFontSz" val="5" fact="NaN" max="NaN"/>
+                </dgm:ruleLst>
+              </dgm:layoutNode>
+              <dgm:choose name="Name12">
+                <dgm:if name="Name13" axis="des" ptType="node" func="cnt" op="gt" val="0">
+                  <dgm:layoutNode name="parTransTwo">
+                    <dgm:alg type="sp"/>
+                    <dgm:shape xmlns:r="http://schemas.openxmlformats.org/officeDocument/2006/relationships" r:blip="">
+                      <dgm:adjLst/>
+                    </dgm:shape>
+                    <dgm:presOf/>
+                    <dgm:constrLst/>
+                    <dgm:ruleLst/>
+                  </dgm:layoutNode>
+                </dgm:if>
+                <dgm:else name="Name14"/>
+              </dgm:choose>
+              <dgm:layoutNode name="horzTwo">
+                <dgm:choose name="Name15">
+                  <dgm:if name="Name16" func="var" arg="dir" op="equ" val="norm">
+                    <dgm:alg type="lin">
+                      <dgm:param type="linDir" val="fromL"/>
+                      <dgm:param type="nodeVertAlign" val="b"/>
+                    </dgm:alg>
+                  </dgm:if>
+                  <dgm:else name="Name17">
+                    <dgm:alg type="lin">
+                      <dgm:param type="linDir" val="fromR"/>
+                      <dgm:param type="nodeVertAlign" val="b"/>
+                    </dgm:alg>
+                  </dgm:else>
+                </dgm:choose>
+                <dgm:shape xmlns:r="http://schemas.openxmlformats.org/officeDocument/2006/relationships" r:blip="">
+                  <dgm:adjLst/>
+                </dgm:shape>
+                <dgm:presOf/>
+                <dgm:constrLst/>
+                <dgm:ruleLst>
+                  <dgm:rule type="w" val="INF" fact="NaN" max="NaN"/>
+                </dgm:ruleLst>
+                <dgm:forEach name="Name18" axis="ch" ptType="node">
+                  <dgm:layoutNode name="vertThree">
+                    <dgm:alg type="lin">
+                      <dgm:param type="linDir" val="fromB"/>
+                    </dgm:alg>
+                    <dgm:shape xmlns:r="http://schemas.openxmlformats.org/officeDocument/2006/relationships" r:blip="">
+                      <dgm:adjLst/>
+                    </dgm:shape>
+                    <dgm:presOf/>
+                    <dgm:constrLst>
+                      <dgm:constr type="w" for="ch" forName="txThree" refType="w" refFor="ch" refForName="horzThree" op="gte"/>
+                    </dgm:constrLst>
+                    <dgm:ruleLst/>
+                    <dgm:layoutNode name="txThree">
+                      <dgm:varLst>
+                        <dgm:chPref val="3"/>
+                      </dgm:varLst>
+                      <dgm:alg type="tx"/>
+                      <dgm:shape xmlns:r="http://schemas.openxmlformats.org/officeDocument/2006/relationships" type="roundRect" r:blip="">
+                        <dgm:adjLst>
+                          <dgm:adj idx="1" val="0.1"/>
+                        </dgm:adjLst>
+                      </dgm:shape>
+                      <dgm:presOf axis="self"/>
+                      <dgm:constrLst>
+                        <dgm:constr type="userH"/>
+                        <dgm:constr type="h" refType="userH"/>
+                        <dgm:constr type="tMarg" refType="primFontSz" fact="0.3"/>
+                        <dgm:constr type="bMarg" refType="primFontSz" fact="0.3"/>
+                        <dgm:constr type="lMarg" refType="primFontSz" fact="0.3"/>
+                        <dgm:constr type="rMarg" refType="primFontSz" fact="0.3"/>
+                      </dgm:constrLst>
+                      <dgm:ruleLst>
+                        <dgm:rule type="primFontSz" val="5" fact="NaN" max="NaN"/>
+                      </dgm:ruleLst>
+                    </dgm:layoutNode>
+                    <dgm:choose name="Name19">
+                      <dgm:if name="Name20" axis="des" ptType="node" func="cnt" op="gt" val="0">
+                        <dgm:layoutNode name="parTransThree">
+                          <dgm:alg type="sp"/>
+                          <dgm:shape xmlns:r="http://schemas.openxmlformats.org/officeDocument/2006/relationships" r:blip="">
+                            <dgm:adjLst/>
+                          </dgm:shape>
+                          <dgm:presOf/>
+                          <dgm:constrLst/>
+                          <dgm:ruleLst/>
+                        </dgm:layoutNode>
+                      </dgm:if>
+                      <dgm:else name="Name21"/>
+                    </dgm:choose>
+                    <dgm:layoutNode name="horzThree">
+                      <dgm:choose name="Name22">
+                        <dgm:if name="Name23" func="var" arg="dir" op="equ" val="norm">
+                          <dgm:alg type="lin">
+                            <dgm:param type="linDir" val="fromL"/>
+                            <dgm:param type="nodeVertAlign" val="b"/>
+                          </dgm:alg>
+                        </dgm:if>
+                        <dgm:else name="Name24">
+                          <dgm:alg type="lin">
+                            <dgm:param type="linDir" val="fromR"/>
+                            <dgm:param type="nodeVertAlign" val="b"/>
+                          </dgm:alg>
+                        </dgm:else>
+                      </dgm:choose>
+                      <dgm:shape xmlns:r="http://schemas.openxmlformats.org/officeDocument/2006/relationships" r:blip="">
+                        <dgm:adjLst/>
+                      </dgm:shape>
+                      <dgm:presOf/>
+                      <dgm:constrLst/>
+                      <dgm:ruleLst>
+                        <dgm:rule type="w" val="INF" fact="NaN" max="NaN"/>
+                      </dgm:ruleLst>
+                      <dgm:forEach name="repeat" axis="ch" ptType="node">
+                        <dgm:layoutNode name="vertFour">
+                          <dgm:varLst>
+                            <dgm:chPref val="3"/>
+                          </dgm:varLst>
+                          <dgm:alg type="lin">
+                            <dgm:param type="linDir" val="fromB"/>
+                          </dgm:alg>
+                          <dgm:shape xmlns:r="http://schemas.openxmlformats.org/officeDocument/2006/relationships" r:blip="">
+                            <dgm:adjLst/>
+                          </dgm:shape>
+                          <dgm:presOf/>
+                          <dgm:constrLst>
+                            <dgm:constr type="w" for="ch" forName="txFour" refType="w" refFor="ch" refForName="horzFour" op="gte"/>
+                          </dgm:constrLst>
+                          <dgm:ruleLst/>
+                          <dgm:layoutNode name="txFour">
+                            <dgm:varLst>
+                              <dgm:chPref val="3"/>
+                            </dgm:varLst>
+                            <dgm:alg type="tx"/>
+                            <dgm:shape xmlns:r="http://schemas.openxmlformats.org/officeDocument/2006/relationships" type="roundRect" r:blip="">
+                              <dgm:adjLst>
+                                <dgm:adj idx="1" val="0.1"/>
+                              </dgm:adjLst>
+                            </dgm:shape>
+                            <dgm:presOf axis="self"/>
+                            <dgm:constrLst>
+                              <dgm:constr type="userH"/>
+                              <dgm:constr type="h" refType="userH"/>
+                              <dgm:constr type="tMarg" refType="primFontSz" fact="0.3"/>
+                              <dgm:constr type="bMarg" refType="primFontSz" fact="0.3"/>
+                              <dgm:constr type="lMarg" refType="primFontSz" fact="0.3"/>
+                              <dgm:constr type="rMarg" refType="primFontSz" fact="0.3"/>
+                            </dgm:constrLst>
+                            <dgm:ruleLst>
+                              <dgm:rule type="primFontSz" val="5" fact="NaN" max="NaN"/>
+                            </dgm:ruleLst>
+                          </dgm:layoutNode>
+                          <dgm:choose name="Name25">
+                            <dgm:if name="Name26" axis="des" ptType="node" func="cnt" op="gt" val="0">
+                              <dgm:layoutNode name="parTransFour">
+                                <dgm:alg type="sp"/>
+                                <dgm:shape xmlns:r="http://schemas.openxmlformats.org/officeDocument/2006/relationships" r:blip="">
+                                  <dgm:adjLst/>
+                                </dgm:shape>
+                                <dgm:presOf/>
+                                <dgm:constrLst/>
+                                <dgm:ruleLst/>
+                              </dgm:layoutNode>
+                            </dgm:if>
+                            <dgm:else name="Name27"/>
+                          </dgm:choose>
+                          <dgm:layoutNode name="horzFour">
+                            <dgm:choose name="Name28">
+                              <dgm:if name="Name29" func="var" arg="dir" op="equ" val="norm">
+                                <dgm:alg type="lin">
+                                  <dgm:param type="linDir" val="fromL"/>
+                                  <dgm:param type="nodeVertAlign" val="b"/>
+                                </dgm:alg>
+                              </dgm:if>
+                              <dgm:else name="Name30">
+                                <dgm:alg type="lin">
+                                  <dgm:param type="linDir" val="fromR"/>
+                                  <dgm:param type="nodeVertAlign" val="b"/>
+                                </dgm:alg>
+                              </dgm:else>
+                            </dgm:choose>
+                            <dgm:shape xmlns:r="http://schemas.openxmlformats.org/officeDocument/2006/relationships" r:blip="">
+                              <dgm:adjLst/>
+                            </dgm:shape>
+                            <dgm:presOf/>
+                            <dgm:constrLst/>
+                            <dgm:ruleLst>
+                              <dgm:rule type="w" val="INF" fact="NaN" max="NaN"/>
+                            </dgm:ruleLst>
+                            <dgm:forEach name="Name31" ref="repeat"/>
+                          </dgm:layoutNode>
+                        </dgm:layoutNode>
+                        <dgm:choose name="Name32">
+                          <dgm:if name="Name33" axis="self" ptType="node" func="revPos" op="gte" val="2">
+                            <dgm:forEach name="Name34" axis="followSib" ptType="sibTrans" cnt="1">
+                              <dgm:layoutNode name="sibSpaceFour">
+                                <dgm:alg type="sp"/>
+                                <dgm:shape xmlns:r="http://schemas.openxmlformats.org/officeDocument/2006/relationships" r:blip="">
+                                  <dgm:adjLst/>
+                                </dgm:shape>
+                                <dgm:presOf/>
+                                <dgm:constrLst/>
+                                <dgm:ruleLst/>
+                              </dgm:layoutNode>
+                            </dgm:forEach>
+                          </dgm:if>
+                          <dgm:else name="Name35"/>
+                        </dgm:choose>
+                      </dgm:forEach>
+                    </dgm:layoutNode>
+                  </dgm:layoutNode>
+                  <dgm:choose name="Name36">
+                    <dgm:if name="Name37" axis="self" ptType="node" func="revPos" op="gte" val="2">
+                      <dgm:forEach name="Name38" axis="followSib" ptType="sibTrans" cnt="1">
+                        <dgm:layoutNode name="sibSpaceThree">
+                          <dgm:alg type="sp"/>
+                          <dgm:shape xmlns:r="http://schemas.openxmlformats.org/officeDocument/2006/relationships" r:blip="">
+                            <dgm:adjLst/>
+                          </dgm:shape>
+                          <dgm:presOf/>
+                          <dgm:constrLst/>
+                          <dgm:ruleLst/>
+                        </dgm:layoutNode>
+                      </dgm:forEach>
+                    </dgm:if>
+                    <dgm:else name="Name39"/>
+                  </dgm:choose>
+                </dgm:forEach>
+              </dgm:layoutNode>
+            </dgm:layoutNode>
+            <dgm:choose name="Name40">
+              <dgm:if name="Name41" axis="self" ptType="node" func="revPos" op="gte" val="2">
+                <dgm:forEach name="Name42" axis="followSib" ptType="sibTrans" cnt="1">
+                  <dgm:layoutNode name="sibSpaceTwo">
+                    <dgm:alg type="sp"/>
+                    <dgm:shape xmlns:r="http://schemas.openxmlformats.org/officeDocument/2006/relationships" r:blip="">
+                      <dgm:adjLst/>
+                    </dgm:shape>
+                    <dgm:presOf/>
+                    <dgm:constrLst/>
+                    <dgm:ruleLst/>
+                  </dgm:layoutNode>
+                </dgm:forEach>
+              </dgm:if>
+              <dgm:else name="Name43"/>
+            </dgm:choose>
+          </dgm:forEach>
+        </dgm:layoutNode>
+      </dgm:layoutNode>
+      <dgm:choose name="Name44">
+        <dgm:if name="Name45" axis="self" ptType="node" func="revPos" op="gte" val="2">
+          <dgm:forEach name="Name46" axis="followSib" ptType="sibTrans" cnt="1">
+            <dgm:layoutNode name="sibSpaceOne">
+              <dgm:alg type="sp"/>
+              <dgm:shape xmlns:r="http://schemas.openxmlformats.org/officeDocument/2006/relationships" r:blip="">
+                <dgm:adjLst/>
+              </dgm:shape>
+              <dgm:presOf/>
+              <dgm:constrLst/>
+              <dgm:ruleLst/>
+            </dgm:layoutNode>
+          </dgm:forEach>
+        </dgm:if>
+        <dgm:else name="Name47"/>
+      </dgm:choose>
+    </dgm:forEach>
+  </dgm:layoutNode>
+</dgm:layoutDef>
+</file>
+
+<file path=ppt/diagrams/quickStyle1.xml><?xml version="1.0" encoding="utf-8"?>
+<dgm:styleDef xmlns:dgm="http://schemas.openxmlformats.org/drawingml/2006/diagram" xmlns:a="http://schemas.openxmlformats.org/drawingml/2006/main" uniqueId="urn:microsoft.com/office/officeart/2005/8/quickstyle/simple1">
+  <dgm:title val=""/>
+  <dgm:desc val=""/>
+  <dgm:catLst>
+    <dgm:cat type="simple" pri="10100"/>
+  </dgm:catLst>
+  <dgm:scene3d>
+    <a:camera prst="orthographicFront"/>
+    <a:lightRig rig="threePt" dir="t"/>
+  </dgm:scene3d>
+  <dgm:styleLbl name="node0">
+    <dgm:scene3d>
+      <a:camera prst="orthographicFront"/>
+      <a:lightRig rig="threePt" dir="t"/>
+    </dgm:scene3d>
+    <dgm:sp3d/>
+    <dgm:txPr/>
+    <dgm:style>
+      <a:lnRef idx="2">
+        <a:scrgbClr r="0" g="0" b="0"/>
+      </a:lnRef>
+      <a:fillRef idx="1">
+        <a:scrgbClr r="0" g="0" b="0"/>
+      </a:fillRef>
+      <a:effectRef idx="0">
+        <a:scrgbClr r="0" g="0" b="0"/>
+      </a:effectRef>
+      <a:fontRef idx="minor">
+        <a:schemeClr val="lt1"/>
+      </a:fontRef>
+    </dgm:style>
+  </dgm:styleLbl>
+  <dgm:styleLbl name="lnNode1">
+    <dgm:scene3d>
+      <a:camera prst="orthographicFront"/>
+      <a:lightRig rig="threePt" dir="t"/>
+    </dgm:scene3d>
+    <dgm:sp3d/>
+    <dgm:txPr/>
+    <dgm:style>
+      <a:lnRef idx="2">
+        <a:scrgbClr r="0" g="0" b="0"/>
+      </a:lnRef>
+      <a:fillRef idx="1">
+        <a:scrgbClr r="0" g="0" b="0"/>
+      </a:fillRef>
+      <a:effectRef idx="0">
+        <a:scrgbClr r="0" g="0" b="0"/>
+      </a:effectRef>
+      <a:fontRef idx="minor">
+        <a:schemeClr val="lt1"/>
+      </a:fontRef>
+    </dgm:style>
+  </dgm:styleLbl>
+  <dgm:styleLbl name="vennNode1">
+    <dgm:scene3d>
+      <a:camera prst="orthographicFront"/>
+      <a:lightRig rig="threePt" dir="t"/>
+    </dgm:scene3d>
+    <dgm:sp3d/>
+    <dgm:txPr/>
+    <dgm:style>
+      <a:lnRef idx="2">
+        <a:scrgbClr r="0" g="0" b="0"/>
+      </a:lnRef>
+      <a:fillRef idx="1">
+        <a:scrgbClr r="0" g="0" b="0"/>
+      </a:fillRef>
+      <a:effectRef idx="0">
+        <a:scrgbClr r="0" g="0" b="0"/>
+      </a:effectRef>
+      <a:fontRef idx="minor">
+        <a:schemeClr val="tx1"/>
+      </a:fontRef>
+    </dgm:style>
+  </dgm:styleLbl>
+  <dgm:styleLbl name="alignNode1">
+    <dgm:scene3d>
+      <a:camera prst="orthographicFront"/>
+      <a:lightRig rig="threePt" dir="t"/>
+    </dgm:scene3d>
+    <dgm:sp3d/>
+    <dgm:txPr/>
+    <dgm:style>
+      <a:lnRef idx="2">
+        <a:scrgbClr r="0" g="0" b="0"/>
+      </a:lnRef>
+      <a:fillRef idx="1">
+        <a:scrgbClr r="0" g="0" b="0"/>
+      </a:fillRef>
+      <a:effectRef idx="0">
+        <a:scrgbClr r="0" g="0" b="0"/>
+      </a:effectRef>
+      <a:fontRef idx="minor">
+        <a:schemeClr val="lt1"/>
+      </a:fontRef>
+    </dgm:style>
+  </dgm:styleLbl>
+  <dgm:styleLbl name="node1">
+    <dgm:scene3d>
+      <a:camera prst="orthographicFront"/>
+      <a:lightRig rig="threePt" dir="t"/>
+    </dgm:scene3d>
+    <dgm:sp3d/>
+    <dgm:txPr/>
+    <dgm:style>
+      <a:lnRef idx="2">
+        <a:scrgbClr r="0" g="0" b="0"/>
+      </a:lnRef>
+      <a:fillRef idx="1">
+        <a:scrgbClr r="0" g="0" b="0"/>
+      </a:fillRef>
+      <a:effectRef idx="0">
+        <a:scrgbClr r="0" g="0" b="0"/>
+      </a:effectRef>
+      <a:fontRef idx="minor">
+        <a:schemeClr val="lt1"/>
+      </a:fontRef>
+    </dgm:style>
+  </dgm:styleLbl>
+  <dgm:styleLbl name="node2">
+    <dgm:scene3d>
+      <a:camera prst="orthographicFront"/>
+      <a:lightRig rig="threePt" dir="t"/>
+    </dgm:scene3d>
+    <dgm:sp3d/>
+    <dgm:txPr/>
+    <dgm:style>
+      <a:lnRef idx="2">
+        <a:scrgbClr r="0" g="0" b="0"/>
+      </a:lnRef>
+      <a:fillRef idx="1">
+        <a:scrgbClr r="0" g="0" b="0"/>
+      </a:fillRef>
+      <a:effectRef idx="0">
+        <a:scrgbClr r="0" g="0" b="0"/>
+      </a:effectRef>
+      <a:fontRef idx="minor">
+        <a:schemeClr val="lt1"/>
+      </a:fontRef>
+    </dgm:style>
+  </dgm:styleLbl>
+  <dgm:styleLbl name="node3">
+    <dgm:scene3d>
+      <a:camera prst="orthographicFront"/>
+      <a:lightRig rig="threePt" dir="t"/>
+    </dgm:scene3d>
+    <dgm:sp3d/>
+    <dgm:txPr/>
+    <dgm:style>
+      <a:lnRef idx="2">
+        <a:scrgbClr r="0" g="0" b="0"/>
+      </a:lnRef>
+      <a:fillRef idx="1">
+        <a:scrgbClr r="0" g="0" b="0"/>
+      </a:fillRef>
+      <a:effectRef idx="0">
+        <a:scrgbClr r="0" g="0" b="0"/>
+      </a:effectRef>
+      <a:fontRef idx="minor">
+        <a:schemeClr val="lt1"/>
+      </a:fontRef>
+    </dgm:style>
+  </dgm:styleLbl>
+  <dgm:styleLbl name="node4">
+    <dgm:scene3d>
+      <a:camera prst="orthographicFront"/>
+      <a:lightRig rig="threePt" dir="t"/>
+    </dgm:scene3d>
+    <dgm:sp3d/>
+    <dgm:txPr/>
+    <dgm:style>
+      <a:lnRef idx="2">
+        <a:scrgbClr r="0" g="0" b="0"/>
+      </a:lnRef>
+      <a:fillRef idx="1">
+        <a:scrgbClr r="0" g="0" b="0"/>
+      </a:fillRef>
+      <a:effectRef idx="0">
+        <a:scrgbClr r="0" g="0" b="0"/>
+      </a:effectRef>
+      <a:fontRef idx="minor">
+        <a:schemeClr val="lt1"/>
+      </a:fontRef>
+    </dgm:style>
+  </dgm:styleLbl>
+  <dgm:styleLbl name="fgImgPlace1">
+    <dgm:scene3d>
+      <a:camera prst="orthographicFront"/>
+      <a:lightRig rig="threePt" dir="t"/>
+    </dgm:scene3d>
+    <dgm:sp3d/>
+    <dgm:txPr/>
+    <dgm:style>
+      <a:lnRef idx="2">
+        <a:scrgbClr r="0" g="0" b="0"/>
+      </a:lnRef>
+      <a:fillRef idx="1">
+        <a:scrgbClr r="0" g="0" b="0"/>
+      </a:fillRef>
+      <a:effectRef idx="0">
+        <a:scrgbClr r="0" g="0" b="0"/>
+      </a:effectRef>
+      <a:fontRef idx="minor"/>
+    </dgm:style>
+  </dgm:styleLbl>
+  <dgm:styleLbl name="alignImgPlace1">
+    <dgm:scene3d>
+      <a:camera prst="orthographicFront"/>
+      <a:lightRig rig="threePt" dir="t"/>
+    </dgm:scene3d>
+    <dgm:sp3d/>
+    <dgm:txPr/>
+    <dgm:style>
+      <a:lnRef idx="2">
+        <a:scrgbClr r="0" g="0" b="0"/>
+      </a:lnRef>
+      <a:fillRef idx="1">
+        <a:scrgbClr r="0" g="0" b="0"/>
+      </a:fillRef>
+      <a:effectRef idx="0">
+        <a:scrgbClr r="0" g="0" b="0"/>
+      </a:effectRef>
+      <a:fontRef idx="minor"/>
+    </dgm:style>
+  </dgm:styleLbl>
+  <dgm:styleLbl name="bgImgPlace1">
+    <dgm:scene3d>
+      <a:camera prst="orthographicFront"/>
+      <a:lightRig rig="threePt" dir="t"/>
+    </dgm:scene3d>
+    <dgm:sp3d/>
+    <dgm:txPr/>
+    <dgm:style>
+      <a:lnRef idx="2">
+        <a:scrgbClr r="0" g="0" b="0"/>
+      </a:lnRef>
+      <a:fillRef idx="1">
+        <a:scrgbClr r="0" g="0" b="0"/>
+      </a:fillRef>
+      <a:effectRef idx="0">
+        <a:scrgbClr r="0" g="0" b="0"/>
+      </a:effectRef>
+      <a:fontRef idx="minor"/>
+    </dgm:style>
+  </dgm:styleLbl>
+  <dgm:styleLbl name="sibTrans2D1">
+    <dgm:scene3d>
+      <a:camera prst="orthographicFront"/>
+      <a:lightRig rig="threePt" dir="t"/>
+    </dgm:scene3d>
+    <dgm:sp3d/>
+    <dgm:txPr/>
+    <dgm:style>
+      <a:lnRef idx="0">
+        <a:scrgbClr r="0" g="0" b="0"/>
+      </a:lnRef>
+      <a:fillRef idx="1">
+        <a:scrgbClr r="0" g="0" b="0"/>
+      </a:fillRef>
+      <a:effectRef idx="0">
+        <a:scrgbClr r="0" g="0" b="0"/>
+      </a:effectRef>
+      <a:fontRef idx="minor">
+        <a:schemeClr val="lt1"/>
+      </a:fontRef>
+    </dgm:style>
+  </dgm:styleLbl>
+  <dgm:styleLbl name="fgSibTrans2D1">
+    <dgm:scene3d>
+      <a:camera prst="orthographicFront"/>
+      <a:lightRig rig="threePt" dir="t"/>
+    </dgm:scene3d>
+    <dgm:sp3d/>
+    <dgm:txPr/>
+    <dgm:style>
+      <a:lnRef idx="0">
+        <a:scrgbClr r="0" g="0" b="0"/>
+      </a:lnRef>
+      <a:fillRef idx="1">
+        <a:scrgbClr r="0" g="0" b="0"/>
+      </a:fillRef>
+      <a:effectRef idx="0">
+        <a:scrgbClr r="0" g="0" b="0"/>
+      </a:effectRef>
+      <a:fontRef idx="minor">
+        <a:schemeClr val="lt1"/>
+      </a:fontRef>
+    </dgm:style>
+  </dgm:styleLbl>
+  <dgm:styleLbl name="bgSibTrans2D1">
+    <dgm:scene3d>
+      <a:camera prst="orthographicFront"/>
+      <a:lightRig rig="threePt" dir="t"/>
+    </dgm:scene3d>
+    <dgm:sp3d/>
+    <dgm:txPr/>
+    <dgm:style>
+      <a:lnRef idx="0">
+        <a:scrgbClr r="0" g="0" b="0"/>
+      </a:lnRef>
+      <a:fillRef idx="1">
+        <a:scrgbClr r="0" g="0" b="0"/>
+      </a:fillRef>
+      <a:effectRef idx="0">
+        <a:scrgbClr r="0" g="0" b="0"/>
+      </a:effectRef>
+      <a:fontRef idx="minor">
+        <a:schemeClr val="lt1"/>
+      </a:fontRef>
+    </dgm:style>
+  </dgm:styleLbl>
+  <dgm:styleLbl name="sibTrans1D1">
+    <dgm:scene3d>
+      <a:camera prst="orthographicFront"/>
+      <a:lightRig rig="threePt" dir="t"/>
+    </dgm:scene3d>
+    <dgm:sp3d/>
+    <dgm:txPr/>
+    <dgm:style>
+      <a:lnRef idx="1">
+        <a:scrgbClr r="0" g="0" b="0"/>
+      </a:lnRef>
+      <a:fillRef idx="0">
+        <a:scrgbClr r="0" g="0" b="0"/>
+      </a:fillRef>
+      <a:effectRef idx="0">
+        <a:scrgbClr r="0" g="0" b="0"/>
+      </a:effectRef>
+      <a:fontRef idx="minor"/>
+    </dgm:style>
+  </dgm:styleLbl>
+  <dgm:styleLbl name="callout">
+    <dgm:scene3d>
+      <a:camera prst="orthographicFront"/>
+      <a:lightRig rig="threePt" dir="t"/>
+    </dgm:scene3d>
+    <dgm:sp3d/>
+    <dgm:txPr/>
+    <dgm:style>
+      <a:lnRef idx="2">
+        <a:scrgbClr r="0" g="0" b="0"/>
+      </a:lnRef>
+      <a:fillRef idx="1">
+        <a:scrgbClr r="0" g="0" b="0"/>
+      </a:fillRef>
+      <a:effectRef idx="0">
+        <a:scrgbClr r="0" g="0" b="0"/>
+      </a:effectRef>
+      <a:fontRef idx="minor"/>
+    </dgm:style>
+  </dgm:styleLbl>
+  <dgm:styleLbl name="asst0">
+    <dgm:scene3d>
+      <a:camera prst="orthographicFront"/>
+      <a:lightRig rig="threePt" dir="t"/>
+    </dgm:scene3d>
+    <dgm:sp3d/>
+    <dgm:txPr/>
+    <dgm:style>
+      <a:lnRef idx="2">
+        <a:scrgbClr r="0" g="0" b="0"/>
+      </a:lnRef>
+      <a:fillRef idx="1">
+        <a:scrgbClr r="0" g="0" b="0"/>
+      </a:fillRef>
+      <a:effectRef idx="0">
+        <a:scrgbClr r="0" g="0" b="0"/>
+      </a:effectRef>
+      <a:fontRef idx="minor">
+        <a:schemeClr val="lt1"/>
+      </a:fontRef>
+    </dgm:style>
+  </dgm:styleLbl>
+  <dgm:styleLbl name="asst1">
+    <dgm:scene3d>
+      <a:camera prst="orthographicFront"/>
+      <a:lightRig rig="threePt" dir="t"/>
+    </dgm:scene3d>
+    <dgm:sp3d/>
+    <dgm:txPr/>
+    <dgm:style>
+      <a:lnRef idx="2">
+        <a:scrgbClr r="0" g="0" b="0"/>
+      </a:lnRef>
+      <a:fillRef idx="1">
+        <a:scrgbClr r="0" g="0" b="0"/>
+      </a:fillRef>
+      <a:effectRef idx="0">
+        <a:scrgbClr r="0" g="0" b="0"/>
+      </a:effectRef>
+      <a:fontRef idx="minor">
+        <a:schemeClr val="lt1"/>
+      </a:fontRef>
+    </dgm:style>
+  </dgm:styleLbl>
+  <dgm:styleLbl name="asst2">
+    <dgm:scene3d>
+      <a:camera prst="orthographicFront"/>
+      <a:lightRig rig="threePt" dir="t"/>
+    </dgm:scene3d>
+    <dgm:sp3d/>
+    <dgm:txPr/>
+    <dgm:style>
+      <a:lnRef idx="2">
+        <a:scrgbClr r="0" g="0" b="0"/>
+      </a:lnRef>
+      <a:fillRef idx="1">
+        <a:scrgbClr r="0" g="0" b="0"/>
+      </a:fillRef>
+      <a:effectRef idx="0">
+        <a:scrgbClr r="0" g="0" b="0"/>
+      </a:effectRef>
+      <a:fontRef idx="minor">
+        <a:schemeClr val="lt1"/>
+      </a:fontRef>
+    </dgm:style>
+  </dgm:styleLbl>
+  <dgm:styleLbl name="asst3">
+    <dgm:scene3d>
+      <a:camera prst="orthographicFront"/>
+      <a:lightRig rig="threePt" dir="t"/>
+    </dgm:scene3d>
+    <dgm:sp3d/>
+    <dgm:txPr/>
+    <dgm:style>
+      <a:lnRef idx="2">
+        <a:scrgbClr r="0" g="0" b="0"/>
+      </a:lnRef>
+      <a:fillRef idx="1">
+        <a:scrgbClr r="0" g="0" b="0"/>
+      </a:fillRef>
+      <a:effectRef idx="0">
+        <a:scrgbClr r="0" g="0" b="0"/>
+      </a:effectRef>
+      <a:fontRef idx="minor">
+        <a:schemeClr val="lt1"/>
+      </a:fontRef>
+    </dgm:style>
+  </dgm:styleLbl>
+  <dgm:styleLbl name="asst4">
+    <dgm:scene3d>
+      <a:camera prst="orthographicFront"/>
+      <a:lightRig rig="threePt" dir="t"/>
+    </dgm:scene3d>
+    <dgm:sp3d/>
+    <dgm:txPr/>
+    <dgm:style>
+      <a:lnRef idx="2">
+        <a:scrgbClr r="0" g="0" b="0"/>
+      </a:lnRef>
+      <a:fillRef idx="1">
+        <a:scrgbClr r="0" g="0" b="0"/>
+      </a:fillRef>
+      <a:effectRef idx="0">
+        <a:scrgbClr r="0" g="0" b="0"/>
+      </a:effectRef>
+      <a:fontRef idx="minor">
+        <a:schemeClr val="lt1"/>
+      </a:fontRef>
+    </dgm:style>
+  </dgm:styleLbl>
+  <dgm:styleLbl name="parChTrans2D1">
+    <dgm:scene3d>
+      <a:camera prst="orthographicFront"/>
+      <a:lightRig rig="threePt" dir="t"/>
+    </dgm:scene3d>
+    <dgm:sp3d/>
+    <dgm:txPr/>
+    <dgm:style>
+      <a:lnRef idx="2">
+        <a:scrgbClr r="0" g="0" b="0"/>
+      </a:lnRef>
+      <a:fillRef idx="1">
+        <a:scrgbClr r="0" g="0" b="0"/>
+      </a:fillRef>
+      <a:effectRef idx="0">
+        <a:scrgbClr r="0" g="0" b="0"/>
+      </a:effectRef>
+      <a:fontRef idx="minor">
+        <a:schemeClr val="lt1"/>
+      </a:fontRef>
+    </dgm:style>
+  </dgm:styleLbl>
+  <dgm:styleLbl name="parChTrans2D2">
+    <dgm:scene3d>
+      <a:camera prst="orthographicFront"/>
+      <a:lightRig rig="threePt" dir="t"/>
+    </dgm:scene3d>
+    <dgm:sp3d/>
+    <dgm:txPr/>
+    <dgm:style>
+      <a:lnRef idx="2">
+        <a:scrgbClr r="0" g="0" b="0"/>
+      </a:lnRef>
+      <a:fillRef idx="1">
+        <a:scrgbClr r="0" g="0" b="0"/>
+      </a:fillRef>
+      <a:effectRef idx="0">
+        <a:scrgbClr r="0" g="0" b="0"/>
+      </a:effectRef>
+      <a:fontRef idx="minor">
+        <a:schemeClr val="lt1"/>
+      </a:fontRef>
+    </dgm:style>
+  </dgm:styleLbl>
+  <dgm:styleLbl name="parChTrans2D3">
+    <dgm:scene3d>
+      <a:camera prst="orthographicFront"/>
+      <a:lightRig rig="threePt" dir="t"/>
+    </dgm:scene3d>
+    <dgm:sp3d/>
+    <dgm:txPr/>
+    <dgm:style>
+      <a:lnRef idx="2">
+        <a:scrgbClr r="0" g="0" b="0"/>
+      </a:lnRef>
+      <a:fillRef idx="1">
+        <a:scrgbClr r="0" g="0" b="0"/>
+      </a:fillRef>
+      <a:effectRef idx="0">
+        <a:scrgbClr r="0" g="0" b="0"/>
+      </a:effectRef>
+      <a:fontRef idx="minor">
+        <a:schemeClr val="lt1"/>
+      </a:fontRef>
+    </dgm:style>
+  </dgm:styleLbl>
+  <dgm:styleLbl name="parChTrans2D4">
+    <dgm:scene3d>
+      <a:camera prst="orthographicFront"/>
+      <a:lightRig rig="threePt" dir="t"/>
+    </dgm:scene3d>
+    <dgm:sp3d/>
+    <dgm:txPr/>
+    <dgm:style>
+      <a:lnRef idx="2">
+        <a:scrgbClr r="0" g="0" b="0"/>
+      </a:lnRef>
+      <a:fillRef idx="1">
+        <a:scrgbClr r="0" g="0" b="0"/>
+      </a:fillRef>
+      <a:effectRef idx="0">
+        <a:scrgbClr r="0" g="0" b="0"/>
+      </a:effectRef>
+      <a:fontRef idx="minor">
+        <a:schemeClr val="lt1"/>
+      </a:fontRef>
+    </dgm:style>
+  </dgm:styleLbl>
+  <dgm:styleLbl name="parChTrans1D1">
+    <dgm:scene3d>
+      <a:camera prst="orthographicFront"/>
+      <a:lightRig rig="threePt" dir="t"/>
+    </dgm:scene3d>
+    <dgm:sp3d/>
+    <dgm:txPr/>
+    <dgm:style>
+      <a:lnRef idx="2">
+        <a:scrgbClr r="0" g="0" b="0"/>
+      </a:lnRef>
+      <a:fillRef idx="0">
+        <a:scrgbClr r="0" g="0" b="0"/>
+      </a:fillRef>
+      <a:effectRef idx="0">
+        <a:scrgbClr r="0" g="0" b="0"/>
+      </a:effectRef>
+      <a:fontRef idx="minor"/>
+    </dgm:style>
+  </dgm:styleLbl>
+  <dgm:styleLbl name="parChTrans1D2">
+    <dgm:scene3d>
+      <a:camera prst="orthographicFront"/>
+      <a:lightRig rig="threePt" dir="t"/>
+    </dgm:scene3d>
+    <dgm:sp3d/>
+    <dgm:txPr/>
+    <dgm:style>
+      <a:lnRef idx="2">
+        <a:scrgbClr r="0" g="0" b="0"/>
+      </a:lnRef>
+      <a:fillRef idx="0">
+        <a:scrgbClr r="0" g="0" b="0"/>
+      </a:fillRef>
+      <a:effectRef idx="0">
+        <a:scrgbClr r="0" g="0" b="0"/>
+      </a:effectRef>
+      <a:fontRef idx="minor"/>
+    </dgm:style>
+  </dgm:styleLbl>
+  <dgm:styleLbl name="parChTrans1D3">
+    <dgm:scene3d>
+      <a:camera prst="orthographicFront"/>
+      <a:lightRig rig="threePt" dir="t"/>
+    </dgm:scene3d>
+    <dgm:sp3d/>
+    <dgm:txPr/>
+    <dgm:style>
+      <a:lnRef idx="2">
+        <a:scrgbClr r="0" g="0" b="0"/>
+      </a:lnRef>
+      <a:fillRef idx="0">
+        <a:scrgbClr r="0" g="0" b="0"/>
+      </a:fillRef>
+      <a:effectRef idx="0">
+        <a:scrgbClr r="0" g="0" b="0"/>
+      </a:effectRef>
+      <a:fontRef idx="minor"/>
+    </dgm:style>
+  </dgm:styleLbl>
+  <dgm:styleLbl name="parChTrans1D4">
+    <dgm:scene3d>
+      <a:camera prst="orthographicFront"/>
+      <a:lightRig rig="threePt" dir="t"/>
+    </dgm:scene3d>
+    <dgm:sp3d/>
+    <dgm:txPr/>
+    <dgm:style>
+      <a:lnRef idx="2">
+        <a:scrgbClr r="0" g="0" b="0"/>
+      </a:lnRef>
+      <a:fillRef idx="0">
+        <a:scrgbClr r="0" g="0" b="0"/>
+      </a:fillRef>
+      <a:effectRef idx="0">
+        <a:scrgbClr r="0" g="0" b="0"/>
+      </a:effectRef>
+      <a:fontRef idx="minor"/>
+    </dgm:style>
+  </dgm:styleLbl>
+  <dgm:styleLbl name="fgAcc1">
+    <dgm:scene3d>
+      <a:camera prst="orthographicFront"/>
+      <a:lightRig rig="threePt" dir="t"/>
+    </dgm:scene3d>
+    <dgm:sp3d/>
+    <dgm:txPr/>
+    <dgm:style>
+      <a:lnRef idx="2">
+        <a:scrgbClr r="0" g="0" b="0"/>
+      </a:lnRef>
+      <a:fillRef idx="1">
+        <a:scrgbClr r="0" g="0" b="0"/>
+      </a:fillRef>
+      <a:effectRef idx="0">
+        <a:scrgbClr r="0" g="0" b="0"/>
+      </a:effectRef>
+      <a:fontRef idx="minor"/>
+    </dgm:style>
+  </dgm:styleLbl>
+  <dgm:styleLbl name="conFgAcc1">
+    <dgm:scene3d>
+      <a:camera prst="orthographicFront"/>
+      <a:lightRig rig="threePt" dir="t"/>
+    </dgm:scene3d>
+    <dgm:sp3d/>
+    <dgm:txPr/>
+    <dgm:style>
+      <a:lnRef idx="2">
+        <a:scrgbClr r="0" g="0" b="0"/>
+      </a:lnRef>
+      <a:fillRef idx="1">
+        <a:scrgbClr r="0" g="0" b="0"/>
+      </a:fillRef>
+      <a:effectRef idx="0">
+        <a:scrgbClr r="0" g="0" b="0"/>
+      </a:effectRef>
+      <a:fontRef idx="minor"/>
+    </dgm:style>
+  </dgm:styleLbl>
+  <dgm:styleLbl name="alignAcc1">
+    <dgm:scene3d>
+      <a:camera prst="orthographicFront"/>
+      <a:lightRig rig="threePt" dir="t"/>
+    </dgm:scene3d>
+    <dgm:sp3d/>
+    <dgm:txPr/>
+    <dgm:style>
+      <a:lnRef idx="2">
+        <a:scrgbClr r="0" g="0" b="0"/>
+      </a:lnRef>
+      <a:fillRef idx="1">
+        <a:scrgbClr r="0" g="0" b="0"/>
+      </a:fillRef>
+      <a:effectRef idx="0">
+        <a:scrgbClr r="0" g="0" b="0"/>
+      </a:effectRef>
+      <a:fontRef idx="minor"/>
+    </dgm:style>
+  </dgm:styleLbl>
+  <dgm:styleLbl name="trAlignAcc1">
+    <dgm:scene3d>
+      <a:camera prst="orthographicFront"/>
+      <a:lightRig rig="threePt" dir="t"/>
+    </dgm:scene3d>
+    <dgm:sp3d/>
+    <dgm:txPr/>
+    <dgm:style>
+      <a:lnRef idx="1">
+        <a:scrgbClr r="0" g="0" b="0"/>
+      </a:lnRef>
+      <a:fillRef idx="1">
+        <a:scrgbClr r="0" g="0" b="0"/>
+      </a:fillRef>
+      <a:effectRef idx="0">
+        <a:scrgbClr r="0" g="0" b="0"/>
+      </a:effectRef>
+      <a:fontRef idx="minor"/>
+    </dgm:style>
+  </dgm:styleLbl>
+  <dgm:styleLbl name="bgAcc1">
+    <dgm:scene3d>
+      <a:camera prst="orthographicFront"/>
+      <a:lightRig rig="threePt" dir="t"/>
+    </dgm:scene3d>
+    <dgm:sp3d/>
+    <dgm:txPr/>
+    <dgm:style>
+      <a:lnRef idx="2">
+        <a:scrgbClr r="0" g="0" b="0"/>
+      </a:lnRef>
+      <a:fillRef idx="1">
+        <a:scrgbClr r="0" g="0" b="0"/>
+      </a:fillRef>
+      <a:effectRef idx="0">
+        <a:scrgbClr r="0" g="0" b="0"/>
+      </a:effectRef>
+      <a:fontRef idx="minor"/>
+    </dgm:style>
+  </dgm:styleLbl>
+  <dgm:styleLbl name="solidFgAcc1">
+    <dgm:scene3d>
+      <a:camera prst="orthographicFront"/>
+      <a:lightRig rig="threePt" dir="t"/>
+    </dgm:scene3d>
+    <dgm:sp3d/>
+    <dgm:txPr/>
+    <dgm:style>
+      <a:lnRef idx="2">
+        <a:scrgbClr r="0" g="0" b="0"/>
+      </a:lnRef>
+      <a:fillRef idx="1">
+        <a:scrgbClr r="0" g="0" b="0"/>
+      </a:fillRef>
+      <a:effectRef idx="0">
+        <a:scrgbClr r="0" g="0" b="0"/>
+      </a:effectRef>
+      <a:fontRef idx="minor"/>
+    </dgm:style>
+  </dgm:styleLbl>
+  <dgm:styleLbl name="solidAlignAcc1">
+    <dgm:scene3d>
+      <a:camera prst="orthographicFront"/>
+      <a:lightRig rig="threePt" dir="t"/>
+    </dgm:scene3d>
+    <dgm:sp3d/>
+    <dgm:txPr/>
+    <dgm:style>
+      <a:lnRef idx="2">
+        <a:scrgbClr r="0" g="0" b="0"/>
+      </a:lnRef>
+      <a:fillRef idx="1">
+        <a:scrgbClr r="0" g="0" b="0"/>
+      </a:fillRef>
+      <a:effectRef idx="0">
+        <a:scrgbClr r="0" g="0" b="0"/>
+      </a:effectRef>
+      <a:fontRef idx="minor"/>
+    </dgm:style>
+  </dgm:styleLbl>
+  <dgm:styleLbl name="solidBgAcc1">
+    <dgm:scene3d>
+      <a:camera prst="orthographicFront"/>
+      <a:lightRig rig="threePt" dir="t"/>
+    </dgm:scene3d>
+    <dgm:sp3d/>
+    <dgm:txPr/>
+    <dgm:style>
+      <a:lnRef idx="2">
+        <a:scrgbClr r="0" g="0" b="0"/>
+      </a:lnRef>
+      <a:fillRef idx="1">
+        <a:scrgbClr r="0" g="0" b="0"/>
+      </a:fillRef>
+      <a:effectRef idx="0">
+        <a:scrgbClr r="0" g="0" b="0"/>
+      </a:effectRef>
+      <a:fontRef idx="minor"/>
+    </dgm:style>
+  </dgm:styleLbl>
+  <dgm:styleLbl name="fgAccFollowNode1">
+    <dgm:scene3d>
+      <a:camera prst="orthographicFront"/>
+      <a:lightRig rig="threePt" dir="t"/>
+    </dgm:scene3d>
+    <dgm:sp3d/>
+    <dgm:txPr/>
+    <dgm:style>
+      <a:lnRef idx="2">
+        <a:scrgbClr r="0" g="0" b="0"/>
+      </a:lnRef>
+      <a:fillRef idx="1">
+        <a:scrgbClr r="0" g="0" b="0"/>
+      </a:fillRef>
+      <a:effectRef idx="0">
+        <a:scrgbClr r="0" g="0" b="0"/>
+      </a:effectRef>
+      <a:fontRef idx="minor"/>
+    </dgm:style>
+  </dgm:styleLbl>
+  <dgm:styleLbl name="alignAccFollowNode1">
+    <dgm:scene3d>
+      <a:camera prst="orthographicFront"/>
+      <a:lightRig rig="threePt" dir="t"/>
+    </dgm:scene3d>
+    <dgm:sp3d/>
+    <dgm:txPr/>
+    <dgm:style>
+      <a:lnRef idx="2">
+        <a:scrgbClr r="0" g="0" b="0"/>
+      </a:lnRef>
+      <a:fillRef idx="1">
+        <a:scrgbClr r="0" g="0" b="0"/>
+      </a:fillRef>
+      <a:effectRef idx="0">
+        <a:scrgbClr r="0" g="0" b="0"/>
+      </a:effectRef>
+      <a:fontRef idx="minor"/>
+    </dgm:style>
+  </dgm:styleLbl>
+  <dgm:styleLbl name="bgAccFollowNode1">
+    <dgm:scene3d>
+      <a:camera prst="orthographicFront"/>
+      <a:lightRig rig="threePt" dir="t"/>
+    </dgm:scene3d>
+    <dgm:sp3d/>
+    <dgm:txPr/>
+    <dgm:style>
+      <a:lnRef idx="2">
+        <a:scrgbClr r="0" g="0" b="0"/>
+      </a:lnRef>
+      <a:fillRef idx="1">
+        <a:scrgbClr r="0" g="0" b="0"/>
+      </a:fillRef>
+      <a:effectRef idx="0">
+        <a:scrgbClr r="0" g="0" b="0"/>
+      </a:effectRef>
+      <a:fontRef idx="minor"/>
+    </dgm:style>
+  </dgm:styleLbl>
+  <dgm:styleLbl name="fgAcc0">
+    <dgm:scene3d>
+      <a:camera prst="orthographicFront"/>
+      <a:lightRig rig="threePt" dir="t"/>
+    </dgm:scene3d>
+    <dgm:sp3d/>
+    <dgm:txPr/>
+    <dgm:style>
+      <a:lnRef idx="2">
+        <a:scrgbClr r="0" g="0" b="0"/>
+      </a:lnRef>
+      <a:fillRef idx="1">
+        <a:scrgbClr r="0" g="0" b="0"/>
+      </a:fillRef>
+      <a:effectRef idx="0">
+        <a:scrgbClr r="0" g="0" b="0"/>
+      </a:effectRef>
+      <a:fontRef idx="minor"/>
+    </dgm:style>
+  </dgm:styleLbl>
+  <dgm:styleLbl name="fgAcc2">
+    <dgm:scene3d>
+      <a:camera prst="orthographicFront"/>
+      <a:lightRig rig="threePt" dir="t"/>
+    </dgm:scene3d>
+    <dgm:sp3d/>
+    <dgm:txPr/>
+    <dgm:style>
+      <a:lnRef idx="2">
+        <a:scrgbClr r="0" g="0" b="0"/>
+      </a:lnRef>
+      <a:fillRef idx="1">
+        <a:scrgbClr r="0" g="0" b="0"/>
+      </a:fillRef>
+      <a:effectRef idx="0">
+        <a:scrgbClr r="0" g="0" b="0"/>
+      </a:effectRef>
+      <a:fontRef idx="minor"/>
+    </dgm:style>
+  </dgm:styleLbl>
+  <dgm:styleLbl name="fgAcc3">
+    <dgm:scene3d>
+      <a:camera prst="orthographicFront"/>
+      <a:lightRig rig="threePt" dir="t"/>
+    </dgm:scene3d>
+    <dgm:sp3d/>
+    <dgm:txPr/>
+    <dgm:style>
+      <a:lnRef idx="2">
+        <a:scrgbClr r="0" g="0" b="0"/>
+      </a:lnRef>
+      <a:fillRef idx="1">
+        <a:scrgbClr r="0" g="0" b="0"/>
+      </a:fillRef>
+      <a:effectRef idx="0">
+        <a:scrgbClr r="0" g="0" b="0"/>
+      </a:effectRef>
+      <a:fontRef idx="minor"/>
+    </dgm:style>
+  </dgm:styleLbl>
+  <dgm:styleLbl name="fgAcc4">
+    <dgm:scene3d>
+      <a:camera prst="orthographicFront"/>
+      <a:lightRig rig="threePt" dir="t"/>
+    </dgm:scene3d>
+    <dgm:sp3d/>
+    <dgm:txPr/>
+    <dgm:style>
+      <a:lnRef idx="2">
+        <a:scrgbClr r="0" g="0" b="0"/>
+      </a:lnRef>
+      <a:fillRef idx="1">
+        <a:scrgbClr r="0" g="0" b="0"/>
+      </a:fillRef>
+      <a:effectRef idx="0">
+        <a:scrgbClr r="0" g="0" b="0"/>
+      </a:effectRef>
+      <a:fontRef idx="minor"/>
+    </dgm:style>
+  </dgm:styleLbl>
+  <dgm:styleLbl name="bgShp">
+    <dgm:scene3d>
+      <a:camera prst="orthographicFront"/>
+      <a:lightRig rig="threePt" dir="t"/>
+    </dgm:scene3d>
+    <dgm:sp3d/>
+    <dgm:txPr/>
+    <dgm:style>
+      <a:lnRef idx="0">
+        <a:scrgbClr r="0" g="0" b="0"/>
+      </a:lnRef>
+      <a:fillRef idx="1">
+        <a:scrgbClr r="0" g="0" b="0"/>
+      </a:fillRef>
+      <a:effectRef idx="0">
+        <a:scrgbClr r="0" g="0" b="0"/>
+      </a:effectRef>
+      <a:fontRef idx="minor"/>
+    </dgm:style>
+  </dgm:styleLbl>
+  <dgm:styleLbl name="dkBgShp">
+    <dgm:scene3d>
+      <a:camera prst="orthographicFront"/>
+      <a:lightRig rig="threePt" dir="t"/>
+    </dgm:scene3d>
+    <dgm:sp3d/>
+    <dgm:txPr/>
+    <dgm:style>
+      <a:lnRef idx="0">
+        <a:scrgbClr r="0" g="0" b="0"/>
+      </a:lnRef>
+      <a:fillRef idx="1">
+        <a:scrgbClr r="0" g="0" b="0"/>
+      </a:fillRef>
+      <a:effectRef idx="0">
+        <a:scrgbClr r="0" g="0" b="0"/>
+      </a:effectRef>
+      <a:fontRef idx="minor"/>
+    </dgm:style>
+  </dgm:styleLbl>
+  <dgm:styleLbl name="trBgShp">
+    <dgm:scene3d>
+      <a:camera prst="orthographicFront"/>
+      <a:lightRig rig="threePt" dir="t"/>
+    </dgm:scene3d>
+    <dgm:sp3d/>
+    <dgm:txPr/>
+    <dgm:style>
+      <a:lnRef idx="0">
+        <a:scrgbClr r="0" g="0" b="0"/>
+      </a:lnRef>
+      <a:fillRef idx="1">
+        <a:scrgbClr r="0" g="0" b="0"/>
+      </a:fillRef>
+      <a:effectRef idx="0">
+        <a:scrgbClr r="0" g="0" b="0"/>
+      </a:effectRef>
+      <a:fontRef idx="minor"/>
+    </dgm:style>
+  </dgm:styleLbl>
+  <dgm:styleLbl name="fgShp">
+    <dgm:scene3d>
+      <a:camera prst="orthographicFront"/>
+      <a:lightRig rig="threePt" dir="t"/>
+    </dgm:scene3d>
+    <dgm:sp3d/>
+    <dgm:txPr/>
+    <dgm:style>
+      <a:lnRef idx="2">
+        <a:scrgbClr r="0" g="0" b="0"/>
+      </a:lnRef>
+      <a:fillRef idx="1">
+        <a:scrgbClr r="0" g="0" b="0"/>
+      </a:fillRef>
+      <a:effectRef idx="0">
+        <a:scrgbClr r="0" g="0" b="0"/>
+      </a:effectRef>
+      <a:fontRef idx="minor"/>
+    </dgm:style>
+  </dgm:styleLbl>
+  <dgm:styleLbl name="revTx">
+    <dgm:scene3d>
+      <a:camera prst="orthographicFront"/>
+      <a:lightRig rig="threePt" dir="t"/>
+    </dgm:scene3d>
+    <dgm:sp3d/>
+    <dgm:txPr/>
+    <dgm:style>
+      <a:lnRef idx="0">
+        <a:scrgbClr r="0" g="0" b="0"/>
+      </a:lnRef>
+      <a:fillRef idx="0">
+        <a:scrgbClr r="0" g="0" b="0"/>
+      </a:fillRef>
+      <a:effectRef idx="0">
+        <a:scrgbClr r="0" g="0" b="0"/>
+      </a:effectRef>
+      <a:fontRef idx="minor"/>
+    </dgm:style>
+  </dgm:styleLbl>
+</dgm:styleDef>
+</file>
+
 <file path=ppt/slideLayouts/slideLayout1.xml><?xml version="1.0" encoding="utf-8"?>
 <p:sldLayout xmlns:a="http://schemas.openxmlformats.org/drawingml/2006/main" xmlns:r="http://schemas.openxmlformats.org/officeDocument/2006/relationships" xmlns:p="http://schemas.openxmlformats.org/presentationml/2006/main" type="title" preserve="1">
   <p:cSld name="Title Slide">
@@ -264,7 +4843,7 @@
           <a:p>
             <a:fld id="{3D89798B-2076-463D-B995-CA32E41DD97F}" type="datetimeFigureOut">
               <a:rPr lang="en-SE" smtClean="0"/>
-              <a:t>2021-10-25</a:t>
+              <a:t>2021-11-20</a:t>
             </a:fld>
             <a:endParaRPr lang="en-SE"/>
           </a:p>
@@ -464,7 +5043,7 @@
           <a:p>
             <a:fld id="{3D89798B-2076-463D-B995-CA32E41DD97F}" type="datetimeFigureOut">
               <a:rPr lang="en-SE" smtClean="0"/>
-              <a:t>2021-10-25</a:t>
+              <a:t>2021-11-20</a:t>
             </a:fld>
             <a:endParaRPr lang="en-SE"/>
           </a:p>
@@ -674,7 +5253,7 @@
           <a:p>
             <a:fld id="{3D89798B-2076-463D-B995-CA32E41DD97F}" type="datetimeFigureOut">
               <a:rPr lang="en-SE" smtClean="0"/>
-              <a:t>2021-10-25</a:t>
+              <a:t>2021-11-20</a:t>
             </a:fld>
             <a:endParaRPr lang="en-SE"/>
           </a:p>
@@ -874,7 +5453,7 @@
           <a:p>
             <a:fld id="{3D89798B-2076-463D-B995-CA32E41DD97F}" type="datetimeFigureOut">
               <a:rPr lang="en-SE" smtClean="0"/>
-              <a:t>2021-10-25</a:t>
+              <a:t>2021-11-20</a:t>
             </a:fld>
             <a:endParaRPr lang="en-SE"/>
           </a:p>
@@ -1150,7 +5729,7 @@
           <a:p>
             <a:fld id="{3D89798B-2076-463D-B995-CA32E41DD97F}" type="datetimeFigureOut">
               <a:rPr lang="en-SE" smtClean="0"/>
-              <a:t>2021-10-25</a:t>
+              <a:t>2021-11-20</a:t>
             </a:fld>
             <a:endParaRPr lang="en-SE"/>
           </a:p>
@@ -1418,7 +5997,7 @@
           <a:p>
             <a:fld id="{3D89798B-2076-463D-B995-CA32E41DD97F}" type="datetimeFigureOut">
               <a:rPr lang="en-SE" smtClean="0"/>
-              <a:t>2021-10-25</a:t>
+              <a:t>2021-11-20</a:t>
             </a:fld>
             <a:endParaRPr lang="en-SE"/>
           </a:p>
@@ -1833,7 +6412,7 @@
           <a:p>
             <a:fld id="{3D89798B-2076-463D-B995-CA32E41DD97F}" type="datetimeFigureOut">
               <a:rPr lang="en-SE" smtClean="0"/>
-              <a:t>2021-10-25</a:t>
+              <a:t>2021-11-20</a:t>
             </a:fld>
             <a:endParaRPr lang="en-SE"/>
           </a:p>
@@ -1975,7 +6554,7 @@
           <a:p>
             <a:fld id="{3D89798B-2076-463D-B995-CA32E41DD97F}" type="datetimeFigureOut">
               <a:rPr lang="en-SE" smtClean="0"/>
-              <a:t>2021-10-25</a:t>
+              <a:t>2021-11-20</a:t>
             </a:fld>
             <a:endParaRPr lang="en-SE"/>
           </a:p>
@@ -2088,7 +6667,7 @@
           <a:p>
             <a:fld id="{3D89798B-2076-463D-B995-CA32E41DD97F}" type="datetimeFigureOut">
               <a:rPr lang="en-SE" smtClean="0"/>
-              <a:t>2021-10-25</a:t>
+              <a:t>2021-11-20</a:t>
             </a:fld>
             <a:endParaRPr lang="en-SE"/>
           </a:p>
@@ -2401,7 +6980,7 @@
           <a:p>
             <a:fld id="{3D89798B-2076-463D-B995-CA32E41DD97F}" type="datetimeFigureOut">
               <a:rPr lang="en-SE" smtClean="0"/>
-              <a:t>2021-10-25</a:t>
+              <a:t>2021-11-20</a:t>
             </a:fld>
             <a:endParaRPr lang="en-SE"/>
           </a:p>
@@ -2690,7 +7269,7 @@
           <a:p>
             <a:fld id="{3D89798B-2076-463D-B995-CA32E41DD97F}" type="datetimeFigureOut">
               <a:rPr lang="en-SE" smtClean="0"/>
-              <a:t>2021-10-25</a:t>
+              <a:t>2021-11-20</a:t>
             </a:fld>
             <a:endParaRPr lang="en-SE"/>
           </a:p>
@@ -2933,7 +7512,7 @@
           <a:p>
             <a:fld id="{3D89798B-2076-463D-B995-CA32E41DD97F}" type="datetimeFigureOut">
               <a:rPr lang="en-SE" smtClean="0"/>
-              <a:t>2021-10-25</a:t>
+              <a:t>2021-11-20</a:t>
             </a:fld>
             <a:endParaRPr lang="en-SE"/>
           </a:p>
@@ -5981,6 +10560,518 @@
 </p:sld>
 </file>
 
+<file path=ppt/slides/slide5.xml><?xml version="1.0" encoding="utf-8"?>
+<p:sld xmlns:a="http://schemas.openxmlformats.org/drawingml/2006/main" xmlns:r="http://schemas.openxmlformats.org/officeDocument/2006/relationships" xmlns:p="http://schemas.openxmlformats.org/presentationml/2006/main">
+  <p:cSld>
+    <p:spTree>
+      <p:nvGrpSpPr>
+        <p:cNvPr id="1" name=""/>
+        <p:cNvGrpSpPr/>
+        <p:nvPr/>
+      </p:nvGrpSpPr>
+      <p:grpSpPr>
+        <a:xfrm>
+          <a:off x="0" y="0"/>
+          <a:ext cx="0" cy="0"/>
+          <a:chOff x="0" y="0"/>
+          <a:chExt cx="0" cy="0"/>
+        </a:xfrm>
+      </p:grpSpPr>
+      <p:graphicFrame>
+        <p:nvGraphicFramePr>
+          <p:cNvPr id="4" name="Diagram 3">
+            <a:extLst>
+              <a:ext uri="{FF2B5EF4-FFF2-40B4-BE49-F238E27FC236}">
+                <a16:creationId xmlns:a16="http://schemas.microsoft.com/office/drawing/2014/main" id="{D63C141F-98F1-40C6-A6A0-D9B3C918C8E9}"/>
+              </a:ext>
+            </a:extLst>
+          </p:cNvPr>
+          <p:cNvGraphicFramePr/>
+          <p:nvPr>
+            <p:extLst>
+              <p:ext uri="{D42A27DB-BD31-4B8C-83A1-F6EECF244321}">
+                <p14:modId xmlns:p14="http://schemas.microsoft.com/office/powerpoint/2010/main" val="2366360484"/>
+              </p:ext>
+            </p:extLst>
+          </p:nvPr>
+        </p:nvGraphicFramePr>
+        <p:xfrm>
+          <a:off x="121920" y="3566160"/>
+          <a:ext cx="11948160" cy="3192780"/>
+        </p:xfrm>
+        <a:graphic>
+          <a:graphicData uri="http://schemas.openxmlformats.org/drawingml/2006/diagram">
+            <dgm:relIds xmlns:dgm="http://schemas.openxmlformats.org/drawingml/2006/diagram" xmlns:r="http://schemas.openxmlformats.org/officeDocument/2006/relationships" r:dm="rId2" r:lo="rId3" r:qs="rId4" r:cs="rId5"/>
+          </a:graphicData>
+        </a:graphic>
+      </p:graphicFrame>
+      <p:sp>
+        <p:nvSpPr>
+          <p:cNvPr id="5" name="Rectangle: Rounded Corners 4">
+            <a:extLst>
+              <a:ext uri="{FF2B5EF4-FFF2-40B4-BE49-F238E27FC236}">
+                <a16:creationId xmlns:a16="http://schemas.microsoft.com/office/drawing/2014/main" id="{30957766-F822-46F7-9CCB-557FAB98E568}"/>
+              </a:ext>
+            </a:extLst>
+          </p:cNvPr>
+          <p:cNvSpPr/>
+          <p:nvPr/>
+        </p:nvSpPr>
+        <p:spPr>
+          <a:xfrm>
+            <a:off x="556260" y="556260"/>
+            <a:ext cx="2407920" cy="289560"/>
+          </a:xfrm>
+          <a:prstGeom prst="roundRect">
+            <a:avLst/>
+          </a:prstGeom>
+        </p:spPr>
+        <p:style>
+          <a:lnRef idx="2">
+            <a:schemeClr val="accent1">
+              <a:shade val="50000"/>
+            </a:schemeClr>
+          </a:lnRef>
+          <a:fillRef idx="1">
+            <a:schemeClr val="accent1"/>
+          </a:fillRef>
+          <a:effectRef idx="0">
+            <a:schemeClr val="accent1"/>
+          </a:effectRef>
+          <a:fontRef idx="minor">
+            <a:schemeClr val="lt1"/>
+          </a:fontRef>
+        </p:style>
+        <p:txBody>
+          <a:bodyPr rtlCol="0" anchor="ctr"/>
+          <a:lstStyle/>
+          <a:p>
+            <a:pPr algn="ctr"/>
+            <a:r>
+              <a:rPr lang="en-US" sz="1400" dirty="0" err="1"/>
+              <a:t>Application.DirectoryList</a:t>
+            </a:r>
+            <a:r>
+              <a:rPr lang="en-US" sz="1400" dirty="0"/>
+              <a:t> (ls)</a:t>
+            </a:r>
+            <a:endParaRPr lang="en-SE" sz="1400" dirty="0"/>
+          </a:p>
+        </p:txBody>
+      </p:sp>
+      <p:sp>
+        <p:nvSpPr>
+          <p:cNvPr id="6" name="Rectangle: Rounded Corners 5">
+            <a:extLst>
+              <a:ext uri="{FF2B5EF4-FFF2-40B4-BE49-F238E27FC236}">
+                <a16:creationId xmlns:a16="http://schemas.microsoft.com/office/drawing/2014/main" id="{9AB046D5-2247-4215-A37B-F1BDFCFF0174}"/>
+              </a:ext>
+            </a:extLst>
+          </p:cNvPr>
+          <p:cNvSpPr/>
+          <p:nvPr/>
+        </p:nvSpPr>
+        <p:spPr>
+          <a:xfrm>
+            <a:off x="3322320" y="556260"/>
+            <a:ext cx="2407920" cy="289560"/>
+          </a:xfrm>
+          <a:prstGeom prst="roundRect">
+            <a:avLst/>
+          </a:prstGeom>
+        </p:spPr>
+        <p:style>
+          <a:lnRef idx="2">
+            <a:schemeClr val="accent1">
+              <a:shade val="50000"/>
+            </a:schemeClr>
+          </a:lnRef>
+          <a:fillRef idx="1">
+            <a:schemeClr val="accent1"/>
+          </a:fillRef>
+          <a:effectRef idx="0">
+            <a:schemeClr val="accent1"/>
+          </a:effectRef>
+          <a:fontRef idx="minor">
+            <a:schemeClr val="lt1"/>
+          </a:fontRef>
+        </p:style>
+        <p:txBody>
+          <a:bodyPr rtlCol="0" anchor="ctr"/>
+          <a:lstStyle/>
+          <a:p>
+            <a:pPr algn="ctr"/>
+            <a:r>
+              <a:rPr lang="en-US" sz="1400" dirty="0" err="1"/>
+              <a:t>Application.Command</a:t>
+            </a:r>
+            <a:endParaRPr lang="en-SE" sz="1400" dirty="0"/>
+          </a:p>
+        </p:txBody>
+      </p:sp>
+      <p:sp>
+        <p:nvSpPr>
+          <p:cNvPr id="7" name="Rectangle: Rounded Corners 6">
+            <a:extLst>
+              <a:ext uri="{FF2B5EF4-FFF2-40B4-BE49-F238E27FC236}">
+                <a16:creationId xmlns:a16="http://schemas.microsoft.com/office/drawing/2014/main" id="{8F07838B-257E-4F75-946E-BC3791A7BD5E}"/>
+              </a:ext>
+            </a:extLst>
+          </p:cNvPr>
+          <p:cNvSpPr/>
+          <p:nvPr/>
+        </p:nvSpPr>
+        <p:spPr>
+          <a:xfrm>
+            <a:off x="6088380" y="556260"/>
+            <a:ext cx="2407920" cy="289560"/>
+          </a:xfrm>
+          <a:prstGeom prst="roundRect">
+            <a:avLst/>
+          </a:prstGeom>
+        </p:spPr>
+        <p:style>
+          <a:lnRef idx="2">
+            <a:schemeClr val="accent1">
+              <a:shade val="50000"/>
+            </a:schemeClr>
+          </a:lnRef>
+          <a:fillRef idx="1">
+            <a:schemeClr val="accent1"/>
+          </a:fillRef>
+          <a:effectRef idx="0">
+            <a:schemeClr val="accent1"/>
+          </a:effectRef>
+          <a:fontRef idx="minor">
+            <a:schemeClr val="lt1"/>
+          </a:fontRef>
+        </p:style>
+        <p:txBody>
+          <a:bodyPr rtlCol="0" anchor="ctr"/>
+          <a:lstStyle/>
+          <a:p>
+            <a:pPr algn="ctr"/>
+            <a:r>
+              <a:rPr lang="en-US" sz="1400" dirty="0" err="1"/>
+              <a:t>Application.Editor</a:t>
+            </a:r>
+            <a:endParaRPr lang="en-SE" sz="1400" dirty="0"/>
+          </a:p>
+        </p:txBody>
+      </p:sp>
+      <p:sp>
+        <p:nvSpPr>
+          <p:cNvPr id="8" name="Rectangle: Rounded Corners 7">
+            <a:extLst>
+              <a:ext uri="{FF2B5EF4-FFF2-40B4-BE49-F238E27FC236}">
+                <a16:creationId xmlns:a16="http://schemas.microsoft.com/office/drawing/2014/main" id="{AD8FF03C-C98D-4A33-8688-B5206AA119AA}"/>
+              </a:ext>
+            </a:extLst>
+          </p:cNvPr>
+          <p:cNvSpPr/>
+          <p:nvPr/>
+        </p:nvSpPr>
+        <p:spPr>
+          <a:xfrm>
+            <a:off x="556260" y="1082040"/>
+            <a:ext cx="2407920" cy="289560"/>
+          </a:xfrm>
+          <a:prstGeom prst="roundRect">
+            <a:avLst/>
+          </a:prstGeom>
+        </p:spPr>
+        <p:style>
+          <a:lnRef idx="2">
+            <a:schemeClr val="accent1">
+              <a:shade val="50000"/>
+            </a:schemeClr>
+          </a:lnRef>
+          <a:fillRef idx="1">
+            <a:schemeClr val="accent1"/>
+          </a:fillRef>
+          <a:effectRef idx="0">
+            <a:schemeClr val="accent1"/>
+          </a:effectRef>
+          <a:fontRef idx="minor">
+            <a:schemeClr val="lt1"/>
+          </a:fontRef>
+        </p:style>
+        <p:txBody>
+          <a:bodyPr rtlCol="0" anchor="ctr"/>
+          <a:lstStyle/>
+          <a:p>
+            <a:pPr algn="ctr"/>
+            <a:r>
+              <a:rPr lang="en-US" sz="1400" dirty="0" err="1"/>
+              <a:t>Application.FileContents</a:t>
+            </a:r>
+            <a:r>
+              <a:rPr lang="en-US" sz="1400" dirty="0"/>
+              <a:t> (cat)</a:t>
+            </a:r>
+            <a:endParaRPr lang="en-SE" sz="1400" dirty="0"/>
+          </a:p>
+        </p:txBody>
+      </p:sp>
+      <p:cxnSp>
+        <p:nvCxnSpPr>
+          <p:cNvPr id="10" name="Straight Arrow Connector 9">
+            <a:extLst>
+              <a:ext uri="{FF2B5EF4-FFF2-40B4-BE49-F238E27FC236}">
+                <a16:creationId xmlns:a16="http://schemas.microsoft.com/office/drawing/2014/main" id="{674EC95C-777A-4ADA-9CD9-C680997BAAF6}"/>
+              </a:ext>
+            </a:extLst>
+          </p:cNvPr>
+          <p:cNvCxnSpPr>
+            <a:stCxn id="7" idx="2"/>
+          </p:cNvCxnSpPr>
+          <p:nvPr/>
+        </p:nvCxnSpPr>
+        <p:spPr>
+          <a:xfrm>
+            <a:off x="7292340" y="845820"/>
+            <a:ext cx="3467100" cy="2720340"/>
+          </a:xfrm>
+          <a:prstGeom prst="straightConnector1">
+            <a:avLst/>
+          </a:prstGeom>
+          <a:ln>
+            <a:tailEnd type="triangle"/>
+          </a:ln>
+        </p:spPr>
+        <p:style>
+          <a:lnRef idx="1">
+            <a:schemeClr val="accent1"/>
+          </a:lnRef>
+          <a:fillRef idx="0">
+            <a:schemeClr val="accent1"/>
+          </a:fillRef>
+          <a:effectRef idx="0">
+            <a:schemeClr val="accent1"/>
+          </a:effectRef>
+          <a:fontRef idx="minor">
+            <a:schemeClr val="tx1"/>
+          </a:fontRef>
+        </p:style>
+      </p:cxnSp>
+      <p:cxnSp>
+        <p:nvCxnSpPr>
+          <p:cNvPr id="12" name="Straight Arrow Connector 11">
+            <a:extLst>
+              <a:ext uri="{FF2B5EF4-FFF2-40B4-BE49-F238E27FC236}">
+                <a16:creationId xmlns:a16="http://schemas.microsoft.com/office/drawing/2014/main" id="{8FF4BD8C-1CC9-4A96-9078-560E72AFFD2E}"/>
+              </a:ext>
+            </a:extLst>
+          </p:cNvPr>
+          <p:cNvCxnSpPr>
+            <a:stCxn id="7" idx="2"/>
+          </p:cNvCxnSpPr>
+          <p:nvPr/>
+        </p:nvCxnSpPr>
+        <p:spPr>
+          <a:xfrm flipH="1">
+            <a:off x="5989320" y="845820"/>
+            <a:ext cx="1303020" cy="2720340"/>
+          </a:xfrm>
+          <a:prstGeom prst="straightConnector1">
+            <a:avLst/>
+          </a:prstGeom>
+          <a:ln>
+            <a:tailEnd type="triangle"/>
+          </a:ln>
+        </p:spPr>
+        <p:style>
+          <a:lnRef idx="1">
+            <a:schemeClr val="accent1"/>
+          </a:lnRef>
+          <a:fillRef idx="0">
+            <a:schemeClr val="accent1"/>
+          </a:fillRef>
+          <a:effectRef idx="0">
+            <a:schemeClr val="accent1"/>
+          </a:effectRef>
+          <a:fontRef idx="minor">
+            <a:schemeClr val="tx1"/>
+          </a:fontRef>
+        </p:style>
+      </p:cxnSp>
+      <p:cxnSp>
+        <p:nvCxnSpPr>
+          <p:cNvPr id="14" name="Straight Arrow Connector 13">
+            <a:extLst>
+              <a:ext uri="{FF2B5EF4-FFF2-40B4-BE49-F238E27FC236}">
+                <a16:creationId xmlns:a16="http://schemas.microsoft.com/office/drawing/2014/main" id="{65818469-CBE3-4077-9D31-C4D3367D016F}"/>
+              </a:ext>
+            </a:extLst>
+          </p:cNvPr>
+          <p:cNvCxnSpPr>
+            <a:stCxn id="6" idx="2"/>
+          </p:cNvCxnSpPr>
+          <p:nvPr/>
+        </p:nvCxnSpPr>
+        <p:spPr>
+          <a:xfrm>
+            <a:off x="4526280" y="845820"/>
+            <a:ext cx="5920740" cy="2880360"/>
+          </a:xfrm>
+          <a:prstGeom prst="straightConnector1">
+            <a:avLst/>
+          </a:prstGeom>
+          <a:ln>
+            <a:tailEnd type="triangle"/>
+          </a:ln>
+        </p:spPr>
+        <p:style>
+          <a:lnRef idx="1">
+            <a:schemeClr val="accent1"/>
+          </a:lnRef>
+          <a:fillRef idx="0">
+            <a:schemeClr val="accent1"/>
+          </a:fillRef>
+          <a:effectRef idx="0">
+            <a:schemeClr val="accent1"/>
+          </a:effectRef>
+          <a:fontRef idx="minor">
+            <a:schemeClr val="tx1"/>
+          </a:fontRef>
+        </p:style>
+      </p:cxnSp>
+      <p:cxnSp>
+        <p:nvCxnSpPr>
+          <p:cNvPr id="16" name="Straight Arrow Connector 15">
+            <a:extLst>
+              <a:ext uri="{FF2B5EF4-FFF2-40B4-BE49-F238E27FC236}">
+                <a16:creationId xmlns:a16="http://schemas.microsoft.com/office/drawing/2014/main" id="{894B74E8-475E-4B86-B287-87805B2B65E2}"/>
+              </a:ext>
+            </a:extLst>
+          </p:cNvPr>
+          <p:cNvCxnSpPr>
+            <a:stCxn id="6" idx="2"/>
+          </p:cNvCxnSpPr>
+          <p:nvPr/>
+        </p:nvCxnSpPr>
+        <p:spPr>
+          <a:xfrm>
+            <a:off x="4526280" y="845820"/>
+            <a:ext cx="1203960" cy="2720340"/>
+          </a:xfrm>
+          <a:prstGeom prst="straightConnector1">
+            <a:avLst/>
+          </a:prstGeom>
+          <a:ln>
+            <a:tailEnd type="triangle"/>
+          </a:ln>
+        </p:spPr>
+        <p:style>
+          <a:lnRef idx="1">
+            <a:schemeClr val="accent1"/>
+          </a:lnRef>
+          <a:fillRef idx="0">
+            <a:schemeClr val="accent1"/>
+          </a:fillRef>
+          <a:effectRef idx="0">
+            <a:schemeClr val="accent1"/>
+          </a:effectRef>
+          <a:fontRef idx="minor">
+            <a:schemeClr val="tx1"/>
+          </a:fontRef>
+        </p:style>
+      </p:cxnSp>
+      <p:cxnSp>
+        <p:nvCxnSpPr>
+          <p:cNvPr id="18" name="Straight Arrow Connector 17">
+            <a:extLst>
+              <a:ext uri="{FF2B5EF4-FFF2-40B4-BE49-F238E27FC236}">
+                <a16:creationId xmlns:a16="http://schemas.microsoft.com/office/drawing/2014/main" id="{2E794EB1-864A-46D0-984E-312DF1D9BEF0}"/>
+              </a:ext>
+            </a:extLst>
+          </p:cNvPr>
+          <p:cNvCxnSpPr>
+            <a:stCxn id="5" idx="3"/>
+          </p:cNvCxnSpPr>
+          <p:nvPr/>
+        </p:nvCxnSpPr>
+        <p:spPr>
+          <a:xfrm>
+            <a:off x="2964180" y="701040"/>
+            <a:ext cx="2446020" cy="2865120"/>
+          </a:xfrm>
+          <a:prstGeom prst="straightConnector1">
+            <a:avLst/>
+          </a:prstGeom>
+          <a:ln>
+            <a:tailEnd type="triangle"/>
+          </a:ln>
+        </p:spPr>
+        <p:style>
+          <a:lnRef idx="1">
+            <a:schemeClr val="accent1"/>
+          </a:lnRef>
+          <a:fillRef idx="0">
+            <a:schemeClr val="accent1"/>
+          </a:fillRef>
+          <a:effectRef idx="0">
+            <a:schemeClr val="accent1"/>
+          </a:effectRef>
+          <a:fontRef idx="minor">
+            <a:schemeClr val="tx1"/>
+          </a:fontRef>
+        </p:style>
+      </p:cxnSp>
+      <p:cxnSp>
+        <p:nvCxnSpPr>
+          <p:cNvPr id="20" name="Straight Arrow Connector 19">
+            <a:extLst>
+              <a:ext uri="{FF2B5EF4-FFF2-40B4-BE49-F238E27FC236}">
+                <a16:creationId xmlns:a16="http://schemas.microsoft.com/office/drawing/2014/main" id="{F9029614-9A58-4BCA-B01C-CA1F7871F6CF}"/>
+              </a:ext>
+            </a:extLst>
+          </p:cNvPr>
+          <p:cNvCxnSpPr>
+            <a:stCxn id="8" idx="3"/>
+          </p:cNvCxnSpPr>
+          <p:nvPr/>
+        </p:nvCxnSpPr>
+        <p:spPr>
+          <a:xfrm>
+            <a:off x="2964180" y="1226820"/>
+            <a:ext cx="2278380" cy="2438400"/>
+          </a:xfrm>
+          <a:prstGeom prst="straightConnector1">
+            <a:avLst/>
+          </a:prstGeom>
+          <a:ln>
+            <a:tailEnd type="triangle"/>
+          </a:ln>
+        </p:spPr>
+        <p:style>
+          <a:lnRef idx="1">
+            <a:schemeClr val="accent1"/>
+          </a:lnRef>
+          <a:fillRef idx="0">
+            <a:schemeClr val="accent1"/>
+          </a:fillRef>
+          <a:effectRef idx="0">
+            <a:schemeClr val="accent1"/>
+          </a:effectRef>
+          <a:fontRef idx="minor">
+            <a:schemeClr val="tx1"/>
+          </a:fontRef>
+        </p:style>
+      </p:cxnSp>
+    </p:spTree>
+    <p:extLst>
+      <p:ext uri="{BB962C8B-B14F-4D97-AF65-F5344CB8AC3E}">
+        <p14:creationId xmlns:p14="http://schemas.microsoft.com/office/powerpoint/2010/main" val="2532279177"/>
+      </p:ext>
+    </p:extLst>
+  </p:cSld>
+  <p:clrMapOvr>
+    <a:masterClrMapping/>
+  </p:clrMapOvr>
+</p:sld>
+</file>
+
 <file path=ppt/theme/theme1.xml><?xml version="1.0" encoding="utf-8"?>
 <a:theme xmlns:a="http://schemas.openxmlformats.org/drawingml/2006/main" name="Office Theme">
   <a:themeElements>

--- a/Structure.pptx
+++ b/Structure.pptx
@@ -8,8 +8,6 @@
     <p:sldId id="256" r:id="rId2"/>
     <p:sldId id="257" r:id="rId3"/>
     <p:sldId id="258" r:id="rId4"/>
-    <p:sldId id="259" r:id="rId5"/>
-    <p:sldId id="260" r:id="rId6"/>
   </p:sldIdLst>
   <p:sldSz cx="12192000" cy="6858000"/>
   <p:notesSz cx="6858000" cy="9144000"/>
@@ -116,4584 +114,6 @@
 </p:presentation>
 </file>
 
-<file path=ppt/diagrams/colors1.xml><?xml version="1.0" encoding="utf-8"?>
-<dgm:colorsDef xmlns:dgm="http://schemas.openxmlformats.org/drawingml/2006/diagram" xmlns:a="http://schemas.openxmlformats.org/drawingml/2006/main" uniqueId="urn:microsoft.com/office/officeart/2005/8/colors/colorful4">
-  <dgm:title val=""/>
-  <dgm:desc val=""/>
-  <dgm:catLst>
-    <dgm:cat type="colorful" pri="10400"/>
-  </dgm:catLst>
-  <dgm:styleLbl name="node0">
-    <dgm:fillClrLst meth="repeat">
-      <a:schemeClr val="accent3"/>
-    </dgm:fillClrLst>
-    <dgm:linClrLst meth="repeat">
-      <a:schemeClr val="lt1"/>
-    </dgm:linClrLst>
-    <dgm:effectClrLst/>
-    <dgm:txLinClrLst/>
-    <dgm:txFillClrLst/>
-    <dgm:txEffectClrLst/>
-  </dgm:styleLbl>
-  <dgm:styleLbl name="node1">
-    <dgm:fillClrLst>
-      <a:schemeClr val="accent4"/>
-      <a:schemeClr val="accent5"/>
-    </dgm:fillClrLst>
-    <dgm:linClrLst meth="repeat">
-      <a:schemeClr val="lt1"/>
-    </dgm:linClrLst>
-    <dgm:effectClrLst/>
-    <dgm:txLinClrLst/>
-    <dgm:txFillClrLst/>
-    <dgm:txEffectClrLst/>
-  </dgm:styleLbl>
-  <dgm:styleLbl name="alignNode1">
-    <dgm:fillClrLst>
-      <a:schemeClr val="accent4"/>
-      <a:schemeClr val="accent5"/>
-    </dgm:fillClrLst>
-    <dgm:linClrLst>
-      <a:schemeClr val="accent4"/>
-      <a:schemeClr val="accent5"/>
-    </dgm:linClrLst>
-    <dgm:effectClrLst/>
-    <dgm:txLinClrLst/>
-    <dgm:txFillClrLst/>
-    <dgm:txEffectClrLst/>
-  </dgm:styleLbl>
-  <dgm:styleLbl name="lnNode1">
-    <dgm:fillClrLst>
-      <a:schemeClr val="accent4"/>
-      <a:schemeClr val="accent5"/>
-    </dgm:fillClrLst>
-    <dgm:linClrLst meth="repeat">
-      <a:schemeClr val="lt1"/>
-    </dgm:linClrLst>
-    <dgm:effectClrLst/>
-    <dgm:txLinClrLst/>
-    <dgm:txFillClrLst/>
-    <dgm:txEffectClrLst/>
-  </dgm:styleLbl>
-  <dgm:styleLbl name="vennNode1">
-    <dgm:fillClrLst>
-      <a:schemeClr val="accent4">
-        <a:alpha val="50000"/>
-      </a:schemeClr>
-      <a:schemeClr val="accent5">
-        <a:alpha val="50000"/>
-      </a:schemeClr>
-    </dgm:fillClrLst>
-    <dgm:linClrLst meth="repeat">
-      <a:schemeClr val="lt1"/>
-    </dgm:linClrLst>
-    <dgm:effectClrLst/>
-    <dgm:txLinClrLst/>
-    <dgm:txFillClrLst/>
-    <dgm:txEffectClrLst/>
-  </dgm:styleLbl>
-  <dgm:styleLbl name="node2">
-    <dgm:fillClrLst>
-      <a:schemeClr val="accent5"/>
-    </dgm:fillClrLst>
-    <dgm:linClrLst meth="repeat">
-      <a:schemeClr val="lt1"/>
-    </dgm:linClrLst>
-    <dgm:effectClrLst/>
-    <dgm:txLinClrLst/>
-    <dgm:txFillClrLst/>
-    <dgm:txEffectClrLst/>
-  </dgm:styleLbl>
-  <dgm:styleLbl name="node3">
-    <dgm:fillClrLst>
-      <a:schemeClr val="accent6"/>
-    </dgm:fillClrLst>
-    <dgm:linClrLst meth="repeat">
-      <a:schemeClr val="lt1"/>
-    </dgm:linClrLst>
-    <dgm:effectClrLst/>
-    <dgm:txLinClrLst/>
-    <dgm:txFillClrLst/>
-    <dgm:txEffectClrLst/>
-  </dgm:styleLbl>
-  <dgm:styleLbl name="node4">
-    <dgm:fillClrLst>
-      <a:schemeClr val="accent1"/>
-    </dgm:fillClrLst>
-    <dgm:linClrLst meth="repeat">
-      <a:schemeClr val="lt1"/>
-    </dgm:linClrLst>
-    <dgm:effectClrLst/>
-    <dgm:txLinClrLst/>
-    <dgm:txFillClrLst/>
-    <dgm:txEffectClrLst/>
-  </dgm:styleLbl>
-  <dgm:styleLbl name="fgImgPlace1">
-    <dgm:fillClrLst>
-      <a:schemeClr val="accent4">
-        <a:tint val="50000"/>
-      </a:schemeClr>
-      <a:schemeClr val="accent5">
-        <a:tint val="50000"/>
-      </a:schemeClr>
-    </dgm:fillClrLst>
-    <dgm:linClrLst meth="repeat">
-      <a:schemeClr val="lt1"/>
-    </dgm:linClrLst>
-    <dgm:effectClrLst/>
-    <dgm:txLinClrLst/>
-    <dgm:txFillClrLst meth="repeat">
-      <a:schemeClr val="lt1"/>
-    </dgm:txFillClrLst>
-    <dgm:txEffectClrLst/>
-  </dgm:styleLbl>
-  <dgm:styleLbl name="alignImgPlace1">
-    <dgm:fillClrLst>
-      <a:schemeClr val="accent4">
-        <a:tint val="50000"/>
-      </a:schemeClr>
-      <a:schemeClr val="accent5">
-        <a:tint val="20000"/>
-      </a:schemeClr>
-    </dgm:fillClrLst>
-    <dgm:linClrLst meth="repeat">
-      <a:schemeClr val="lt1"/>
-    </dgm:linClrLst>
-    <dgm:effectClrLst/>
-    <dgm:txLinClrLst/>
-    <dgm:txFillClrLst meth="repeat">
-      <a:schemeClr val="lt1"/>
-    </dgm:txFillClrLst>
-    <dgm:txEffectClrLst/>
-  </dgm:styleLbl>
-  <dgm:styleLbl name="bgImgPlace1">
-    <dgm:fillClrLst>
-      <a:schemeClr val="accent4">
-        <a:tint val="50000"/>
-      </a:schemeClr>
-      <a:schemeClr val="accent5">
-        <a:tint val="20000"/>
-      </a:schemeClr>
-    </dgm:fillClrLst>
-    <dgm:linClrLst meth="repeat">
-      <a:schemeClr val="lt1"/>
-    </dgm:linClrLst>
-    <dgm:effectClrLst/>
-    <dgm:txLinClrLst/>
-    <dgm:txFillClrLst meth="repeat">
-      <a:schemeClr val="lt1"/>
-    </dgm:txFillClrLst>
-    <dgm:txEffectClrLst/>
-  </dgm:styleLbl>
-  <dgm:styleLbl name="sibTrans2D1">
-    <dgm:fillClrLst>
-      <a:schemeClr val="accent4"/>
-      <a:schemeClr val="accent5"/>
-    </dgm:fillClrLst>
-    <dgm:linClrLst meth="repeat">
-      <a:schemeClr val="lt1"/>
-    </dgm:linClrLst>
-    <dgm:effectClrLst/>
-    <dgm:txLinClrLst/>
-    <dgm:txFillClrLst/>
-    <dgm:txEffectClrLst/>
-  </dgm:styleLbl>
-  <dgm:styleLbl name="fgSibTrans2D1">
-    <dgm:fillClrLst>
-      <a:schemeClr val="accent4"/>
-      <a:schemeClr val="accent5"/>
-    </dgm:fillClrLst>
-    <dgm:linClrLst meth="repeat">
-      <a:schemeClr val="lt1"/>
-    </dgm:linClrLst>
-    <dgm:effectClrLst/>
-    <dgm:txLinClrLst/>
-    <dgm:txFillClrLst meth="repeat">
-      <a:schemeClr val="lt1"/>
-    </dgm:txFillClrLst>
-    <dgm:txEffectClrLst/>
-  </dgm:styleLbl>
-  <dgm:styleLbl name="bgSibTrans2D1">
-    <dgm:fillClrLst>
-      <a:schemeClr val="accent4"/>
-      <a:schemeClr val="accent5"/>
-    </dgm:fillClrLst>
-    <dgm:linClrLst meth="repeat">
-      <a:schemeClr val="lt1"/>
-    </dgm:linClrLst>
-    <dgm:effectClrLst/>
-    <dgm:txLinClrLst/>
-    <dgm:txFillClrLst meth="repeat">
-      <a:schemeClr val="lt1"/>
-    </dgm:txFillClrLst>
-    <dgm:txEffectClrLst/>
-  </dgm:styleLbl>
-  <dgm:styleLbl name="sibTrans1D1">
-    <dgm:fillClrLst/>
-    <dgm:linClrLst>
-      <a:schemeClr val="accent4"/>
-      <a:schemeClr val="accent5"/>
-    </dgm:linClrLst>
-    <dgm:effectClrLst/>
-    <dgm:txLinClrLst/>
-    <dgm:txFillClrLst meth="repeat">
-      <a:schemeClr val="tx1"/>
-    </dgm:txFillClrLst>
-    <dgm:txEffectClrLst/>
-  </dgm:styleLbl>
-  <dgm:styleLbl name="callout">
-    <dgm:fillClrLst meth="repeat">
-      <a:schemeClr val="accent4"/>
-    </dgm:fillClrLst>
-    <dgm:linClrLst meth="repeat">
-      <a:schemeClr val="accent4">
-        <a:tint val="50000"/>
-      </a:schemeClr>
-    </dgm:linClrLst>
-    <dgm:effectClrLst/>
-    <dgm:txLinClrLst/>
-    <dgm:txFillClrLst meth="repeat">
-      <a:schemeClr val="tx1"/>
-    </dgm:txFillClrLst>
-    <dgm:txEffectClrLst/>
-  </dgm:styleLbl>
-  <dgm:styleLbl name="asst0">
-    <dgm:fillClrLst meth="repeat">
-      <a:schemeClr val="accent4"/>
-    </dgm:fillClrLst>
-    <dgm:linClrLst meth="repeat">
-      <a:schemeClr val="lt1">
-        <a:shade val="80000"/>
-      </a:schemeClr>
-    </dgm:linClrLst>
-    <dgm:effectClrLst/>
-    <dgm:txLinClrLst/>
-    <dgm:txFillClrLst/>
-    <dgm:txEffectClrLst/>
-  </dgm:styleLbl>
-  <dgm:styleLbl name="asst1">
-    <dgm:fillClrLst meth="repeat">
-      <a:schemeClr val="accent5"/>
-    </dgm:fillClrLst>
-    <dgm:linClrLst meth="repeat">
-      <a:schemeClr val="lt1">
-        <a:shade val="80000"/>
-      </a:schemeClr>
-    </dgm:linClrLst>
-    <dgm:effectClrLst/>
-    <dgm:txLinClrLst/>
-    <dgm:txFillClrLst/>
-    <dgm:txEffectClrLst/>
-  </dgm:styleLbl>
-  <dgm:styleLbl name="asst2">
-    <dgm:fillClrLst>
-      <a:schemeClr val="accent6"/>
-    </dgm:fillClrLst>
-    <dgm:linClrLst meth="repeat">
-      <a:schemeClr val="lt1"/>
-    </dgm:linClrLst>
-    <dgm:effectClrLst/>
-    <dgm:txLinClrLst/>
-    <dgm:txFillClrLst/>
-    <dgm:txEffectClrLst/>
-  </dgm:styleLbl>
-  <dgm:styleLbl name="asst3">
-    <dgm:fillClrLst>
-      <a:schemeClr val="accent1"/>
-    </dgm:fillClrLst>
-    <dgm:linClrLst meth="repeat">
-      <a:schemeClr val="lt1"/>
-    </dgm:linClrLst>
-    <dgm:effectClrLst/>
-    <dgm:txLinClrLst/>
-    <dgm:txFillClrLst/>
-    <dgm:txEffectClrLst/>
-  </dgm:styleLbl>
-  <dgm:styleLbl name="asst4">
-    <dgm:fillClrLst>
-      <a:schemeClr val="accent2"/>
-    </dgm:fillClrLst>
-    <dgm:linClrLst meth="repeat">
-      <a:schemeClr val="lt1"/>
-    </dgm:linClrLst>
-    <dgm:effectClrLst/>
-    <dgm:txLinClrLst/>
-    <dgm:txFillClrLst/>
-    <dgm:txEffectClrLst/>
-  </dgm:styleLbl>
-  <dgm:styleLbl name="parChTrans2D1">
-    <dgm:fillClrLst meth="repeat">
-      <a:schemeClr val="accent4"/>
-    </dgm:fillClrLst>
-    <dgm:linClrLst meth="repeat">
-      <a:schemeClr val="lt1"/>
-    </dgm:linClrLst>
-    <dgm:effectClrLst/>
-    <dgm:txLinClrLst/>
-    <dgm:txFillClrLst meth="repeat">
-      <a:schemeClr val="lt1"/>
-    </dgm:txFillClrLst>
-    <dgm:txEffectClrLst/>
-  </dgm:styleLbl>
-  <dgm:styleLbl name="parChTrans2D2">
-    <dgm:fillClrLst meth="repeat">
-      <a:schemeClr val="accent5"/>
-    </dgm:fillClrLst>
-    <dgm:linClrLst meth="repeat">
-      <a:schemeClr val="lt1"/>
-    </dgm:linClrLst>
-    <dgm:effectClrLst/>
-    <dgm:txLinClrLst/>
-    <dgm:txFillClrLst/>
-    <dgm:txEffectClrLst/>
-  </dgm:styleLbl>
-  <dgm:styleLbl name="parChTrans2D3">
-    <dgm:fillClrLst meth="repeat">
-      <a:schemeClr val="accent5"/>
-    </dgm:fillClrLst>
-    <dgm:linClrLst meth="repeat">
-      <a:schemeClr val="lt1"/>
-    </dgm:linClrLst>
-    <dgm:effectClrLst/>
-    <dgm:txLinClrLst/>
-    <dgm:txFillClrLst/>
-    <dgm:txEffectClrLst/>
-  </dgm:styleLbl>
-  <dgm:styleLbl name="parChTrans2D4">
-    <dgm:fillClrLst meth="repeat">
-      <a:schemeClr val="accent6"/>
-    </dgm:fillClrLst>
-    <dgm:linClrLst meth="repeat">
-      <a:schemeClr val="lt1"/>
-    </dgm:linClrLst>
-    <dgm:effectClrLst/>
-    <dgm:txLinClrLst/>
-    <dgm:txFillClrLst meth="repeat">
-      <a:schemeClr val="lt1"/>
-    </dgm:txFillClrLst>
-    <dgm:txEffectClrLst/>
-  </dgm:styleLbl>
-  <dgm:styleLbl name="parChTrans1D1">
-    <dgm:fillClrLst meth="repeat">
-      <a:schemeClr val="accent4"/>
-    </dgm:fillClrLst>
-    <dgm:linClrLst meth="repeat">
-      <a:schemeClr val="accent4"/>
-    </dgm:linClrLst>
-    <dgm:effectClrLst/>
-    <dgm:txLinClrLst/>
-    <dgm:txFillClrLst meth="repeat">
-      <a:schemeClr val="tx1"/>
-    </dgm:txFillClrLst>
-    <dgm:txEffectClrLst/>
-  </dgm:styleLbl>
-  <dgm:styleLbl name="parChTrans1D2">
-    <dgm:fillClrLst meth="repeat">
-      <a:schemeClr val="accent4">
-        <a:tint val="90000"/>
-      </a:schemeClr>
-    </dgm:fillClrLst>
-    <dgm:linClrLst meth="repeat">
-      <a:schemeClr val="accent5"/>
-    </dgm:linClrLst>
-    <dgm:effectClrLst/>
-    <dgm:txLinClrLst/>
-    <dgm:txFillClrLst meth="repeat">
-      <a:schemeClr val="tx1"/>
-    </dgm:txFillClrLst>
-    <dgm:txEffectClrLst/>
-  </dgm:styleLbl>
-  <dgm:styleLbl name="parChTrans1D3">
-    <dgm:fillClrLst meth="repeat">
-      <a:schemeClr val="accent4">
-        <a:tint val="70000"/>
-      </a:schemeClr>
-    </dgm:fillClrLst>
-    <dgm:linClrLst meth="repeat">
-      <a:schemeClr val="accent6"/>
-    </dgm:linClrLst>
-    <dgm:effectClrLst/>
-    <dgm:txLinClrLst/>
-    <dgm:txFillClrLst meth="repeat">
-      <a:schemeClr val="tx1"/>
-    </dgm:txFillClrLst>
-    <dgm:txEffectClrLst/>
-  </dgm:styleLbl>
-  <dgm:styleLbl name="parChTrans1D4">
-    <dgm:fillClrLst meth="repeat">
-      <a:schemeClr val="accent4">
-        <a:tint val="50000"/>
-      </a:schemeClr>
-    </dgm:fillClrLst>
-    <dgm:linClrLst meth="repeat">
-      <a:schemeClr val="accent1"/>
-    </dgm:linClrLst>
-    <dgm:effectClrLst/>
-    <dgm:txLinClrLst/>
-    <dgm:txFillClrLst meth="repeat">
-      <a:schemeClr val="tx1"/>
-    </dgm:txFillClrLst>
-    <dgm:txEffectClrLst/>
-  </dgm:styleLbl>
-  <dgm:styleLbl name="fgAcc1">
-    <dgm:fillClrLst meth="repeat">
-      <a:schemeClr val="lt1">
-        <a:alpha val="90000"/>
-      </a:schemeClr>
-    </dgm:fillClrLst>
-    <dgm:linClrLst>
-      <a:schemeClr val="accent4"/>
-      <a:schemeClr val="accent5"/>
-    </dgm:linClrLst>
-    <dgm:effectClrLst/>
-    <dgm:txLinClrLst/>
-    <dgm:txFillClrLst meth="repeat">
-      <a:schemeClr val="dk1"/>
-    </dgm:txFillClrLst>
-    <dgm:txEffectClrLst/>
-  </dgm:styleLbl>
-  <dgm:styleLbl name="conFgAcc1">
-    <dgm:fillClrLst meth="repeat">
-      <a:schemeClr val="lt1">
-        <a:alpha val="90000"/>
-      </a:schemeClr>
-    </dgm:fillClrLst>
-    <dgm:linClrLst>
-      <a:schemeClr val="accent4"/>
-      <a:schemeClr val="accent5"/>
-    </dgm:linClrLst>
-    <dgm:effectClrLst/>
-    <dgm:txLinClrLst/>
-    <dgm:txFillClrLst meth="repeat">
-      <a:schemeClr val="dk1"/>
-    </dgm:txFillClrLst>
-    <dgm:txEffectClrLst/>
-  </dgm:styleLbl>
-  <dgm:styleLbl name="alignAcc1">
-    <dgm:fillClrLst meth="repeat">
-      <a:schemeClr val="lt1">
-        <a:alpha val="90000"/>
-      </a:schemeClr>
-    </dgm:fillClrLst>
-    <dgm:linClrLst>
-      <a:schemeClr val="accent4"/>
-      <a:schemeClr val="accent5"/>
-    </dgm:linClrLst>
-    <dgm:effectClrLst/>
-    <dgm:txLinClrLst/>
-    <dgm:txFillClrLst meth="repeat">
-      <a:schemeClr val="dk1"/>
-    </dgm:txFillClrLst>
-    <dgm:txEffectClrLst/>
-  </dgm:styleLbl>
-  <dgm:styleLbl name="trAlignAcc1">
-    <dgm:fillClrLst meth="repeat">
-      <a:schemeClr val="lt1">
-        <a:alpha val="40000"/>
-      </a:schemeClr>
-    </dgm:fillClrLst>
-    <dgm:linClrLst meth="repeat">
-      <a:schemeClr val="accent4"/>
-    </dgm:linClrLst>
-    <dgm:effectClrLst/>
-    <dgm:txLinClrLst/>
-    <dgm:txFillClrLst meth="repeat">
-      <a:schemeClr val="dk1"/>
-    </dgm:txFillClrLst>
-    <dgm:txEffectClrLst/>
-  </dgm:styleLbl>
-  <dgm:styleLbl name="bgAcc1">
-    <dgm:fillClrLst meth="repeat">
-      <a:schemeClr val="lt1">
-        <a:alpha val="90000"/>
-      </a:schemeClr>
-    </dgm:fillClrLst>
-    <dgm:linClrLst>
-      <a:schemeClr val="accent4"/>
-      <a:schemeClr val="accent5"/>
-    </dgm:linClrLst>
-    <dgm:effectClrLst/>
-    <dgm:txLinClrLst/>
-    <dgm:txFillClrLst meth="repeat">
-      <a:schemeClr val="dk1"/>
-    </dgm:txFillClrLst>
-    <dgm:txEffectClrLst/>
-  </dgm:styleLbl>
-  <dgm:styleLbl name="solidFgAcc1">
-    <dgm:fillClrLst meth="repeat">
-      <a:schemeClr val="lt1"/>
-    </dgm:fillClrLst>
-    <dgm:linClrLst>
-      <a:schemeClr val="accent4"/>
-      <a:schemeClr val="accent5"/>
-    </dgm:linClrLst>
-    <dgm:effectClrLst/>
-    <dgm:txLinClrLst/>
-    <dgm:txFillClrLst meth="repeat">
-      <a:schemeClr val="dk1"/>
-    </dgm:txFillClrLst>
-    <dgm:txEffectClrLst/>
-  </dgm:styleLbl>
-  <dgm:styleLbl name="solidAlignAcc1">
-    <dgm:fillClrLst meth="repeat">
-      <a:schemeClr val="lt1"/>
-    </dgm:fillClrLst>
-    <dgm:linClrLst>
-      <a:schemeClr val="accent4"/>
-      <a:schemeClr val="accent5"/>
-    </dgm:linClrLst>
-    <dgm:effectClrLst/>
-    <dgm:txLinClrLst/>
-    <dgm:txFillClrLst meth="repeat">
-      <a:schemeClr val="dk1"/>
-    </dgm:txFillClrLst>
-    <dgm:txEffectClrLst/>
-  </dgm:styleLbl>
-  <dgm:styleLbl name="solidBgAcc1">
-    <dgm:fillClrLst meth="repeat">
-      <a:schemeClr val="lt1"/>
-    </dgm:fillClrLst>
-    <dgm:linClrLst>
-      <a:schemeClr val="accent4"/>
-      <a:schemeClr val="accent5"/>
-    </dgm:linClrLst>
-    <dgm:effectClrLst/>
-    <dgm:txLinClrLst/>
-    <dgm:txFillClrLst meth="repeat">
-      <a:schemeClr val="dk1"/>
-    </dgm:txFillClrLst>
-    <dgm:txEffectClrLst/>
-  </dgm:styleLbl>
-  <dgm:styleLbl name="fgAccFollowNode1">
-    <dgm:fillClrLst>
-      <a:schemeClr val="accent4">
-        <a:tint val="40000"/>
-        <a:alpha val="90000"/>
-      </a:schemeClr>
-      <a:schemeClr val="accent5">
-        <a:tint val="40000"/>
-        <a:alpha val="90000"/>
-      </a:schemeClr>
-    </dgm:fillClrLst>
-    <dgm:linClrLst>
-      <a:schemeClr val="accent4">
-        <a:tint val="40000"/>
-        <a:alpha val="90000"/>
-      </a:schemeClr>
-      <a:schemeClr val="accent5">
-        <a:tint val="40000"/>
-        <a:alpha val="90000"/>
-      </a:schemeClr>
-    </dgm:linClrLst>
-    <dgm:effectClrLst/>
-    <dgm:txLinClrLst/>
-    <dgm:txFillClrLst meth="repeat">
-      <a:schemeClr val="dk1"/>
-    </dgm:txFillClrLst>
-    <dgm:txEffectClrLst/>
-  </dgm:styleLbl>
-  <dgm:styleLbl name="alignAccFollowNode1">
-    <dgm:fillClrLst>
-      <a:schemeClr val="accent4">
-        <a:tint val="40000"/>
-        <a:alpha val="90000"/>
-      </a:schemeClr>
-      <a:schemeClr val="accent5">
-        <a:tint val="40000"/>
-        <a:alpha val="90000"/>
-      </a:schemeClr>
-    </dgm:fillClrLst>
-    <dgm:linClrLst>
-      <a:schemeClr val="accent4">
-        <a:tint val="40000"/>
-        <a:alpha val="90000"/>
-      </a:schemeClr>
-      <a:schemeClr val="accent5">
-        <a:tint val="40000"/>
-        <a:alpha val="90000"/>
-      </a:schemeClr>
-    </dgm:linClrLst>
-    <dgm:effectClrLst/>
-    <dgm:txLinClrLst/>
-    <dgm:txFillClrLst meth="repeat">
-      <a:schemeClr val="dk1"/>
-    </dgm:txFillClrLst>
-    <dgm:txEffectClrLst/>
-  </dgm:styleLbl>
-  <dgm:styleLbl name="bgAccFollowNode1">
-    <dgm:fillClrLst>
-      <a:schemeClr val="accent4">
-        <a:tint val="40000"/>
-        <a:alpha val="90000"/>
-      </a:schemeClr>
-      <a:schemeClr val="accent5">
-        <a:tint val="40000"/>
-        <a:alpha val="90000"/>
-      </a:schemeClr>
-    </dgm:fillClrLst>
-    <dgm:linClrLst>
-      <a:schemeClr val="accent4">
-        <a:tint val="40000"/>
-        <a:alpha val="90000"/>
-      </a:schemeClr>
-      <a:schemeClr val="accent5">
-        <a:tint val="40000"/>
-        <a:alpha val="90000"/>
-      </a:schemeClr>
-    </dgm:linClrLst>
-    <dgm:effectClrLst/>
-    <dgm:txLinClrLst/>
-    <dgm:txFillClrLst meth="repeat">
-      <a:schemeClr val="dk1"/>
-    </dgm:txFillClrLst>
-    <dgm:txEffectClrLst/>
-  </dgm:styleLbl>
-  <dgm:styleLbl name="fgAcc0">
-    <dgm:fillClrLst meth="repeat">
-      <a:schemeClr val="lt1">
-        <a:alpha val="90000"/>
-      </a:schemeClr>
-    </dgm:fillClrLst>
-    <dgm:linClrLst>
-      <a:schemeClr val="accent3"/>
-    </dgm:linClrLst>
-    <dgm:effectClrLst/>
-    <dgm:txLinClrLst/>
-    <dgm:txFillClrLst meth="repeat">
-      <a:schemeClr val="dk1"/>
-    </dgm:txFillClrLst>
-    <dgm:txEffectClrLst/>
-  </dgm:styleLbl>
-  <dgm:styleLbl name="fgAcc2">
-    <dgm:fillClrLst meth="repeat">
-      <a:schemeClr val="lt1">
-        <a:alpha val="90000"/>
-      </a:schemeClr>
-    </dgm:fillClrLst>
-    <dgm:linClrLst>
-      <a:schemeClr val="accent5"/>
-    </dgm:linClrLst>
-    <dgm:effectClrLst/>
-    <dgm:txLinClrLst/>
-    <dgm:txFillClrLst meth="repeat">
-      <a:schemeClr val="dk1"/>
-    </dgm:txFillClrLst>
-    <dgm:txEffectClrLst/>
-  </dgm:styleLbl>
-  <dgm:styleLbl name="fgAcc3">
-    <dgm:fillClrLst meth="repeat">
-      <a:schemeClr val="lt1">
-        <a:alpha val="90000"/>
-      </a:schemeClr>
-    </dgm:fillClrLst>
-    <dgm:linClrLst>
-      <a:schemeClr val="accent6"/>
-    </dgm:linClrLst>
-    <dgm:effectClrLst/>
-    <dgm:txLinClrLst/>
-    <dgm:txFillClrLst meth="repeat">
-      <a:schemeClr val="dk1"/>
-    </dgm:txFillClrLst>
-    <dgm:txEffectClrLst/>
-  </dgm:styleLbl>
-  <dgm:styleLbl name="fgAcc4">
-    <dgm:fillClrLst meth="repeat">
-      <a:schemeClr val="lt1">
-        <a:alpha val="90000"/>
-      </a:schemeClr>
-    </dgm:fillClrLst>
-    <dgm:linClrLst>
-      <a:schemeClr val="accent1"/>
-    </dgm:linClrLst>
-    <dgm:effectClrLst/>
-    <dgm:txLinClrLst/>
-    <dgm:txFillClrLst meth="repeat">
-      <a:schemeClr val="dk1"/>
-    </dgm:txFillClrLst>
-    <dgm:txEffectClrLst/>
-  </dgm:styleLbl>
-  <dgm:styleLbl name="bgShp">
-    <dgm:fillClrLst meth="repeat">
-      <a:schemeClr val="accent4">
-        <a:tint val="40000"/>
-      </a:schemeClr>
-    </dgm:fillClrLst>
-    <dgm:linClrLst meth="repeat">
-      <a:schemeClr val="dk1"/>
-    </dgm:linClrLst>
-    <dgm:effectClrLst/>
-    <dgm:txLinClrLst/>
-    <dgm:txFillClrLst meth="repeat">
-      <a:schemeClr val="dk1"/>
-    </dgm:txFillClrLst>
-    <dgm:txEffectClrLst/>
-  </dgm:styleLbl>
-  <dgm:styleLbl name="dkBgShp">
-    <dgm:fillClrLst meth="repeat">
-      <a:schemeClr val="accent4">
-        <a:shade val="90000"/>
-      </a:schemeClr>
-    </dgm:fillClrLst>
-    <dgm:linClrLst meth="repeat">
-      <a:schemeClr val="dk1"/>
-    </dgm:linClrLst>
-    <dgm:effectClrLst/>
-    <dgm:txLinClrLst/>
-    <dgm:txFillClrLst meth="repeat">
-      <a:schemeClr val="lt1"/>
-    </dgm:txFillClrLst>
-    <dgm:txEffectClrLst/>
-  </dgm:styleLbl>
-  <dgm:styleLbl name="trBgShp">
-    <dgm:fillClrLst meth="repeat">
-      <a:schemeClr val="accent4">
-        <a:tint val="50000"/>
-        <a:alpha val="40000"/>
-      </a:schemeClr>
-    </dgm:fillClrLst>
-    <dgm:linClrLst meth="repeat">
-      <a:schemeClr val="accent4"/>
-    </dgm:linClrLst>
-    <dgm:effectClrLst/>
-    <dgm:txLinClrLst/>
-    <dgm:txFillClrLst meth="repeat">
-      <a:schemeClr val="lt1"/>
-    </dgm:txFillClrLst>
-    <dgm:txEffectClrLst/>
-  </dgm:styleLbl>
-  <dgm:styleLbl name="fgShp">
-    <dgm:fillClrLst meth="repeat">
-      <a:schemeClr val="accent4">
-        <a:tint val="40000"/>
-      </a:schemeClr>
-    </dgm:fillClrLst>
-    <dgm:linClrLst meth="repeat">
-      <a:schemeClr val="lt1"/>
-    </dgm:linClrLst>
-    <dgm:effectClrLst/>
-    <dgm:txLinClrLst/>
-    <dgm:txFillClrLst meth="repeat">
-      <a:schemeClr val="dk1"/>
-    </dgm:txFillClrLst>
-    <dgm:txEffectClrLst/>
-  </dgm:styleLbl>
-  <dgm:styleLbl name="revTx">
-    <dgm:fillClrLst meth="repeat">
-      <a:schemeClr val="lt1">
-        <a:alpha val="0"/>
-      </a:schemeClr>
-    </dgm:fillClrLst>
-    <dgm:linClrLst meth="repeat">
-      <a:schemeClr val="dk1">
-        <a:alpha val="0"/>
-      </a:schemeClr>
-    </dgm:linClrLst>
-    <dgm:effectClrLst/>
-    <dgm:txLinClrLst/>
-    <dgm:txFillClrLst meth="repeat">
-      <a:schemeClr val="tx1"/>
-    </dgm:txFillClrLst>
-    <dgm:txEffectClrLst/>
-  </dgm:styleLbl>
-</dgm:colorsDef>
-</file>
-
-<file path=ppt/diagrams/data1.xml><?xml version="1.0" encoding="utf-8"?>
-<dgm:dataModel xmlns:dgm="http://schemas.openxmlformats.org/drawingml/2006/diagram" xmlns:a="http://schemas.openxmlformats.org/drawingml/2006/main">
-  <dgm:ptLst>
-    <dgm:pt modelId="{3D60309A-56C7-46C3-A44A-79F7634788CF}" type="doc">
-      <dgm:prSet loTypeId="urn:microsoft.com/office/officeart/2005/8/layout/architecture" loCatId="hierarchy" qsTypeId="urn:microsoft.com/office/officeart/2005/8/quickstyle/simple1" qsCatId="simple" csTypeId="urn:microsoft.com/office/officeart/2005/8/colors/colorful4" csCatId="colorful" phldr="1"/>
-      <dgm:spPr/>
-      <dgm:t>
-        <a:bodyPr/>
-        <a:lstStyle/>
-        <a:p>
-          <a:endParaRPr lang="en-SE"/>
-        </a:p>
-      </dgm:t>
-    </dgm:pt>
-    <dgm:pt modelId="{DC29AF53-8313-4508-AF13-AC79B51FA742}">
-      <dgm:prSet phldrT="[Text]"/>
-      <dgm:spPr/>
-      <dgm:t>
-        <a:bodyPr/>
-        <a:lstStyle/>
-        <a:p>
-          <a:r>
-            <a:rPr lang="en-US" dirty="0"/>
-            <a:t>Storm Kernel (.NET)</a:t>
-          </a:r>
-          <a:endParaRPr lang="en-SE" dirty="0"/>
-        </a:p>
-      </dgm:t>
-    </dgm:pt>
-    <dgm:pt modelId="{49F58B85-AB2A-40AC-9BD5-0359B2D7A5EB}" type="parTrans" cxnId="{EE9736EA-EB18-4B49-B250-CD54433987AE}">
-      <dgm:prSet/>
-      <dgm:spPr/>
-      <dgm:t>
-        <a:bodyPr/>
-        <a:lstStyle/>
-        <a:p>
-          <a:endParaRPr lang="en-SE"/>
-        </a:p>
-      </dgm:t>
-    </dgm:pt>
-    <dgm:pt modelId="{424F29AA-6EC1-4358-A79D-0E889B8AF099}" type="sibTrans" cxnId="{EE9736EA-EB18-4B49-B250-CD54433987AE}">
-      <dgm:prSet/>
-      <dgm:spPr/>
-      <dgm:t>
-        <a:bodyPr/>
-        <a:lstStyle/>
-        <a:p>
-          <a:endParaRPr lang="en-SE"/>
-        </a:p>
-      </dgm:t>
-    </dgm:pt>
-    <dgm:pt modelId="{19A6659F-692E-4E0D-9503-50408ABC83B4}">
-      <dgm:prSet phldrT="[Text]"/>
-      <dgm:spPr/>
-      <dgm:t>
-        <a:bodyPr/>
-        <a:lstStyle/>
-        <a:p>
-          <a:r>
-            <a:rPr lang="en-US" dirty="0" err="1"/>
-            <a:t>Protocol.FileSystem</a:t>
-          </a:r>
-          <a:endParaRPr lang="en-SE" dirty="0"/>
-        </a:p>
-      </dgm:t>
-    </dgm:pt>
-    <dgm:pt modelId="{08CFB5E9-4D9E-4CA7-A065-F67CDDAB9D31}" type="parTrans" cxnId="{DA15AFFF-E672-471E-A207-F4EB697B010E}">
-      <dgm:prSet/>
-      <dgm:spPr/>
-      <dgm:t>
-        <a:bodyPr/>
-        <a:lstStyle/>
-        <a:p>
-          <a:endParaRPr lang="en-SE"/>
-        </a:p>
-      </dgm:t>
-    </dgm:pt>
-    <dgm:pt modelId="{7FD937A8-A5D8-4DBE-8DEB-4A88AA82216D}" type="sibTrans" cxnId="{DA15AFFF-E672-471E-A207-F4EB697B010E}">
-      <dgm:prSet/>
-      <dgm:spPr/>
-      <dgm:t>
-        <a:bodyPr/>
-        <a:lstStyle/>
-        <a:p>
-          <a:endParaRPr lang="en-SE"/>
-        </a:p>
-      </dgm:t>
-    </dgm:pt>
-    <dgm:pt modelId="{1D90E48A-DD8B-418B-B4EA-A5747F0BFEE1}">
-      <dgm:prSet phldrT="[Text]"/>
-      <dgm:spPr/>
-      <dgm:t>
-        <a:bodyPr/>
-        <a:lstStyle/>
-        <a:p>
-          <a:r>
-            <a:rPr lang="en-US" dirty="0" err="1"/>
-            <a:t>Library.FileSystem</a:t>
-          </a:r>
-          <a:endParaRPr lang="en-SE" dirty="0"/>
-        </a:p>
-      </dgm:t>
-    </dgm:pt>
-    <dgm:pt modelId="{13E65B5C-CB5A-4646-86D0-0FEEF3EDADF2}" type="parTrans" cxnId="{7BD982E9-A838-434F-99E4-FBC90EB1D77B}">
-      <dgm:prSet/>
-      <dgm:spPr/>
-      <dgm:t>
-        <a:bodyPr/>
-        <a:lstStyle/>
-        <a:p>
-          <a:endParaRPr lang="en-SE"/>
-        </a:p>
-      </dgm:t>
-    </dgm:pt>
-    <dgm:pt modelId="{0D9A8E0D-C802-420C-89EC-0F29BB5A1ABE}" type="sibTrans" cxnId="{7BD982E9-A838-434F-99E4-FBC90EB1D77B}">
-      <dgm:prSet/>
-      <dgm:spPr/>
-      <dgm:t>
-        <a:bodyPr/>
-        <a:lstStyle/>
-        <a:p>
-          <a:endParaRPr lang="en-SE"/>
-        </a:p>
-      </dgm:t>
-    </dgm:pt>
-    <dgm:pt modelId="{0FBD671D-4A2C-4BD8-BE82-E1FBB3FBD43D}">
-      <dgm:prSet phldrT="[Text]"/>
-      <dgm:spPr/>
-      <dgm:t>
-        <a:bodyPr/>
-        <a:lstStyle/>
-        <a:p>
-          <a:r>
-            <a:rPr lang="en-US" dirty="0" err="1"/>
-            <a:t>Protocol.GUI</a:t>
-          </a:r>
-          <a:endParaRPr lang="en-SE" dirty="0"/>
-        </a:p>
-      </dgm:t>
-    </dgm:pt>
-    <dgm:pt modelId="{007911EE-156F-4499-A086-6DF716412DD6}" type="parTrans" cxnId="{084DE87C-6B26-4374-9424-32B35A1734B9}">
-      <dgm:prSet/>
-      <dgm:spPr/>
-      <dgm:t>
-        <a:bodyPr/>
-        <a:lstStyle/>
-        <a:p>
-          <a:endParaRPr lang="en-SE"/>
-        </a:p>
-      </dgm:t>
-    </dgm:pt>
-    <dgm:pt modelId="{77DC09AC-F770-4940-B257-D129D522B7FB}" type="sibTrans" cxnId="{084DE87C-6B26-4374-9424-32B35A1734B9}">
-      <dgm:prSet/>
-      <dgm:spPr/>
-      <dgm:t>
-        <a:bodyPr/>
-        <a:lstStyle/>
-        <a:p>
-          <a:endParaRPr lang="en-SE"/>
-        </a:p>
-      </dgm:t>
-    </dgm:pt>
-    <dgm:pt modelId="{E069F2A1-214E-4BE7-8A25-408905404154}">
-      <dgm:prSet phldrT="[Text]"/>
-      <dgm:spPr/>
-      <dgm:t>
-        <a:bodyPr/>
-        <a:lstStyle/>
-        <a:p>
-          <a:r>
-            <a:rPr lang="en-US" dirty="0" err="1"/>
-            <a:t>Library.GUI</a:t>
-          </a:r>
-          <a:endParaRPr lang="en-SE" dirty="0"/>
-        </a:p>
-      </dgm:t>
-    </dgm:pt>
-    <dgm:pt modelId="{38EBE295-6331-46BA-BD26-3E96688858AA}" type="parTrans" cxnId="{EC81EB93-BD98-4BF5-9E3D-6CD4646B59C0}">
-      <dgm:prSet/>
-      <dgm:spPr/>
-      <dgm:t>
-        <a:bodyPr/>
-        <a:lstStyle/>
-        <a:p>
-          <a:endParaRPr lang="en-SE"/>
-        </a:p>
-      </dgm:t>
-    </dgm:pt>
-    <dgm:pt modelId="{F309EF30-F6AF-4CAD-8A2B-78048D158CB6}" type="sibTrans" cxnId="{EC81EB93-BD98-4BF5-9E3D-6CD4646B59C0}">
-      <dgm:prSet/>
-      <dgm:spPr/>
-      <dgm:t>
-        <a:bodyPr/>
-        <a:lstStyle/>
-        <a:p>
-          <a:endParaRPr lang="en-SE"/>
-        </a:p>
-      </dgm:t>
-    </dgm:pt>
-    <dgm:pt modelId="{EB4FF7DB-00E5-4088-8425-542F860F570A}">
-      <dgm:prSet phldrT="[Text]"/>
-      <dgm:spPr/>
-      <dgm:t>
-        <a:bodyPr/>
-        <a:lstStyle/>
-        <a:p>
-          <a:r>
-            <a:rPr lang="en-US" dirty="0" err="1"/>
-            <a:t>Protocol.BlockStorage</a:t>
-          </a:r>
-          <a:endParaRPr lang="en-SE" dirty="0"/>
-        </a:p>
-      </dgm:t>
-    </dgm:pt>
-    <dgm:pt modelId="{DB142554-C848-41F0-B2BB-A653E69C817F}" type="parTrans" cxnId="{9BAC96E3-87C3-4541-94F9-BFFA2F107416}">
-      <dgm:prSet/>
-      <dgm:spPr/>
-      <dgm:t>
-        <a:bodyPr/>
-        <a:lstStyle/>
-        <a:p>
-          <a:endParaRPr lang="en-SE"/>
-        </a:p>
-      </dgm:t>
-    </dgm:pt>
-    <dgm:pt modelId="{2C72999B-3E0B-4EAF-A500-3780A77758DC}" type="sibTrans" cxnId="{9BAC96E3-87C3-4541-94F9-BFFA2F107416}">
-      <dgm:prSet/>
-      <dgm:spPr/>
-      <dgm:t>
-        <a:bodyPr/>
-        <a:lstStyle/>
-        <a:p>
-          <a:endParaRPr lang="en-SE"/>
-        </a:p>
-      </dgm:t>
-    </dgm:pt>
-    <dgm:pt modelId="{974C2676-6D27-42CE-A367-1719B0BD7B2C}">
-      <dgm:prSet phldrT="[Text]"/>
-      <dgm:spPr/>
-      <dgm:t>
-        <a:bodyPr/>
-        <a:lstStyle/>
-        <a:p>
-          <a:r>
-            <a:rPr lang="en-US" dirty="0" err="1"/>
-            <a:t>Protocol.FrameBufferDisplay</a:t>
-          </a:r>
-          <a:endParaRPr lang="en-SE" dirty="0"/>
-        </a:p>
-      </dgm:t>
-    </dgm:pt>
-    <dgm:pt modelId="{7759D993-250F-4FDD-98C2-0B20F078FAA2}" type="parTrans" cxnId="{0CA7DC9C-B6E0-473A-A04B-582F3CDED1B4}">
-      <dgm:prSet/>
-      <dgm:spPr/>
-      <dgm:t>
-        <a:bodyPr/>
-        <a:lstStyle/>
-        <a:p>
-          <a:endParaRPr lang="en-SE"/>
-        </a:p>
-      </dgm:t>
-    </dgm:pt>
-    <dgm:pt modelId="{690B99E5-7252-4404-A276-D69F1302AADA}" type="sibTrans" cxnId="{0CA7DC9C-B6E0-473A-A04B-582F3CDED1B4}">
-      <dgm:prSet/>
-      <dgm:spPr/>
-      <dgm:t>
-        <a:bodyPr/>
-        <a:lstStyle/>
-        <a:p>
-          <a:endParaRPr lang="en-SE"/>
-        </a:p>
-      </dgm:t>
-    </dgm:pt>
-    <dgm:pt modelId="{D9F1C7A2-15E0-407B-9741-C08D5296D9BF}">
-      <dgm:prSet phldrT="[Text]"/>
-      <dgm:spPr/>
-      <dgm:t>
-        <a:bodyPr/>
-        <a:lstStyle/>
-        <a:p>
-          <a:r>
-            <a:rPr lang="en-US" dirty="0" err="1"/>
-            <a:t>HostServer.Display</a:t>
-          </a:r>
-          <a:endParaRPr lang="en-SE" dirty="0"/>
-        </a:p>
-      </dgm:t>
-    </dgm:pt>
-    <dgm:pt modelId="{679B3479-CD81-49C1-8D3B-C7DD90A257DB}" type="parTrans" cxnId="{0DC79599-1F21-4EC5-BE03-F8626F3FCDE6}">
-      <dgm:prSet/>
-      <dgm:spPr/>
-      <dgm:t>
-        <a:bodyPr/>
-        <a:lstStyle/>
-        <a:p>
-          <a:endParaRPr lang="en-SE"/>
-        </a:p>
-      </dgm:t>
-    </dgm:pt>
-    <dgm:pt modelId="{F8037FE2-8FFD-461C-88BD-28F2B56492B2}" type="sibTrans" cxnId="{0DC79599-1F21-4EC5-BE03-F8626F3FCDE6}">
-      <dgm:prSet/>
-      <dgm:spPr/>
-      <dgm:t>
-        <a:bodyPr/>
-        <a:lstStyle/>
-        <a:p>
-          <a:endParaRPr lang="en-SE"/>
-        </a:p>
-      </dgm:t>
-    </dgm:pt>
-    <dgm:pt modelId="{39A0A52C-8AE7-4BDC-9951-E2926C695611}">
-      <dgm:prSet phldrT="[Text]"/>
-      <dgm:spPr/>
-      <dgm:t>
-        <a:bodyPr/>
-        <a:lstStyle/>
-        <a:p>
-          <a:r>
-            <a:rPr lang="en-US" dirty="0" err="1"/>
-            <a:t>Server.RootFileSystem</a:t>
-          </a:r>
-          <a:endParaRPr lang="en-SE" dirty="0"/>
-        </a:p>
-      </dgm:t>
-    </dgm:pt>
-    <dgm:pt modelId="{3874B931-933B-48D1-9A8C-A3D60392DA38}" type="parTrans" cxnId="{558BC429-8529-4147-9C40-39E65AE1029C}">
-      <dgm:prSet/>
-      <dgm:spPr/>
-      <dgm:t>
-        <a:bodyPr/>
-        <a:lstStyle/>
-        <a:p>
-          <a:endParaRPr lang="en-SE"/>
-        </a:p>
-      </dgm:t>
-    </dgm:pt>
-    <dgm:pt modelId="{CB1D9902-1DB4-4FEF-B3C1-B4CCC9309021}" type="sibTrans" cxnId="{558BC429-8529-4147-9C40-39E65AE1029C}">
-      <dgm:prSet/>
-      <dgm:spPr/>
-      <dgm:t>
-        <a:bodyPr/>
-        <a:lstStyle/>
-        <a:p>
-          <a:endParaRPr lang="en-SE"/>
-        </a:p>
-      </dgm:t>
-    </dgm:pt>
-    <dgm:pt modelId="{396A7FD3-0526-47C3-9692-481E1B4553E0}">
-      <dgm:prSet phldrT="[Text]"/>
-      <dgm:spPr/>
-      <dgm:t>
-        <a:bodyPr/>
-        <a:lstStyle/>
-        <a:p>
-          <a:r>
-            <a:rPr lang="en-US" dirty="0" err="1"/>
-            <a:t>HostServer.NativeFileSystem</a:t>
-          </a:r>
-          <a:endParaRPr lang="en-SE" dirty="0"/>
-        </a:p>
-      </dgm:t>
-    </dgm:pt>
-    <dgm:pt modelId="{1C3299AC-8B96-46C2-A9D2-B8805B14147F}" type="parTrans" cxnId="{62BC2DCF-C045-4CE5-BF18-9DF86364D744}">
-      <dgm:prSet/>
-      <dgm:spPr/>
-      <dgm:t>
-        <a:bodyPr/>
-        <a:lstStyle/>
-        <a:p>
-          <a:endParaRPr lang="en-SE"/>
-        </a:p>
-      </dgm:t>
-    </dgm:pt>
-    <dgm:pt modelId="{D634CD22-0EFE-4DB4-9685-D07C5F02D447}" type="sibTrans" cxnId="{62BC2DCF-C045-4CE5-BF18-9DF86364D744}">
-      <dgm:prSet/>
-      <dgm:spPr/>
-      <dgm:t>
-        <a:bodyPr/>
-        <a:lstStyle/>
-        <a:p>
-          <a:endParaRPr lang="en-SE"/>
-        </a:p>
-      </dgm:t>
-    </dgm:pt>
-    <dgm:pt modelId="{A6C618F4-7601-4628-A582-2B201FA2B77A}">
-      <dgm:prSet phldrT="[Text]"/>
-      <dgm:spPr/>
-      <dgm:t>
-        <a:bodyPr/>
-        <a:lstStyle/>
-        <a:p>
-          <a:r>
-            <a:rPr lang="en-US" dirty="0"/>
-            <a:t>APP</a:t>
-          </a:r>
-          <a:endParaRPr lang="en-SE" dirty="0"/>
-        </a:p>
-      </dgm:t>
-    </dgm:pt>
-    <dgm:pt modelId="{02725D76-2A3B-4045-8949-9CDB60CEE3CE}" type="parTrans" cxnId="{D0A8B765-37FA-4EA4-B566-BEBC160794B8}">
-      <dgm:prSet/>
-      <dgm:spPr/>
-      <dgm:t>
-        <a:bodyPr/>
-        <a:lstStyle/>
-        <a:p>
-          <a:endParaRPr lang="en-SE"/>
-        </a:p>
-      </dgm:t>
-    </dgm:pt>
-    <dgm:pt modelId="{8E172EFC-A303-4F4E-BD81-5E4EAC7FE28D}" type="sibTrans" cxnId="{D0A8B765-37FA-4EA4-B566-BEBC160794B8}">
-      <dgm:prSet/>
-      <dgm:spPr/>
-      <dgm:t>
-        <a:bodyPr/>
-        <a:lstStyle/>
-        <a:p>
-          <a:endParaRPr lang="en-SE"/>
-        </a:p>
-      </dgm:t>
-    </dgm:pt>
-    <dgm:pt modelId="{2AFF379C-3413-42ED-941D-EAE5C0FF9264}">
-      <dgm:prSet phldrT="[Text]"/>
-      <dgm:spPr/>
-      <dgm:t>
-        <a:bodyPr/>
-        <a:lstStyle/>
-        <a:p>
-          <a:r>
-            <a:rPr lang="en-US" dirty="0"/>
-            <a:t>APP</a:t>
-          </a:r>
-          <a:endParaRPr lang="en-SE" dirty="0"/>
-        </a:p>
-      </dgm:t>
-    </dgm:pt>
-    <dgm:pt modelId="{09601DD9-F8BE-4E17-BC9D-6FA02C8DBE0C}" type="parTrans" cxnId="{2B8F5C85-C582-45EB-9BE4-434DE8AC37F4}">
-      <dgm:prSet/>
-      <dgm:spPr/>
-      <dgm:t>
-        <a:bodyPr/>
-        <a:lstStyle/>
-        <a:p>
-          <a:endParaRPr lang="en-SE"/>
-        </a:p>
-      </dgm:t>
-    </dgm:pt>
-    <dgm:pt modelId="{D44001B9-7B2E-46BD-9FEE-5FA6DB48B0A8}" type="sibTrans" cxnId="{2B8F5C85-C582-45EB-9BE4-434DE8AC37F4}">
-      <dgm:prSet/>
-      <dgm:spPr/>
-      <dgm:t>
-        <a:bodyPr/>
-        <a:lstStyle/>
-        <a:p>
-          <a:endParaRPr lang="en-SE"/>
-        </a:p>
-      </dgm:t>
-    </dgm:pt>
-    <dgm:pt modelId="{7AAAB01E-5D73-40E2-819A-F86C009D452B}">
-      <dgm:prSet phldrT="[Text]"/>
-      <dgm:spPr/>
-      <dgm:t>
-        <a:bodyPr/>
-        <a:lstStyle/>
-        <a:p>
-          <a:r>
-            <a:rPr lang="en-US" dirty="0" err="1"/>
-            <a:t>Server.Tornado</a:t>
-          </a:r>
-          <a:endParaRPr lang="en-SE" dirty="0"/>
-        </a:p>
-      </dgm:t>
-    </dgm:pt>
-    <dgm:pt modelId="{56554297-FFD8-49C9-B336-4A38B009FD5B}" type="parTrans" cxnId="{8EB51FE9-277D-42C5-BE1B-ADB4721D6681}">
-      <dgm:prSet/>
-      <dgm:spPr/>
-      <dgm:t>
-        <a:bodyPr/>
-        <a:lstStyle/>
-        <a:p>
-          <a:endParaRPr lang="en-SE"/>
-        </a:p>
-      </dgm:t>
-    </dgm:pt>
-    <dgm:pt modelId="{B9686B05-0E34-41D5-9871-49CA74AC1007}" type="sibTrans" cxnId="{8EB51FE9-277D-42C5-BE1B-ADB4721D6681}">
-      <dgm:prSet/>
-      <dgm:spPr/>
-      <dgm:t>
-        <a:bodyPr/>
-        <a:lstStyle/>
-        <a:p>
-          <a:endParaRPr lang="en-SE"/>
-        </a:p>
-      </dgm:t>
-    </dgm:pt>
-    <dgm:pt modelId="{4447D811-A065-41D6-A3A4-64B2594C1385}">
-      <dgm:prSet phldrT="[Text]"/>
-      <dgm:spPr/>
-      <dgm:t>
-        <a:bodyPr/>
-        <a:lstStyle/>
-        <a:p>
-          <a:r>
-            <a:rPr lang="en-US" dirty="0" err="1"/>
-            <a:t>Protocol.DataDisplay</a:t>
-          </a:r>
-          <a:endParaRPr lang="en-SE" dirty="0"/>
-        </a:p>
-      </dgm:t>
-    </dgm:pt>
-    <dgm:pt modelId="{F0B3905E-FE66-4493-91BC-593DC7D8CBB6}" type="parTrans" cxnId="{8E8CD7DC-E717-410B-A05F-7E4A4040334A}">
-      <dgm:prSet/>
-      <dgm:spPr/>
-      <dgm:t>
-        <a:bodyPr/>
-        <a:lstStyle/>
-        <a:p>
-          <a:endParaRPr lang="en-SE"/>
-        </a:p>
-      </dgm:t>
-    </dgm:pt>
-    <dgm:pt modelId="{59861433-A356-445B-8586-69BA74C4019E}" type="sibTrans" cxnId="{8E8CD7DC-E717-410B-A05F-7E4A4040334A}">
-      <dgm:prSet/>
-      <dgm:spPr/>
-      <dgm:t>
-        <a:bodyPr/>
-        <a:lstStyle/>
-        <a:p>
-          <a:endParaRPr lang="en-SE"/>
-        </a:p>
-      </dgm:t>
-    </dgm:pt>
-    <dgm:pt modelId="{EA068C98-38EA-45A1-9EA0-5909AA278E3C}">
-      <dgm:prSet phldrT="[Text]"/>
-      <dgm:spPr/>
-      <dgm:t>
-        <a:bodyPr/>
-        <a:lstStyle/>
-        <a:p>
-          <a:r>
-            <a:rPr lang="en-US" dirty="0" err="1"/>
-            <a:t>Protocol.Input</a:t>
-          </a:r>
-          <a:r>
-            <a:rPr lang="en-US" dirty="0"/>
-            <a:t> (keyboard/mouse/touch/pen/gamepad </a:t>
-          </a:r>
-          <a:r>
-            <a:rPr lang="en-US" dirty="0" err="1"/>
-            <a:t>etc</a:t>
-          </a:r>
-          <a:r>
-            <a:rPr lang="en-US" dirty="0"/>
-            <a:t>)</a:t>
-          </a:r>
-          <a:endParaRPr lang="en-SE" dirty="0"/>
-        </a:p>
-      </dgm:t>
-    </dgm:pt>
-    <dgm:pt modelId="{EB179B8D-C344-4387-9D03-3114585BB616}" type="parTrans" cxnId="{A46DB92A-7220-4B1C-BDB9-A8DA8D12D8F3}">
-      <dgm:prSet/>
-      <dgm:spPr/>
-      <dgm:t>
-        <a:bodyPr/>
-        <a:lstStyle/>
-        <a:p>
-          <a:endParaRPr lang="en-SE"/>
-        </a:p>
-      </dgm:t>
-    </dgm:pt>
-    <dgm:pt modelId="{591DC999-13D0-4E4A-A330-729CC2AB3197}" type="sibTrans" cxnId="{A46DB92A-7220-4B1C-BDB9-A8DA8D12D8F3}">
-      <dgm:prSet/>
-      <dgm:spPr/>
-      <dgm:t>
-        <a:bodyPr/>
-        <a:lstStyle/>
-        <a:p>
-          <a:endParaRPr lang="en-SE"/>
-        </a:p>
-      </dgm:t>
-    </dgm:pt>
-    <dgm:pt modelId="{5182FABF-190A-4D2D-AE6E-651B135A7CB1}" type="pres">
-      <dgm:prSet presAssocID="{3D60309A-56C7-46C3-A44A-79F7634788CF}" presName="Name0" presStyleCnt="0">
-        <dgm:presLayoutVars>
-          <dgm:chPref val="1"/>
-          <dgm:dir/>
-          <dgm:animOne val="branch"/>
-          <dgm:animLvl val="lvl"/>
-          <dgm:resizeHandles/>
-        </dgm:presLayoutVars>
-      </dgm:prSet>
-      <dgm:spPr/>
-    </dgm:pt>
-    <dgm:pt modelId="{A186EE94-7019-470E-AD5E-6637DBC0727E}" type="pres">
-      <dgm:prSet presAssocID="{DC29AF53-8313-4508-AF13-AC79B51FA742}" presName="vertOne" presStyleCnt="0"/>
-      <dgm:spPr/>
-    </dgm:pt>
-    <dgm:pt modelId="{195D95A7-CCA1-42BD-AFB5-27D659AEB410}" type="pres">
-      <dgm:prSet presAssocID="{DC29AF53-8313-4508-AF13-AC79B51FA742}" presName="txOne" presStyleLbl="node0" presStyleIdx="0" presStyleCnt="1">
-        <dgm:presLayoutVars>
-          <dgm:chPref val="3"/>
-        </dgm:presLayoutVars>
-      </dgm:prSet>
-      <dgm:spPr/>
-    </dgm:pt>
-    <dgm:pt modelId="{A191D4DE-113A-4336-9A02-2684A6678CB5}" type="pres">
-      <dgm:prSet presAssocID="{DC29AF53-8313-4508-AF13-AC79B51FA742}" presName="parTransOne" presStyleCnt="0"/>
-      <dgm:spPr/>
-    </dgm:pt>
-    <dgm:pt modelId="{C6FEF348-D9AD-41EC-8540-B39DD7C9C810}" type="pres">
-      <dgm:prSet presAssocID="{DC29AF53-8313-4508-AF13-AC79B51FA742}" presName="horzOne" presStyleCnt="0"/>
-      <dgm:spPr/>
-    </dgm:pt>
-    <dgm:pt modelId="{05505B05-0524-42C8-B5C1-24F0B7540A27}" type="pres">
-      <dgm:prSet presAssocID="{EB4FF7DB-00E5-4088-8425-542F860F570A}" presName="vertTwo" presStyleCnt="0"/>
-      <dgm:spPr/>
-    </dgm:pt>
-    <dgm:pt modelId="{A12FD2B2-D784-43C3-8CCB-650C72E46278}" type="pres">
-      <dgm:prSet presAssocID="{EB4FF7DB-00E5-4088-8425-542F860F570A}" presName="txTwo" presStyleLbl="node2" presStyleIdx="0" presStyleCnt="6">
-        <dgm:presLayoutVars>
-          <dgm:chPref val="3"/>
-        </dgm:presLayoutVars>
-      </dgm:prSet>
-      <dgm:spPr/>
-    </dgm:pt>
-    <dgm:pt modelId="{DAF45C8F-AEE1-4C4C-AAEF-D37E7A964874}" type="pres">
-      <dgm:prSet presAssocID="{EB4FF7DB-00E5-4088-8425-542F860F570A}" presName="horzTwo" presStyleCnt="0"/>
-      <dgm:spPr/>
-    </dgm:pt>
-    <dgm:pt modelId="{9C00C15C-B7FA-4D0A-AD84-78744EB2573A}" type="pres">
-      <dgm:prSet presAssocID="{2C72999B-3E0B-4EAF-A500-3780A77758DC}" presName="sibSpaceTwo" presStyleCnt="0"/>
-      <dgm:spPr/>
-    </dgm:pt>
-    <dgm:pt modelId="{EAAD6D1B-7FFD-4EEE-AC7A-5B86BFB02069}" type="pres">
-      <dgm:prSet presAssocID="{19A6659F-692E-4E0D-9503-50408ABC83B4}" presName="vertTwo" presStyleCnt="0"/>
-      <dgm:spPr/>
-    </dgm:pt>
-    <dgm:pt modelId="{44CD5B9E-0EF4-43FE-9091-20B8E5351AEB}" type="pres">
-      <dgm:prSet presAssocID="{19A6659F-692E-4E0D-9503-50408ABC83B4}" presName="txTwo" presStyleLbl="node2" presStyleIdx="1" presStyleCnt="6">
-        <dgm:presLayoutVars>
-          <dgm:chPref val="3"/>
-        </dgm:presLayoutVars>
-      </dgm:prSet>
-      <dgm:spPr/>
-    </dgm:pt>
-    <dgm:pt modelId="{FC208E8B-F081-4A15-B5DF-962DE169C758}" type="pres">
-      <dgm:prSet presAssocID="{19A6659F-692E-4E0D-9503-50408ABC83B4}" presName="parTransTwo" presStyleCnt="0"/>
-      <dgm:spPr/>
-    </dgm:pt>
-    <dgm:pt modelId="{DD8BFE04-428D-4504-A4CA-56C80FF0534A}" type="pres">
-      <dgm:prSet presAssocID="{19A6659F-692E-4E0D-9503-50408ABC83B4}" presName="horzTwo" presStyleCnt="0"/>
-      <dgm:spPr/>
-    </dgm:pt>
-    <dgm:pt modelId="{B00703CA-9EE1-4C8C-B316-4BF5EDF4AA6C}" type="pres">
-      <dgm:prSet presAssocID="{39A0A52C-8AE7-4BDC-9951-E2926C695611}" presName="vertThree" presStyleCnt="0"/>
-      <dgm:spPr/>
-    </dgm:pt>
-    <dgm:pt modelId="{2FD1F9D2-08A4-463C-B3FE-9194158FB82B}" type="pres">
-      <dgm:prSet presAssocID="{39A0A52C-8AE7-4BDC-9951-E2926C695611}" presName="txThree" presStyleLbl="node3" presStyleIdx="0" presStyleCnt="6">
-        <dgm:presLayoutVars>
-          <dgm:chPref val="3"/>
-        </dgm:presLayoutVars>
-      </dgm:prSet>
-      <dgm:spPr/>
-    </dgm:pt>
-    <dgm:pt modelId="{A5CFA3CF-FF0C-488A-B006-C4845C2E9351}" type="pres">
-      <dgm:prSet presAssocID="{39A0A52C-8AE7-4BDC-9951-E2926C695611}" presName="horzThree" presStyleCnt="0"/>
-      <dgm:spPr/>
-    </dgm:pt>
-    <dgm:pt modelId="{2BBD47C5-3610-4227-810F-F0C4918BF7C9}" type="pres">
-      <dgm:prSet presAssocID="{CB1D9902-1DB4-4FEF-B3C1-B4CCC9309021}" presName="sibSpaceThree" presStyleCnt="0"/>
-      <dgm:spPr/>
-    </dgm:pt>
-    <dgm:pt modelId="{BA562F62-8CE1-4748-945F-E3229756695A}" type="pres">
-      <dgm:prSet presAssocID="{396A7FD3-0526-47C3-9692-481E1B4553E0}" presName="vertThree" presStyleCnt="0"/>
-      <dgm:spPr/>
-    </dgm:pt>
-    <dgm:pt modelId="{3B6C985F-397C-47EA-8A52-80A2F5F02609}" type="pres">
-      <dgm:prSet presAssocID="{396A7FD3-0526-47C3-9692-481E1B4553E0}" presName="txThree" presStyleLbl="node3" presStyleIdx="1" presStyleCnt="6">
-        <dgm:presLayoutVars>
-          <dgm:chPref val="3"/>
-        </dgm:presLayoutVars>
-      </dgm:prSet>
-      <dgm:spPr/>
-    </dgm:pt>
-    <dgm:pt modelId="{FB76FB30-EE1C-4DCA-B212-3EFAD7BC7510}" type="pres">
-      <dgm:prSet presAssocID="{396A7FD3-0526-47C3-9692-481E1B4553E0}" presName="horzThree" presStyleCnt="0"/>
-      <dgm:spPr/>
-    </dgm:pt>
-    <dgm:pt modelId="{534D23FC-CE05-42CD-AF02-25AD607875B4}" type="pres">
-      <dgm:prSet presAssocID="{D634CD22-0EFE-4DB4-9685-D07C5F02D447}" presName="sibSpaceThree" presStyleCnt="0"/>
-      <dgm:spPr/>
-    </dgm:pt>
-    <dgm:pt modelId="{81FCE170-E42B-4CCD-BFF7-5E585DF29E20}" type="pres">
-      <dgm:prSet presAssocID="{1D90E48A-DD8B-418B-B4EA-A5747F0BFEE1}" presName="vertThree" presStyleCnt="0"/>
-      <dgm:spPr/>
-    </dgm:pt>
-    <dgm:pt modelId="{1E18E9F9-614A-46D6-8FD2-577805A54B02}" type="pres">
-      <dgm:prSet presAssocID="{1D90E48A-DD8B-418B-B4EA-A5747F0BFEE1}" presName="txThree" presStyleLbl="node3" presStyleIdx="2" presStyleCnt="6">
-        <dgm:presLayoutVars>
-          <dgm:chPref val="3"/>
-        </dgm:presLayoutVars>
-      </dgm:prSet>
-      <dgm:spPr/>
-    </dgm:pt>
-    <dgm:pt modelId="{91C255A2-1712-4DBE-8BF5-A3A1A6E72516}" type="pres">
-      <dgm:prSet presAssocID="{1D90E48A-DD8B-418B-B4EA-A5747F0BFEE1}" presName="parTransThree" presStyleCnt="0"/>
-      <dgm:spPr/>
-    </dgm:pt>
-    <dgm:pt modelId="{CF253EEE-633D-4742-8A2D-4DBF428901F2}" type="pres">
-      <dgm:prSet presAssocID="{1D90E48A-DD8B-418B-B4EA-A5747F0BFEE1}" presName="horzThree" presStyleCnt="0"/>
-      <dgm:spPr/>
-    </dgm:pt>
-    <dgm:pt modelId="{A0D57949-2CB3-472E-B3DD-1CDD92FB6E05}" type="pres">
-      <dgm:prSet presAssocID="{A6C618F4-7601-4628-A582-2B201FA2B77A}" presName="vertFour" presStyleCnt="0">
-        <dgm:presLayoutVars>
-          <dgm:chPref val="3"/>
-        </dgm:presLayoutVars>
-      </dgm:prSet>
-      <dgm:spPr/>
-    </dgm:pt>
-    <dgm:pt modelId="{7D569B00-4303-4DAC-90CD-46153E61C281}" type="pres">
-      <dgm:prSet presAssocID="{A6C618F4-7601-4628-A582-2B201FA2B77A}" presName="txFour" presStyleLbl="node4" presStyleIdx="0" presStyleCnt="2">
-        <dgm:presLayoutVars>
-          <dgm:chPref val="3"/>
-        </dgm:presLayoutVars>
-      </dgm:prSet>
-      <dgm:spPr/>
-    </dgm:pt>
-    <dgm:pt modelId="{754214B3-F298-45C1-BE2D-0DB6CD63D575}" type="pres">
-      <dgm:prSet presAssocID="{A6C618F4-7601-4628-A582-2B201FA2B77A}" presName="horzFour" presStyleCnt="0"/>
-      <dgm:spPr/>
-    </dgm:pt>
-    <dgm:pt modelId="{3A3C7213-818E-4DC4-BF70-54DC591DAD59}" type="pres">
-      <dgm:prSet presAssocID="{7FD937A8-A5D8-4DBE-8DEB-4A88AA82216D}" presName="sibSpaceTwo" presStyleCnt="0"/>
-      <dgm:spPr/>
-    </dgm:pt>
-    <dgm:pt modelId="{0D11F832-A4C1-4C1D-BC24-7EF91497F1DD}" type="pres">
-      <dgm:prSet presAssocID="{4447D811-A065-41D6-A3A4-64B2594C1385}" presName="vertTwo" presStyleCnt="0"/>
-      <dgm:spPr/>
-    </dgm:pt>
-    <dgm:pt modelId="{666A9C95-C307-4CF4-A3B9-2BC1D88A4403}" type="pres">
-      <dgm:prSet presAssocID="{4447D811-A065-41D6-A3A4-64B2594C1385}" presName="txTwo" presStyleLbl="node2" presStyleIdx="2" presStyleCnt="6">
-        <dgm:presLayoutVars>
-          <dgm:chPref val="3"/>
-        </dgm:presLayoutVars>
-      </dgm:prSet>
-      <dgm:spPr/>
-    </dgm:pt>
-    <dgm:pt modelId="{568CE014-7FAA-45D9-9B45-746A3A7F0659}" type="pres">
-      <dgm:prSet presAssocID="{4447D811-A065-41D6-A3A4-64B2594C1385}" presName="horzTwo" presStyleCnt="0"/>
-      <dgm:spPr/>
-    </dgm:pt>
-    <dgm:pt modelId="{2E33734A-D17E-457A-9176-C813EF7B91B5}" type="pres">
-      <dgm:prSet presAssocID="{59861433-A356-445B-8586-69BA74C4019E}" presName="sibSpaceTwo" presStyleCnt="0"/>
-      <dgm:spPr/>
-    </dgm:pt>
-    <dgm:pt modelId="{480C9F25-BD62-4B0E-9D6D-39C98FB81BD0}" type="pres">
-      <dgm:prSet presAssocID="{974C2676-6D27-42CE-A367-1719B0BD7B2C}" presName="vertTwo" presStyleCnt="0"/>
-      <dgm:spPr/>
-    </dgm:pt>
-    <dgm:pt modelId="{83B20DC0-9E1B-4A92-9F5C-48D1917C9061}" type="pres">
-      <dgm:prSet presAssocID="{974C2676-6D27-42CE-A367-1719B0BD7B2C}" presName="txTwo" presStyleLbl="node2" presStyleIdx="3" presStyleCnt="6">
-        <dgm:presLayoutVars>
-          <dgm:chPref val="3"/>
-        </dgm:presLayoutVars>
-      </dgm:prSet>
-      <dgm:spPr/>
-    </dgm:pt>
-    <dgm:pt modelId="{30D96D3D-63F1-43B1-A8F6-30F54EF70741}" type="pres">
-      <dgm:prSet presAssocID="{974C2676-6D27-42CE-A367-1719B0BD7B2C}" presName="parTransTwo" presStyleCnt="0"/>
-      <dgm:spPr/>
-    </dgm:pt>
-    <dgm:pt modelId="{0A77A0D2-73C7-4B0B-96C7-FBD890B55666}" type="pres">
-      <dgm:prSet presAssocID="{974C2676-6D27-42CE-A367-1719B0BD7B2C}" presName="horzTwo" presStyleCnt="0"/>
-      <dgm:spPr/>
-    </dgm:pt>
-    <dgm:pt modelId="{0F58BE75-4338-4576-9E5A-5B5D94CD991D}" type="pres">
-      <dgm:prSet presAssocID="{D9F1C7A2-15E0-407B-9741-C08D5296D9BF}" presName="vertThree" presStyleCnt="0"/>
-      <dgm:spPr/>
-    </dgm:pt>
-    <dgm:pt modelId="{14ED00E2-7B0E-4D1B-9BEA-99433F3C7174}" type="pres">
-      <dgm:prSet presAssocID="{D9F1C7A2-15E0-407B-9741-C08D5296D9BF}" presName="txThree" presStyleLbl="node3" presStyleIdx="3" presStyleCnt="6">
-        <dgm:presLayoutVars>
-          <dgm:chPref val="3"/>
-        </dgm:presLayoutVars>
-      </dgm:prSet>
-      <dgm:spPr/>
-    </dgm:pt>
-    <dgm:pt modelId="{1156C46B-2A05-48A4-B7C3-F61C20212785}" type="pres">
-      <dgm:prSet presAssocID="{D9F1C7A2-15E0-407B-9741-C08D5296D9BF}" presName="horzThree" presStyleCnt="0"/>
-      <dgm:spPr/>
-    </dgm:pt>
-    <dgm:pt modelId="{F1AD0001-5B75-4739-B2E3-ADED648F2D76}" type="pres">
-      <dgm:prSet presAssocID="{690B99E5-7252-4404-A276-D69F1302AADA}" presName="sibSpaceTwo" presStyleCnt="0"/>
-      <dgm:spPr/>
-    </dgm:pt>
-    <dgm:pt modelId="{43DFAEA1-0C5F-4135-BBB2-B0EDB3D0D1F5}" type="pres">
-      <dgm:prSet presAssocID="{EA068C98-38EA-45A1-9EA0-5909AA278E3C}" presName="vertTwo" presStyleCnt="0"/>
-      <dgm:spPr/>
-    </dgm:pt>
-    <dgm:pt modelId="{0009A52D-6841-4355-81C5-7519A60DA41B}" type="pres">
-      <dgm:prSet presAssocID="{EA068C98-38EA-45A1-9EA0-5909AA278E3C}" presName="txTwo" presStyleLbl="node2" presStyleIdx="4" presStyleCnt="6">
-        <dgm:presLayoutVars>
-          <dgm:chPref val="3"/>
-        </dgm:presLayoutVars>
-      </dgm:prSet>
-      <dgm:spPr/>
-    </dgm:pt>
-    <dgm:pt modelId="{B82C0C81-951D-414F-9D97-05E715823220}" type="pres">
-      <dgm:prSet presAssocID="{EA068C98-38EA-45A1-9EA0-5909AA278E3C}" presName="horzTwo" presStyleCnt="0"/>
-      <dgm:spPr/>
-    </dgm:pt>
-    <dgm:pt modelId="{D49C769A-F7FB-47BF-A0DA-BD0E327D973F}" type="pres">
-      <dgm:prSet presAssocID="{591DC999-13D0-4E4A-A330-729CC2AB3197}" presName="sibSpaceTwo" presStyleCnt="0"/>
-      <dgm:spPr/>
-    </dgm:pt>
-    <dgm:pt modelId="{0DAB641C-9337-4F1A-A1A6-82A2824BCD66}" type="pres">
-      <dgm:prSet presAssocID="{0FBD671D-4A2C-4BD8-BE82-E1FBB3FBD43D}" presName="vertTwo" presStyleCnt="0"/>
-      <dgm:spPr/>
-    </dgm:pt>
-    <dgm:pt modelId="{20B114C2-B163-4909-9B4D-9657922B200F}" type="pres">
-      <dgm:prSet presAssocID="{0FBD671D-4A2C-4BD8-BE82-E1FBB3FBD43D}" presName="txTwo" presStyleLbl="node2" presStyleIdx="5" presStyleCnt="6">
-        <dgm:presLayoutVars>
-          <dgm:chPref val="3"/>
-        </dgm:presLayoutVars>
-      </dgm:prSet>
-      <dgm:spPr/>
-    </dgm:pt>
-    <dgm:pt modelId="{54CD1B20-80D4-4004-A55D-561DBF513982}" type="pres">
-      <dgm:prSet presAssocID="{0FBD671D-4A2C-4BD8-BE82-E1FBB3FBD43D}" presName="parTransTwo" presStyleCnt="0"/>
-      <dgm:spPr/>
-    </dgm:pt>
-    <dgm:pt modelId="{5F7DBDE7-E859-4BB0-B02F-BAD56D218F23}" type="pres">
-      <dgm:prSet presAssocID="{0FBD671D-4A2C-4BD8-BE82-E1FBB3FBD43D}" presName="horzTwo" presStyleCnt="0"/>
-      <dgm:spPr/>
-    </dgm:pt>
-    <dgm:pt modelId="{4FC23D99-6EAA-4350-A453-F2A5DC743439}" type="pres">
-      <dgm:prSet presAssocID="{7AAAB01E-5D73-40E2-819A-F86C009D452B}" presName="vertThree" presStyleCnt="0"/>
-      <dgm:spPr/>
-    </dgm:pt>
-    <dgm:pt modelId="{CB197B57-22E6-4E83-AA82-4D3235538DF4}" type="pres">
-      <dgm:prSet presAssocID="{7AAAB01E-5D73-40E2-819A-F86C009D452B}" presName="txThree" presStyleLbl="node3" presStyleIdx="4" presStyleCnt="6">
-        <dgm:presLayoutVars>
-          <dgm:chPref val="3"/>
-        </dgm:presLayoutVars>
-      </dgm:prSet>
-      <dgm:spPr/>
-    </dgm:pt>
-    <dgm:pt modelId="{A57BD986-4E58-4F9C-BFA0-E807CD2BF2AF}" type="pres">
-      <dgm:prSet presAssocID="{7AAAB01E-5D73-40E2-819A-F86C009D452B}" presName="horzThree" presStyleCnt="0"/>
-      <dgm:spPr/>
-    </dgm:pt>
-    <dgm:pt modelId="{A9D49AC8-EABB-41AA-B013-F78D2D7B0C4A}" type="pres">
-      <dgm:prSet presAssocID="{B9686B05-0E34-41D5-9871-49CA74AC1007}" presName="sibSpaceThree" presStyleCnt="0"/>
-      <dgm:spPr/>
-    </dgm:pt>
-    <dgm:pt modelId="{E7E93D87-4300-4D58-9F10-B79AE476DC9C}" type="pres">
-      <dgm:prSet presAssocID="{E069F2A1-214E-4BE7-8A25-408905404154}" presName="vertThree" presStyleCnt="0"/>
-      <dgm:spPr/>
-    </dgm:pt>
-    <dgm:pt modelId="{5CDFF962-77E7-4D83-A943-E9F93D0677D1}" type="pres">
-      <dgm:prSet presAssocID="{E069F2A1-214E-4BE7-8A25-408905404154}" presName="txThree" presStyleLbl="node3" presStyleIdx="5" presStyleCnt="6">
-        <dgm:presLayoutVars>
-          <dgm:chPref val="3"/>
-        </dgm:presLayoutVars>
-      </dgm:prSet>
-      <dgm:spPr/>
-    </dgm:pt>
-    <dgm:pt modelId="{37D91DEF-84F6-4044-ABEA-6E93284D8A74}" type="pres">
-      <dgm:prSet presAssocID="{E069F2A1-214E-4BE7-8A25-408905404154}" presName="parTransThree" presStyleCnt="0"/>
-      <dgm:spPr/>
-    </dgm:pt>
-    <dgm:pt modelId="{88359D64-A708-4C2A-9841-1DE1CFA9E749}" type="pres">
-      <dgm:prSet presAssocID="{E069F2A1-214E-4BE7-8A25-408905404154}" presName="horzThree" presStyleCnt="0"/>
-      <dgm:spPr/>
-    </dgm:pt>
-    <dgm:pt modelId="{4A8E843C-5A56-4CF4-9B64-B2688547D845}" type="pres">
-      <dgm:prSet presAssocID="{2AFF379C-3413-42ED-941D-EAE5C0FF9264}" presName="vertFour" presStyleCnt="0">
-        <dgm:presLayoutVars>
-          <dgm:chPref val="3"/>
-        </dgm:presLayoutVars>
-      </dgm:prSet>
-      <dgm:spPr/>
-    </dgm:pt>
-    <dgm:pt modelId="{ECB1DC98-E855-4D45-96DB-5217E986B1C9}" type="pres">
-      <dgm:prSet presAssocID="{2AFF379C-3413-42ED-941D-EAE5C0FF9264}" presName="txFour" presStyleLbl="node4" presStyleIdx="1" presStyleCnt="2">
-        <dgm:presLayoutVars>
-          <dgm:chPref val="3"/>
-        </dgm:presLayoutVars>
-      </dgm:prSet>
-      <dgm:spPr/>
-    </dgm:pt>
-    <dgm:pt modelId="{7B422C28-CC2F-49E0-B8E2-0538CCCF5606}" type="pres">
-      <dgm:prSet presAssocID="{2AFF379C-3413-42ED-941D-EAE5C0FF9264}" presName="horzFour" presStyleCnt="0"/>
-      <dgm:spPr/>
-    </dgm:pt>
-  </dgm:ptLst>
-  <dgm:cxnLst>
-    <dgm:cxn modelId="{7212C709-78D0-4BAF-9A94-DC4EE2106CB6}" type="presOf" srcId="{DC29AF53-8313-4508-AF13-AC79B51FA742}" destId="{195D95A7-CCA1-42BD-AFB5-27D659AEB410}" srcOrd="0" destOrd="0" presId="urn:microsoft.com/office/officeart/2005/8/layout/architecture"/>
-    <dgm:cxn modelId="{1EA93515-AEA2-45BD-A423-E837718A1904}" type="presOf" srcId="{19A6659F-692E-4E0D-9503-50408ABC83B4}" destId="{44CD5B9E-0EF4-43FE-9091-20B8E5351AEB}" srcOrd="0" destOrd="0" presId="urn:microsoft.com/office/officeart/2005/8/layout/architecture"/>
-    <dgm:cxn modelId="{CF5C8816-0E12-4177-AC06-B636F274DC37}" type="presOf" srcId="{E069F2A1-214E-4BE7-8A25-408905404154}" destId="{5CDFF962-77E7-4D83-A943-E9F93D0677D1}" srcOrd="0" destOrd="0" presId="urn:microsoft.com/office/officeart/2005/8/layout/architecture"/>
-    <dgm:cxn modelId="{558BC429-8529-4147-9C40-39E65AE1029C}" srcId="{19A6659F-692E-4E0D-9503-50408ABC83B4}" destId="{39A0A52C-8AE7-4BDC-9951-E2926C695611}" srcOrd="0" destOrd="0" parTransId="{3874B931-933B-48D1-9A8C-A3D60392DA38}" sibTransId="{CB1D9902-1DB4-4FEF-B3C1-B4CCC9309021}"/>
-    <dgm:cxn modelId="{A46DB92A-7220-4B1C-BDB9-A8DA8D12D8F3}" srcId="{DC29AF53-8313-4508-AF13-AC79B51FA742}" destId="{EA068C98-38EA-45A1-9EA0-5909AA278E3C}" srcOrd="4" destOrd="0" parTransId="{EB179B8D-C344-4387-9D03-3114585BB616}" sibTransId="{591DC999-13D0-4E4A-A330-729CC2AB3197}"/>
-    <dgm:cxn modelId="{6FC34C5C-A3C9-476F-85B4-EDA8A38D2C75}" type="presOf" srcId="{EA068C98-38EA-45A1-9EA0-5909AA278E3C}" destId="{0009A52D-6841-4355-81C5-7519A60DA41B}" srcOrd="0" destOrd="0" presId="urn:microsoft.com/office/officeart/2005/8/layout/architecture"/>
-    <dgm:cxn modelId="{D0A8B765-37FA-4EA4-B566-BEBC160794B8}" srcId="{1D90E48A-DD8B-418B-B4EA-A5747F0BFEE1}" destId="{A6C618F4-7601-4628-A582-2B201FA2B77A}" srcOrd="0" destOrd="0" parTransId="{02725D76-2A3B-4045-8949-9CDB60CEE3CE}" sibTransId="{8E172EFC-A303-4F4E-BD81-5E4EAC7FE28D}"/>
-    <dgm:cxn modelId="{084DE87C-6B26-4374-9424-32B35A1734B9}" srcId="{DC29AF53-8313-4508-AF13-AC79B51FA742}" destId="{0FBD671D-4A2C-4BD8-BE82-E1FBB3FBD43D}" srcOrd="5" destOrd="0" parTransId="{007911EE-156F-4499-A086-6DF716412DD6}" sibTransId="{77DC09AC-F770-4940-B257-D129D522B7FB}"/>
-    <dgm:cxn modelId="{78B08C7D-5BCB-40D7-BAD7-1482736BBF47}" type="presOf" srcId="{974C2676-6D27-42CE-A367-1719B0BD7B2C}" destId="{83B20DC0-9E1B-4A92-9F5C-48D1917C9061}" srcOrd="0" destOrd="0" presId="urn:microsoft.com/office/officeart/2005/8/layout/architecture"/>
-    <dgm:cxn modelId="{2B8F5C85-C582-45EB-9BE4-434DE8AC37F4}" srcId="{E069F2A1-214E-4BE7-8A25-408905404154}" destId="{2AFF379C-3413-42ED-941D-EAE5C0FF9264}" srcOrd="0" destOrd="0" parTransId="{09601DD9-F8BE-4E17-BC9D-6FA02C8DBE0C}" sibTransId="{D44001B9-7B2E-46BD-9FEE-5FA6DB48B0A8}"/>
-    <dgm:cxn modelId="{474B238F-6EDA-4EA9-9F6C-1AFCE46D30C4}" type="presOf" srcId="{396A7FD3-0526-47C3-9692-481E1B4553E0}" destId="{3B6C985F-397C-47EA-8A52-80A2F5F02609}" srcOrd="0" destOrd="0" presId="urn:microsoft.com/office/officeart/2005/8/layout/architecture"/>
-    <dgm:cxn modelId="{EC81EB93-BD98-4BF5-9E3D-6CD4646B59C0}" srcId="{0FBD671D-4A2C-4BD8-BE82-E1FBB3FBD43D}" destId="{E069F2A1-214E-4BE7-8A25-408905404154}" srcOrd="1" destOrd="0" parTransId="{38EBE295-6331-46BA-BD26-3E96688858AA}" sibTransId="{F309EF30-F6AF-4CAD-8A2B-78048D158CB6}"/>
-    <dgm:cxn modelId="{45CBE098-E477-4F8D-8E68-E8701430D5FA}" type="presOf" srcId="{4447D811-A065-41D6-A3A4-64B2594C1385}" destId="{666A9C95-C307-4CF4-A3B9-2BC1D88A4403}" srcOrd="0" destOrd="0" presId="urn:microsoft.com/office/officeart/2005/8/layout/architecture"/>
-    <dgm:cxn modelId="{0DC79599-1F21-4EC5-BE03-F8626F3FCDE6}" srcId="{974C2676-6D27-42CE-A367-1719B0BD7B2C}" destId="{D9F1C7A2-15E0-407B-9741-C08D5296D9BF}" srcOrd="0" destOrd="0" parTransId="{679B3479-CD81-49C1-8D3B-C7DD90A257DB}" sibTransId="{F8037FE2-8FFD-461C-88BD-28F2B56492B2}"/>
-    <dgm:cxn modelId="{0CA7DC9C-B6E0-473A-A04B-582F3CDED1B4}" srcId="{DC29AF53-8313-4508-AF13-AC79B51FA742}" destId="{974C2676-6D27-42CE-A367-1719B0BD7B2C}" srcOrd="3" destOrd="0" parTransId="{7759D993-250F-4FDD-98C2-0B20F078FAA2}" sibTransId="{690B99E5-7252-4404-A276-D69F1302AADA}"/>
-    <dgm:cxn modelId="{AFB1FAAD-C8D0-4587-9052-E1044A3C2034}" type="presOf" srcId="{39A0A52C-8AE7-4BDC-9951-E2926C695611}" destId="{2FD1F9D2-08A4-463C-B3FE-9194158FB82B}" srcOrd="0" destOrd="0" presId="urn:microsoft.com/office/officeart/2005/8/layout/architecture"/>
-    <dgm:cxn modelId="{5669B1AF-CFAE-4AE6-A2C3-2CBA317835CB}" type="presOf" srcId="{EB4FF7DB-00E5-4088-8425-542F860F570A}" destId="{A12FD2B2-D784-43C3-8CCB-650C72E46278}" srcOrd="0" destOrd="0" presId="urn:microsoft.com/office/officeart/2005/8/layout/architecture"/>
-    <dgm:cxn modelId="{A8A402C6-D18D-4F84-8AA0-C0AAC7B4B322}" type="presOf" srcId="{7AAAB01E-5D73-40E2-819A-F86C009D452B}" destId="{CB197B57-22E6-4E83-AA82-4D3235538DF4}" srcOrd="0" destOrd="0" presId="urn:microsoft.com/office/officeart/2005/8/layout/architecture"/>
-    <dgm:cxn modelId="{62BC2DCF-C045-4CE5-BF18-9DF86364D744}" srcId="{19A6659F-692E-4E0D-9503-50408ABC83B4}" destId="{396A7FD3-0526-47C3-9692-481E1B4553E0}" srcOrd="1" destOrd="0" parTransId="{1C3299AC-8B96-46C2-A9D2-B8805B14147F}" sibTransId="{D634CD22-0EFE-4DB4-9685-D07C5F02D447}"/>
-    <dgm:cxn modelId="{4973B1D9-7DAE-4942-91B2-CEF7C9F7E633}" type="presOf" srcId="{D9F1C7A2-15E0-407B-9741-C08D5296D9BF}" destId="{14ED00E2-7B0E-4D1B-9BEA-99433F3C7174}" srcOrd="0" destOrd="0" presId="urn:microsoft.com/office/officeart/2005/8/layout/architecture"/>
-    <dgm:cxn modelId="{8E8CD7DC-E717-410B-A05F-7E4A4040334A}" srcId="{DC29AF53-8313-4508-AF13-AC79B51FA742}" destId="{4447D811-A065-41D6-A3A4-64B2594C1385}" srcOrd="2" destOrd="0" parTransId="{F0B3905E-FE66-4493-91BC-593DC7D8CBB6}" sibTransId="{59861433-A356-445B-8586-69BA74C4019E}"/>
-    <dgm:cxn modelId="{732271E1-291E-4863-98CB-282D489F1C11}" type="presOf" srcId="{2AFF379C-3413-42ED-941D-EAE5C0FF9264}" destId="{ECB1DC98-E855-4D45-96DB-5217E986B1C9}" srcOrd="0" destOrd="0" presId="urn:microsoft.com/office/officeart/2005/8/layout/architecture"/>
-    <dgm:cxn modelId="{9BAC96E3-87C3-4541-94F9-BFFA2F107416}" srcId="{DC29AF53-8313-4508-AF13-AC79B51FA742}" destId="{EB4FF7DB-00E5-4088-8425-542F860F570A}" srcOrd="0" destOrd="0" parTransId="{DB142554-C848-41F0-B2BB-A653E69C817F}" sibTransId="{2C72999B-3E0B-4EAF-A500-3780A77758DC}"/>
-    <dgm:cxn modelId="{33EDE2E3-36AC-47C6-8A9A-9AEA4B313A63}" type="presOf" srcId="{1D90E48A-DD8B-418B-B4EA-A5747F0BFEE1}" destId="{1E18E9F9-614A-46D6-8FD2-577805A54B02}" srcOrd="0" destOrd="0" presId="urn:microsoft.com/office/officeart/2005/8/layout/architecture"/>
-    <dgm:cxn modelId="{D33BEBE5-C92D-43CB-96FB-F75114876E8E}" type="presOf" srcId="{0FBD671D-4A2C-4BD8-BE82-E1FBB3FBD43D}" destId="{20B114C2-B163-4909-9B4D-9657922B200F}" srcOrd="0" destOrd="0" presId="urn:microsoft.com/office/officeart/2005/8/layout/architecture"/>
-    <dgm:cxn modelId="{8EB51FE9-277D-42C5-BE1B-ADB4721D6681}" srcId="{0FBD671D-4A2C-4BD8-BE82-E1FBB3FBD43D}" destId="{7AAAB01E-5D73-40E2-819A-F86C009D452B}" srcOrd="0" destOrd="0" parTransId="{56554297-FFD8-49C9-B336-4A38B009FD5B}" sibTransId="{B9686B05-0E34-41D5-9871-49CA74AC1007}"/>
-    <dgm:cxn modelId="{7BD982E9-A838-434F-99E4-FBC90EB1D77B}" srcId="{19A6659F-692E-4E0D-9503-50408ABC83B4}" destId="{1D90E48A-DD8B-418B-B4EA-A5747F0BFEE1}" srcOrd="2" destOrd="0" parTransId="{13E65B5C-CB5A-4646-86D0-0FEEF3EDADF2}" sibTransId="{0D9A8E0D-C802-420C-89EC-0F29BB5A1ABE}"/>
-    <dgm:cxn modelId="{AA9800EA-357B-44EA-8503-A6D47562F886}" type="presOf" srcId="{A6C618F4-7601-4628-A582-2B201FA2B77A}" destId="{7D569B00-4303-4DAC-90CD-46153E61C281}" srcOrd="0" destOrd="0" presId="urn:microsoft.com/office/officeart/2005/8/layout/architecture"/>
-    <dgm:cxn modelId="{EE9736EA-EB18-4B49-B250-CD54433987AE}" srcId="{3D60309A-56C7-46C3-A44A-79F7634788CF}" destId="{DC29AF53-8313-4508-AF13-AC79B51FA742}" srcOrd="0" destOrd="0" parTransId="{49F58B85-AB2A-40AC-9BD5-0359B2D7A5EB}" sibTransId="{424F29AA-6EC1-4358-A79D-0E889B8AF099}"/>
-    <dgm:cxn modelId="{D7CAC6F1-8BC7-4111-A8CE-B0F242322C66}" type="presOf" srcId="{3D60309A-56C7-46C3-A44A-79F7634788CF}" destId="{5182FABF-190A-4D2D-AE6E-651B135A7CB1}" srcOrd="0" destOrd="0" presId="urn:microsoft.com/office/officeart/2005/8/layout/architecture"/>
-    <dgm:cxn modelId="{DA15AFFF-E672-471E-A207-F4EB697B010E}" srcId="{DC29AF53-8313-4508-AF13-AC79B51FA742}" destId="{19A6659F-692E-4E0D-9503-50408ABC83B4}" srcOrd="1" destOrd="0" parTransId="{08CFB5E9-4D9E-4CA7-A065-F67CDDAB9D31}" sibTransId="{7FD937A8-A5D8-4DBE-8DEB-4A88AA82216D}"/>
-    <dgm:cxn modelId="{DBD6978D-485A-4C82-B94F-733C2F175509}" type="presParOf" srcId="{5182FABF-190A-4D2D-AE6E-651B135A7CB1}" destId="{A186EE94-7019-470E-AD5E-6637DBC0727E}" srcOrd="0" destOrd="0" presId="urn:microsoft.com/office/officeart/2005/8/layout/architecture"/>
-    <dgm:cxn modelId="{9AE1B3D5-C3FF-49B8-9A16-D40F4913A8E5}" type="presParOf" srcId="{A186EE94-7019-470E-AD5E-6637DBC0727E}" destId="{195D95A7-CCA1-42BD-AFB5-27D659AEB410}" srcOrd="0" destOrd="0" presId="urn:microsoft.com/office/officeart/2005/8/layout/architecture"/>
-    <dgm:cxn modelId="{094569F6-5BD5-40B3-A7DD-8DE9DBBC1CE7}" type="presParOf" srcId="{A186EE94-7019-470E-AD5E-6637DBC0727E}" destId="{A191D4DE-113A-4336-9A02-2684A6678CB5}" srcOrd="1" destOrd="0" presId="urn:microsoft.com/office/officeart/2005/8/layout/architecture"/>
-    <dgm:cxn modelId="{220736E9-3A8B-488D-BEE1-7503E782A2CB}" type="presParOf" srcId="{A186EE94-7019-470E-AD5E-6637DBC0727E}" destId="{C6FEF348-D9AD-41EC-8540-B39DD7C9C810}" srcOrd="2" destOrd="0" presId="urn:microsoft.com/office/officeart/2005/8/layout/architecture"/>
-    <dgm:cxn modelId="{96E3D828-BC19-43DE-8699-05186089286D}" type="presParOf" srcId="{C6FEF348-D9AD-41EC-8540-B39DD7C9C810}" destId="{05505B05-0524-42C8-B5C1-24F0B7540A27}" srcOrd="0" destOrd="0" presId="urn:microsoft.com/office/officeart/2005/8/layout/architecture"/>
-    <dgm:cxn modelId="{D51ABAD7-0FF5-4C99-998C-4F2DA1D54DF2}" type="presParOf" srcId="{05505B05-0524-42C8-B5C1-24F0B7540A27}" destId="{A12FD2B2-D784-43C3-8CCB-650C72E46278}" srcOrd="0" destOrd="0" presId="urn:microsoft.com/office/officeart/2005/8/layout/architecture"/>
-    <dgm:cxn modelId="{2B9805C2-4DC4-46D4-BB64-5728C89DAFCA}" type="presParOf" srcId="{05505B05-0524-42C8-B5C1-24F0B7540A27}" destId="{DAF45C8F-AEE1-4C4C-AAEF-D37E7A964874}" srcOrd="1" destOrd="0" presId="urn:microsoft.com/office/officeart/2005/8/layout/architecture"/>
-    <dgm:cxn modelId="{03C60E51-0C7A-4012-9D33-0C556C9BAAA4}" type="presParOf" srcId="{C6FEF348-D9AD-41EC-8540-B39DD7C9C810}" destId="{9C00C15C-B7FA-4D0A-AD84-78744EB2573A}" srcOrd="1" destOrd="0" presId="urn:microsoft.com/office/officeart/2005/8/layout/architecture"/>
-    <dgm:cxn modelId="{D41E4A7A-CE38-4C72-AAA0-04CD53336940}" type="presParOf" srcId="{C6FEF348-D9AD-41EC-8540-B39DD7C9C810}" destId="{EAAD6D1B-7FFD-4EEE-AC7A-5B86BFB02069}" srcOrd="2" destOrd="0" presId="urn:microsoft.com/office/officeart/2005/8/layout/architecture"/>
-    <dgm:cxn modelId="{BCBF173F-9AD7-4AF6-A0EF-D17FE70F4859}" type="presParOf" srcId="{EAAD6D1B-7FFD-4EEE-AC7A-5B86BFB02069}" destId="{44CD5B9E-0EF4-43FE-9091-20B8E5351AEB}" srcOrd="0" destOrd="0" presId="urn:microsoft.com/office/officeart/2005/8/layout/architecture"/>
-    <dgm:cxn modelId="{6BDCFD05-B1F9-4BB3-B332-5FD0DD2DA9FC}" type="presParOf" srcId="{EAAD6D1B-7FFD-4EEE-AC7A-5B86BFB02069}" destId="{FC208E8B-F081-4A15-B5DF-962DE169C758}" srcOrd="1" destOrd="0" presId="urn:microsoft.com/office/officeart/2005/8/layout/architecture"/>
-    <dgm:cxn modelId="{EF67381F-FB7C-42EC-9D1F-8C110C6F4145}" type="presParOf" srcId="{EAAD6D1B-7FFD-4EEE-AC7A-5B86BFB02069}" destId="{DD8BFE04-428D-4504-A4CA-56C80FF0534A}" srcOrd="2" destOrd="0" presId="urn:microsoft.com/office/officeart/2005/8/layout/architecture"/>
-    <dgm:cxn modelId="{27014F22-6C0C-46FC-A076-1E4AAC26A489}" type="presParOf" srcId="{DD8BFE04-428D-4504-A4CA-56C80FF0534A}" destId="{B00703CA-9EE1-4C8C-B316-4BF5EDF4AA6C}" srcOrd="0" destOrd="0" presId="urn:microsoft.com/office/officeart/2005/8/layout/architecture"/>
-    <dgm:cxn modelId="{2B0C8E3F-E735-44B2-B926-D98FDB4BFF71}" type="presParOf" srcId="{B00703CA-9EE1-4C8C-B316-4BF5EDF4AA6C}" destId="{2FD1F9D2-08A4-463C-B3FE-9194158FB82B}" srcOrd="0" destOrd="0" presId="urn:microsoft.com/office/officeart/2005/8/layout/architecture"/>
-    <dgm:cxn modelId="{21BE7807-A465-4B4D-B0B5-42B96C21BF5A}" type="presParOf" srcId="{B00703CA-9EE1-4C8C-B316-4BF5EDF4AA6C}" destId="{A5CFA3CF-FF0C-488A-B006-C4845C2E9351}" srcOrd="1" destOrd="0" presId="urn:microsoft.com/office/officeart/2005/8/layout/architecture"/>
-    <dgm:cxn modelId="{4667BF88-9DB6-45BA-A379-BF7978F87B36}" type="presParOf" srcId="{DD8BFE04-428D-4504-A4CA-56C80FF0534A}" destId="{2BBD47C5-3610-4227-810F-F0C4918BF7C9}" srcOrd="1" destOrd="0" presId="urn:microsoft.com/office/officeart/2005/8/layout/architecture"/>
-    <dgm:cxn modelId="{A422D3DF-1E12-4DC8-A19E-8EFCACC79E4A}" type="presParOf" srcId="{DD8BFE04-428D-4504-A4CA-56C80FF0534A}" destId="{BA562F62-8CE1-4748-945F-E3229756695A}" srcOrd="2" destOrd="0" presId="urn:microsoft.com/office/officeart/2005/8/layout/architecture"/>
-    <dgm:cxn modelId="{C7343E7A-89AE-4820-8068-CA29EA7782F9}" type="presParOf" srcId="{BA562F62-8CE1-4748-945F-E3229756695A}" destId="{3B6C985F-397C-47EA-8A52-80A2F5F02609}" srcOrd="0" destOrd="0" presId="urn:microsoft.com/office/officeart/2005/8/layout/architecture"/>
-    <dgm:cxn modelId="{75913FAA-13E9-4F1B-B79F-49BB8FBD47C3}" type="presParOf" srcId="{BA562F62-8CE1-4748-945F-E3229756695A}" destId="{FB76FB30-EE1C-4DCA-B212-3EFAD7BC7510}" srcOrd="1" destOrd="0" presId="urn:microsoft.com/office/officeart/2005/8/layout/architecture"/>
-    <dgm:cxn modelId="{F50779BC-6062-4AA1-82A3-D95926A6B222}" type="presParOf" srcId="{DD8BFE04-428D-4504-A4CA-56C80FF0534A}" destId="{534D23FC-CE05-42CD-AF02-25AD607875B4}" srcOrd="3" destOrd="0" presId="urn:microsoft.com/office/officeart/2005/8/layout/architecture"/>
-    <dgm:cxn modelId="{25A0440E-B390-46D5-9A49-BD75260078AF}" type="presParOf" srcId="{DD8BFE04-428D-4504-A4CA-56C80FF0534A}" destId="{81FCE170-E42B-4CCD-BFF7-5E585DF29E20}" srcOrd="4" destOrd="0" presId="urn:microsoft.com/office/officeart/2005/8/layout/architecture"/>
-    <dgm:cxn modelId="{22C2011A-892B-43B4-89C0-0E7E7854632A}" type="presParOf" srcId="{81FCE170-E42B-4CCD-BFF7-5E585DF29E20}" destId="{1E18E9F9-614A-46D6-8FD2-577805A54B02}" srcOrd="0" destOrd="0" presId="urn:microsoft.com/office/officeart/2005/8/layout/architecture"/>
-    <dgm:cxn modelId="{2CD63238-48E6-453D-8BE1-C44868C2E488}" type="presParOf" srcId="{81FCE170-E42B-4CCD-BFF7-5E585DF29E20}" destId="{91C255A2-1712-4DBE-8BF5-A3A1A6E72516}" srcOrd="1" destOrd="0" presId="urn:microsoft.com/office/officeart/2005/8/layout/architecture"/>
-    <dgm:cxn modelId="{232FE38D-8DE6-4E91-B973-CC9731CB8672}" type="presParOf" srcId="{81FCE170-E42B-4CCD-BFF7-5E585DF29E20}" destId="{CF253EEE-633D-4742-8A2D-4DBF428901F2}" srcOrd="2" destOrd="0" presId="urn:microsoft.com/office/officeart/2005/8/layout/architecture"/>
-    <dgm:cxn modelId="{7574A01D-C7C9-490D-B8AB-68248A860EB2}" type="presParOf" srcId="{CF253EEE-633D-4742-8A2D-4DBF428901F2}" destId="{A0D57949-2CB3-472E-B3DD-1CDD92FB6E05}" srcOrd="0" destOrd="0" presId="urn:microsoft.com/office/officeart/2005/8/layout/architecture"/>
-    <dgm:cxn modelId="{31BC7F22-ADE5-4B95-9B72-EACB34F92AC6}" type="presParOf" srcId="{A0D57949-2CB3-472E-B3DD-1CDD92FB6E05}" destId="{7D569B00-4303-4DAC-90CD-46153E61C281}" srcOrd="0" destOrd="0" presId="urn:microsoft.com/office/officeart/2005/8/layout/architecture"/>
-    <dgm:cxn modelId="{0EE72B90-2D4F-4D86-B9DC-0FF10154F426}" type="presParOf" srcId="{A0D57949-2CB3-472E-B3DD-1CDD92FB6E05}" destId="{754214B3-F298-45C1-BE2D-0DB6CD63D575}" srcOrd="1" destOrd="0" presId="urn:microsoft.com/office/officeart/2005/8/layout/architecture"/>
-    <dgm:cxn modelId="{9447E3F5-0E04-407C-96E5-594FC965F223}" type="presParOf" srcId="{C6FEF348-D9AD-41EC-8540-B39DD7C9C810}" destId="{3A3C7213-818E-4DC4-BF70-54DC591DAD59}" srcOrd="3" destOrd="0" presId="urn:microsoft.com/office/officeart/2005/8/layout/architecture"/>
-    <dgm:cxn modelId="{E74F5EC8-3D5F-4388-B8C6-60D26445D751}" type="presParOf" srcId="{C6FEF348-D9AD-41EC-8540-B39DD7C9C810}" destId="{0D11F832-A4C1-4C1D-BC24-7EF91497F1DD}" srcOrd="4" destOrd="0" presId="urn:microsoft.com/office/officeart/2005/8/layout/architecture"/>
-    <dgm:cxn modelId="{B71B5B75-4D63-4840-95FA-836494E9F55F}" type="presParOf" srcId="{0D11F832-A4C1-4C1D-BC24-7EF91497F1DD}" destId="{666A9C95-C307-4CF4-A3B9-2BC1D88A4403}" srcOrd="0" destOrd="0" presId="urn:microsoft.com/office/officeart/2005/8/layout/architecture"/>
-    <dgm:cxn modelId="{7436DA4D-A372-4100-A4B9-5F065034DE62}" type="presParOf" srcId="{0D11F832-A4C1-4C1D-BC24-7EF91497F1DD}" destId="{568CE014-7FAA-45D9-9B45-746A3A7F0659}" srcOrd="1" destOrd="0" presId="urn:microsoft.com/office/officeart/2005/8/layout/architecture"/>
-    <dgm:cxn modelId="{72749CCF-D6B7-4F1C-866F-1517993ACDBA}" type="presParOf" srcId="{C6FEF348-D9AD-41EC-8540-B39DD7C9C810}" destId="{2E33734A-D17E-457A-9176-C813EF7B91B5}" srcOrd="5" destOrd="0" presId="urn:microsoft.com/office/officeart/2005/8/layout/architecture"/>
-    <dgm:cxn modelId="{161E458F-5CEA-42EB-AF58-522363E3408A}" type="presParOf" srcId="{C6FEF348-D9AD-41EC-8540-B39DD7C9C810}" destId="{480C9F25-BD62-4B0E-9D6D-39C98FB81BD0}" srcOrd="6" destOrd="0" presId="urn:microsoft.com/office/officeart/2005/8/layout/architecture"/>
-    <dgm:cxn modelId="{CFEB0D47-58A0-49A6-8C16-EFBFFD2828F0}" type="presParOf" srcId="{480C9F25-BD62-4B0E-9D6D-39C98FB81BD0}" destId="{83B20DC0-9E1B-4A92-9F5C-48D1917C9061}" srcOrd="0" destOrd="0" presId="urn:microsoft.com/office/officeart/2005/8/layout/architecture"/>
-    <dgm:cxn modelId="{0FAA5231-7291-459F-99B3-F5BD895C4E0B}" type="presParOf" srcId="{480C9F25-BD62-4B0E-9D6D-39C98FB81BD0}" destId="{30D96D3D-63F1-43B1-A8F6-30F54EF70741}" srcOrd="1" destOrd="0" presId="urn:microsoft.com/office/officeart/2005/8/layout/architecture"/>
-    <dgm:cxn modelId="{B081C5D5-5FEC-41A2-9C7A-BB8821993FEF}" type="presParOf" srcId="{480C9F25-BD62-4B0E-9D6D-39C98FB81BD0}" destId="{0A77A0D2-73C7-4B0B-96C7-FBD890B55666}" srcOrd="2" destOrd="0" presId="urn:microsoft.com/office/officeart/2005/8/layout/architecture"/>
-    <dgm:cxn modelId="{60F7B6F0-2F28-4A2F-9F1C-98CA14C5D809}" type="presParOf" srcId="{0A77A0D2-73C7-4B0B-96C7-FBD890B55666}" destId="{0F58BE75-4338-4576-9E5A-5B5D94CD991D}" srcOrd="0" destOrd="0" presId="urn:microsoft.com/office/officeart/2005/8/layout/architecture"/>
-    <dgm:cxn modelId="{81A53582-CE99-4B07-9276-52B7D2CDCD7D}" type="presParOf" srcId="{0F58BE75-4338-4576-9E5A-5B5D94CD991D}" destId="{14ED00E2-7B0E-4D1B-9BEA-99433F3C7174}" srcOrd="0" destOrd="0" presId="urn:microsoft.com/office/officeart/2005/8/layout/architecture"/>
-    <dgm:cxn modelId="{5A967A23-4A6B-4F0C-9B46-D370676F4793}" type="presParOf" srcId="{0F58BE75-4338-4576-9E5A-5B5D94CD991D}" destId="{1156C46B-2A05-48A4-B7C3-F61C20212785}" srcOrd="1" destOrd="0" presId="urn:microsoft.com/office/officeart/2005/8/layout/architecture"/>
-    <dgm:cxn modelId="{A30DB8CD-2EC9-4F8F-B527-BB937309BED6}" type="presParOf" srcId="{C6FEF348-D9AD-41EC-8540-B39DD7C9C810}" destId="{F1AD0001-5B75-4739-B2E3-ADED648F2D76}" srcOrd="7" destOrd="0" presId="urn:microsoft.com/office/officeart/2005/8/layout/architecture"/>
-    <dgm:cxn modelId="{F04C7B47-CC96-4612-B961-6946968A5F41}" type="presParOf" srcId="{C6FEF348-D9AD-41EC-8540-B39DD7C9C810}" destId="{43DFAEA1-0C5F-4135-BBB2-B0EDB3D0D1F5}" srcOrd="8" destOrd="0" presId="urn:microsoft.com/office/officeart/2005/8/layout/architecture"/>
-    <dgm:cxn modelId="{A9B027A7-9DAF-4524-AEAF-2DFD13D16C50}" type="presParOf" srcId="{43DFAEA1-0C5F-4135-BBB2-B0EDB3D0D1F5}" destId="{0009A52D-6841-4355-81C5-7519A60DA41B}" srcOrd="0" destOrd="0" presId="urn:microsoft.com/office/officeart/2005/8/layout/architecture"/>
-    <dgm:cxn modelId="{7D60B973-36B6-4A3D-9388-0386C0ED73E9}" type="presParOf" srcId="{43DFAEA1-0C5F-4135-BBB2-B0EDB3D0D1F5}" destId="{B82C0C81-951D-414F-9D97-05E715823220}" srcOrd="1" destOrd="0" presId="urn:microsoft.com/office/officeart/2005/8/layout/architecture"/>
-    <dgm:cxn modelId="{73AA3387-0889-4D5D-A3A3-C56366BA8F3F}" type="presParOf" srcId="{C6FEF348-D9AD-41EC-8540-B39DD7C9C810}" destId="{D49C769A-F7FB-47BF-A0DA-BD0E327D973F}" srcOrd="9" destOrd="0" presId="urn:microsoft.com/office/officeart/2005/8/layout/architecture"/>
-    <dgm:cxn modelId="{21739C56-170A-47A8-89E3-55DD8AD05633}" type="presParOf" srcId="{C6FEF348-D9AD-41EC-8540-B39DD7C9C810}" destId="{0DAB641C-9337-4F1A-A1A6-82A2824BCD66}" srcOrd="10" destOrd="0" presId="urn:microsoft.com/office/officeart/2005/8/layout/architecture"/>
-    <dgm:cxn modelId="{5DA3F41B-426A-4B60-8CAE-4005B3B534A5}" type="presParOf" srcId="{0DAB641C-9337-4F1A-A1A6-82A2824BCD66}" destId="{20B114C2-B163-4909-9B4D-9657922B200F}" srcOrd="0" destOrd="0" presId="urn:microsoft.com/office/officeart/2005/8/layout/architecture"/>
-    <dgm:cxn modelId="{354D1921-862F-4013-B8BB-F91753DA1BBE}" type="presParOf" srcId="{0DAB641C-9337-4F1A-A1A6-82A2824BCD66}" destId="{54CD1B20-80D4-4004-A55D-561DBF513982}" srcOrd="1" destOrd="0" presId="urn:microsoft.com/office/officeart/2005/8/layout/architecture"/>
-    <dgm:cxn modelId="{365A6B68-B44D-4D1A-9A95-A21593F06406}" type="presParOf" srcId="{0DAB641C-9337-4F1A-A1A6-82A2824BCD66}" destId="{5F7DBDE7-E859-4BB0-B02F-BAD56D218F23}" srcOrd="2" destOrd="0" presId="urn:microsoft.com/office/officeart/2005/8/layout/architecture"/>
-    <dgm:cxn modelId="{4837B359-9F02-438E-A1C6-0C89E06C5DCE}" type="presParOf" srcId="{5F7DBDE7-E859-4BB0-B02F-BAD56D218F23}" destId="{4FC23D99-6EAA-4350-A453-F2A5DC743439}" srcOrd="0" destOrd="0" presId="urn:microsoft.com/office/officeart/2005/8/layout/architecture"/>
-    <dgm:cxn modelId="{ECF1962D-B2C6-4D28-B5FA-D1197956B347}" type="presParOf" srcId="{4FC23D99-6EAA-4350-A453-F2A5DC743439}" destId="{CB197B57-22E6-4E83-AA82-4D3235538DF4}" srcOrd="0" destOrd="0" presId="urn:microsoft.com/office/officeart/2005/8/layout/architecture"/>
-    <dgm:cxn modelId="{9E9B5C95-A41D-4943-B8FA-750857795D82}" type="presParOf" srcId="{4FC23D99-6EAA-4350-A453-F2A5DC743439}" destId="{A57BD986-4E58-4F9C-BFA0-E807CD2BF2AF}" srcOrd="1" destOrd="0" presId="urn:microsoft.com/office/officeart/2005/8/layout/architecture"/>
-    <dgm:cxn modelId="{50AD17A1-21C2-4A8F-B0C7-BB60E569EF09}" type="presParOf" srcId="{5F7DBDE7-E859-4BB0-B02F-BAD56D218F23}" destId="{A9D49AC8-EABB-41AA-B013-F78D2D7B0C4A}" srcOrd="1" destOrd="0" presId="urn:microsoft.com/office/officeart/2005/8/layout/architecture"/>
-    <dgm:cxn modelId="{0CD507BA-4660-4D85-B16D-044989E4D150}" type="presParOf" srcId="{5F7DBDE7-E859-4BB0-B02F-BAD56D218F23}" destId="{E7E93D87-4300-4D58-9F10-B79AE476DC9C}" srcOrd="2" destOrd="0" presId="urn:microsoft.com/office/officeart/2005/8/layout/architecture"/>
-    <dgm:cxn modelId="{40F475B6-4750-4405-90D2-739BDF3E7EAD}" type="presParOf" srcId="{E7E93D87-4300-4D58-9F10-B79AE476DC9C}" destId="{5CDFF962-77E7-4D83-A943-E9F93D0677D1}" srcOrd="0" destOrd="0" presId="urn:microsoft.com/office/officeart/2005/8/layout/architecture"/>
-    <dgm:cxn modelId="{B0F91BED-2F68-4928-A38D-707A5E84B50D}" type="presParOf" srcId="{E7E93D87-4300-4D58-9F10-B79AE476DC9C}" destId="{37D91DEF-84F6-4044-ABEA-6E93284D8A74}" srcOrd="1" destOrd="0" presId="urn:microsoft.com/office/officeart/2005/8/layout/architecture"/>
-    <dgm:cxn modelId="{9D0C8C07-7625-4BCB-A7EC-D29C50F530D8}" type="presParOf" srcId="{E7E93D87-4300-4D58-9F10-B79AE476DC9C}" destId="{88359D64-A708-4C2A-9841-1DE1CFA9E749}" srcOrd="2" destOrd="0" presId="urn:microsoft.com/office/officeart/2005/8/layout/architecture"/>
-    <dgm:cxn modelId="{1F7E985B-5885-4C31-A7E3-3AD05A3EC3FC}" type="presParOf" srcId="{88359D64-A708-4C2A-9841-1DE1CFA9E749}" destId="{4A8E843C-5A56-4CF4-9B64-B2688547D845}" srcOrd="0" destOrd="0" presId="urn:microsoft.com/office/officeart/2005/8/layout/architecture"/>
-    <dgm:cxn modelId="{918CD8C8-D3D8-4C17-807D-8D6426DECAD8}" type="presParOf" srcId="{4A8E843C-5A56-4CF4-9B64-B2688547D845}" destId="{ECB1DC98-E855-4D45-96DB-5217E986B1C9}" srcOrd="0" destOrd="0" presId="urn:microsoft.com/office/officeart/2005/8/layout/architecture"/>
-    <dgm:cxn modelId="{D718F1DD-87FB-4F01-BBA9-E5668C68CC8D}" type="presParOf" srcId="{4A8E843C-5A56-4CF4-9B64-B2688547D845}" destId="{7B422C28-CC2F-49E0-B8E2-0538CCCF5606}" srcOrd="1" destOrd="0" presId="urn:microsoft.com/office/officeart/2005/8/layout/architecture"/>
-  </dgm:cxnLst>
-  <dgm:bg/>
-  <dgm:whole/>
-  <dgm:extLst>
-    <a:ext uri="http://schemas.microsoft.com/office/drawing/2008/diagram">
-      <dsp:dataModelExt xmlns:dsp="http://schemas.microsoft.com/office/drawing/2008/diagram" relId="rId6" minVer="http://schemas.openxmlformats.org/drawingml/2006/diagram"/>
-    </a:ext>
-  </dgm:extLst>
-</dgm:dataModel>
-</file>
-
-<file path=ppt/diagrams/drawing1.xml><?xml version="1.0" encoding="utf-8"?>
-<dsp:drawing xmlns:dgm="http://schemas.openxmlformats.org/drawingml/2006/diagram" xmlns:dsp="http://schemas.microsoft.com/office/drawing/2008/diagram" xmlns:a="http://schemas.openxmlformats.org/drawingml/2006/main">
-  <dsp:spTree>
-    <dsp:nvGrpSpPr>
-      <dsp:cNvPr id="0" name=""/>
-      <dsp:cNvGrpSpPr/>
-    </dsp:nvGrpSpPr>
-    <dsp:grpSpPr/>
-    <dsp:sp modelId="{195D95A7-CCA1-42BD-AFB5-27D659AEB410}">
-      <dsp:nvSpPr>
-        <dsp:cNvPr id="0" name=""/>
-        <dsp:cNvSpPr/>
-      </dsp:nvSpPr>
-      <dsp:spPr>
-        <a:xfrm>
-          <a:off x="1117" y="2502063"/>
-          <a:ext cx="11945925" cy="689066"/>
-        </a:xfrm>
-        <a:prstGeom prst="roundRect">
-          <a:avLst>
-            <a:gd name="adj" fmla="val 10000"/>
-          </a:avLst>
-        </a:prstGeom>
-        <a:solidFill>
-          <a:schemeClr val="accent3">
-            <a:hueOff val="0"/>
-            <a:satOff val="0"/>
-            <a:lumOff val="0"/>
-            <a:alphaOff val="0"/>
-          </a:schemeClr>
-        </a:solidFill>
-        <a:ln w="12700" cap="flat" cmpd="sng" algn="ctr">
-          <a:solidFill>
-            <a:schemeClr val="lt1">
-              <a:hueOff val="0"/>
-              <a:satOff val="0"/>
-              <a:lumOff val="0"/>
-              <a:alphaOff val="0"/>
-            </a:schemeClr>
-          </a:solidFill>
-          <a:prstDash val="solid"/>
-          <a:miter lim="800000"/>
-        </a:ln>
-        <a:effectLst/>
-      </dsp:spPr>
-      <dsp:style>
-        <a:lnRef idx="2">
-          <a:scrgbClr r="0" g="0" b="0"/>
-        </a:lnRef>
-        <a:fillRef idx="1">
-          <a:scrgbClr r="0" g="0" b="0"/>
-        </a:fillRef>
-        <a:effectRef idx="0">
-          <a:scrgbClr r="0" g="0" b="0"/>
-        </a:effectRef>
-        <a:fontRef idx="minor">
-          <a:schemeClr val="lt1"/>
-        </a:fontRef>
-      </dsp:style>
-      <dsp:txBody>
-        <a:bodyPr spcFirstLastPara="0" vert="horz" wrap="square" lIns="114300" tIns="114300" rIns="114300" bIns="114300" numCol="1" spcCol="1270" anchor="ctr" anchorCtr="0">
-          <a:noAutofit/>
-        </a:bodyPr>
-        <a:lstStyle/>
-        <a:p>
-          <a:pPr marL="0" lvl="0" indent="0" algn="ctr" defTabSz="1333500">
-            <a:lnSpc>
-              <a:spcPct val="90000"/>
-            </a:lnSpc>
-            <a:spcBef>
-              <a:spcPct val="0"/>
-            </a:spcBef>
-            <a:spcAft>
-              <a:spcPct val="35000"/>
-            </a:spcAft>
-            <a:buNone/>
-          </a:pPr>
-          <a:r>
-            <a:rPr lang="en-US" sz="3000" kern="1200" dirty="0"/>
-            <a:t>Storm Kernel (.NET)</a:t>
-          </a:r>
-          <a:endParaRPr lang="en-SE" sz="3000" kern="1200" dirty="0"/>
-        </a:p>
-      </dsp:txBody>
-      <dsp:txXfrm>
-        <a:off x="21299" y="2522245"/>
-        <a:ext cx="11905561" cy="648702"/>
-      </dsp:txXfrm>
-    </dsp:sp>
-    <dsp:sp modelId="{A12FD2B2-D784-43C3-8CCB-650C72E46278}">
-      <dsp:nvSpPr>
-        <dsp:cNvPr id="0" name=""/>
-        <dsp:cNvSpPr/>
-      </dsp:nvSpPr>
-      <dsp:spPr>
-        <a:xfrm>
-          <a:off x="1117" y="1668592"/>
-          <a:ext cx="1251406" cy="689066"/>
-        </a:xfrm>
-        <a:prstGeom prst="roundRect">
-          <a:avLst>
-            <a:gd name="adj" fmla="val 10000"/>
-          </a:avLst>
-        </a:prstGeom>
-        <a:solidFill>
-          <a:schemeClr val="accent5">
-            <a:hueOff val="0"/>
-            <a:satOff val="0"/>
-            <a:lumOff val="0"/>
-            <a:alphaOff val="0"/>
-          </a:schemeClr>
-        </a:solidFill>
-        <a:ln w="12700" cap="flat" cmpd="sng" algn="ctr">
-          <a:solidFill>
-            <a:schemeClr val="lt1">
-              <a:hueOff val="0"/>
-              <a:satOff val="0"/>
-              <a:lumOff val="0"/>
-              <a:alphaOff val="0"/>
-            </a:schemeClr>
-          </a:solidFill>
-          <a:prstDash val="solid"/>
-          <a:miter lim="800000"/>
-        </a:ln>
-        <a:effectLst/>
-      </dsp:spPr>
-      <dsp:style>
-        <a:lnRef idx="2">
-          <a:scrgbClr r="0" g="0" b="0"/>
-        </a:lnRef>
-        <a:fillRef idx="1">
-          <a:scrgbClr r="0" g="0" b="0"/>
-        </a:fillRef>
-        <a:effectRef idx="0">
-          <a:scrgbClr r="0" g="0" b="0"/>
-        </a:effectRef>
-        <a:fontRef idx="minor">
-          <a:schemeClr val="lt1"/>
-        </a:fontRef>
-      </dsp:style>
-      <dsp:txBody>
-        <a:bodyPr spcFirstLastPara="0" vert="horz" wrap="square" lIns="19050" tIns="19050" rIns="19050" bIns="19050" numCol="1" spcCol="1270" anchor="ctr" anchorCtr="0">
-          <a:noAutofit/>
-        </a:bodyPr>
-        <a:lstStyle/>
-        <a:p>
-          <a:pPr marL="0" lvl="0" indent="0" algn="ctr" defTabSz="222250">
-            <a:lnSpc>
-              <a:spcPct val="90000"/>
-            </a:lnSpc>
-            <a:spcBef>
-              <a:spcPct val="0"/>
-            </a:spcBef>
-            <a:spcAft>
-              <a:spcPct val="35000"/>
-            </a:spcAft>
-            <a:buNone/>
-          </a:pPr>
-          <a:r>
-            <a:rPr lang="en-US" sz="500" kern="1200" dirty="0" err="1"/>
-            <a:t>Protocol.BlockStorage</a:t>
-          </a:r>
-          <a:endParaRPr lang="en-SE" sz="500" kern="1200" dirty="0"/>
-        </a:p>
-      </dsp:txBody>
-      <dsp:txXfrm>
-        <a:off x="21299" y="1688774"/>
-        <a:ext cx="1211042" cy="648702"/>
-      </dsp:txXfrm>
-    </dsp:sp>
-    <dsp:sp modelId="{44CD5B9E-0EF4-43FE-9091-20B8E5351AEB}">
-      <dsp:nvSpPr>
-        <dsp:cNvPr id="0" name=""/>
-        <dsp:cNvSpPr/>
-      </dsp:nvSpPr>
-      <dsp:spPr>
-        <a:xfrm>
-          <a:off x="1357641" y="1668592"/>
-          <a:ext cx="3859337" cy="689066"/>
-        </a:xfrm>
-        <a:prstGeom prst="roundRect">
-          <a:avLst>
-            <a:gd name="adj" fmla="val 10000"/>
-          </a:avLst>
-        </a:prstGeom>
-        <a:solidFill>
-          <a:schemeClr val="accent5">
-            <a:hueOff val="0"/>
-            <a:satOff val="0"/>
-            <a:lumOff val="0"/>
-            <a:alphaOff val="0"/>
-          </a:schemeClr>
-        </a:solidFill>
-        <a:ln w="12700" cap="flat" cmpd="sng" algn="ctr">
-          <a:solidFill>
-            <a:schemeClr val="lt1">
-              <a:hueOff val="0"/>
-              <a:satOff val="0"/>
-              <a:lumOff val="0"/>
-              <a:alphaOff val="0"/>
-            </a:schemeClr>
-          </a:solidFill>
-          <a:prstDash val="solid"/>
-          <a:miter lim="800000"/>
-        </a:ln>
-        <a:effectLst/>
-      </dsp:spPr>
-      <dsp:style>
-        <a:lnRef idx="2">
-          <a:scrgbClr r="0" g="0" b="0"/>
-        </a:lnRef>
-        <a:fillRef idx="1">
-          <a:scrgbClr r="0" g="0" b="0"/>
-        </a:fillRef>
-        <a:effectRef idx="0">
-          <a:scrgbClr r="0" g="0" b="0"/>
-        </a:effectRef>
-        <a:fontRef idx="minor">
-          <a:schemeClr val="lt1"/>
-        </a:fontRef>
-      </dsp:style>
-      <dsp:txBody>
-        <a:bodyPr spcFirstLastPara="0" vert="horz" wrap="square" lIns="19050" tIns="19050" rIns="19050" bIns="19050" numCol="1" spcCol="1270" anchor="ctr" anchorCtr="0">
-          <a:noAutofit/>
-        </a:bodyPr>
-        <a:lstStyle/>
-        <a:p>
-          <a:pPr marL="0" lvl="0" indent="0" algn="ctr" defTabSz="222250">
-            <a:lnSpc>
-              <a:spcPct val="90000"/>
-            </a:lnSpc>
-            <a:spcBef>
-              <a:spcPct val="0"/>
-            </a:spcBef>
-            <a:spcAft>
-              <a:spcPct val="35000"/>
-            </a:spcAft>
-            <a:buNone/>
-          </a:pPr>
-          <a:r>
-            <a:rPr lang="en-US" sz="500" kern="1200" dirty="0" err="1"/>
-            <a:t>Protocol.FileSystem</a:t>
-          </a:r>
-          <a:endParaRPr lang="en-SE" sz="500" kern="1200" dirty="0"/>
-        </a:p>
-      </dsp:txBody>
-      <dsp:txXfrm>
-        <a:off x="1377823" y="1688774"/>
-        <a:ext cx="3818973" cy="648702"/>
-      </dsp:txXfrm>
-    </dsp:sp>
-    <dsp:sp modelId="{2FD1F9D2-08A4-463C-B3FE-9194158FB82B}">
-      <dsp:nvSpPr>
-        <dsp:cNvPr id="0" name=""/>
-        <dsp:cNvSpPr/>
-      </dsp:nvSpPr>
-      <dsp:spPr>
-        <a:xfrm>
-          <a:off x="1357641" y="835120"/>
-          <a:ext cx="1251406" cy="689066"/>
-        </a:xfrm>
-        <a:prstGeom prst="roundRect">
-          <a:avLst>
-            <a:gd name="adj" fmla="val 10000"/>
-          </a:avLst>
-        </a:prstGeom>
-        <a:solidFill>
-          <a:schemeClr val="accent6">
-            <a:hueOff val="0"/>
-            <a:satOff val="0"/>
-            <a:lumOff val="0"/>
-            <a:alphaOff val="0"/>
-          </a:schemeClr>
-        </a:solidFill>
-        <a:ln w="12700" cap="flat" cmpd="sng" algn="ctr">
-          <a:solidFill>
-            <a:schemeClr val="lt1">
-              <a:hueOff val="0"/>
-              <a:satOff val="0"/>
-              <a:lumOff val="0"/>
-              <a:alphaOff val="0"/>
-            </a:schemeClr>
-          </a:solidFill>
-          <a:prstDash val="solid"/>
-          <a:miter lim="800000"/>
-        </a:ln>
-        <a:effectLst/>
-      </dsp:spPr>
-      <dsp:style>
-        <a:lnRef idx="2">
-          <a:scrgbClr r="0" g="0" b="0"/>
-        </a:lnRef>
-        <a:fillRef idx="1">
-          <a:scrgbClr r="0" g="0" b="0"/>
-        </a:fillRef>
-        <a:effectRef idx="0">
-          <a:scrgbClr r="0" g="0" b="0"/>
-        </a:effectRef>
-        <a:fontRef idx="minor">
-          <a:schemeClr val="lt1"/>
-        </a:fontRef>
-      </dsp:style>
-      <dsp:txBody>
-        <a:bodyPr spcFirstLastPara="0" vert="horz" wrap="square" lIns="19050" tIns="19050" rIns="19050" bIns="19050" numCol="1" spcCol="1270" anchor="ctr" anchorCtr="0">
-          <a:noAutofit/>
-        </a:bodyPr>
-        <a:lstStyle/>
-        <a:p>
-          <a:pPr marL="0" lvl="0" indent="0" algn="ctr" defTabSz="222250">
-            <a:lnSpc>
-              <a:spcPct val="90000"/>
-            </a:lnSpc>
-            <a:spcBef>
-              <a:spcPct val="0"/>
-            </a:spcBef>
-            <a:spcAft>
-              <a:spcPct val="35000"/>
-            </a:spcAft>
-            <a:buNone/>
-          </a:pPr>
-          <a:r>
-            <a:rPr lang="en-US" sz="500" kern="1200" dirty="0" err="1"/>
-            <a:t>Server.RootFileSystem</a:t>
-          </a:r>
-          <a:endParaRPr lang="en-SE" sz="500" kern="1200" dirty="0"/>
-        </a:p>
-      </dsp:txBody>
-      <dsp:txXfrm>
-        <a:off x="1377823" y="855302"/>
-        <a:ext cx="1211042" cy="648702"/>
-      </dsp:txXfrm>
-    </dsp:sp>
-    <dsp:sp modelId="{3B6C985F-397C-47EA-8A52-80A2F5F02609}">
-      <dsp:nvSpPr>
-        <dsp:cNvPr id="0" name=""/>
-        <dsp:cNvSpPr/>
-      </dsp:nvSpPr>
-      <dsp:spPr>
-        <a:xfrm>
-          <a:off x="2661607" y="835120"/>
-          <a:ext cx="1251406" cy="689066"/>
-        </a:xfrm>
-        <a:prstGeom prst="roundRect">
-          <a:avLst>
-            <a:gd name="adj" fmla="val 10000"/>
-          </a:avLst>
-        </a:prstGeom>
-        <a:solidFill>
-          <a:schemeClr val="accent6">
-            <a:hueOff val="0"/>
-            <a:satOff val="0"/>
-            <a:lumOff val="0"/>
-            <a:alphaOff val="0"/>
-          </a:schemeClr>
-        </a:solidFill>
-        <a:ln w="12700" cap="flat" cmpd="sng" algn="ctr">
-          <a:solidFill>
-            <a:schemeClr val="lt1">
-              <a:hueOff val="0"/>
-              <a:satOff val="0"/>
-              <a:lumOff val="0"/>
-              <a:alphaOff val="0"/>
-            </a:schemeClr>
-          </a:solidFill>
-          <a:prstDash val="solid"/>
-          <a:miter lim="800000"/>
-        </a:ln>
-        <a:effectLst/>
-      </dsp:spPr>
-      <dsp:style>
-        <a:lnRef idx="2">
-          <a:scrgbClr r="0" g="0" b="0"/>
-        </a:lnRef>
-        <a:fillRef idx="1">
-          <a:scrgbClr r="0" g="0" b="0"/>
-        </a:fillRef>
-        <a:effectRef idx="0">
-          <a:scrgbClr r="0" g="0" b="0"/>
-        </a:effectRef>
-        <a:fontRef idx="minor">
-          <a:schemeClr val="lt1"/>
-        </a:fontRef>
-      </dsp:style>
-      <dsp:txBody>
-        <a:bodyPr spcFirstLastPara="0" vert="horz" wrap="square" lIns="19050" tIns="19050" rIns="19050" bIns="19050" numCol="1" spcCol="1270" anchor="ctr" anchorCtr="0">
-          <a:noAutofit/>
-        </a:bodyPr>
-        <a:lstStyle/>
-        <a:p>
-          <a:pPr marL="0" lvl="0" indent="0" algn="ctr" defTabSz="222250">
-            <a:lnSpc>
-              <a:spcPct val="90000"/>
-            </a:lnSpc>
-            <a:spcBef>
-              <a:spcPct val="0"/>
-            </a:spcBef>
-            <a:spcAft>
-              <a:spcPct val="35000"/>
-            </a:spcAft>
-            <a:buNone/>
-          </a:pPr>
-          <a:r>
-            <a:rPr lang="en-US" sz="500" kern="1200" dirty="0" err="1"/>
-            <a:t>HostServer.NativeFileSystem</a:t>
-          </a:r>
-          <a:endParaRPr lang="en-SE" sz="500" kern="1200" dirty="0"/>
-        </a:p>
-      </dsp:txBody>
-      <dsp:txXfrm>
-        <a:off x="2681789" y="855302"/>
-        <a:ext cx="1211042" cy="648702"/>
-      </dsp:txXfrm>
-    </dsp:sp>
-    <dsp:sp modelId="{1E18E9F9-614A-46D6-8FD2-577805A54B02}">
-      <dsp:nvSpPr>
-        <dsp:cNvPr id="0" name=""/>
-        <dsp:cNvSpPr/>
-      </dsp:nvSpPr>
-      <dsp:spPr>
-        <a:xfrm>
-          <a:off x="3965572" y="835120"/>
-          <a:ext cx="1251406" cy="689066"/>
-        </a:xfrm>
-        <a:prstGeom prst="roundRect">
-          <a:avLst>
-            <a:gd name="adj" fmla="val 10000"/>
-          </a:avLst>
-        </a:prstGeom>
-        <a:solidFill>
-          <a:schemeClr val="accent6">
-            <a:hueOff val="0"/>
-            <a:satOff val="0"/>
-            <a:lumOff val="0"/>
-            <a:alphaOff val="0"/>
-          </a:schemeClr>
-        </a:solidFill>
-        <a:ln w="12700" cap="flat" cmpd="sng" algn="ctr">
-          <a:solidFill>
-            <a:schemeClr val="lt1">
-              <a:hueOff val="0"/>
-              <a:satOff val="0"/>
-              <a:lumOff val="0"/>
-              <a:alphaOff val="0"/>
-            </a:schemeClr>
-          </a:solidFill>
-          <a:prstDash val="solid"/>
-          <a:miter lim="800000"/>
-        </a:ln>
-        <a:effectLst/>
-      </dsp:spPr>
-      <dsp:style>
-        <a:lnRef idx="2">
-          <a:scrgbClr r="0" g="0" b="0"/>
-        </a:lnRef>
-        <a:fillRef idx="1">
-          <a:scrgbClr r="0" g="0" b="0"/>
-        </a:fillRef>
-        <a:effectRef idx="0">
-          <a:scrgbClr r="0" g="0" b="0"/>
-        </a:effectRef>
-        <a:fontRef idx="minor">
-          <a:schemeClr val="lt1"/>
-        </a:fontRef>
-      </dsp:style>
-      <dsp:txBody>
-        <a:bodyPr spcFirstLastPara="0" vert="horz" wrap="square" lIns="19050" tIns="19050" rIns="19050" bIns="19050" numCol="1" spcCol="1270" anchor="ctr" anchorCtr="0">
-          <a:noAutofit/>
-        </a:bodyPr>
-        <a:lstStyle/>
-        <a:p>
-          <a:pPr marL="0" lvl="0" indent="0" algn="ctr" defTabSz="222250">
-            <a:lnSpc>
-              <a:spcPct val="90000"/>
-            </a:lnSpc>
-            <a:spcBef>
-              <a:spcPct val="0"/>
-            </a:spcBef>
-            <a:spcAft>
-              <a:spcPct val="35000"/>
-            </a:spcAft>
-            <a:buNone/>
-          </a:pPr>
-          <a:r>
-            <a:rPr lang="en-US" sz="500" kern="1200" dirty="0" err="1"/>
-            <a:t>Library.FileSystem</a:t>
-          </a:r>
-          <a:endParaRPr lang="en-SE" sz="500" kern="1200" dirty="0"/>
-        </a:p>
-      </dsp:txBody>
-      <dsp:txXfrm>
-        <a:off x="3985754" y="855302"/>
-        <a:ext cx="1211042" cy="648702"/>
-      </dsp:txXfrm>
-    </dsp:sp>
-    <dsp:sp modelId="{7D569B00-4303-4DAC-90CD-46153E61C281}">
-      <dsp:nvSpPr>
-        <dsp:cNvPr id="0" name=""/>
-        <dsp:cNvSpPr/>
-      </dsp:nvSpPr>
-      <dsp:spPr>
-        <a:xfrm>
-          <a:off x="3965572" y="1649"/>
-          <a:ext cx="1251406" cy="689066"/>
-        </a:xfrm>
-        <a:prstGeom prst="roundRect">
-          <a:avLst>
-            <a:gd name="adj" fmla="val 10000"/>
-          </a:avLst>
-        </a:prstGeom>
-        <a:solidFill>
-          <a:schemeClr val="accent1">
-            <a:hueOff val="0"/>
-            <a:satOff val="0"/>
-            <a:lumOff val="0"/>
-            <a:alphaOff val="0"/>
-          </a:schemeClr>
-        </a:solidFill>
-        <a:ln w="12700" cap="flat" cmpd="sng" algn="ctr">
-          <a:solidFill>
-            <a:schemeClr val="lt1">
-              <a:hueOff val="0"/>
-              <a:satOff val="0"/>
-              <a:lumOff val="0"/>
-              <a:alphaOff val="0"/>
-            </a:schemeClr>
-          </a:solidFill>
-          <a:prstDash val="solid"/>
-          <a:miter lim="800000"/>
-        </a:ln>
-        <a:effectLst/>
-      </dsp:spPr>
-      <dsp:style>
-        <a:lnRef idx="2">
-          <a:scrgbClr r="0" g="0" b="0"/>
-        </a:lnRef>
-        <a:fillRef idx="1">
-          <a:scrgbClr r="0" g="0" b="0"/>
-        </a:fillRef>
-        <a:effectRef idx="0">
-          <a:scrgbClr r="0" g="0" b="0"/>
-        </a:effectRef>
-        <a:fontRef idx="minor">
-          <a:schemeClr val="lt1"/>
-        </a:fontRef>
-      </dsp:style>
-      <dsp:txBody>
-        <a:bodyPr spcFirstLastPara="0" vert="horz" wrap="square" lIns="19050" tIns="19050" rIns="19050" bIns="19050" numCol="1" spcCol="1270" anchor="ctr" anchorCtr="0">
-          <a:noAutofit/>
-        </a:bodyPr>
-        <a:lstStyle/>
-        <a:p>
-          <a:pPr marL="0" lvl="0" indent="0" algn="ctr" defTabSz="222250">
-            <a:lnSpc>
-              <a:spcPct val="90000"/>
-            </a:lnSpc>
-            <a:spcBef>
-              <a:spcPct val="0"/>
-            </a:spcBef>
-            <a:spcAft>
-              <a:spcPct val="35000"/>
-            </a:spcAft>
-            <a:buNone/>
-          </a:pPr>
-          <a:r>
-            <a:rPr lang="en-US" sz="500" kern="1200" dirty="0"/>
-            <a:t>APP</a:t>
-          </a:r>
-          <a:endParaRPr lang="en-SE" sz="500" kern="1200" dirty="0"/>
-        </a:p>
-      </dsp:txBody>
-      <dsp:txXfrm>
-        <a:off x="3985754" y="21831"/>
-        <a:ext cx="1211042" cy="648702"/>
-      </dsp:txXfrm>
-    </dsp:sp>
-    <dsp:sp modelId="{666A9C95-C307-4CF4-A3B9-2BC1D88A4403}">
-      <dsp:nvSpPr>
-        <dsp:cNvPr id="0" name=""/>
-        <dsp:cNvSpPr/>
-      </dsp:nvSpPr>
-      <dsp:spPr>
-        <a:xfrm>
-          <a:off x="5322097" y="1668592"/>
-          <a:ext cx="1251406" cy="689066"/>
-        </a:xfrm>
-        <a:prstGeom prst="roundRect">
-          <a:avLst>
-            <a:gd name="adj" fmla="val 10000"/>
-          </a:avLst>
-        </a:prstGeom>
-        <a:solidFill>
-          <a:schemeClr val="accent5">
-            <a:hueOff val="0"/>
-            <a:satOff val="0"/>
-            <a:lumOff val="0"/>
-            <a:alphaOff val="0"/>
-          </a:schemeClr>
-        </a:solidFill>
-        <a:ln w="12700" cap="flat" cmpd="sng" algn="ctr">
-          <a:solidFill>
-            <a:schemeClr val="lt1">
-              <a:hueOff val="0"/>
-              <a:satOff val="0"/>
-              <a:lumOff val="0"/>
-              <a:alphaOff val="0"/>
-            </a:schemeClr>
-          </a:solidFill>
-          <a:prstDash val="solid"/>
-          <a:miter lim="800000"/>
-        </a:ln>
-        <a:effectLst/>
-      </dsp:spPr>
-      <dsp:style>
-        <a:lnRef idx="2">
-          <a:scrgbClr r="0" g="0" b="0"/>
-        </a:lnRef>
-        <a:fillRef idx="1">
-          <a:scrgbClr r="0" g="0" b="0"/>
-        </a:fillRef>
-        <a:effectRef idx="0">
-          <a:scrgbClr r="0" g="0" b="0"/>
-        </a:effectRef>
-        <a:fontRef idx="minor">
-          <a:schemeClr val="lt1"/>
-        </a:fontRef>
-      </dsp:style>
-      <dsp:txBody>
-        <a:bodyPr spcFirstLastPara="0" vert="horz" wrap="square" lIns="19050" tIns="19050" rIns="19050" bIns="19050" numCol="1" spcCol="1270" anchor="ctr" anchorCtr="0">
-          <a:noAutofit/>
-        </a:bodyPr>
-        <a:lstStyle/>
-        <a:p>
-          <a:pPr marL="0" lvl="0" indent="0" algn="ctr" defTabSz="222250">
-            <a:lnSpc>
-              <a:spcPct val="90000"/>
-            </a:lnSpc>
-            <a:spcBef>
-              <a:spcPct val="0"/>
-            </a:spcBef>
-            <a:spcAft>
-              <a:spcPct val="35000"/>
-            </a:spcAft>
-            <a:buNone/>
-          </a:pPr>
-          <a:r>
-            <a:rPr lang="en-US" sz="500" kern="1200" dirty="0" err="1"/>
-            <a:t>Protocol.DataDisplay</a:t>
-          </a:r>
-          <a:endParaRPr lang="en-SE" sz="500" kern="1200" dirty="0"/>
-        </a:p>
-      </dsp:txBody>
-      <dsp:txXfrm>
-        <a:off x="5342279" y="1688774"/>
-        <a:ext cx="1211042" cy="648702"/>
-      </dsp:txXfrm>
-    </dsp:sp>
-    <dsp:sp modelId="{83B20DC0-9E1B-4A92-9F5C-48D1917C9061}">
-      <dsp:nvSpPr>
-        <dsp:cNvPr id="0" name=""/>
-        <dsp:cNvSpPr/>
-      </dsp:nvSpPr>
-      <dsp:spPr>
-        <a:xfrm>
-          <a:off x="6678621" y="1668592"/>
-          <a:ext cx="1251406" cy="689066"/>
-        </a:xfrm>
-        <a:prstGeom prst="roundRect">
-          <a:avLst>
-            <a:gd name="adj" fmla="val 10000"/>
-          </a:avLst>
-        </a:prstGeom>
-        <a:solidFill>
-          <a:schemeClr val="accent5">
-            <a:hueOff val="0"/>
-            <a:satOff val="0"/>
-            <a:lumOff val="0"/>
-            <a:alphaOff val="0"/>
-          </a:schemeClr>
-        </a:solidFill>
-        <a:ln w="12700" cap="flat" cmpd="sng" algn="ctr">
-          <a:solidFill>
-            <a:schemeClr val="lt1">
-              <a:hueOff val="0"/>
-              <a:satOff val="0"/>
-              <a:lumOff val="0"/>
-              <a:alphaOff val="0"/>
-            </a:schemeClr>
-          </a:solidFill>
-          <a:prstDash val="solid"/>
-          <a:miter lim="800000"/>
-        </a:ln>
-        <a:effectLst/>
-      </dsp:spPr>
-      <dsp:style>
-        <a:lnRef idx="2">
-          <a:scrgbClr r="0" g="0" b="0"/>
-        </a:lnRef>
-        <a:fillRef idx="1">
-          <a:scrgbClr r="0" g="0" b="0"/>
-        </a:fillRef>
-        <a:effectRef idx="0">
-          <a:scrgbClr r="0" g="0" b="0"/>
-        </a:effectRef>
-        <a:fontRef idx="minor">
-          <a:schemeClr val="lt1"/>
-        </a:fontRef>
-      </dsp:style>
-      <dsp:txBody>
-        <a:bodyPr spcFirstLastPara="0" vert="horz" wrap="square" lIns="19050" tIns="19050" rIns="19050" bIns="19050" numCol="1" spcCol="1270" anchor="ctr" anchorCtr="0">
-          <a:noAutofit/>
-        </a:bodyPr>
-        <a:lstStyle/>
-        <a:p>
-          <a:pPr marL="0" lvl="0" indent="0" algn="ctr" defTabSz="222250">
-            <a:lnSpc>
-              <a:spcPct val="90000"/>
-            </a:lnSpc>
-            <a:spcBef>
-              <a:spcPct val="0"/>
-            </a:spcBef>
-            <a:spcAft>
-              <a:spcPct val="35000"/>
-            </a:spcAft>
-            <a:buNone/>
-          </a:pPr>
-          <a:r>
-            <a:rPr lang="en-US" sz="500" kern="1200" dirty="0" err="1"/>
-            <a:t>Protocol.FrameBufferDisplay</a:t>
-          </a:r>
-          <a:endParaRPr lang="en-SE" sz="500" kern="1200" dirty="0"/>
-        </a:p>
-      </dsp:txBody>
-      <dsp:txXfrm>
-        <a:off x="6698803" y="1688774"/>
-        <a:ext cx="1211042" cy="648702"/>
-      </dsp:txXfrm>
-    </dsp:sp>
-    <dsp:sp modelId="{14ED00E2-7B0E-4D1B-9BEA-99433F3C7174}">
-      <dsp:nvSpPr>
-        <dsp:cNvPr id="0" name=""/>
-        <dsp:cNvSpPr/>
-      </dsp:nvSpPr>
-      <dsp:spPr>
-        <a:xfrm>
-          <a:off x="6678621" y="835120"/>
-          <a:ext cx="1251406" cy="689066"/>
-        </a:xfrm>
-        <a:prstGeom prst="roundRect">
-          <a:avLst>
-            <a:gd name="adj" fmla="val 10000"/>
-          </a:avLst>
-        </a:prstGeom>
-        <a:solidFill>
-          <a:schemeClr val="accent6">
-            <a:hueOff val="0"/>
-            <a:satOff val="0"/>
-            <a:lumOff val="0"/>
-            <a:alphaOff val="0"/>
-          </a:schemeClr>
-        </a:solidFill>
-        <a:ln w="12700" cap="flat" cmpd="sng" algn="ctr">
-          <a:solidFill>
-            <a:schemeClr val="lt1">
-              <a:hueOff val="0"/>
-              <a:satOff val="0"/>
-              <a:lumOff val="0"/>
-              <a:alphaOff val="0"/>
-            </a:schemeClr>
-          </a:solidFill>
-          <a:prstDash val="solid"/>
-          <a:miter lim="800000"/>
-        </a:ln>
-        <a:effectLst/>
-      </dsp:spPr>
-      <dsp:style>
-        <a:lnRef idx="2">
-          <a:scrgbClr r="0" g="0" b="0"/>
-        </a:lnRef>
-        <a:fillRef idx="1">
-          <a:scrgbClr r="0" g="0" b="0"/>
-        </a:fillRef>
-        <a:effectRef idx="0">
-          <a:scrgbClr r="0" g="0" b="0"/>
-        </a:effectRef>
-        <a:fontRef idx="minor">
-          <a:schemeClr val="lt1"/>
-        </a:fontRef>
-      </dsp:style>
-      <dsp:txBody>
-        <a:bodyPr spcFirstLastPara="0" vert="horz" wrap="square" lIns="19050" tIns="19050" rIns="19050" bIns="19050" numCol="1" spcCol="1270" anchor="ctr" anchorCtr="0">
-          <a:noAutofit/>
-        </a:bodyPr>
-        <a:lstStyle/>
-        <a:p>
-          <a:pPr marL="0" lvl="0" indent="0" algn="ctr" defTabSz="222250">
-            <a:lnSpc>
-              <a:spcPct val="90000"/>
-            </a:lnSpc>
-            <a:spcBef>
-              <a:spcPct val="0"/>
-            </a:spcBef>
-            <a:spcAft>
-              <a:spcPct val="35000"/>
-            </a:spcAft>
-            <a:buNone/>
-          </a:pPr>
-          <a:r>
-            <a:rPr lang="en-US" sz="500" kern="1200" dirty="0" err="1"/>
-            <a:t>HostServer.Display</a:t>
-          </a:r>
-          <a:endParaRPr lang="en-SE" sz="500" kern="1200" dirty="0"/>
-        </a:p>
-      </dsp:txBody>
-      <dsp:txXfrm>
-        <a:off x="6698803" y="855302"/>
-        <a:ext cx="1211042" cy="648702"/>
-      </dsp:txXfrm>
-    </dsp:sp>
-    <dsp:sp modelId="{0009A52D-6841-4355-81C5-7519A60DA41B}">
-      <dsp:nvSpPr>
-        <dsp:cNvPr id="0" name=""/>
-        <dsp:cNvSpPr/>
-      </dsp:nvSpPr>
-      <dsp:spPr>
-        <a:xfrm>
-          <a:off x="8035146" y="1668592"/>
-          <a:ext cx="1251406" cy="689066"/>
-        </a:xfrm>
-        <a:prstGeom prst="roundRect">
-          <a:avLst>
-            <a:gd name="adj" fmla="val 10000"/>
-          </a:avLst>
-        </a:prstGeom>
-        <a:solidFill>
-          <a:schemeClr val="accent5">
-            <a:hueOff val="0"/>
-            <a:satOff val="0"/>
-            <a:lumOff val="0"/>
-            <a:alphaOff val="0"/>
-          </a:schemeClr>
-        </a:solidFill>
-        <a:ln w="12700" cap="flat" cmpd="sng" algn="ctr">
-          <a:solidFill>
-            <a:schemeClr val="lt1">
-              <a:hueOff val="0"/>
-              <a:satOff val="0"/>
-              <a:lumOff val="0"/>
-              <a:alphaOff val="0"/>
-            </a:schemeClr>
-          </a:solidFill>
-          <a:prstDash val="solid"/>
-          <a:miter lim="800000"/>
-        </a:ln>
-        <a:effectLst/>
-      </dsp:spPr>
-      <dsp:style>
-        <a:lnRef idx="2">
-          <a:scrgbClr r="0" g="0" b="0"/>
-        </a:lnRef>
-        <a:fillRef idx="1">
-          <a:scrgbClr r="0" g="0" b="0"/>
-        </a:fillRef>
-        <a:effectRef idx="0">
-          <a:scrgbClr r="0" g="0" b="0"/>
-        </a:effectRef>
-        <a:fontRef idx="minor">
-          <a:schemeClr val="lt1"/>
-        </a:fontRef>
-      </dsp:style>
-      <dsp:txBody>
-        <a:bodyPr spcFirstLastPara="0" vert="horz" wrap="square" lIns="19050" tIns="19050" rIns="19050" bIns="19050" numCol="1" spcCol="1270" anchor="ctr" anchorCtr="0">
-          <a:noAutofit/>
-        </a:bodyPr>
-        <a:lstStyle/>
-        <a:p>
-          <a:pPr marL="0" lvl="0" indent="0" algn="ctr" defTabSz="222250">
-            <a:lnSpc>
-              <a:spcPct val="90000"/>
-            </a:lnSpc>
-            <a:spcBef>
-              <a:spcPct val="0"/>
-            </a:spcBef>
-            <a:spcAft>
-              <a:spcPct val="35000"/>
-            </a:spcAft>
-            <a:buNone/>
-          </a:pPr>
-          <a:r>
-            <a:rPr lang="en-US" sz="500" kern="1200" dirty="0" err="1"/>
-            <a:t>Protocol.Input</a:t>
-          </a:r>
-          <a:r>
-            <a:rPr lang="en-US" sz="500" kern="1200" dirty="0"/>
-            <a:t> (keyboard/mouse/touch/pen/gamepad </a:t>
-          </a:r>
-          <a:r>
-            <a:rPr lang="en-US" sz="500" kern="1200" dirty="0" err="1"/>
-            <a:t>etc</a:t>
-          </a:r>
-          <a:r>
-            <a:rPr lang="en-US" sz="500" kern="1200" dirty="0"/>
-            <a:t>)</a:t>
-          </a:r>
-          <a:endParaRPr lang="en-SE" sz="500" kern="1200" dirty="0"/>
-        </a:p>
-      </dsp:txBody>
-      <dsp:txXfrm>
-        <a:off x="8055328" y="1688774"/>
-        <a:ext cx="1211042" cy="648702"/>
-      </dsp:txXfrm>
-    </dsp:sp>
-    <dsp:sp modelId="{20B114C2-B163-4909-9B4D-9657922B200F}">
-      <dsp:nvSpPr>
-        <dsp:cNvPr id="0" name=""/>
-        <dsp:cNvSpPr/>
-      </dsp:nvSpPr>
-      <dsp:spPr>
-        <a:xfrm>
-          <a:off x="9391670" y="1668592"/>
-          <a:ext cx="2555371" cy="689066"/>
-        </a:xfrm>
-        <a:prstGeom prst="roundRect">
-          <a:avLst>
-            <a:gd name="adj" fmla="val 10000"/>
-          </a:avLst>
-        </a:prstGeom>
-        <a:solidFill>
-          <a:schemeClr val="accent5">
-            <a:hueOff val="0"/>
-            <a:satOff val="0"/>
-            <a:lumOff val="0"/>
-            <a:alphaOff val="0"/>
-          </a:schemeClr>
-        </a:solidFill>
-        <a:ln w="12700" cap="flat" cmpd="sng" algn="ctr">
-          <a:solidFill>
-            <a:schemeClr val="lt1">
-              <a:hueOff val="0"/>
-              <a:satOff val="0"/>
-              <a:lumOff val="0"/>
-              <a:alphaOff val="0"/>
-            </a:schemeClr>
-          </a:solidFill>
-          <a:prstDash val="solid"/>
-          <a:miter lim="800000"/>
-        </a:ln>
-        <a:effectLst/>
-      </dsp:spPr>
-      <dsp:style>
-        <a:lnRef idx="2">
-          <a:scrgbClr r="0" g="0" b="0"/>
-        </a:lnRef>
-        <a:fillRef idx="1">
-          <a:scrgbClr r="0" g="0" b="0"/>
-        </a:fillRef>
-        <a:effectRef idx="0">
-          <a:scrgbClr r="0" g="0" b="0"/>
-        </a:effectRef>
-        <a:fontRef idx="minor">
-          <a:schemeClr val="lt1"/>
-        </a:fontRef>
-      </dsp:style>
-      <dsp:txBody>
-        <a:bodyPr spcFirstLastPara="0" vert="horz" wrap="square" lIns="19050" tIns="19050" rIns="19050" bIns="19050" numCol="1" spcCol="1270" anchor="ctr" anchorCtr="0">
-          <a:noAutofit/>
-        </a:bodyPr>
-        <a:lstStyle/>
-        <a:p>
-          <a:pPr marL="0" lvl="0" indent="0" algn="ctr" defTabSz="222250">
-            <a:lnSpc>
-              <a:spcPct val="90000"/>
-            </a:lnSpc>
-            <a:spcBef>
-              <a:spcPct val="0"/>
-            </a:spcBef>
-            <a:spcAft>
-              <a:spcPct val="35000"/>
-            </a:spcAft>
-            <a:buNone/>
-          </a:pPr>
-          <a:r>
-            <a:rPr lang="en-US" sz="500" kern="1200" dirty="0" err="1"/>
-            <a:t>Protocol.GUI</a:t>
-          </a:r>
-          <a:endParaRPr lang="en-SE" sz="500" kern="1200" dirty="0"/>
-        </a:p>
-      </dsp:txBody>
-      <dsp:txXfrm>
-        <a:off x="9411852" y="1688774"/>
-        <a:ext cx="2515007" cy="648702"/>
-      </dsp:txXfrm>
-    </dsp:sp>
-    <dsp:sp modelId="{CB197B57-22E6-4E83-AA82-4D3235538DF4}">
-      <dsp:nvSpPr>
-        <dsp:cNvPr id="0" name=""/>
-        <dsp:cNvSpPr/>
-      </dsp:nvSpPr>
-      <dsp:spPr>
-        <a:xfrm>
-          <a:off x="9391670" y="835120"/>
-          <a:ext cx="1251406" cy="689066"/>
-        </a:xfrm>
-        <a:prstGeom prst="roundRect">
-          <a:avLst>
-            <a:gd name="adj" fmla="val 10000"/>
-          </a:avLst>
-        </a:prstGeom>
-        <a:solidFill>
-          <a:schemeClr val="accent6">
-            <a:hueOff val="0"/>
-            <a:satOff val="0"/>
-            <a:lumOff val="0"/>
-            <a:alphaOff val="0"/>
-          </a:schemeClr>
-        </a:solidFill>
-        <a:ln w="12700" cap="flat" cmpd="sng" algn="ctr">
-          <a:solidFill>
-            <a:schemeClr val="lt1">
-              <a:hueOff val="0"/>
-              <a:satOff val="0"/>
-              <a:lumOff val="0"/>
-              <a:alphaOff val="0"/>
-            </a:schemeClr>
-          </a:solidFill>
-          <a:prstDash val="solid"/>
-          <a:miter lim="800000"/>
-        </a:ln>
-        <a:effectLst/>
-      </dsp:spPr>
-      <dsp:style>
-        <a:lnRef idx="2">
-          <a:scrgbClr r="0" g="0" b="0"/>
-        </a:lnRef>
-        <a:fillRef idx="1">
-          <a:scrgbClr r="0" g="0" b="0"/>
-        </a:fillRef>
-        <a:effectRef idx="0">
-          <a:scrgbClr r="0" g="0" b="0"/>
-        </a:effectRef>
-        <a:fontRef idx="minor">
-          <a:schemeClr val="lt1"/>
-        </a:fontRef>
-      </dsp:style>
-      <dsp:txBody>
-        <a:bodyPr spcFirstLastPara="0" vert="horz" wrap="square" lIns="19050" tIns="19050" rIns="19050" bIns="19050" numCol="1" spcCol="1270" anchor="ctr" anchorCtr="0">
-          <a:noAutofit/>
-        </a:bodyPr>
-        <a:lstStyle/>
-        <a:p>
-          <a:pPr marL="0" lvl="0" indent="0" algn="ctr" defTabSz="222250">
-            <a:lnSpc>
-              <a:spcPct val="90000"/>
-            </a:lnSpc>
-            <a:spcBef>
-              <a:spcPct val="0"/>
-            </a:spcBef>
-            <a:spcAft>
-              <a:spcPct val="35000"/>
-            </a:spcAft>
-            <a:buNone/>
-          </a:pPr>
-          <a:r>
-            <a:rPr lang="en-US" sz="500" kern="1200" dirty="0" err="1"/>
-            <a:t>Server.Tornado</a:t>
-          </a:r>
-          <a:endParaRPr lang="en-SE" sz="500" kern="1200" dirty="0"/>
-        </a:p>
-      </dsp:txBody>
-      <dsp:txXfrm>
-        <a:off x="9411852" y="855302"/>
-        <a:ext cx="1211042" cy="648702"/>
-      </dsp:txXfrm>
-    </dsp:sp>
-    <dsp:sp modelId="{5CDFF962-77E7-4D83-A943-E9F93D0677D1}">
-      <dsp:nvSpPr>
-        <dsp:cNvPr id="0" name=""/>
-        <dsp:cNvSpPr/>
-      </dsp:nvSpPr>
-      <dsp:spPr>
-        <a:xfrm>
-          <a:off x="10695636" y="835120"/>
-          <a:ext cx="1251406" cy="689066"/>
-        </a:xfrm>
-        <a:prstGeom prst="roundRect">
-          <a:avLst>
-            <a:gd name="adj" fmla="val 10000"/>
-          </a:avLst>
-        </a:prstGeom>
-        <a:solidFill>
-          <a:schemeClr val="accent6">
-            <a:hueOff val="0"/>
-            <a:satOff val="0"/>
-            <a:lumOff val="0"/>
-            <a:alphaOff val="0"/>
-          </a:schemeClr>
-        </a:solidFill>
-        <a:ln w="12700" cap="flat" cmpd="sng" algn="ctr">
-          <a:solidFill>
-            <a:schemeClr val="lt1">
-              <a:hueOff val="0"/>
-              <a:satOff val="0"/>
-              <a:lumOff val="0"/>
-              <a:alphaOff val="0"/>
-            </a:schemeClr>
-          </a:solidFill>
-          <a:prstDash val="solid"/>
-          <a:miter lim="800000"/>
-        </a:ln>
-        <a:effectLst/>
-      </dsp:spPr>
-      <dsp:style>
-        <a:lnRef idx="2">
-          <a:scrgbClr r="0" g="0" b="0"/>
-        </a:lnRef>
-        <a:fillRef idx="1">
-          <a:scrgbClr r="0" g="0" b="0"/>
-        </a:fillRef>
-        <a:effectRef idx="0">
-          <a:scrgbClr r="0" g="0" b="0"/>
-        </a:effectRef>
-        <a:fontRef idx="minor">
-          <a:schemeClr val="lt1"/>
-        </a:fontRef>
-      </dsp:style>
-      <dsp:txBody>
-        <a:bodyPr spcFirstLastPara="0" vert="horz" wrap="square" lIns="19050" tIns="19050" rIns="19050" bIns="19050" numCol="1" spcCol="1270" anchor="ctr" anchorCtr="0">
-          <a:noAutofit/>
-        </a:bodyPr>
-        <a:lstStyle/>
-        <a:p>
-          <a:pPr marL="0" lvl="0" indent="0" algn="ctr" defTabSz="222250">
-            <a:lnSpc>
-              <a:spcPct val="90000"/>
-            </a:lnSpc>
-            <a:spcBef>
-              <a:spcPct val="0"/>
-            </a:spcBef>
-            <a:spcAft>
-              <a:spcPct val="35000"/>
-            </a:spcAft>
-            <a:buNone/>
-          </a:pPr>
-          <a:r>
-            <a:rPr lang="en-US" sz="500" kern="1200" dirty="0" err="1"/>
-            <a:t>Library.GUI</a:t>
-          </a:r>
-          <a:endParaRPr lang="en-SE" sz="500" kern="1200" dirty="0"/>
-        </a:p>
-      </dsp:txBody>
-      <dsp:txXfrm>
-        <a:off x="10715818" y="855302"/>
-        <a:ext cx="1211042" cy="648702"/>
-      </dsp:txXfrm>
-    </dsp:sp>
-    <dsp:sp modelId="{ECB1DC98-E855-4D45-96DB-5217E986B1C9}">
-      <dsp:nvSpPr>
-        <dsp:cNvPr id="0" name=""/>
-        <dsp:cNvSpPr/>
-      </dsp:nvSpPr>
-      <dsp:spPr>
-        <a:xfrm>
-          <a:off x="10695636" y="1649"/>
-          <a:ext cx="1251406" cy="689066"/>
-        </a:xfrm>
-        <a:prstGeom prst="roundRect">
-          <a:avLst>
-            <a:gd name="adj" fmla="val 10000"/>
-          </a:avLst>
-        </a:prstGeom>
-        <a:solidFill>
-          <a:schemeClr val="accent1">
-            <a:hueOff val="0"/>
-            <a:satOff val="0"/>
-            <a:lumOff val="0"/>
-            <a:alphaOff val="0"/>
-          </a:schemeClr>
-        </a:solidFill>
-        <a:ln w="12700" cap="flat" cmpd="sng" algn="ctr">
-          <a:solidFill>
-            <a:schemeClr val="lt1">
-              <a:hueOff val="0"/>
-              <a:satOff val="0"/>
-              <a:lumOff val="0"/>
-              <a:alphaOff val="0"/>
-            </a:schemeClr>
-          </a:solidFill>
-          <a:prstDash val="solid"/>
-          <a:miter lim="800000"/>
-        </a:ln>
-        <a:effectLst/>
-      </dsp:spPr>
-      <dsp:style>
-        <a:lnRef idx="2">
-          <a:scrgbClr r="0" g="0" b="0"/>
-        </a:lnRef>
-        <a:fillRef idx="1">
-          <a:scrgbClr r="0" g="0" b="0"/>
-        </a:fillRef>
-        <a:effectRef idx="0">
-          <a:scrgbClr r="0" g="0" b="0"/>
-        </a:effectRef>
-        <a:fontRef idx="minor">
-          <a:schemeClr val="lt1"/>
-        </a:fontRef>
-      </dsp:style>
-      <dsp:txBody>
-        <a:bodyPr spcFirstLastPara="0" vert="horz" wrap="square" lIns="19050" tIns="19050" rIns="19050" bIns="19050" numCol="1" spcCol="1270" anchor="ctr" anchorCtr="0">
-          <a:noAutofit/>
-        </a:bodyPr>
-        <a:lstStyle/>
-        <a:p>
-          <a:pPr marL="0" lvl="0" indent="0" algn="ctr" defTabSz="222250">
-            <a:lnSpc>
-              <a:spcPct val="90000"/>
-            </a:lnSpc>
-            <a:spcBef>
-              <a:spcPct val="0"/>
-            </a:spcBef>
-            <a:spcAft>
-              <a:spcPct val="35000"/>
-            </a:spcAft>
-            <a:buNone/>
-          </a:pPr>
-          <a:r>
-            <a:rPr lang="en-US" sz="500" kern="1200" dirty="0"/>
-            <a:t>APP</a:t>
-          </a:r>
-          <a:endParaRPr lang="en-SE" sz="500" kern="1200" dirty="0"/>
-        </a:p>
-      </dsp:txBody>
-      <dsp:txXfrm>
-        <a:off x="10715818" y="21831"/>
-        <a:ext cx="1211042" cy="648702"/>
-      </dsp:txXfrm>
-    </dsp:sp>
-  </dsp:spTree>
-</dsp:drawing>
-</file>
-
-<file path=ppt/diagrams/layout1.xml><?xml version="1.0" encoding="utf-8"?>
-<dgm:layoutDef xmlns:dgm="http://schemas.openxmlformats.org/drawingml/2006/diagram" xmlns:a="http://schemas.openxmlformats.org/drawingml/2006/main" uniqueId="urn:microsoft.com/office/officeart/2005/8/layout/architecture">
-  <dgm:title val="Architecture Layout"/>
-  <dgm:desc val="Use to show hierarchical relationships that build from the bottom up. This layout works well for showing architectural components or objects that build on other objects."/>
-  <dgm:catLst>
-    <dgm:cat type="hierarchy" pri="4500"/>
-    <dgm:cat type="list" pri="24500"/>
-    <dgm:cat type="relationship" pri="10500"/>
-    <dgm:cat type="officeonline" pri="7000"/>
-  </dgm:catLst>
-  <dgm:sampData>
-    <dgm:dataModel>
-      <dgm:ptLst>
-        <dgm:pt modelId="0" type="doc"/>
-        <dgm:pt modelId="1">
-          <dgm:prSet phldr="1"/>
-        </dgm:pt>
-        <dgm:pt modelId="2">
-          <dgm:prSet phldr="1"/>
-        </dgm:pt>
-        <dgm:pt modelId="21">
-          <dgm:prSet phldr="1"/>
-        </dgm:pt>
-        <dgm:pt modelId="22">
-          <dgm:prSet phldr="1"/>
-        </dgm:pt>
-        <dgm:pt modelId="3">
-          <dgm:prSet phldr="1"/>
-        </dgm:pt>
-        <dgm:pt modelId="31">
-          <dgm:prSet phldr="1"/>
-        </dgm:pt>
-      </dgm:ptLst>
-      <dgm:cxnLst>
-        <dgm:cxn modelId="4" srcId="0" destId="1" srcOrd="0" destOrd="0"/>
-        <dgm:cxn modelId="5" srcId="1" destId="2" srcOrd="0" destOrd="0"/>
-        <dgm:cxn modelId="6" srcId="1" destId="3" srcOrd="1" destOrd="0"/>
-        <dgm:cxn modelId="23" srcId="2" destId="21" srcOrd="0" destOrd="0"/>
-        <dgm:cxn modelId="24" srcId="2" destId="22" srcOrd="1" destOrd="0"/>
-        <dgm:cxn modelId="33" srcId="3" destId="31" srcOrd="0" destOrd="0"/>
-      </dgm:cxnLst>
-      <dgm:bg/>
-      <dgm:whole/>
-    </dgm:dataModel>
-  </dgm:sampData>
-  <dgm:styleData>
-    <dgm:dataModel>
-      <dgm:ptLst>
-        <dgm:pt modelId="0" type="doc"/>
-        <dgm:pt modelId="1"/>
-        <dgm:pt modelId="11"/>
-        <dgm:pt modelId="12"/>
-      </dgm:ptLst>
-      <dgm:cxnLst>
-        <dgm:cxn modelId="2" srcId="0" destId="1" srcOrd="0" destOrd="0"/>
-        <dgm:cxn modelId="13" srcId="1" destId="11" srcOrd="0" destOrd="0"/>
-        <dgm:cxn modelId="14" srcId="1" destId="12" srcOrd="1" destOrd="0"/>
-      </dgm:cxnLst>
-      <dgm:bg/>
-      <dgm:whole/>
-    </dgm:dataModel>
-  </dgm:styleData>
-  <dgm:clrData>
-    <dgm:dataModel>
-      <dgm:ptLst>
-        <dgm:pt modelId="0" type="doc"/>
-        <dgm:pt modelId="1"/>
-        <dgm:pt modelId="2"/>
-        <dgm:pt modelId="21"/>
-        <dgm:pt modelId="211"/>
-        <dgm:pt modelId="3"/>
-        <dgm:pt modelId="31"/>
-        <dgm:pt modelId="311"/>
-      </dgm:ptLst>
-      <dgm:cxnLst>
-        <dgm:cxn modelId="4" srcId="0" destId="1" srcOrd="0" destOrd="0"/>
-        <dgm:cxn modelId="5" srcId="1" destId="2" srcOrd="0" destOrd="0"/>
-        <dgm:cxn modelId="6" srcId="1" destId="3" srcOrd="1" destOrd="0"/>
-        <dgm:cxn modelId="23" srcId="2" destId="21" srcOrd="0" destOrd="0"/>
-        <dgm:cxn modelId="24" srcId="21" destId="211" srcOrd="0" destOrd="0"/>
-        <dgm:cxn modelId="33" srcId="3" destId="31" srcOrd="0" destOrd="0"/>
-        <dgm:cxn modelId="34" srcId="31" destId="311" srcOrd="0" destOrd="0"/>
-      </dgm:cxnLst>
-      <dgm:bg/>
-      <dgm:whole/>
-    </dgm:dataModel>
-  </dgm:clrData>
-  <dgm:layoutNode name="Name0">
-    <dgm:varLst>
-      <dgm:chPref val="1"/>
-      <dgm:dir/>
-      <dgm:animOne val="branch"/>
-      <dgm:animLvl val="lvl"/>
-      <dgm:resizeHandles/>
-    </dgm:varLst>
-    <dgm:choose name="Name1">
-      <dgm:if name="Name2" func="var" arg="dir" op="equ" val="norm">
-        <dgm:alg type="lin">
-          <dgm:param type="linDir" val="fromL"/>
-          <dgm:param type="nodeVertAlign" val="b"/>
-        </dgm:alg>
-      </dgm:if>
-      <dgm:else name="Name3">
-        <dgm:alg type="lin">
-          <dgm:param type="linDir" val="fromR"/>
-          <dgm:param type="nodeVertAlign" val="b"/>
-        </dgm:alg>
-      </dgm:else>
-    </dgm:choose>
-    <dgm:shape xmlns:r="http://schemas.openxmlformats.org/officeDocument/2006/relationships" r:blip="">
-      <dgm:adjLst/>
-    </dgm:shape>
-    <dgm:presOf/>
-    <dgm:constrLst>
-      <dgm:constr type="w" for="ch" forName="vertOne" refType="w"/>
-      <dgm:constr type="w" for="des" forName="horzOne" refType="w"/>
-      <dgm:constr type="w" for="des" forName="txOne" refType="w"/>
-      <dgm:constr type="w" for="des" forName="vertTwo" refType="w"/>
-      <dgm:constr type="w" for="des" forName="horzTwo" refType="w"/>
-      <dgm:constr type="w" for="des" forName="txTwo" refType="w"/>
-      <dgm:constr type="w" for="des" forName="vertThree" refType="w"/>
-      <dgm:constr type="w" for="des" forName="horzThree" refType="w"/>
-      <dgm:constr type="w" for="des" forName="txThree" refType="w"/>
-      <dgm:constr type="w" for="des" forName="vertFour" refType="w"/>
-      <dgm:constr type="w" for="des" forName="horzFour" refType="w"/>
-      <dgm:constr type="w" for="des" forName="txFour" refType="w"/>
-      <dgm:constr type="h" for="des" ptType="node" op="equ"/>
-      <dgm:constr type="h" for="des" forName="txOne" refType="h"/>
-      <dgm:constr type="userH" for="des" ptType="node" refType="h" refFor="des" refForName="txOne"/>
-      <dgm:constr type="primFontSz" for="des" forName="txOne" val="65"/>
-      <dgm:constr type="primFontSz" for="des" forName="txTwo" val="65"/>
-      <dgm:constr type="primFontSz" for="des" forName="txTwo" refType="primFontSz" refFor="des" refForName="txOne" op="lte"/>
-      <dgm:constr type="primFontSz" for="des" forName="txThree" val="65"/>
-      <dgm:constr type="primFontSz" for="des" forName="txThree" refType="primFontSz" refFor="des" refForName="txOne" op="lte"/>
-      <dgm:constr type="primFontSz" for="des" forName="txThree" refType="primFontSz" refFor="des" refForName="txTwo" op="lte"/>
-      <dgm:constr type="primFontSz" for="des" forName="txFour" val="65"/>
-      <dgm:constr type="primFontSz" for="des" forName="txFour" refType="primFontSz" refFor="des" refForName="txOne" op="lte"/>
-      <dgm:constr type="primFontSz" for="des" forName="txFour" refType="primFontSz" refFor="des" refForName="txTwo" op="lte"/>
-      <dgm:constr type="primFontSz" for="des" forName="txFour" refType="primFontSz" refFor="des" refForName="txThree" op="lte"/>
-      <dgm:constr type="w" for="des" forName="sibSpaceOne" refType="w" fact="0.168"/>
-      <dgm:constr type="w" for="des" forName="sibSpaceTwo" refType="w" refFor="des" refForName="sibSpaceOne" op="equ" fact="0.5"/>
-      <dgm:constr type="w" for="des" forName="sibSpaceThree" refType="w" refFor="des" refForName="sibSpaceTwo" op="equ" fact="0.5"/>
-      <dgm:constr type="w" for="des" forName="sibSpaceFour" refType="w" refFor="des" refForName="sibSpaceThree" op="equ" fact="0.5"/>
-      <dgm:constr type="h" for="des" forName="parTransOne" refType="w" fact="0.056"/>
-      <dgm:constr type="h" for="des" forName="parTransTwo" refType="h" refFor="des" refForName="parTransOne" op="equ"/>
-      <dgm:constr type="h" for="des" forName="parTransThree" refType="h" refFor="des" refForName="parTransTwo" op="equ"/>
-      <dgm:constr type="h" for="des" forName="parTransFour" refType="h" refFor="des" refForName="parTransThree" op="equ"/>
-    </dgm:constrLst>
-    <dgm:ruleLst/>
-    <dgm:forEach name="Name4" axis="ch" ptType="node">
-      <dgm:layoutNode name="vertOne">
-        <dgm:alg type="lin">
-          <dgm:param type="linDir" val="fromB"/>
-        </dgm:alg>
-        <dgm:shape xmlns:r="http://schemas.openxmlformats.org/officeDocument/2006/relationships" r:blip="">
-          <dgm:adjLst/>
-        </dgm:shape>
-        <dgm:presOf/>
-        <dgm:constrLst>
-          <dgm:constr type="w" for="ch" forName="txOne" refType="w" refFor="ch" refForName="horzOne" op="gte"/>
-        </dgm:constrLst>
-        <dgm:ruleLst/>
-        <dgm:layoutNode name="txOne" styleLbl="node0">
-          <dgm:varLst>
-            <dgm:chPref val="3"/>
-          </dgm:varLst>
-          <dgm:alg type="tx"/>
-          <dgm:shape xmlns:r="http://schemas.openxmlformats.org/officeDocument/2006/relationships" type="roundRect" r:blip="">
-            <dgm:adjLst>
-              <dgm:adj idx="1" val="0.1"/>
-            </dgm:adjLst>
-          </dgm:shape>
-          <dgm:presOf axis="self"/>
-          <dgm:constrLst>
-            <dgm:constr type="tMarg" refType="primFontSz" fact="0.3"/>
-            <dgm:constr type="bMarg" refType="primFontSz" fact="0.3"/>
-            <dgm:constr type="lMarg" refType="primFontSz" fact="0.3"/>
-            <dgm:constr type="rMarg" refType="primFontSz" fact="0.3"/>
-          </dgm:constrLst>
-          <dgm:ruleLst>
-            <dgm:rule type="primFontSz" val="5" fact="NaN" max="NaN"/>
-          </dgm:ruleLst>
-        </dgm:layoutNode>
-        <dgm:choose name="Name5">
-          <dgm:if name="Name6" axis="des" ptType="node" func="cnt" op="gt" val="0">
-            <dgm:layoutNode name="parTransOne">
-              <dgm:alg type="sp"/>
-              <dgm:shape xmlns:r="http://schemas.openxmlformats.org/officeDocument/2006/relationships" r:blip="">
-                <dgm:adjLst/>
-              </dgm:shape>
-              <dgm:presOf/>
-              <dgm:constrLst/>
-              <dgm:ruleLst/>
-            </dgm:layoutNode>
-          </dgm:if>
-          <dgm:else name="Name7"/>
-        </dgm:choose>
-        <dgm:layoutNode name="horzOne">
-          <dgm:choose name="Name8">
-            <dgm:if name="Name9" func="var" arg="dir" op="equ" val="norm">
-              <dgm:alg type="lin">
-                <dgm:param type="linDir" val="fromL"/>
-                <dgm:param type="nodeVertAlign" val="b"/>
-              </dgm:alg>
-            </dgm:if>
-            <dgm:else name="Name10">
-              <dgm:alg type="lin">
-                <dgm:param type="linDir" val="fromR"/>
-                <dgm:param type="nodeVertAlign" val="b"/>
-              </dgm:alg>
-            </dgm:else>
-          </dgm:choose>
-          <dgm:shape xmlns:r="http://schemas.openxmlformats.org/officeDocument/2006/relationships" r:blip="">
-            <dgm:adjLst/>
-          </dgm:shape>
-          <dgm:presOf/>
-          <dgm:constrLst/>
-          <dgm:ruleLst>
-            <dgm:rule type="w" val="INF" fact="NaN" max="NaN"/>
-          </dgm:ruleLst>
-          <dgm:forEach name="Name11" axis="ch" ptType="node">
-            <dgm:layoutNode name="vertTwo">
-              <dgm:alg type="lin">
-                <dgm:param type="linDir" val="fromB"/>
-              </dgm:alg>
-              <dgm:shape xmlns:r="http://schemas.openxmlformats.org/officeDocument/2006/relationships" r:blip="">
-                <dgm:adjLst/>
-              </dgm:shape>
-              <dgm:presOf/>
-              <dgm:constrLst>
-                <dgm:constr type="w" for="ch" forName="txTwo" refType="w" refFor="ch" refForName="horzTwo" op="gte"/>
-              </dgm:constrLst>
-              <dgm:ruleLst/>
-              <dgm:layoutNode name="txTwo">
-                <dgm:varLst>
-                  <dgm:chPref val="3"/>
-                </dgm:varLst>
-                <dgm:alg type="tx"/>
-                <dgm:shape xmlns:r="http://schemas.openxmlformats.org/officeDocument/2006/relationships" type="roundRect" r:blip="">
-                  <dgm:adjLst>
-                    <dgm:adj idx="1" val="0.1"/>
-                  </dgm:adjLst>
-                </dgm:shape>
-                <dgm:presOf axis="self"/>
-                <dgm:constrLst>
-                  <dgm:constr type="userH"/>
-                  <dgm:constr type="h" refType="userH"/>
-                  <dgm:constr type="tMarg" refType="primFontSz" fact="0.3"/>
-                  <dgm:constr type="bMarg" refType="primFontSz" fact="0.3"/>
-                  <dgm:constr type="lMarg" refType="primFontSz" fact="0.3"/>
-                  <dgm:constr type="rMarg" refType="primFontSz" fact="0.3"/>
-                </dgm:constrLst>
-                <dgm:ruleLst>
-                  <dgm:rule type="primFontSz" val="5" fact="NaN" max="NaN"/>
-                </dgm:ruleLst>
-              </dgm:layoutNode>
-              <dgm:choose name="Name12">
-                <dgm:if name="Name13" axis="des" ptType="node" func="cnt" op="gt" val="0">
-                  <dgm:layoutNode name="parTransTwo">
-                    <dgm:alg type="sp"/>
-                    <dgm:shape xmlns:r="http://schemas.openxmlformats.org/officeDocument/2006/relationships" r:blip="">
-                      <dgm:adjLst/>
-                    </dgm:shape>
-                    <dgm:presOf/>
-                    <dgm:constrLst/>
-                    <dgm:ruleLst/>
-                  </dgm:layoutNode>
-                </dgm:if>
-                <dgm:else name="Name14"/>
-              </dgm:choose>
-              <dgm:layoutNode name="horzTwo">
-                <dgm:choose name="Name15">
-                  <dgm:if name="Name16" func="var" arg="dir" op="equ" val="norm">
-                    <dgm:alg type="lin">
-                      <dgm:param type="linDir" val="fromL"/>
-                      <dgm:param type="nodeVertAlign" val="b"/>
-                    </dgm:alg>
-                  </dgm:if>
-                  <dgm:else name="Name17">
-                    <dgm:alg type="lin">
-                      <dgm:param type="linDir" val="fromR"/>
-                      <dgm:param type="nodeVertAlign" val="b"/>
-                    </dgm:alg>
-                  </dgm:else>
-                </dgm:choose>
-                <dgm:shape xmlns:r="http://schemas.openxmlformats.org/officeDocument/2006/relationships" r:blip="">
-                  <dgm:adjLst/>
-                </dgm:shape>
-                <dgm:presOf/>
-                <dgm:constrLst/>
-                <dgm:ruleLst>
-                  <dgm:rule type="w" val="INF" fact="NaN" max="NaN"/>
-                </dgm:ruleLst>
-                <dgm:forEach name="Name18" axis="ch" ptType="node">
-                  <dgm:layoutNode name="vertThree">
-                    <dgm:alg type="lin">
-                      <dgm:param type="linDir" val="fromB"/>
-                    </dgm:alg>
-                    <dgm:shape xmlns:r="http://schemas.openxmlformats.org/officeDocument/2006/relationships" r:blip="">
-                      <dgm:adjLst/>
-                    </dgm:shape>
-                    <dgm:presOf/>
-                    <dgm:constrLst>
-                      <dgm:constr type="w" for="ch" forName="txThree" refType="w" refFor="ch" refForName="horzThree" op="gte"/>
-                    </dgm:constrLst>
-                    <dgm:ruleLst/>
-                    <dgm:layoutNode name="txThree">
-                      <dgm:varLst>
-                        <dgm:chPref val="3"/>
-                      </dgm:varLst>
-                      <dgm:alg type="tx"/>
-                      <dgm:shape xmlns:r="http://schemas.openxmlformats.org/officeDocument/2006/relationships" type="roundRect" r:blip="">
-                        <dgm:adjLst>
-                          <dgm:adj idx="1" val="0.1"/>
-                        </dgm:adjLst>
-                      </dgm:shape>
-                      <dgm:presOf axis="self"/>
-                      <dgm:constrLst>
-                        <dgm:constr type="userH"/>
-                        <dgm:constr type="h" refType="userH"/>
-                        <dgm:constr type="tMarg" refType="primFontSz" fact="0.3"/>
-                        <dgm:constr type="bMarg" refType="primFontSz" fact="0.3"/>
-                        <dgm:constr type="lMarg" refType="primFontSz" fact="0.3"/>
-                        <dgm:constr type="rMarg" refType="primFontSz" fact="0.3"/>
-                      </dgm:constrLst>
-                      <dgm:ruleLst>
-                        <dgm:rule type="primFontSz" val="5" fact="NaN" max="NaN"/>
-                      </dgm:ruleLst>
-                    </dgm:layoutNode>
-                    <dgm:choose name="Name19">
-                      <dgm:if name="Name20" axis="des" ptType="node" func="cnt" op="gt" val="0">
-                        <dgm:layoutNode name="parTransThree">
-                          <dgm:alg type="sp"/>
-                          <dgm:shape xmlns:r="http://schemas.openxmlformats.org/officeDocument/2006/relationships" r:blip="">
-                            <dgm:adjLst/>
-                          </dgm:shape>
-                          <dgm:presOf/>
-                          <dgm:constrLst/>
-                          <dgm:ruleLst/>
-                        </dgm:layoutNode>
-                      </dgm:if>
-                      <dgm:else name="Name21"/>
-                    </dgm:choose>
-                    <dgm:layoutNode name="horzThree">
-                      <dgm:choose name="Name22">
-                        <dgm:if name="Name23" func="var" arg="dir" op="equ" val="norm">
-                          <dgm:alg type="lin">
-                            <dgm:param type="linDir" val="fromL"/>
-                            <dgm:param type="nodeVertAlign" val="b"/>
-                          </dgm:alg>
-                        </dgm:if>
-                        <dgm:else name="Name24">
-                          <dgm:alg type="lin">
-                            <dgm:param type="linDir" val="fromR"/>
-                            <dgm:param type="nodeVertAlign" val="b"/>
-                          </dgm:alg>
-                        </dgm:else>
-                      </dgm:choose>
-                      <dgm:shape xmlns:r="http://schemas.openxmlformats.org/officeDocument/2006/relationships" r:blip="">
-                        <dgm:adjLst/>
-                      </dgm:shape>
-                      <dgm:presOf/>
-                      <dgm:constrLst/>
-                      <dgm:ruleLst>
-                        <dgm:rule type="w" val="INF" fact="NaN" max="NaN"/>
-                      </dgm:ruleLst>
-                      <dgm:forEach name="repeat" axis="ch" ptType="node">
-                        <dgm:layoutNode name="vertFour">
-                          <dgm:varLst>
-                            <dgm:chPref val="3"/>
-                          </dgm:varLst>
-                          <dgm:alg type="lin">
-                            <dgm:param type="linDir" val="fromB"/>
-                          </dgm:alg>
-                          <dgm:shape xmlns:r="http://schemas.openxmlformats.org/officeDocument/2006/relationships" r:blip="">
-                            <dgm:adjLst/>
-                          </dgm:shape>
-                          <dgm:presOf/>
-                          <dgm:constrLst>
-                            <dgm:constr type="w" for="ch" forName="txFour" refType="w" refFor="ch" refForName="horzFour" op="gte"/>
-                          </dgm:constrLst>
-                          <dgm:ruleLst/>
-                          <dgm:layoutNode name="txFour">
-                            <dgm:varLst>
-                              <dgm:chPref val="3"/>
-                            </dgm:varLst>
-                            <dgm:alg type="tx"/>
-                            <dgm:shape xmlns:r="http://schemas.openxmlformats.org/officeDocument/2006/relationships" type="roundRect" r:blip="">
-                              <dgm:adjLst>
-                                <dgm:adj idx="1" val="0.1"/>
-                              </dgm:adjLst>
-                            </dgm:shape>
-                            <dgm:presOf axis="self"/>
-                            <dgm:constrLst>
-                              <dgm:constr type="userH"/>
-                              <dgm:constr type="h" refType="userH"/>
-                              <dgm:constr type="tMarg" refType="primFontSz" fact="0.3"/>
-                              <dgm:constr type="bMarg" refType="primFontSz" fact="0.3"/>
-                              <dgm:constr type="lMarg" refType="primFontSz" fact="0.3"/>
-                              <dgm:constr type="rMarg" refType="primFontSz" fact="0.3"/>
-                            </dgm:constrLst>
-                            <dgm:ruleLst>
-                              <dgm:rule type="primFontSz" val="5" fact="NaN" max="NaN"/>
-                            </dgm:ruleLst>
-                          </dgm:layoutNode>
-                          <dgm:choose name="Name25">
-                            <dgm:if name="Name26" axis="des" ptType="node" func="cnt" op="gt" val="0">
-                              <dgm:layoutNode name="parTransFour">
-                                <dgm:alg type="sp"/>
-                                <dgm:shape xmlns:r="http://schemas.openxmlformats.org/officeDocument/2006/relationships" r:blip="">
-                                  <dgm:adjLst/>
-                                </dgm:shape>
-                                <dgm:presOf/>
-                                <dgm:constrLst/>
-                                <dgm:ruleLst/>
-                              </dgm:layoutNode>
-                            </dgm:if>
-                            <dgm:else name="Name27"/>
-                          </dgm:choose>
-                          <dgm:layoutNode name="horzFour">
-                            <dgm:choose name="Name28">
-                              <dgm:if name="Name29" func="var" arg="dir" op="equ" val="norm">
-                                <dgm:alg type="lin">
-                                  <dgm:param type="linDir" val="fromL"/>
-                                  <dgm:param type="nodeVertAlign" val="b"/>
-                                </dgm:alg>
-                              </dgm:if>
-                              <dgm:else name="Name30">
-                                <dgm:alg type="lin">
-                                  <dgm:param type="linDir" val="fromR"/>
-                                  <dgm:param type="nodeVertAlign" val="b"/>
-                                </dgm:alg>
-                              </dgm:else>
-                            </dgm:choose>
-                            <dgm:shape xmlns:r="http://schemas.openxmlformats.org/officeDocument/2006/relationships" r:blip="">
-                              <dgm:adjLst/>
-                            </dgm:shape>
-                            <dgm:presOf/>
-                            <dgm:constrLst/>
-                            <dgm:ruleLst>
-                              <dgm:rule type="w" val="INF" fact="NaN" max="NaN"/>
-                            </dgm:ruleLst>
-                            <dgm:forEach name="Name31" ref="repeat"/>
-                          </dgm:layoutNode>
-                        </dgm:layoutNode>
-                        <dgm:choose name="Name32">
-                          <dgm:if name="Name33" axis="self" ptType="node" func="revPos" op="gte" val="2">
-                            <dgm:forEach name="Name34" axis="followSib" ptType="sibTrans" cnt="1">
-                              <dgm:layoutNode name="sibSpaceFour">
-                                <dgm:alg type="sp"/>
-                                <dgm:shape xmlns:r="http://schemas.openxmlformats.org/officeDocument/2006/relationships" r:blip="">
-                                  <dgm:adjLst/>
-                                </dgm:shape>
-                                <dgm:presOf/>
-                                <dgm:constrLst/>
-                                <dgm:ruleLst/>
-                              </dgm:layoutNode>
-                            </dgm:forEach>
-                          </dgm:if>
-                          <dgm:else name="Name35"/>
-                        </dgm:choose>
-                      </dgm:forEach>
-                    </dgm:layoutNode>
-                  </dgm:layoutNode>
-                  <dgm:choose name="Name36">
-                    <dgm:if name="Name37" axis="self" ptType="node" func="revPos" op="gte" val="2">
-                      <dgm:forEach name="Name38" axis="followSib" ptType="sibTrans" cnt="1">
-                        <dgm:layoutNode name="sibSpaceThree">
-                          <dgm:alg type="sp"/>
-                          <dgm:shape xmlns:r="http://schemas.openxmlformats.org/officeDocument/2006/relationships" r:blip="">
-                            <dgm:adjLst/>
-                          </dgm:shape>
-                          <dgm:presOf/>
-                          <dgm:constrLst/>
-                          <dgm:ruleLst/>
-                        </dgm:layoutNode>
-                      </dgm:forEach>
-                    </dgm:if>
-                    <dgm:else name="Name39"/>
-                  </dgm:choose>
-                </dgm:forEach>
-              </dgm:layoutNode>
-            </dgm:layoutNode>
-            <dgm:choose name="Name40">
-              <dgm:if name="Name41" axis="self" ptType="node" func="revPos" op="gte" val="2">
-                <dgm:forEach name="Name42" axis="followSib" ptType="sibTrans" cnt="1">
-                  <dgm:layoutNode name="sibSpaceTwo">
-                    <dgm:alg type="sp"/>
-                    <dgm:shape xmlns:r="http://schemas.openxmlformats.org/officeDocument/2006/relationships" r:blip="">
-                      <dgm:adjLst/>
-                    </dgm:shape>
-                    <dgm:presOf/>
-                    <dgm:constrLst/>
-                    <dgm:ruleLst/>
-                  </dgm:layoutNode>
-                </dgm:forEach>
-              </dgm:if>
-              <dgm:else name="Name43"/>
-            </dgm:choose>
-          </dgm:forEach>
-        </dgm:layoutNode>
-      </dgm:layoutNode>
-      <dgm:choose name="Name44">
-        <dgm:if name="Name45" axis="self" ptType="node" func="revPos" op="gte" val="2">
-          <dgm:forEach name="Name46" axis="followSib" ptType="sibTrans" cnt="1">
-            <dgm:layoutNode name="sibSpaceOne">
-              <dgm:alg type="sp"/>
-              <dgm:shape xmlns:r="http://schemas.openxmlformats.org/officeDocument/2006/relationships" r:blip="">
-                <dgm:adjLst/>
-              </dgm:shape>
-              <dgm:presOf/>
-              <dgm:constrLst/>
-              <dgm:ruleLst/>
-            </dgm:layoutNode>
-          </dgm:forEach>
-        </dgm:if>
-        <dgm:else name="Name47"/>
-      </dgm:choose>
-    </dgm:forEach>
-  </dgm:layoutNode>
-</dgm:layoutDef>
-</file>
-
-<file path=ppt/diagrams/quickStyle1.xml><?xml version="1.0" encoding="utf-8"?>
-<dgm:styleDef xmlns:dgm="http://schemas.openxmlformats.org/drawingml/2006/diagram" xmlns:a="http://schemas.openxmlformats.org/drawingml/2006/main" uniqueId="urn:microsoft.com/office/officeart/2005/8/quickstyle/simple1">
-  <dgm:title val=""/>
-  <dgm:desc val=""/>
-  <dgm:catLst>
-    <dgm:cat type="simple" pri="10100"/>
-  </dgm:catLst>
-  <dgm:scene3d>
-    <a:camera prst="orthographicFront"/>
-    <a:lightRig rig="threePt" dir="t"/>
-  </dgm:scene3d>
-  <dgm:styleLbl name="node0">
-    <dgm:scene3d>
-      <a:camera prst="orthographicFront"/>
-      <a:lightRig rig="threePt" dir="t"/>
-    </dgm:scene3d>
-    <dgm:sp3d/>
-    <dgm:txPr/>
-    <dgm:style>
-      <a:lnRef idx="2">
-        <a:scrgbClr r="0" g="0" b="0"/>
-      </a:lnRef>
-      <a:fillRef idx="1">
-        <a:scrgbClr r="0" g="0" b="0"/>
-      </a:fillRef>
-      <a:effectRef idx="0">
-        <a:scrgbClr r="0" g="0" b="0"/>
-      </a:effectRef>
-      <a:fontRef idx="minor">
-        <a:schemeClr val="lt1"/>
-      </a:fontRef>
-    </dgm:style>
-  </dgm:styleLbl>
-  <dgm:styleLbl name="lnNode1">
-    <dgm:scene3d>
-      <a:camera prst="orthographicFront"/>
-      <a:lightRig rig="threePt" dir="t"/>
-    </dgm:scene3d>
-    <dgm:sp3d/>
-    <dgm:txPr/>
-    <dgm:style>
-      <a:lnRef idx="2">
-        <a:scrgbClr r="0" g="0" b="0"/>
-      </a:lnRef>
-      <a:fillRef idx="1">
-        <a:scrgbClr r="0" g="0" b="0"/>
-      </a:fillRef>
-      <a:effectRef idx="0">
-        <a:scrgbClr r="0" g="0" b="0"/>
-      </a:effectRef>
-      <a:fontRef idx="minor">
-        <a:schemeClr val="lt1"/>
-      </a:fontRef>
-    </dgm:style>
-  </dgm:styleLbl>
-  <dgm:styleLbl name="vennNode1">
-    <dgm:scene3d>
-      <a:camera prst="orthographicFront"/>
-      <a:lightRig rig="threePt" dir="t"/>
-    </dgm:scene3d>
-    <dgm:sp3d/>
-    <dgm:txPr/>
-    <dgm:style>
-      <a:lnRef idx="2">
-        <a:scrgbClr r="0" g="0" b="0"/>
-      </a:lnRef>
-      <a:fillRef idx="1">
-        <a:scrgbClr r="0" g="0" b="0"/>
-      </a:fillRef>
-      <a:effectRef idx="0">
-        <a:scrgbClr r="0" g="0" b="0"/>
-      </a:effectRef>
-      <a:fontRef idx="minor">
-        <a:schemeClr val="tx1"/>
-      </a:fontRef>
-    </dgm:style>
-  </dgm:styleLbl>
-  <dgm:styleLbl name="alignNode1">
-    <dgm:scene3d>
-      <a:camera prst="orthographicFront"/>
-      <a:lightRig rig="threePt" dir="t"/>
-    </dgm:scene3d>
-    <dgm:sp3d/>
-    <dgm:txPr/>
-    <dgm:style>
-      <a:lnRef idx="2">
-        <a:scrgbClr r="0" g="0" b="0"/>
-      </a:lnRef>
-      <a:fillRef idx="1">
-        <a:scrgbClr r="0" g="0" b="0"/>
-      </a:fillRef>
-      <a:effectRef idx="0">
-        <a:scrgbClr r="0" g="0" b="0"/>
-      </a:effectRef>
-      <a:fontRef idx="minor">
-        <a:schemeClr val="lt1"/>
-      </a:fontRef>
-    </dgm:style>
-  </dgm:styleLbl>
-  <dgm:styleLbl name="node1">
-    <dgm:scene3d>
-      <a:camera prst="orthographicFront"/>
-      <a:lightRig rig="threePt" dir="t"/>
-    </dgm:scene3d>
-    <dgm:sp3d/>
-    <dgm:txPr/>
-    <dgm:style>
-      <a:lnRef idx="2">
-        <a:scrgbClr r="0" g="0" b="0"/>
-      </a:lnRef>
-      <a:fillRef idx="1">
-        <a:scrgbClr r="0" g="0" b="0"/>
-      </a:fillRef>
-      <a:effectRef idx="0">
-        <a:scrgbClr r="0" g="0" b="0"/>
-      </a:effectRef>
-      <a:fontRef idx="minor">
-        <a:schemeClr val="lt1"/>
-      </a:fontRef>
-    </dgm:style>
-  </dgm:styleLbl>
-  <dgm:styleLbl name="node2">
-    <dgm:scene3d>
-      <a:camera prst="orthographicFront"/>
-      <a:lightRig rig="threePt" dir="t"/>
-    </dgm:scene3d>
-    <dgm:sp3d/>
-    <dgm:txPr/>
-    <dgm:style>
-      <a:lnRef idx="2">
-        <a:scrgbClr r="0" g="0" b="0"/>
-      </a:lnRef>
-      <a:fillRef idx="1">
-        <a:scrgbClr r="0" g="0" b="0"/>
-      </a:fillRef>
-      <a:effectRef idx="0">
-        <a:scrgbClr r="0" g="0" b="0"/>
-      </a:effectRef>
-      <a:fontRef idx="minor">
-        <a:schemeClr val="lt1"/>
-      </a:fontRef>
-    </dgm:style>
-  </dgm:styleLbl>
-  <dgm:styleLbl name="node3">
-    <dgm:scene3d>
-      <a:camera prst="orthographicFront"/>
-      <a:lightRig rig="threePt" dir="t"/>
-    </dgm:scene3d>
-    <dgm:sp3d/>
-    <dgm:txPr/>
-    <dgm:style>
-      <a:lnRef idx="2">
-        <a:scrgbClr r="0" g="0" b="0"/>
-      </a:lnRef>
-      <a:fillRef idx="1">
-        <a:scrgbClr r="0" g="0" b="0"/>
-      </a:fillRef>
-      <a:effectRef idx="0">
-        <a:scrgbClr r="0" g="0" b="0"/>
-      </a:effectRef>
-      <a:fontRef idx="minor">
-        <a:schemeClr val="lt1"/>
-      </a:fontRef>
-    </dgm:style>
-  </dgm:styleLbl>
-  <dgm:styleLbl name="node4">
-    <dgm:scene3d>
-      <a:camera prst="orthographicFront"/>
-      <a:lightRig rig="threePt" dir="t"/>
-    </dgm:scene3d>
-    <dgm:sp3d/>
-    <dgm:txPr/>
-    <dgm:style>
-      <a:lnRef idx="2">
-        <a:scrgbClr r="0" g="0" b="0"/>
-      </a:lnRef>
-      <a:fillRef idx="1">
-        <a:scrgbClr r="0" g="0" b="0"/>
-      </a:fillRef>
-      <a:effectRef idx="0">
-        <a:scrgbClr r="0" g="0" b="0"/>
-      </a:effectRef>
-      <a:fontRef idx="minor">
-        <a:schemeClr val="lt1"/>
-      </a:fontRef>
-    </dgm:style>
-  </dgm:styleLbl>
-  <dgm:styleLbl name="fgImgPlace1">
-    <dgm:scene3d>
-      <a:camera prst="orthographicFront"/>
-      <a:lightRig rig="threePt" dir="t"/>
-    </dgm:scene3d>
-    <dgm:sp3d/>
-    <dgm:txPr/>
-    <dgm:style>
-      <a:lnRef idx="2">
-        <a:scrgbClr r="0" g="0" b="0"/>
-      </a:lnRef>
-      <a:fillRef idx="1">
-        <a:scrgbClr r="0" g="0" b="0"/>
-      </a:fillRef>
-      <a:effectRef idx="0">
-        <a:scrgbClr r="0" g="0" b="0"/>
-      </a:effectRef>
-      <a:fontRef idx="minor"/>
-    </dgm:style>
-  </dgm:styleLbl>
-  <dgm:styleLbl name="alignImgPlace1">
-    <dgm:scene3d>
-      <a:camera prst="orthographicFront"/>
-      <a:lightRig rig="threePt" dir="t"/>
-    </dgm:scene3d>
-    <dgm:sp3d/>
-    <dgm:txPr/>
-    <dgm:style>
-      <a:lnRef idx="2">
-        <a:scrgbClr r="0" g="0" b="0"/>
-      </a:lnRef>
-      <a:fillRef idx="1">
-        <a:scrgbClr r="0" g="0" b="0"/>
-      </a:fillRef>
-      <a:effectRef idx="0">
-        <a:scrgbClr r="0" g="0" b="0"/>
-      </a:effectRef>
-      <a:fontRef idx="minor"/>
-    </dgm:style>
-  </dgm:styleLbl>
-  <dgm:styleLbl name="bgImgPlace1">
-    <dgm:scene3d>
-      <a:camera prst="orthographicFront"/>
-      <a:lightRig rig="threePt" dir="t"/>
-    </dgm:scene3d>
-    <dgm:sp3d/>
-    <dgm:txPr/>
-    <dgm:style>
-      <a:lnRef idx="2">
-        <a:scrgbClr r="0" g="0" b="0"/>
-      </a:lnRef>
-      <a:fillRef idx="1">
-        <a:scrgbClr r="0" g="0" b="0"/>
-      </a:fillRef>
-      <a:effectRef idx="0">
-        <a:scrgbClr r="0" g="0" b="0"/>
-      </a:effectRef>
-      <a:fontRef idx="minor"/>
-    </dgm:style>
-  </dgm:styleLbl>
-  <dgm:styleLbl name="sibTrans2D1">
-    <dgm:scene3d>
-      <a:camera prst="orthographicFront"/>
-      <a:lightRig rig="threePt" dir="t"/>
-    </dgm:scene3d>
-    <dgm:sp3d/>
-    <dgm:txPr/>
-    <dgm:style>
-      <a:lnRef idx="0">
-        <a:scrgbClr r="0" g="0" b="0"/>
-      </a:lnRef>
-      <a:fillRef idx="1">
-        <a:scrgbClr r="0" g="0" b="0"/>
-      </a:fillRef>
-      <a:effectRef idx="0">
-        <a:scrgbClr r="0" g="0" b="0"/>
-      </a:effectRef>
-      <a:fontRef idx="minor">
-        <a:schemeClr val="lt1"/>
-      </a:fontRef>
-    </dgm:style>
-  </dgm:styleLbl>
-  <dgm:styleLbl name="fgSibTrans2D1">
-    <dgm:scene3d>
-      <a:camera prst="orthographicFront"/>
-      <a:lightRig rig="threePt" dir="t"/>
-    </dgm:scene3d>
-    <dgm:sp3d/>
-    <dgm:txPr/>
-    <dgm:style>
-      <a:lnRef idx="0">
-        <a:scrgbClr r="0" g="0" b="0"/>
-      </a:lnRef>
-      <a:fillRef idx="1">
-        <a:scrgbClr r="0" g="0" b="0"/>
-      </a:fillRef>
-      <a:effectRef idx="0">
-        <a:scrgbClr r="0" g="0" b="0"/>
-      </a:effectRef>
-      <a:fontRef idx="minor">
-        <a:schemeClr val="lt1"/>
-      </a:fontRef>
-    </dgm:style>
-  </dgm:styleLbl>
-  <dgm:styleLbl name="bgSibTrans2D1">
-    <dgm:scene3d>
-      <a:camera prst="orthographicFront"/>
-      <a:lightRig rig="threePt" dir="t"/>
-    </dgm:scene3d>
-    <dgm:sp3d/>
-    <dgm:txPr/>
-    <dgm:style>
-      <a:lnRef idx="0">
-        <a:scrgbClr r="0" g="0" b="0"/>
-      </a:lnRef>
-      <a:fillRef idx="1">
-        <a:scrgbClr r="0" g="0" b="0"/>
-      </a:fillRef>
-      <a:effectRef idx="0">
-        <a:scrgbClr r="0" g="0" b="0"/>
-      </a:effectRef>
-      <a:fontRef idx="minor">
-        <a:schemeClr val="lt1"/>
-      </a:fontRef>
-    </dgm:style>
-  </dgm:styleLbl>
-  <dgm:styleLbl name="sibTrans1D1">
-    <dgm:scene3d>
-      <a:camera prst="orthographicFront"/>
-      <a:lightRig rig="threePt" dir="t"/>
-    </dgm:scene3d>
-    <dgm:sp3d/>
-    <dgm:txPr/>
-    <dgm:style>
-      <a:lnRef idx="1">
-        <a:scrgbClr r="0" g="0" b="0"/>
-      </a:lnRef>
-      <a:fillRef idx="0">
-        <a:scrgbClr r="0" g="0" b="0"/>
-      </a:fillRef>
-      <a:effectRef idx="0">
-        <a:scrgbClr r="0" g="0" b="0"/>
-      </a:effectRef>
-      <a:fontRef idx="minor"/>
-    </dgm:style>
-  </dgm:styleLbl>
-  <dgm:styleLbl name="callout">
-    <dgm:scene3d>
-      <a:camera prst="orthographicFront"/>
-      <a:lightRig rig="threePt" dir="t"/>
-    </dgm:scene3d>
-    <dgm:sp3d/>
-    <dgm:txPr/>
-    <dgm:style>
-      <a:lnRef idx="2">
-        <a:scrgbClr r="0" g="0" b="0"/>
-      </a:lnRef>
-      <a:fillRef idx="1">
-        <a:scrgbClr r="0" g="0" b="0"/>
-      </a:fillRef>
-      <a:effectRef idx="0">
-        <a:scrgbClr r="0" g="0" b="0"/>
-      </a:effectRef>
-      <a:fontRef idx="minor"/>
-    </dgm:style>
-  </dgm:styleLbl>
-  <dgm:styleLbl name="asst0">
-    <dgm:scene3d>
-      <a:camera prst="orthographicFront"/>
-      <a:lightRig rig="threePt" dir="t"/>
-    </dgm:scene3d>
-    <dgm:sp3d/>
-    <dgm:txPr/>
-    <dgm:style>
-      <a:lnRef idx="2">
-        <a:scrgbClr r="0" g="0" b="0"/>
-      </a:lnRef>
-      <a:fillRef idx="1">
-        <a:scrgbClr r="0" g="0" b="0"/>
-      </a:fillRef>
-      <a:effectRef idx="0">
-        <a:scrgbClr r="0" g="0" b="0"/>
-      </a:effectRef>
-      <a:fontRef idx="minor">
-        <a:schemeClr val="lt1"/>
-      </a:fontRef>
-    </dgm:style>
-  </dgm:styleLbl>
-  <dgm:styleLbl name="asst1">
-    <dgm:scene3d>
-      <a:camera prst="orthographicFront"/>
-      <a:lightRig rig="threePt" dir="t"/>
-    </dgm:scene3d>
-    <dgm:sp3d/>
-    <dgm:txPr/>
-    <dgm:style>
-      <a:lnRef idx="2">
-        <a:scrgbClr r="0" g="0" b="0"/>
-      </a:lnRef>
-      <a:fillRef idx="1">
-        <a:scrgbClr r="0" g="0" b="0"/>
-      </a:fillRef>
-      <a:effectRef idx="0">
-        <a:scrgbClr r="0" g="0" b="0"/>
-      </a:effectRef>
-      <a:fontRef idx="minor">
-        <a:schemeClr val="lt1"/>
-      </a:fontRef>
-    </dgm:style>
-  </dgm:styleLbl>
-  <dgm:styleLbl name="asst2">
-    <dgm:scene3d>
-      <a:camera prst="orthographicFront"/>
-      <a:lightRig rig="threePt" dir="t"/>
-    </dgm:scene3d>
-    <dgm:sp3d/>
-    <dgm:txPr/>
-    <dgm:style>
-      <a:lnRef idx="2">
-        <a:scrgbClr r="0" g="0" b="0"/>
-      </a:lnRef>
-      <a:fillRef idx="1">
-        <a:scrgbClr r="0" g="0" b="0"/>
-      </a:fillRef>
-      <a:effectRef idx="0">
-        <a:scrgbClr r="0" g="0" b="0"/>
-      </a:effectRef>
-      <a:fontRef idx="minor">
-        <a:schemeClr val="lt1"/>
-      </a:fontRef>
-    </dgm:style>
-  </dgm:styleLbl>
-  <dgm:styleLbl name="asst3">
-    <dgm:scene3d>
-      <a:camera prst="orthographicFront"/>
-      <a:lightRig rig="threePt" dir="t"/>
-    </dgm:scene3d>
-    <dgm:sp3d/>
-    <dgm:txPr/>
-    <dgm:style>
-      <a:lnRef idx="2">
-        <a:scrgbClr r="0" g="0" b="0"/>
-      </a:lnRef>
-      <a:fillRef idx="1">
-        <a:scrgbClr r="0" g="0" b="0"/>
-      </a:fillRef>
-      <a:effectRef idx="0">
-        <a:scrgbClr r="0" g="0" b="0"/>
-      </a:effectRef>
-      <a:fontRef idx="minor">
-        <a:schemeClr val="lt1"/>
-      </a:fontRef>
-    </dgm:style>
-  </dgm:styleLbl>
-  <dgm:styleLbl name="asst4">
-    <dgm:scene3d>
-      <a:camera prst="orthographicFront"/>
-      <a:lightRig rig="threePt" dir="t"/>
-    </dgm:scene3d>
-    <dgm:sp3d/>
-    <dgm:txPr/>
-    <dgm:style>
-      <a:lnRef idx="2">
-        <a:scrgbClr r="0" g="0" b="0"/>
-      </a:lnRef>
-      <a:fillRef idx="1">
-        <a:scrgbClr r="0" g="0" b="0"/>
-      </a:fillRef>
-      <a:effectRef idx="0">
-        <a:scrgbClr r="0" g="0" b="0"/>
-      </a:effectRef>
-      <a:fontRef idx="minor">
-        <a:schemeClr val="lt1"/>
-      </a:fontRef>
-    </dgm:style>
-  </dgm:styleLbl>
-  <dgm:styleLbl name="parChTrans2D1">
-    <dgm:scene3d>
-      <a:camera prst="orthographicFront"/>
-      <a:lightRig rig="threePt" dir="t"/>
-    </dgm:scene3d>
-    <dgm:sp3d/>
-    <dgm:txPr/>
-    <dgm:style>
-      <a:lnRef idx="2">
-        <a:scrgbClr r="0" g="0" b="0"/>
-      </a:lnRef>
-      <a:fillRef idx="1">
-        <a:scrgbClr r="0" g="0" b="0"/>
-      </a:fillRef>
-      <a:effectRef idx="0">
-        <a:scrgbClr r="0" g="0" b="0"/>
-      </a:effectRef>
-      <a:fontRef idx="minor">
-        <a:schemeClr val="lt1"/>
-      </a:fontRef>
-    </dgm:style>
-  </dgm:styleLbl>
-  <dgm:styleLbl name="parChTrans2D2">
-    <dgm:scene3d>
-      <a:camera prst="orthographicFront"/>
-      <a:lightRig rig="threePt" dir="t"/>
-    </dgm:scene3d>
-    <dgm:sp3d/>
-    <dgm:txPr/>
-    <dgm:style>
-      <a:lnRef idx="2">
-        <a:scrgbClr r="0" g="0" b="0"/>
-      </a:lnRef>
-      <a:fillRef idx="1">
-        <a:scrgbClr r="0" g="0" b="0"/>
-      </a:fillRef>
-      <a:effectRef idx="0">
-        <a:scrgbClr r="0" g="0" b="0"/>
-      </a:effectRef>
-      <a:fontRef idx="minor">
-        <a:schemeClr val="lt1"/>
-      </a:fontRef>
-    </dgm:style>
-  </dgm:styleLbl>
-  <dgm:styleLbl name="parChTrans2D3">
-    <dgm:scene3d>
-      <a:camera prst="orthographicFront"/>
-      <a:lightRig rig="threePt" dir="t"/>
-    </dgm:scene3d>
-    <dgm:sp3d/>
-    <dgm:txPr/>
-    <dgm:style>
-      <a:lnRef idx="2">
-        <a:scrgbClr r="0" g="0" b="0"/>
-      </a:lnRef>
-      <a:fillRef idx="1">
-        <a:scrgbClr r="0" g="0" b="0"/>
-      </a:fillRef>
-      <a:effectRef idx="0">
-        <a:scrgbClr r="0" g="0" b="0"/>
-      </a:effectRef>
-      <a:fontRef idx="minor">
-        <a:schemeClr val="lt1"/>
-      </a:fontRef>
-    </dgm:style>
-  </dgm:styleLbl>
-  <dgm:styleLbl name="parChTrans2D4">
-    <dgm:scene3d>
-      <a:camera prst="orthographicFront"/>
-      <a:lightRig rig="threePt" dir="t"/>
-    </dgm:scene3d>
-    <dgm:sp3d/>
-    <dgm:txPr/>
-    <dgm:style>
-      <a:lnRef idx="2">
-        <a:scrgbClr r="0" g="0" b="0"/>
-      </a:lnRef>
-      <a:fillRef idx="1">
-        <a:scrgbClr r="0" g="0" b="0"/>
-      </a:fillRef>
-      <a:effectRef idx="0">
-        <a:scrgbClr r="0" g="0" b="0"/>
-      </a:effectRef>
-      <a:fontRef idx="minor">
-        <a:schemeClr val="lt1"/>
-      </a:fontRef>
-    </dgm:style>
-  </dgm:styleLbl>
-  <dgm:styleLbl name="parChTrans1D1">
-    <dgm:scene3d>
-      <a:camera prst="orthographicFront"/>
-      <a:lightRig rig="threePt" dir="t"/>
-    </dgm:scene3d>
-    <dgm:sp3d/>
-    <dgm:txPr/>
-    <dgm:style>
-      <a:lnRef idx="2">
-        <a:scrgbClr r="0" g="0" b="0"/>
-      </a:lnRef>
-      <a:fillRef idx="0">
-        <a:scrgbClr r="0" g="0" b="0"/>
-      </a:fillRef>
-      <a:effectRef idx="0">
-        <a:scrgbClr r="0" g="0" b="0"/>
-      </a:effectRef>
-      <a:fontRef idx="minor"/>
-    </dgm:style>
-  </dgm:styleLbl>
-  <dgm:styleLbl name="parChTrans1D2">
-    <dgm:scene3d>
-      <a:camera prst="orthographicFront"/>
-      <a:lightRig rig="threePt" dir="t"/>
-    </dgm:scene3d>
-    <dgm:sp3d/>
-    <dgm:txPr/>
-    <dgm:style>
-      <a:lnRef idx="2">
-        <a:scrgbClr r="0" g="0" b="0"/>
-      </a:lnRef>
-      <a:fillRef idx="0">
-        <a:scrgbClr r="0" g="0" b="0"/>
-      </a:fillRef>
-      <a:effectRef idx="0">
-        <a:scrgbClr r="0" g="0" b="0"/>
-      </a:effectRef>
-      <a:fontRef idx="minor"/>
-    </dgm:style>
-  </dgm:styleLbl>
-  <dgm:styleLbl name="parChTrans1D3">
-    <dgm:scene3d>
-      <a:camera prst="orthographicFront"/>
-      <a:lightRig rig="threePt" dir="t"/>
-    </dgm:scene3d>
-    <dgm:sp3d/>
-    <dgm:txPr/>
-    <dgm:style>
-      <a:lnRef idx="2">
-        <a:scrgbClr r="0" g="0" b="0"/>
-      </a:lnRef>
-      <a:fillRef idx="0">
-        <a:scrgbClr r="0" g="0" b="0"/>
-      </a:fillRef>
-      <a:effectRef idx="0">
-        <a:scrgbClr r="0" g="0" b="0"/>
-      </a:effectRef>
-      <a:fontRef idx="minor"/>
-    </dgm:style>
-  </dgm:styleLbl>
-  <dgm:styleLbl name="parChTrans1D4">
-    <dgm:scene3d>
-      <a:camera prst="orthographicFront"/>
-      <a:lightRig rig="threePt" dir="t"/>
-    </dgm:scene3d>
-    <dgm:sp3d/>
-    <dgm:txPr/>
-    <dgm:style>
-      <a:lnRef idx="2">
-        <a:scrgbClr r="0" g="0" b="0"/>
-      </a:lnRef>
-      <a:fillRef idx="0">
-        <a:scrgbClr r="0" g="0" b="0"/>
-      </a:fillRef>
-      <a:effectRef idx="0">
-        <a:scrgbClr r="0" g="0" b="0"/>
-      </a:effectRef>
-      <a:fontRef idx="minor"/>
-    </dgm:style>
-  </dgm:styleLbl>
-  <dgm:styleLbl name="fgAcc1">
-    <dgm:scene3d>
-      <a:camera prst="orthographicFront"/>
-      <a:lightRig rig="threePt" dir="t"/>
-    </dgm:scene3d>
-    <dgm:sp3d/>
-    <dgm:txPr/>
-    <dgm:style>
-      <a:lnRef idx="2">
-        <a:scrgbClr r="0" g="0" b="0"/>
-      </a:lnRef>
-      <a:fillRef idx="1">
-        <a:scrgbClr r="0" g="0" b="0"/>
-      </a:fillRef>
-      <a:effectRef idx="0">
-        <a:scrgbClr r="0" g="0" b="0"/>
-      </a:effectRef>
-      <a:fontRef idx="minor"/>
-    </dgm:style>
-  </dgm:styleLbl>
-  <dgm:styleLbl name="conFgAcc1">
-    <dgm:scene3d>
-      <a:camera prst="orthographicFront"/>
-      <a:lightRig rig="threePt" dir="t"/>
-    </dgm:scene3d>
-    <dgm:sp3d/>
-    <dgm:txPr/>
-    <dgm:style>
-      <a:lnRef idx="2">
-        <a:scrgbClr r="0" g="0" b="0"/>
-      </a:lnRef>
-      <a:fillRef idx="1">
-        <a:scrgbClr r="0" g="0" b="0"/>
-      </a:fillRef>
-      <a:effectRef idx="0">
-        <a:scrgbClr r="0" g="0" b="0"/>
-      </a:effectRef>
-      <a:fontRef idx="minor"/>
-    </dgm:style>
-  </dgm:styleLbl>
-  <dgm:styleLbl name="alignAcc1">
-    <dgm:scene3d>
-      <a:camera prst="orthographicFront"/>
-      <a:lightRig rig="threePt" dir="t"/>
-    </dgm:scene3d>
-    <dgm:sp3d/>
-    <dgm:txPr/>
-    <dgm:style>
-      <a:lnRef idx="2">
-        <a:scrgbClr r="0" g="0" b="0"/>
-      </a:lnRef>
-      <a:fillRef idx="1">
-        <a:scrgbClr r="0" g="0" b="0"/>
-      </a:fillRef>
-      <a:effectRef idx="0">
-        <a:scrgbClr r="0" g="0" b="0"/>
-      </a:effectRef>
-      <a:fontRef idx="minor"/>
-    </dgm:style>
-  </dgm:styleLbl>
-  <dgm:styleLbl name="trAlignAcc1">
-    <dgm:scene3d>
-      <a:camera prst="orthographicFront"/>
-      <a:lightRig rig="threePt" dir="t"/>
-    </dgm:scene3d>
-    <dgm:sp3d/>
-    <dgm:txPr/>
-    <dgm:style>
-      <a:lnRef idx="1">
-        <a:scrgbClr r="0" g="0" b="0"/>
-      </a:lnRef>
-      <a:fillRef idx="1">
-        <a:scrgbClr r="0" g="0" b="0"/>
-      </a:fillRef>
-      <a:effectRef idx="0">
-        <a:scrgbClr r="0" g="0" b="0"/>
-      </a:effectRef>
-      <a:fontRef idx="minor"/>
-    </dgm:style>
-  </dgm:styleLbl>
-  <dgm:styleLbl name="bgAcc1">
-    <dgm:scene3d>
-      <a:camera prst="orthographicFront"/>
-      <a:lightRig rig="threePt" dir="t"/>
-    </dgm:scene3d>
-    <dgm:sp3d/>
-    <dgm:txPr/>
-    <dgm:style>
-      <a:lnRef idx="2">
-        <a:scrgbClr r="0" g="0" b="0"/>
-      </a:lnRef>
-      <a:fillRef idx="1">
-        <a:scrgbClr r="0" g="0" b="0"/>
-      </a:fillRef>
-      <a:effectRef idx="0">
-        <a:scrgbClr r="0" g="0" b="0"/>
-      </a:effectRef>
-      <a:fontRef idx="minor"/>
-    </dgm:style>
-  </dgm:styleLbl>
-  <dgm:styleLbl name="solidFgAcc1">
-    <dgm:scene3d>
-      <a:camera prst="orthographicFront"/>
-      <a:lightRig rig="threePt" dir="t"/>
-    </dgm:scene3d>
-    <dgm:sp3d/>
-    <dgm:txPr/>
-    <dgm:style>
-      <a:lnRef idx="2">
-        <a:scrgbClr r="0" g="0" b="0"/>
-      </a:lnRef>
-      <a:fillRef idx="1">
-        <a:scrgbClr r="0" g="0" b="0"/>
-      </a:fillRef>
-      <a:effectRef idx="0">
-        <a:scrgbClr r="0" g="0" b="0"/>
-      </a:effectRef>
-      <a:fontRef idx="minor"/>
-    </dgm:style>
-  </dgm:styleLbl>
-  <dgm:styleLbl name="solidAlignAcc1">
-    <dgm:scene3d>
-      <a:camera prst="orthographicFront"/>
-      <a:lightRig rig="threePt" dir="t"/>
-    </dgm:scene3d>
-    <dgm:sp3d/>
-    <dgm:txPr/>
-    <dgm:style>
-      <a:lnRef idx="2">
-        <a:scrgbClr r="0" g="0" b="0"/>
-      </a:lnRef>
-      <a:fillRef idx="1">
-        <a:scrgbClr r="0" g="0" b="0"/>
-      </a:fillRef>
-      <a:effectRef idx="0">
-        <a:scrgbClr r="0" g="0" b="0"/>
-      </a:effectRef>
-      <a:fontRef idx="minor"/>
-    </dgm:style>
-  </dgm:styleLbl>
-  <dgm:styleLbl name="solidBgAcc1">
-    <dgm:scene3d>
-      <a:camera prst="orthographicFront"/>
-      <a:lightRig rig="threePt" dir="t"/>
-    </dgm:scene3d>
-    <dgm:sp3d/>
-    <dgm:txPr/>
-    <dgm:style>
-      <a:lnRef idx="2">
-        <a:scrgbClr r="0" g="0" b="0"/>
-      </a:lnRef>
-      <a:fillRef idx="1">
-        <a:scrgbClr r="0" g="0" b="0"/>
-      </a:fillRef>
-      <a:effectRef idx="0">
-        <a:scrgbClr r="0" g="0" b="0"/>
-      </a:effectRef>
-      <a:fontRef idx="minor"/>
-    </dgm:style>
-  </dgm:styleLbl>
-  <dgm:styleLbl name="fgAccFollowNode1">
-    <dgm:scene3d>
-      <a:camera prst="orthographicFront"/>
-      <a:lightRig rig="threePt" dir="t"/>
-    </dgm:scene3d>
-    <dgm:sp3d/>
-    <dgm:txPr/>
-    <dgm:style>
-      <a:lnRef idx="2">
-        <a:scrgbClr r="0" g="0" b="0"/>
-      </a:lnRef>
-      <a:fillRef idx="1">
-        <a:scrgbClr r="0" g="0" b="0"/>
-      </a:fillRef>
-      <a:effectRef idx="0">
-        <a:scrgbClr r="0" g="0" b="0"/>
-      </a:effectRef>
-      <a:fontRef idx="minor"/>
-    </dgm:style>
-  </dgm:styleLbl>
-  <dgm:styleLbl name="alignAccFollowNode1">
-    <dgm:scene3d>
-      <a:camera prst="orthographicFront"/>
-      <a:lightRig rig="threePt" dir="t"/>
-    </dgm:scene3d>
-    <dgm:sp3d/>
-    <dgm:txPr/>
-    <dgm:style>
-      <a:lnRef idx="2">
-        <a:scrgbClr r="0" g="0" b="0"/>
-      </a:lnRef>
-      <a:fillRef idx="1">
-        <a:scrgbClr r="0" g="0" b="0"/>
-      </a:fillRef>
-      <a:effectRef idx="0">
-        <a:scrgbClr r="0" g="0" b="0"/>
-      </a:effectRef>
-      <a:fontRef idx="minor"/>
-    </dgm:style>
-  </dgm:styleLbl>
-  <dgm:styleLbl name="bgAccFollowNode1">
-    <dgm:scene3d>
-      <a:camera prst="orthographicFront"/>
-      <a:lightRig rig="threePt" dir="t"/>
-    </dgm:scene3d>
-    <dgm:sp3d/>
-    <dgm:txPr/>
-    <dgm:style>
-      <a:lnRef idx="2">
-        <a:scrgbClr r="0" g="0" b="0"/>
-      </a:lnRef>
-      <a:fillRef idx="1">
-        <a:scrgbClr r="0" g="0" b="0"/>
-      </a:fillRef>
-      <a:effectRef idx="0">
-        <a:scrgbClr r="0" g="0" b="0"/>
-      </a:effectRef>
-      <a:fontRef idx="minor"/>
-    </dgm:style>
-  </dgm:styleLbl>
-  <dgm:styleLbl name="fgAcc0">
-    <dgm:scene3d>
-      <a:camera prst="orthographicFront"/>
-      <a:lightRig rig="threePt" dir="t"/>
-    </dgm:scene3d>
-    <dgm:sp3d/>
-    <dgm:txPr/>
-    <dgm:style>
-      <a:lnRef idx="2">
-        <a:scrgbClr r="0" g="0" b="0"/>
-      </a:lnRef>
-      <a:fillRef idx="1">
-        <a:scrgbClr r="0" g="0" b="0"/>
-      </a:fillRef>
-      <a:effectRef idx="0">
-        <a:scrgbClr r="0" g="0" b="0"/>
-      </a:effectRef>
-      <a:fontRef idx="minor"/>
-    </dgm:style>
-  </dgm:styleLbl>
-  <dgm:styleLbl name="fgAcc2">
-    <dgm:scene3d>
-      <a:camera prst="orthographicFront"/>
-      <a:lightRig rig="threePt" dir="t"/>
-    </dgm:scene3d>
-    <dgm:sp3d/>
-    <dgm:txPr/>
-    <dgm:style>
-      <a:lnRef idx="2">
-        <a:scrgbClr r="0" g="0" b="0"/>
-      </a:lnRef>
-      <a:fillRef idx="1">
-        <a:scrgbClr r="0" g="0" b="0"/>
-      </a:fillRef>
-      <a:effectRef idx="0">
-        <a:scrgbClr r="0" g="0" b="0"/>
-      </a:effectRef>
-      <a:fontRef idx="minor"/>
-    </dgm:style>
-  </dgm:styleLbl>
-  <dgm:styleLbl name="fgAcc3">
-    <dgm:scene3d>
-      <a:camera prst="orthographicFront"/>
-      <a:lightRig rig="threePt" dir="t"/>
-    </dgm:scene3d>
-    <dgm:sp3d/>
-    <dgm:txPr/>
-    <dgm:style>
-      <a:lnRef idx="2">
-        <a:scrgbClr r="0" g="0" b="0"/>
-      </a:lnRef>
-      <a:fillRef idx="1">
-        <a:scrgbClr r="0" g="0" b="0"/>
-      </a:fillRef>
-      <a:effectRef idx="0">
-        <a:scrgbClr r="0" g="0" b="0"/>
-      </a:effectRef>
-      <a:fontRef idx="minor"/>
-    </dgm:style>
-  </dgm:styleLbl>
-  <dgm:styleLbl name="fgAcc4">
-    <dgm:scene3d>
-      <a:camera prst="orthographicFront"/>
-      <a:lightRig rig="threePt" dir="t"/>
-    </dgm:scene3d>
-    <dgm:sp3d/>
-    <dgm:txPr/>
-    <dgm:style>
-      <a:lnRef idx="2">
-        <a:scrgbClr r="0" g="0" b="0"/>
-      </a:lnRef>
-      <a:fillRef idx="1">
-        <a:scrgbClr r="0" g="0" b="0"/>
-      </a:fillRef>
-      <a:effectRef idx="0">
-        <a:scrgbClr r="0" g="0" b="0"/>
-      </a:effectRef>
-      <a:fontRef idx="minor"/>
-    </dgm:style>
-  </dgm:styleLbl>
-  <dgm:styleLbl name="bgShp">
-    <dgm:scene3d>
-      <a:camera prst="orthographicFront"/>
-      <a:lightRig rig="threePt" dir="t"/>
-    </dgm:scene3d>
-    <dgm:sp3d/>
-    <dgm:txPr/>
-    <dgm:style>
-      <a:lnRef idx="0">
-        <a:scrgbClr r="0" g="0" b="0"/>
-      </a:lnRef>
-      <a:fillRef idx="1">
-        <a:scrgbClr r="0" g="0" b="0"/>
-      </a:fillRef>
-      <a:effectRef idx="0">
-        <a:scrgbClr r="0" g="0" b="0"/>
-      </a:effectRef>
-      <a:fontRef idx="minor"/>
-    </dgm:style>
-  </dgm:styleLbl>
-  <dgm:styleLbl name="dkBgShp">
-    <dgm:scene3d>
-      <a:camera prst="orthographicFront"/>
-      <a:lightRig rig="threePt" dir="t"/>
-    </dgm:scene3d>
-    <dgm:sp3d/>
-    <dgm:txPr/>
-    <dgm:style>
-      <a:lnRef idx="0">
-        <a:scrgbClr r="0" g="0" b="0"/>
-      </a:lnRef>
-      <a:fillRef idx="1">
-        <a:scrgbClr r="0" g="0" b="0"/>
-      </a:fillRef>
-      <a:effectRef idx="0">
-        <a:scrgbClr r="0" g="0" b="0"/>
-      </a:effectRef>
-      <a:fontRef idx="minor"/>
-    </dgm:style>
-  </dgm:styleLbl>
-  <dgm:styleLbl name="trBgShp">
-    <dgm:scene3d>
-      <a:camera prst="orthographicFront"/>
-      <a:lightRig rig="threePt" dir="t"/>
-    </dgm:scene3d>
-    <dgm:sp3d/>
-    <dgm:txPr/>
-    <dgm:style>
-      <a:lnRef idx="0">
-        <a:scrgbClr r="0" g="0" b="0"/>
-      </a:lnRef>
-      <a:fillRef idx="1">
-        <a:scrgbClr r="0" g="0" b="0"/>
-      </a:fillRef>
-      <a:effectRef idx="0">
-        <a:scrgbClr r="0" g="0" b="0"/>
-      </a:effectRef>
-      <a:fontRef idx="minor"/>
-    </dgm:style>
-  </dgm:styleLbl>
-  <dgm:styleLbl name="fgShp">
-    <dgm:scene3d>
-      <a:camera prst="orthographicFront"/>
-      <a:lightRig rig="threePt" dir="t"/>
-    </dgm:scene3d>
-    <dgm:sp3d/>
-    <dgm:txPr/>
-    <dgm:style>
-      <a:lnRef idx="2">
-        <a:scrgbClr r="0" g="0" b="0"/>
-      </a:lnRef>
-      <a:fillRef idx="1">
-        <a:scrgbClr r="0" g="0" b="0"/>
-      </a:fillRef>
-      <a:effectRef idx="0">
-        <a:scrgbClr r="0" g="0" b="0"/>
-      </a:effectRef>
-      <a:fontRef idx="minor"/>
-    </dgm:style>
-  </dgm:styleLbl>
-  <dgm:styleLbl name="revTx">
-    <dgm:scene3d>
-      <a:camera prst="orthographicFront"/>
-      <a:lightRig rig="threePt" dir="t"/>
-    </dgm:scene3d>
-    <dgm:sp3d/>
-    <dgm:txPr/>
-    <dgm:style>
-      <a:lnRef idx="0">
-        <a:scrgbClr r="0" g="0" b="0"/>
-      </a:lnRef>
-      <a:fillRef idx="0">
-        <a:scrgbClr r="0" g="0" b="0"/>
-      </a:fillRef>
-      <a:effectRef idx="0">
-        <a:scrgbClr r="0" g="0" b="0"/>
-      </a:effectRef>
-      <a:fontRef idx="minor"/>
-    </dgm:style>
-  </dgm:styleLbl>
-</dgm:styleDef>
-</file>
-
 <file path=ppt/slideLayouts/slideLayout1.xml><?xml version="1.0" encoding="utf-8"?>
 <p:sldLayout xmlns:a="http://schemas.openxmlformats.org/drawingml/2006/main" xmlns:r="http://schemas.openxmlformats.org/officeDocument/2006/relationships" xmlns:p="http://schemas.openxmlformats.org/presentationml/2006/main" type="title" preserve="1">
   <p:cSld name="Title Slide">
@@ -4843,7 +263,7 @@
           <a:p>
             <a:fld id="{3D89798B-2076-463D-B995-CA32E41DD97F}" type="datetimeFigureOut">
               <a:rPr lang="en-SE" smtClean="0"/>
-              <a:t>2021-11-20</a:t>
+              <a:t>2022-01-07</a:t>
             </a:fld>
             <a:endParaRPr lang="en-SE"/>
           </a:p>
@@ -5043,7 +463,7 @@
           <a:p>
             <a:fld id="{3D89798B-2076-463D-B995-CA32E41DD97F}" type="datetimeFigureOut">
               <a:rPr lang="en-SE" smtClean="0"/>
-              <a:t>2021-11-20</a:t>
+              <a:t>2022-01-07</a:t>
             </a:fld>
             <a:endParaRPr lang="en-SE"/>
           </a:p>
@@ -5253,7 +673,7 @@
           <a:p>
             <a:fld id="{3D89798B-2076-463D-B995-CA32E41DD97F}" type="datetimeFigureOut">
               <a:rPr lang="en-SE" smtClean="0"/>
-              <a:t>2021-11-20</a:t>
+              <a:t>2022-01-07</a:t>
             </a:fld>
             <a:endParaRPr lang="en-SE"/>
           </a:p>
@@ -5453,7 +873,7 @@
           <a:p>
             <a:fld id="{3D89798B-2076-463D-B995-CA32E41DD97F}" type="datetimeFigureOut">
               <a:rPr lang="en-SE" smtClean="0"/>
-              <a:t>2021-11-20</a:t>
+              <a:t>2022-01-07</a:t>
             </a:fld>
             <a:endParaRPr lang="en-SE"/>
           </a:p>
@@ -5729,7 +1149,7 @@
           <a:p>
             <a:fld id="{3D89798B-2076-463D-B995-CA32E41DD97F}" type="datetimeFigureOut">
               <a:rPr lang="en-SE" smtClean="0"/>
-              <a:t>2021-11-20</a:t>
+              <a:t>2022-01-07</a:t>
             </a:fld>
             <a:endParaRPr lang="en-SE"/>
           </a:p>
@@ -5997,7 +1417,7 @@
           <a:p>
             <a:fld id="{3D89798B-2076-463D-B995-CA32E41DD97F}" type="datetimeFigureOut">
               <a:rPr lang="en-SE" smtClean="0"/>
-              <a:t>2021-11-20</a:t>
+              <a:t>2022-01-07</a:t>
             </a:fld>
             <a:endParaRPr lang="en-SE"/>
           </a:p>
@@ -6412,7 +1832,7 @@
           <a:p>
             <a:fld id="{3D89798B-2076-463D-B995-CA32E41DD97F}" type="datetimeFigureOut">
               <a:rPr lang="en-SE" smtClean="0"/>
-              <a:t>2021-11-20</a:t>
+              <a:t>2022-01-07</a:t>
             </a:fld>
             <a:endParaRPr lang="en-SE"/>
           </a:p>
@@ -6554,7 +1974,7 @@
           <a:p>
             <a:fld id="{3D89798B-2076-463D-B995-CA32E41DD97F}" type="datetimeFigureOut">
               <a:rPr lang="en-SE" smtClean="0"/>
-              <a:t>2021-11-20</a:t>
+              <a:t>2022-01-07</a:t>
             </a:fld>
             <a:endParaRPr lang="en-SE"/>
           </a:p>
@@ -6667,7 +2087,7 @@
           <a:p>
             <a:fld id="{3D89798B-2076-463D-B995-CA32E41DD97F}" type="datetimeFigureOut">
               <a:rPr lang="en-SE" smtClean="0"/>
-              <a:t>2021-11-20</a:t>
+              <a:t>2022-01-07</a:t>
             </a:fld>
             <a:endParaRPr lang="en-SE"/>
           </a:p>
@@ -6980,7 +2400,7 @@
           <a:p>
             <a:fld id="{3D89798B-2076-463D-B995-CA32E41DD97F}" type="datetimeFigureOut">
               <a:rPr lang="en-SE" smtClean="0"/>
-              <a:t>2021-11-20</a:t>
+              <a:t>2022-01-07</a:t>
             </a:fld>
             <a:endParaRPr lang="en-SE"/>
           </a:p>
@@ -7269,7 +2689,7 @@
           <a:p>
             <a:fld id="{3D89798B-2076-463D-B995-CA32E41DD97F}" type="datetimeFigureOut">
               <a:rPr lang="en-SE" smtClean="0"/>
-              <a:t>2021-11-20</a:t>
+              <a:t>2022-01-07</a:t>
             </a:fld>
             <a:endParaRPr lang="en-SE"/>
           </a:p>
@@ -7512,7 +2932,7 @@
           <a:p>
             <a:fld id="{3D89798B-2076-463D-B995-CA32E41DD97F}" type="datetimeFigureOut">
               <a:rPr lang="en-SE" smtClean="0"/>
-              <a:t>2021-11-20</a:t>
+              <a:t>2022-01-07</a:t>
             </a:fld>
             <a:endParaRPr lang="en-SE"/>
           </a:p>
@@ -10181,9 +5601,16 @@
             <p:ph type="title"/>
           </p:nvPr>
         </p:nvSpPr>
-        <p:spPr/>
-        <p:txBody>
-          <a:bodyPr/>
+        <p:spPr>
+          <a:xfrm>
+            <a:off x="838200" y="365125"/>
+            <a:ext cx="10515600" cy="640715"/>
+          </a:xfrm>
+        </p:spPr>
+        <p:txBody>
+          <a:bodyPr>
+            <a:normAutofit fontScale="90000"/>
+          </a:bodyPr>
           <a:lstStyle/>
           <a:p>
             <a:r>
@@ -10210,30 +5637,286 @@
             <p:ph idx="1"/>
           </p:nvPr>
         </p:nvSpPr>
-        <p:spPr/>
+        <p:spPr>
+          <a:xfrm>
+            <a:off x="838200" y="1005840"/>
+            <a:ext cx="10515600" cy="5171123"/>
+          </a:xfrm>
+        </p:spPr>
         <p:txBody>
           <a:bodyPr>
-            <a:normAutofit fontScale="92500" lnSpcReduction="10000"/>
+            <a:normAutofit fontScale="40000" lnSpcReduction="20000"/>
           </a:bodyPr>
           <a:lstStyle/>
           <a:p>
             <a:r>
+              <a:rPr lang="en-US" dirty="0" err="1"/>
+              <a:t>NoStd</a:t>
+            </a:r>
+            <a:r>
               <a:rPr lang="en-US" dirty="0"/>
-              <a:t>Clean up</a:t>
+              <a:t> (Use Spinlocks)</a:t>
+            </a:r>
+          </a:p>
+          <a:p>
+            <a:r>
+              <a:rPr lang="en-US" dirty="0"/>
+              <a:t>Std allowed for HostServer.*</a:t>
+            </a:r>
+          </a:p>
+          <a:p>
+            <a:r>
+              <a:rPr lang="en-US" dirty="0"/>
+              <a:t>Implement </a:t>
+            </a:r>
+            <a:r>
+              <a:rPr lang="en-US" dirty="0" err="1"/>
+              <a:t>Protocol.HocusPocus</a:t>
+            </a:r>
+            <a:r>
+              <a:rPr lang="en-US" dirty="0"/>
+              <a:t> to test out new design before updating IDL compiler</a:t>
             </a:r>
           </a:p>
           <a:p>
             <a:pPr lvl="1"/>
             <a:r>
               <a:rPr lang="en-US" dirty="0"/>
-              <a:t>Naming</a:t>
+              <a:t>Use </a:t>
+            </a:r>
+            <a:r>
+              <a:rPr lang="en-US" dirty="0" err="1"/>
+              <a:t>serde</a:t>
+            </a:r>
+            <a:r>
+              <a:rPr lang="en-US" dirty="0"/>
+              <a:t> </a:t>
+            </a:r>
+            <a:r>
+              <a:rPr lang="en-US" dirty="0" err="1"/>
+              <a:t>bincode</a:t>
+            </a:r>
+            <a:r>
+              <a:rPr lang="en-US" dirty="0"/>
+              <a:t>?</a:t>
+            </a:r>
+          </a:p>
+          <a:p>
+            <a:pPr lvl="2"/>
+            <a:r>
+              <a:rPr lang="en-US" dirty="0"/>
+              <a:t>Manage </a:t>
+            </a:r>
+            <a:r>
+              <a:rPr lang="en-US" dirty="0" err="1"/>
+              <a:t>ThrowAwayAllButLatest</a:t>
+            </a:r>
+            <a:r>
+              <a:rPr lang="en-US" dirty="0"/>
+              <a:t> (used for e.g. pointer events)</a:t>
             </a:r>
           </a:p>
           <a:p>
             <a:pPr lvl="1"/>
             <a:r>
               <a:rPr lang="en-US" dirty="0"/>
-              <a:t>Consistent return types</a:t>
+              <a:t>Disallow .unwrap()</a:t>
+            </a:r>
+          </a:p>
+          <a:p>
+            <a:pPr lvl="1"/>
+            <a:r>
+              <a:rPr lang="en-US" dirty="0"/>
+              <a:t>In-buffer construction of message/object</a:t>
+            </a:r>
+          </a:p>
+          <a:p>
+            <a:pPr lvl="2"/>
+            <a:r>
+              <a:rPr lang="en-US" dirty="0"/>
+              <a:t>Able to create a message with a list of </a:t>
+            </a:r>
+            <a:r>
+              <a:rPr lang="en-US" dirty="0" err="1"/>
+              <a:t>RenderPatches</a:t>
+            </a:r>
+            <a:r>
+              <a:rPr lang="en-US" dirty="0"/>
+              <a:t> inside the IPC buffer and then add data to the slices</a:t>
+            </a:r>
+          </a:p>
+          <a:p>
+            <a:pPr lvl="1"/>
+            <a:r>
+              <a:rPr lang="en-US" dirty="0"/>
+              <a:t>No copy deserialization</a:t>
+            </a:r>
+          </a:p>
+          <a:p>
+            <a:r>
+              <a:rPr lang="en-US" dirty="0"/>
+              <a:t>Redesign IPC</a:t>
+            </a:r>
+          </a:p>
+          <a:p>
+            <a:pPr lvl="1"/>
+            <a:r>
+              <a:rPr lang="en-US" dirty="0"/>
+              <a:t>Channel has 2 buffers for full duplex</a:t>
+            </a:r>
+          </a:p>
+          <a:p>
+            <a:pPr lvl="1"/>
+            <a:r>
+              <a:rPr lang="en-US" dirty="0"/>
+              <a:t>Handle </a:t>
+            </a:r>
+            <a:r>
+              <a:rPr lang="en-US" dirty="0" err="1"/>
+              <a:t>call_sync</a:t>
+            </a:r>
+            <a:r>
+              <a:rPr lang="en-US" dirty="0"/>
+              <a:t> and send (handle response later) async communication in </a:t>
+            </a:r>
+            <a:r>
+              <a:rPr lang="en-US"/>
+              <a:t>a clean way</a:t>
+            </a:r>
+            <a:endParaRPr lang="en-US" dirty="0"/>
+          </a:p>
+          <a:p>
+            <a:pPr lvl="1"/>
+            <a:r>
+              <a:rPr lang="en-US" dirty="0"/>
+              <a:t>Change </a:t>
+            </a:r>
+            <a:r>
+              <a:rPr lang="en-US" dirty="0" err="1"/>
+              <a:t>Channel.Message</a:t>
+            </a:r>
+            <a:r>
+              <a:rPr lang="en-US" dirty="0"/>
+              <a:t> to just </a:t>
+            </a:r>
+            <a:r>
+              <a:rPr lang="en-US" dirty="0" err="1"/>
+              <a:t>Channel.DataAvailable</a:t>
+            </a:r>
+            <a:endParaRPr lang="en-US" dirty="0"/>
+          </a:p>
+          <a:p>
+            <a:pPr lvl="2"/>
+            <a:r>
+              <a:rPr lang="en-US" dirty="0"/>
+              <a:t>Move all message data </a:t>
+            </a:r>
+            <a:r>
+              <a:rPr lang="en-US" dirty="0" err="1"/>
+              <a:t>och</a:t>
+            </a:r>
+            <a:r>
+              <a:rPr lang="en-US" dirty="0"/>
+              <a:t> queue management to </a:t>
+            </a:r>
+            <a:r>
+              <a:rPr lang="en-US" dirty="0" err="1"/>
+              <a:t>userspace</a:t>
+            </a:r>
+            <a:r>
+              <a:rPr lang="en-US" dirty="0"/>
+              <a:t> in channel buffers</a:t>
+            </a:r>
+          </a:p>
+          <a:p>
+            <a:pPr lvl="1"/>
+            <a:r>
+              <a:rPr lang="en-US" dirty="0"/>
+              <a:t>Notify applications about </a:t>
+            </a:r>
+            <a:r>
+              <a:rPr lang="en-US" dirty="0" err="1"/>
+              <a:t>Channel.Closed</a:t>
+            </a:r>
+            <a:r>
+              <a:rPr lang="en-US" dirty="0"/>
+              <a:t> (by other side)</a:t>
+            </a:r>
+          </a:p>
+          <a:p>
+            <a:pPr lvl="2"/>
+            <a:r>
+              <a:rPr lang="en-US" dirty="0"/>
+              <a:t>Close channel and connection cleanly on either side if failing to verify/read messages from/to channel</a:t>
+            </a:r>
+          </a:p>
+          <a:p>
+            <a:pPr lvl="1"/>
+            <a:r>
+              <a:rPr lang="en-US" dirty="0"/>
+              <a:t>Support blocking/retry if IPC buffer is full when attempting to write</a:t>
+            </a:r>
+          </a:p>
+          <a:p>
+            <a:pPr lvl="1"/>
+            <a:r>
+              <a:rPr lang="en-US" dirty="0"/>
+              <a:t>Implement standard functions in Implementation trait (Disconnected)</a:t>
+            </a:r>
+          </a:p>
+          <a:p>
+            <a:pPr lvl="1"/>
+            <a:r>
+              <a:rPr lang="en-US" dirty="0"/>
+              <a:t>Support for slices in IPC message objects (to allow </a:t>
+            </a:r>
+            <a:r>
+              <a:rPr lang="en-US" dirty="0" err="1"/>
+              <a:t>RenderPatches</a:t>
+            </a:r>
+            <a:r>
+              <a:rPr lang="en-US" dirty="0"/>
+              <a:t>)</a:t>
+            </a:r>
+          </a:p>
+          <a:p>
+            <a:pPr lvl="1"/>
+            <a:r>
+              <a:rPr lang="en-US" dirty="0"/>
+              <a:t>Implement </a:t>
+            </a:r>
+            <a:r>
+              <a:rPr lang="en-US" dirty="0" err="1"/>
+              <a:t>userspace</a:t>
+            </a:r>
+            <a:r>
+              <a:rPr lang="en-US" dirty="0"/>
+              <a:t> management of IPC buffers</a:t>
+            </a:r>
+          </a:p>
+          <a:p>
+            <a:pPr lvl="2"/>
+            <a:r>
+              <a:rPr lang="en-US" dirty="0"/>
+              <a:t>Size of buffers are given in IDL</a:t>
+            </a:r>
+          </a:p>
+          <a:p>
+            <a:pPr lvl="2"/>
+            <a:r>
+              <a:rPr lang="en-US" dirty="0"/>
+              <a:t>Circular message buffer</a:t>
+            </a:r>
+          </a:p>
+          <a:p>
+            <a:pPr lvl="2"/>
+            <a:r>
+              <a:rPr lang="en-US" dirty="0" err="1"/>
+              <a:t>Userspace</a:t>
+            </a:r>
+            <a:r>
+              <a:rPr lang="en-US" dirty="0"/>
+              <a:t> shared memory Spinlock so that client and server can access the buffer to put messages in and read (and mark as read)</a:t>
             </a:r>
           </a:p>
           <a:p>
@@ -10254,84 +5937,41 @@
             <a:pPr lvl="1"/>
             <a:r>
               <a:rPr lang="en-US" dirty="0" err="1"/>
-              <a:t>Protocol.VFS</a:t>
+              <a:t>Protocol.Console</a:t>
             </a:r>
             <a:endParaRPr lang="en-US" dirty="0"/>
           </a:p>
           <a:p>
-            <a:pPr lvl="1"/>
+            <a:pPr lvl="2"/>
+            <a:r>
+              <a:rPr lang="en-US" dirty="0"/>
+              <a:t>Uses calls both ways</a:t>
+            </a:r>
+          </a:p>
+          <a:p>
+            <a:r>
+              <a:rPr lang="en-US" dirty="0"/>
+              <a:t>Implement </a:t>
+            </a:r>
             <a:r>
               <a:rPr lang="en-US" dirty="0" err="1"/>
-              <a:t>Protocol.FS</a:t>
+              <a:t>HostServer.Console</a:t>
             </a:r>
             <a:endParaRPr lang="en-US" dirty="0"/>
           </a:p>
           <a:p>
             <a:r>
               <a:rPr lang="en-US" dirty="0"/>
-              <a:t>Add </a:t>
+              <a:t>Implement </a:t>
             </a:r>
             <a:r>
               <a:rPr lang="en-US" dirty="0" err="1"/>
-              <a:t>HostBridge.FS</a:t>
-            </a:r>
-            <a:endParaRPr lang="en-US" dirty="0"/>
-          </a:p>
-          <a:p>
+              <a:t>Application.Tetris</a:t>
+            </a:r>
             <a:r>
               <a:rPr lang="en-US" dirty="0"/>
-              <a:t>Make </a:t>
-            </a:r>
-            <a:r>
-              <a:rPr lang="en-US" dirty="0" err="1"/>
-              <a:t>HostBridge.FS</a:t>
-            </a:r>
-            <a:r>
-              <a:rPr lang="en-US" dirty="0"/>
-              <a:t> mount to </a:t>
-            </a:r>
-            <a:r>
-              <a:rPr lang="en-US" dirty="0" err="1"/>
-              <a:t>Server.VFS</a:t>
-            </a:r>
-            <a:endParaRPr lang="en-US" dirty="0"/>
-          </a:p>
-          <a:p>
-            <a:r>
-              <a:rPr lang="en-US" dirty="0"/>
-              <a:t>Rename and use </a:t>
-            </a:r>
-            <a:r>
-              <a:rPr lang="en-US" dirty="0" err="1"/>
-              <a:t>Application.DirectoryList</a:t>
-            </a:r>
-            <a:r>
-              <a:rPr lang="en-US" dirty="0"/>
-              <a:t> to list windows(native) files</a:t>
-            </a:r>
-          </a:p>
-          <a:p>
-            <a:r>
-              <a:rPr lang="en-US" dirty="0"/>
-              <a:t>Write and use </a:t>
-            </a:r>
-            <a:r>
-              <a:rPr lang="en-US" dirty="0" err="1"/>
-              <a:t>Application.FileRead</a:t>
-            </a:r>
-            <a:r>
-              <a:rPr lang="en-US" dirty="0"/>
-              <a:t> to read a file from VFS and </a:t>
-            </a:r>
-            <a:r>
-              <a:rPr lang="en-US" dirty="0" err="1"/>
-              <a:t>emitInformation</a:t>
-            </a:r>
-            <a:r>
-              <a:rPr lang="en-US" dirty="0"/>
-              <a:t> it</a:t>
-            </a:r>
-            <a:endParaRPr lang="en-SE" dirty="0"/>
+              <a:t> to use Console server</a:t>
+            </a:r>
           </a:p>
         </p:txBody>
       </p:sp>
@@ -10339,730 +5979,6 @@
     <p:extLst>
       <p:ext uri="{BB962C8B-B14F-4D97-AF65-F5344CB8AC3E}">
         <p14:creationId xmlns:p14="http://schemas.microsoft.com/office/powerpoint/2010/main" val="26878499"/>
-      </p:ext>
-    </p:extLst>
-  </p:cSld>
-  <p:clrMapOvr>
-    <a:masterClrMapping/>
-  </p:clrMapOvr>
-</p:sld>
-</file>
-
-<file path=ppt/slides/slide4.xml><?xml version="1.0" encoding="utf-8"?>
-<p:sld xmlns:a="http://schemas.openxmlformats.org/drawingml/2006/main" xmlns:r="http://schemas.openxmlformats.org/officeDocument/2006/relationships" xmlns:p="http://schemas.openxmlformats.org/presentationml/2006/main">
-  <p:cSld>
-    <p:spTree>
-      <p:nvGrpSpPr>
-        <p:cNvPr id="1" name=""/>
-        <p:cNvGrpSpPr/>
-        <p:nvPr/>
-      </p:nvGrpSpPr>
-      <p:grpSpPr>
-        <a:xfrm>
-          <a:off x="0" y="0"/>
-          <a:ext cx="0" cy="0"/>
-          <a:chOff x="0" y="0"/>
-          <a:chExt cx="0" cy="0"/>
-        </a:xfrm>
-      </p:grpSpPr>
-      <p:sp>
-        <p:nvSpPr>
-          <p:cNvPr id="2" name="Title 1">
-            <a:extLst>
-              <a:ext uri="{FF2B5EF4-FFF2-40B4-BE49-F238E27FC236}">
-                <a16:creationId xmlns:a16="http://schemas.microsoft.com/office/drawing/2014/main" id="{C3DC3DA8-603B-46EF-A3A8-8FDA8DC07B26}"/>
-              </a:ext>
-            </a:extLst>
-          </p:cNvPr>
-          <p:cNvSpPr>
-            <a:spLocks noGrp="1"/>
-          </p:cNvSpPr>
-          <p:nvPr>
-            <p:ph type="title"/>
-          </p:nvPr>
-        </p:nvSpPr>
-        <p:spPr/>
-        <p:txBody>
-          <a:bodyPr/>
-          <a:lstStyle/>
-          <a:p>
-            <a:r>
-              <a:rPr lang="en-US" dirty="0"/>
-              <a:t>Steg 3</a:t>
-            </a:r>
-            <a:endParaRPr lang="en-SE" dirty="0"/>
-          </a:p>
-        </p:txBody>
-      </p:sp>
-      <p:sp>
-        <p:nvSpPr>
-          <p:cNvPr id="3" name="Content Placeholder 2">
-            <a:extLst>
-              <a:ext uri="{FF2B5EF4-FFF2-40B4-BE49-F238E27FC236}">
-                <a16:creationId xmlns:a16="http://schemas.microsoft.com/office/drawing/2014/main" id="{251FF763-FAD9-4517-9B30-1826018E5EF1}"/>
-              </a:ext>
-            </a:extLst>
-          </p:cNvPr>
-          <p:cNvSpPr>
-            <a:spLocks noGrp="1"/>
-          </p:cNvSpPr>
-          <p:nvPr>
-            <p:ph idx="1"/>
-          </p:nvPr>
-        </p:nvSpPr>
-        <p:spPr/>
-        <p:txBody>
-          <a:bodyPr>
-            <a:normAutofit fontScale="92500" lnSpcReduction="20000"/>
-          </a:bodyPr>
-          <a:lstStyle/>
-          <a:p>
-            <a:r>
-              <a:rPr lang="en-US" dirty="0"/>
-              <a:t>Write simple </a:t>
-            </a:r>
-            <a:r>
-              <a:rPr lang="en-US" dirty="0" err="1"/>
-              <a:t>HostBridge.Display</a:t>
-            </a:r>
-            <a:r>
-              <a:rPr lang="en-US" dirty="0"/>
-              <a:t> server</a:t>
-            </a:r>
-          </a:p>
-          <a:p>
-            <a:pPr lvl="1"/>
-            <a:r>
-              <a:rPr lang="en-US" dirty="0"/>
-              <a:t>IDL</a:t>
-            </a:r>
-          </a:p>
-          <a:p>
-            <a:r>
-              <a:rPr lang="en-US" dirty="0"/>
-              <a:t>Write simple </a:t>
-            </a:r>
-            <a:r>
-              <a:rPr lang="en-US" dirty="0" err="1"/>
-              <a:t>Server.Tornado</a:t>
-            </a:r>
-            <a:endParaRPr lang="en-US" dirty="0"/>
-          </a:p>
-          <a:p>
-            <a:pPr lvl="1"/>
-            <a:r>
-              <a:rPr lang="en-US" dirty="0"/>
-              <a:t>IDL</a:t>
-            </a:r>
-          </a:p>
-          <a:p>
-            <a:pPr lvl="1"/>
-            <a:r>
-              <a:rPr lang="en-US" dirty="0"/>
-              <a:t>GUI primitives</a:t>
-            </a:r>
-          </a:p>
-          <a:p>
-            <a:pPr lvl="2"/>
-            <a:r>
-              <a:rPr lang="en-US" dirty="0" err="1"/>
-              <a:t>GUI.Window</a:t>
-            </a:r>
-            <a:endParaRPr lang="en-US" dirty="0"/>
-          </a:p>
-          <a:p>
-            <a:pPr lvl="2"/>
-            <a:r>
-              <a:rPr lang="en-US" dirty="0" err="1"/>
-              <a:t>GUI.CharacterGrid</a:t>
-            </a:r>
-            <a:r>
-              <a:rPr lang="en-US" dirty="0"/>
-              <a:t> (will be used for text editor)</a:t>
-            </a:r>
-          </a:p>
-          <a:p>
-            <a:pPr lvl="2"/>
-            <a:r>
-              <a:rPr lang="en-US" dirty="0" err="1"/>
-              <a:t>GUI.LineInput</a:t>
-            </a:r>
-            <a:r>
-              <a:rPr lang="en-US" dirty="0"/>
-              <a:t> (used for shell)</a:t>
-            </a:r>
-          </a:p>
-          <a:p>
-            <a:pPr lvl="2"/>
-            <a:r>
-              <a:rPr lang="en-US" dirty="0"/>
-              <a:t>…</a:t>
-            </a:r>
-          </a:p>
-          <a:p>
-            <a:r>
-              <a:rPr lang="en-US" dirty="0"/>
-              <a:t>Write simple </a:t>
-            </a:r>
-            <a:r>
-              <a:rPr lang="en-US" dirty="0" err="1"/>
-              <a:t>Application.Shell</a:t>
-            </a:r>
-            <a:endParaRPr lang="en-US" dirty="0"/>
-          </a:p>
-          <a:p>
-            <a:r>
-              <a:rPr lang="en-US" dirty="0"/>
-              <a:t>Write simple </a:t>
-            </a:r>
-            <a:r>
-              <a:rPr lang="en-US" dirty="0" err="1"/>
-              <a:t>Application.FileEditor</a:t>
-            </a:r>
-            <a:endParaRPr lang="en-US" dirty="0"/>
-          </a:p>
-          <a:p>
-            <a:pPr lvl="1"/>
-            <a:r>
-              <a:rPr lang="en-US" dirty="0"/>
-              <a:t>Reads file from </a:t>
-            </a:r>
-            <a:r>
-              <a:rPr lang="en-US" dirty="0" err="1"/>
-              <a:t>Server.VFS</a:t>
-            </a:r>
-            <a:endParaRPr lang="en-US" dirty="0"/>
-          </a:p>
-          <a:p>
-            <a:pPr lvl="1"/>
-            <a:r>
-              <a:rPr lang="en-US" dirty="0"/>
-              <a:t>Displays and edits using </a:t>
-            </a:r>
-            <a:r>
-              <a:rPr lang="en-US" dirty="0" err="1"/>
-              <a:t>GUI.CharacterGrid</a:t>
-            </a:r>
-            <a:endParaRPr lang="en-US" dirty="0"/>
-          </a:p>
-        </p:txBody>
-      </p:sp>
-    </p:spTree>
-    <p:extLst>
-      <p:ext uri="{BB962C8B-B14F-4D97-AF65-F5344CB8AC3E}">
-        <p14:creationId xmlns:p14="http://schemas.microsoft.com/office/powerpoint/2010/main" val="1881553423"/>
-      </p:ext>
-    </p:extLst>
-  </p:cSld>
-  <p:clrMapOvr>
-    <a:masterClrMapping/>
-  </p:clrMapOvr>
-</p:sld>
-</file>
-
-<file path=ppt/slides/slide5.xml><?xml version="1.0" encoding="utf-8"?>
-<p:sld xmlns:a="http://schemas.openxmlformats.org/drawingml/2006/main" xmlns:r="http://schemas.openxmlformats.org/officeDocument/2006/relationships" xmlns:p="http://schemas.openxmlformats.org/presentationml/2006/main">
-  <p:cSld>
-    <p:spTree>
-      <p:nvGrpSpPr>
-        <p:cNvPr id="1" name=""/>
-        <p:cNvGrpSpPr/>
-        <p:nvPr/>
-      </p:nvGrpSpPr>
-      <p:grpSpPr>
-        <a:xfrm>
-          <a:off x="0" y="0"/>
-          <a:ext cx="0" cy="0"/>
-          <a:chOff x="0" y="0"/>
-          <a:chExt cx="0" cy="0"/>
-        </a:xfrm>
-      </p:grpSpPr>
-      <p:graphicFrame>
-        <p:nvGraphicFramePr>
-          <p:cNvPr id="4" name="Diagram 3">
-            <a:extLst>
-              <a:ext uri="{FF2B5EF4-FFF2-40B4-BE49-F238E27FC236}">
-                <a16:creationId xmlns:a16="http://schemas.microsoft.com/office/drawing/2014/main" id="{D63C141F-98F1-40C6-A6A0-D9B3C918C8E9}"/>
-              </a:ext>
-            </a:extLst>
-          </p:cNvPr>
-          <p:cNvGraphicFramePr/>
-          <p:nvPr>
-            <p:extLst>
-              <p:ext uri="{D42A27DB-BD31-4B8C-83A1-F6EECF244321}">
-                <p14:modId xmlns:p14="http://schemas.microsoft.com/office/powerpoint/2010/main" val="2366360484"/>
-              </p:ext>
-            </p:extLst>
-          </p:nvPr>
-        </p:nvGraphicFramePr>
-        <p:xfrm>
-          <a:off x="121920" y="3566160"/>
-          <a:ext cx="11948160" cy="3192780"/>
-        </p:xfrm>
-        <a:graphic>
-          <a:graphicData uri="http://schemas.openxmlformats.org/drawingml/2006/diagram">
-            <dgm:relIds xmlns:dgm="http://schemas.openxmlformats.org/drawingml/2006/diagram" xmlns:r="http://schemas.openxmlformats.org/officeDocument/2006/relationships" r:dm="rId2" r:lo="rId3" r:qs="rId4" r:cs="rId5"/>
-          </a:graphicData>
-        </a:graphic>
-      </p:graphicFrame>
-      <p:sp>
-        <p:nvSpPr>
-          <p:cNvPr id="5" name="Rectangle: Rounded Corners 4">
-            <a:extLst>
-              <a:ext uri="{FF2B5EF4-FFF2-40B4-BE49-F238E27FC236}">
-                <a16:creationId xmlns:a16="http://schemas.microsoft.com/office/drawing/2014/main" id="{30957766-F822-46F7-9CCB-557FAB98E568}"/>
-              </a:ext>
-            </a:extLst>
-          </p:cNvPr>
-          <p:cNvSpPr/>
-          <p:nvPr/>
-        </p:nvSpPr>
-        <p:spPr>
-          <a:xfrm>
-            <a:off x="556260" y="556260"/>
-            <a:ext cx="2407920" cy="289560"/>
-          </a:xfrm>
-          <a:prstGeom prst="roundRect">
-            <a:avLst/>
-          </a:prstGeom>
-        </p:spPr>
-        <p:style>
-          <a:lnRef idx="2">
-            <a:schemeClr val="accent1">
-              <a:shade val="50000"/>
-            </a:schemeClr>
-          </a:lnRef>
-          <a:fillRef idx="1">
-            <a:schemeClr val="accent1"/>
-          </a:fillRef>
-          <a:effectRef idx="0">
-            <a:schemeClr val="accent1"/>
-          </a:effectRef>
-          <a:fontRef idx="minor">
-            <a:schemeClr val="lt1"/>
-          </a:fontRef>
-        </p:style>
-        <p:txBody>
-          <a:bodyPr rtlCol="0" anchor="ctr"/>
-          <a:lstStyle/>
-          <a:p>
-            <a:pPr algn="ctr"/>
-            <a:r>
-              <a:rPr lang="en-US" sz="1400" dirty="0" err="1"/>
-              <a:t>Application.DirectoryList</a:t>
-            </a:r>
-            <a:r>
-              <a:rPr lang="en-US" sz="1400" dirty="0"/>
-              <a:t> (ls)</a:t>
-            </a:r>
-            <a:endParaRPr lang="en-SE" sz="1400" dirty="0"/>
-          </a:p>
-        </p:txBody>
-      </p:sp>
-      <p:sp>
-        <p:nvSpPr>
-          <p:cNvPr id="6" name="Rectangle: Rounded Corners 5">
-            <a:extLst>
-              <a:ext uri="{FF2B5EF4-FFF2-40B4-BE49-F238E27FC236}">
-                <a16:creationId xmlns:a16="http://schemas.microsoft.com/office/drawing/2014/main" id="{9AB046D5-2247-4215-A37B-F1BDFCFF0174}"/>
-              </a:ext>
-            </a:extLst>
-          </p:cNvPr>
-          <p:cNvSpPr/>
-          <p:nvPr/>
-        </p:nvSpPr>
-        <p:spPr>
-          <a:xfrm>
-            <a:off x="3322320" y="556260"/>
-            <a:ext cx="2407920" cy="289560"/>
-          </a:xfrm>
-          <a:prstGeom prst="roundRect">
-            <a:avLst/>
-          </a:prstGeom>
-        </p:spPr>
-        <p:style>
-          <a:lnRef idx="2">
-            <a:schemeClr val="accent1">
-              <a:shade val="50000"/>
-            </a:schemeClr>
-          </a:lnRef>
-          <a:fillRef idx="1">
-            <a:schemeClr val="accent1"/>
-          </a:fillRef>
-          <a:effectRef idx="0">
-            <a:schemeClr val="accent1"/>
-          </a:effectRef>
-          <a:fontRef idx="minor">
-            <a:schemeClr val="lt1"/>
-          </a:fontRef>
-        </p:style>
-        <p:txBody>
-          <a:bodyPr rtlCol="0" anchor="ctr"/>
-          <a:lstStyle/>
-          <a:p>
-            <a:pPr algn="ctr"/>
-            <a:r>
-              <a:rPr lang="en-US" sz="1400" dirty="0" err="1"/>
-              <a:t>Application.Command</a:t>
-            </a:r>
-            <a:endParaRPr lang="en-SE" sz="1400" dirty="0"/>
-          </a:p>
-        </p:txBody>
-      </p:sp>
-      <p:sp>
-        <p:nvSpPr>
-          <p:cNvPr id="7" name="Rectangle: Rounded Corners 6">
-            <a:extLst>
-              <a:ext uri="{FF2B5EF4-FFF2-40B4-BE49-F238E27FC236}">
-                <a16:creationId xmlns:a16="http://schemas.microsoft.com/office/drawing/2014/main" id="{8F07838B-257E-4F75-946E-BC3791A7BD5E}"/>
-              </a:ext>
-            </a:extLst>
-          </p:cNvPr>
-          <p:cNvSpPr/>
-          <p:nvPr/>
-        </p:nvSpPr>
-        <p:spPr>
-          <a:xfrm>
-            <a:off x="6088380" y="556260"/>
-            <a:ext cx="2407920" cy="289560"/>
-          </a:xfrm>
-          <a:prstGeom prst="roundRect">
-            <a:avLst/>
-          </a:prstGeom>
-        </p:spPr>
-        <p:style>
-          <a:lnRef idx="2">
-            <a:schemeClr val="accent1">
-              <a:shade val="50000"/>
-            </a:schemeClr>
-          </a:lnRef>
-          <a:fillRef idx="1">
-            <a:schemeClr val="accent1"/>
-          </a:fillRef>
-          <a:effectRef idx="0">
-            <a:schemeClr val="accent1"/>
-          </a:effectRef>
-          <a:fontRef idx="minor">
-            <a:schemeClr val="lt1"/>
-          </a:fontRef>
-        </p:style>
-        <p:txBody>
-          <a:bodyPr rtlCol="0" anchor="ctr"/>
-          <a:lstStyle/>
-          <a:p>
-            <a:pPr algn="ctr"/>
-            <a:r>
-              <a:rPr lang="en-US" sz="1400" dirty="0" err="1"/>
-              <a:t>Application.Editor</a:t>
-            </a:r>
-            <a:endParaRPr lang="en-SE" sz="1400" dirty="0"/>
-          </a:p>
-        </p:txBody>
-      </p:sp>
-      <p:sp>
-        <p:nvSpPr>
-          <p:cNvPr id="8" name="Rectangle: Rounded Corners 7">
-            <a:extLst>
-              <a:ext uri="{FF2B5EF4-FFF2-40B4-BE49-F238E27FC236}">
-                <a16:creationId xmlns:a16="http://schemas.microsoft.com/office/drawing/2014/main" id="{AD8FF03C-C98D-4A33-8688-B5206AA119AA}"/>
-              </a:ext>
-            </a:extLst>
-          </p:cNvPr>
-          <p:cNvSpPr/>
-          <p:nvPr/>
-        </p:nvSpPr>
-        <p:spPr>
-          <a:xfrm>
-            <a:off x="556260" y="1082040"/>
-            <a:ext cx="2407920" cy="289560"/>
-          </a:xfrm>
-          <a:prstGeom prst="roundRect">
-            <a:avLst/>
-          </a:prstGeom>
-        </p:spPr>
-        <p:style>
-          <a:lnRef idx="2">
-            <a:schemeClr val="accent1">
-              <a:shade val="50000"/>
-            </a:schemeClr>
-          </a:lnRef>
-          <a:fillRef idx="1">
-            <a:schemeClr val="accent1"/>
-          </a:fillRef>
-          <a:effectRef idx="0">
-            <a:schemeClr val="accent1"/>
-          </a:effectRef>
-          <a:fontRef idx="minor">
-            <a:schemeClr val="lt1"/>
-          </a:fontRef>
-        </p:style>
-        <p:txBody>
-          <a:bodyPr rtlCol="0" anchor="ctr"/>
-          <a:lstStyle/>
-          <a:p>
-            <a:pPr algn="ctr"/>
-            <a:r>
-              <a:rPr lang="en-US" sz="1400" dirty="0" err="1"/>
-              <a:t>Application.FileContents</a:t>
-            </a:r>
-            <a:r>
-              <a:rPr lang="en-US" sz="1400" dirty="0"/>
-              <a:t> (cat)</a:t>
-            </a:r>
-            <a:endParaRPr lang="en-SE" sz="1400" dirty="0"/>
-          </a:p>
-        </p:txBody>
-      </p:sp>
-      <p:cxnSp>
-        <p:nvCxnSpPr>
-          <p:cNvPr id="10" name="Straight Arrow Connector 9">
-            <a:extLst>
-              <a:ext uri="{FF2B5EF4-FFF2-40B4-BE49-F238E27FC236}">
-                <a16:creationId xmlns:a16="http://schemas.microsoft.com/office/drawing/2014/main" id="{674EC95C-777A-4ADA-9CD9-C680997BAAF6}"/>
-              </a:ext>
-            </a:extLst>
-          </p:cNvPr>
-          <p:cNvCxnSpPr>
-            <a:stCxn id="7" idx="2"/>
-          </p:cNvCxnSpPr>
-          <p:nvPr/>
-        </p:nvCxnSpPr>
-        <p:spPr>
-          <a:xfrm>
-            <a:off x="7292340" y="845820"/>
-            <a:ext cx="3467100" cy="2720340"/>
-          </a:xfrm>
-          <a:prstGeom prst="straightConnector1">
-            <a:avLst/>
-          </a:prstGeom>
-          <a:ln>
-            <a:tailEnd type="triangle"/>
-          </a:ln>
-        </p:spPr>
-        <p:style>
-          <a:lnRef idx="1">
-            <a:schemeClr val="accent1"/>
-          </a:lnRef>
-          <a:fillRef idx="0">
-            <a:schemeClr val="accent1"/>
-          </a:fillRef>
-          <a:effectRef idx="0">
-            <a:schemeClr val="accent1"/>
-          </a:effectRef>
-          <a:fontRef idx="minor">
-            <a:schemeClr val="tx1"/>
-          </a:fontRef>
-        </p:style>
-      </p:cxnSp>
-      <p:cxnSp>
-        <p:nvCxnSpPr>
-          <p:cNvPr id="12" name="Straight Arrow Connector 11">
-            <a:extLst>
-              <a:ext uri="{FF2B5EF4-FFF2-40B4-BE49-F238E27FC236}">
-                <a16:creationId xmlns:a16="http://schemas.microsoft.com/office/drawing/2014/main" id="{8FF4BD8C-1CC9-4A96-9078-560E72AFFD2E}"/>
-              </a:ext>
-            </a:extLst>
-          </p:cNvPr>
-          <p:cNvCxnSpPr>
-            <a:stCxn id="7" idx="2"/>
-          </p:cNvCxnSpPr>
-          <p:nvPr/>
-        </p:nvCxnSpPr>
-        <p:spPr>
-          <a:xfrm flipH="1">
-            <a:off x="5989320" y="845820"/>
-            <a:ext cx="1303020" cy="2720340"/>
-          </a:xfrm>
-          <a:prstGeom prst="straightConnector1">
-            <a:avLst/>
-          </a:prstGeom>
-          <a:ln>
-            <a:tailEnd type="triangle"/>
-          </a:ln>
-        </p:spPr>
-        <p:style>
-          <a:lnRef idx="1">
-            <a:schemeClr val="accent1"/>
-          </a:lnRef>
-          <a:fillRef idx="0">
-            <a:schemeClr val="accent1"/>
-          </a:fillRef>
-          <a:effectRef idx="0">
-            <a:schemeClr val="accent1"/>
-          </a:effectRef>
-          <a:fontRef idx="minor">
-            <a:schemeClr val="tx1"/>
-          </a:fontRef>
-        </p:style>
-      </p:cxnSp>
-      <p:cxnSp>
-        <p:nvCxnSpPr>
-          <p:cNvPr id="14" name="Straight Arrow Connector 13">
-            <a:extLst>
-              <a:ext uri="{FF2B5EF4-FFF2-40B4-BE49-F238E27FC236}">
-                <a16:creationId xmlns:a16="http://schemas.microsoft.com/office/drawing/2014/main" id="{65818469-CBE3-4077-9D31-C4D3367D016F}"/>
-              </a:ext>
-            </a:extLst>
-          </p:cNvPr>
-          <p:cNvCxnSpPr>
-            <a:stCxn id="6" idx="2"/>
-          </p:cNvCxnSpPr>
-          <p:nvPr/>
-        </p:nvCxnSpPr>
-        <p:spPr>
-          <a:xfrm>
-            <a:off x="4526280" y="845820"/>
-            <a:ext cx="5920740" cy="2880360"/>
-          </a:xfrm>
-          <a:prstGeom prst="straightConnector1">
-            <a:avLst/>
-          </a:prstGeom>
-          <a:ln>
-            <a:tailEnd type="triangle"/>
-          </a:ln>
-        </p:spPr>
-        <p:style>
-          <a:lnRef idx="1">
-            <a:schemeClr val="accent1"/>
-          </a:lnRef>
-          <a:fillRef idx="0">
-            <a:schemeClr val="accent1"/>
-          </a:fillRef>
-          <a:effectRef idx="0">
-            <a:schemeClr val="accent1"/>
-          </a:effectRef>
-          <a:fontRef idx="minor">
-            <a:schemeClr val="tx1"/>
-          </a:fontRef>
-        </p:style>
-      </p:cxnSp>
-      <p:cxnSp>
-        <p:nvCxnSpPr>
-          <p:cNvPr id="16" name="Straight Arrow Connector 15">
-            <a:extLst>
-              <a:ext uri="{FF2B5EF4-FFF2-40B4-BE49-F238E27FC236}">
-                <a16:creationId xmlns:a16="http://schemas.microsoft.com/office/drawing/2014/main" id="{894B74E8-475E-4B86-B287-87805B2B65E2}"/>
-              </a:ext>
-            </a:extLst>
-          </p:cNvPr>
-          <p:cNvCxnSpPr>
-            <a:stCxn id="6" idx="2"/>
-          </p:cNvCxnSpPr>
-          <p:nvPr/>
-        </p:nvCxnSpPr>
-        <p:spPr>
-          <a:xfrm>
-            <a:off x="4526280" y="845820"/>
-            <a:ext cx="1203960" cy="2720340"/>
-          </a:xfrm>
-          <a:prstGeom prst="straightConnector1">
-            <a:avLst/>
-          </a:prstGeom>
-          <a:ln>
-            <a:tailEnd type="triangle"/>
-          </a:ln>
-        </p:spPr>
-        <p:style>
-          <a:lnRef idx="1">
-            <a:schemeClr val="accent1"/>
-          </a:lnRef>
-          <a:fillRef idx="0">
-            <a:schemeClr val="accent1"/>
-          </a:fillRef>
-          <a:effectRef idx="0">
-            <a:schemeClr val="accent1"/>
-          </a:effectRef>
-          <a:fontRef idx="minor">
-            <a:schemeClr val="tx1"/>
-          </a:fontRef>
-        </p:style>
-      </p:cxnSp>
-      <p:cxnSp>
-        <p:nvCxnSpPr>
-          <p:cNvPr id="18" name="Straight Arrow Connector 17">
-            <a:extLst>
-              <a:ext uri="{FF2B5EF4-FFF2-40B4-BE49-F238E27FC236}">
-                <a16:creationId xmlns:a16="http://schemas.microsoft.com/office/drawing/2014/main" id="{2E794EB1-864A-46D0-984E-312DF1D9BEF0}"/>
-              </a:ext>
-            </a:extLst>
-          </p:cNvPr>
-          <p:cNvCxnSpPr>
-            <a:stCxn id="5" idx="3"/>
-          </p:cNvCxnSpPr>
-          <p:nvPr/>
-        </p:nvCxnSpPr>
-        <p:spPr>
-          <a:xfrm>
-            <a:off x="2964180" y="701040"/>
-            <a:ext cx="2446020" cy="2865120"/>
-          </a:xfrm>
-          <a:prstGeom prst="straightConnector1">
-            <a:avLst/>
-          </a:prstGeom>
-          <a:ln>
-            <a:tailEnd type="triangle"/>
-          </a:ln>
-        </p:spPr>
-        <p:style>
-          <a:lnRef idx="1">
-            <a:schemeClr val="accent1"/>
-          </a:lnRef>
-          <a:fillRef idx="0">
-            <a:schemeClr val="accent1"/>
-          </a:fillRef>
-          <a:effectRef idx="0">
-            <a:schemeClr val="accent1"/>
-          </a:effectRef>
-          <a:fontRef idx="minor">
-            <a:schemeClr val="tx1"/>
-          </a:fontRef>
-        </p:style>
-      </p:cxnSp>
-      <p:cxnSp>
-        <p:nvCxnSpPr>
-          <p:cNvPr id="20" name="Straight Arrow Connector 19">
-            <a:extLst>
-              <a:ext uri="{FF2B5EF4-FFF2-40B4-BE49-F238E27FC236}">
-                <a16:creationId xmlns:a16="http://schemas.microsoft.com/office/drawing/2014/main" id="{F9029614-9A58-4BCA-B01C-CA1F7871F6CF}"/>
-              </a:ext>
-            </a:extLst>
-          </p:cNvPr>
-          <p:cNvCxnSpPr>
-            <a:stCxn id="8" idx="3"/>
-          </p:cNvCxnSpPr>
-          <p:nvPr/>
-        </p:nvCxnSpPr>
-        <p:spPr>
-          <a:xfrm>
-            <a:off x="2964180" y="1226820"/>
-            <a:ext cx="2278380" cy="2438400"/>
-          </a:xfrm>
-          <a:prstGeom prst="straightConnector1">
-            <a:avLst/>
-          </a:prstGeom>
-          <a:ln>
-            <a:tailEnd type="triangle"/>
-          </a:ln>
-        </p:spPr>
-        <p:style>
-          <a:lnRef idx="1">
-            <a:schemeClr val="accent1"/>
-          </a:lnRef>
-          <a:fillRef idx="0">
-            <a:schemeClr val="accent1"/>
-          </a:fillRef>
-          <a:effectRef idx="0">
-            <a:schemeClr val="accent1"/>
-          </a:effectRef>
-          <a:fontRef idx="minor">
-            <a:schemeClr val="tx1"/>
-          </a:fontRef>
-        </p:style>
-      </p:cxnSp>
-    </p:spTree>
-    <p:extLst>
-      <p:ext uri="{BB962C8B-B14F-4D97-AF65-F5344CB8AC3E}">
-        <p14:creationId xmlns:p14="http://schemas.microsoft.com/office/powerpoint/2010/main" val="2532279177"/>
       </p:ext>
     </p:extLst>
   </p:cSld>

--- a/Structure.pptx
+++ b/Structure.pptx
@@ -8,6 +8,8 @@
     <p:sldId id="256" r:id="rId2"/>
     <p:sldId id="257" r:id="rId3"/>
     <p:sldId id="258" r:id="rId4"/>
+    <p:sldId id="259" r:id="rId5"/>
+    <p:sldId id="260" r:id="rId6"/>
   </p:sldIdLst>
   <p:sldSz cx="12192000" cy="6858000"/>
   <p:notesSz cx="6858000" cy="9144000"/>
@@ -263,7 +265,7 @@
           <a:p>
             <a:fld id="{3D89798B-2076-463D-B995-CA32E41DD97F}" type="datetimeFigureOut">
               <a:rPr lang="en-SE" smtClean="0"/>
-              <a:t>2022-01-07</a:t>
+              <a:t>2022-02-17</a:t>
             </a:fld>
             <a:endParaRPr lang="en-SE"/>
           </a:p>
@@ -463,7 +465,7 @@
           <a:p>
             <a:fld id="{3D89798B-2076-463D-B995-CA32E41DD97F}" type="datetimeFigureOut">
               <a:rPr lang="en-SE" smtClean="0"/>
-              <a:t>2022-01-07</a:t>
+              <a:t>2022-02-17</a:t>
             </a:fld>
             <a:endParaRPr lang="en-SE"/>
           </a:p>
@@ -673,7 +675,7 @@
           <a:p>
             <a:fld id="{3D89798B-2076-463D-B995-CA32E41DD97F}" type="datetimeFigureOut">
               <a:rPr lang="en-SE" smtClean="0"/>
-              <a:t>2022-01-07</a:t>
+              <a:t>2022-02-17</a:t>
             </a:fld>
             <a:endParaRPr lang="en-SE"/>
           </a:p>
@@ -873,7 +875,7 @@
           <a:p>
             <a:fld id="{3D89798B-2076-463D-B995-CA32E41DD97F}" type="datetimeFigureOut">
               <a:rPr lang="en-SE" smtClean="0"/>
-              <a:t>2022-01-07</a:t>
+              <a:t>2022-02-17</a:t>
             </a:fld>
             <a:endParaRPr lang="en-SE"/>
           </a:p>
@@ -1149,7 +1151,7 @@
           <a:p>
             <a:fld id="{3D89798B-2076-463D-B995-CA32E41DD97F}" type="datetimeFigureOut">
               <a:rPr lang="en-SE" smtClean="0"/>
-              <a:t>2022-01-07</a:t>
+              <a:t>2022-02-17</a:t>
             </a:fld>
             <a:endParaRPr lang="en-SE"/>
           </a:p>
@@ -1417,7 +1419,7 @@
           <a:p>
             <a:fld id="{3D89798B-2076-463D-B995-CA32E41DD97F}" type="datetimeFigureOut">
               <a:rPr lang="en-SE" smtClean="0"/>
-              <a:t>2022-01-07</a:t>
+              <a:t>2022-02-17</a:t>
             </a:fld>
             <a:endParaRPr lang="en-SE"/>
           </a:p>
@@ -1832,7 +1834,7 @@
           <a:p>
             <a:fld id="{3D89798B-2076-463D-B995-CA32E41DD97F}" type="datetimeFigureOut">
               <a:rPr lang="en-SE" smtClean="0"/>
-              <a:t>2022-01-07</a:t>
+              <a:t>2022-02-17</a:t>
             </a:fld>
             <a:endParaRPr lang="en-SE"/>
           </a:p>
@@ -1974,7 +1976,7 @@
           <a:p>
             <a:fld id="{3D89798B-2076-463D-B995-CA32E41DD97F}" type="datetimeFigureOut">
               <a:rPr lang="en-SE" smtClean="0"/>
-              <a:t>2022-01-07</a:t>
+              <a:t>2022-02-17</a:t>
             </a:fld>
             <a:endParaRPr lang="en-SE"/>
           </a:p>
@@ -2087,7 +2089,7 @@
           <a:p>
             <a:fld id="{3D89798B-2076-463D-B995-CA32E41DD97F}" type="datetimeFigureOut">
               <a:rPr lang="en-SE" smtClean="0"/>
-              <a:t>2022-01-07</a:t>
+              <a:t>2022-02-17</a:t>
             </a:fld>
             <a:endParaRPr lang="en-SE"/>
           </a:p>
@@ -2400,7 +2402,7 @@
           <a:p>
             <a:fld id="{3D89798B-2076-463D-B995-CA32E41DD97F}" type="datetimeFigureOut">
               <a:rPr lang="en-SE" smtClean="0"/>
-              <a:t>2022-01-07</a:t>
+              <a:t>2022-02-17</a:t>
             </a:fld>
             <a:endParaRPr lang="en-SE"/>
           </a:p>
@@ -2689,7 +2691,7 @@
           <a:p>
             <a:fld id="{3D89798B-2076-463D-B995-CA32E41DD97F}" type="datetimeFigureOut">
               <a:rPr lang="en-SE" smtClean="0"/>
-              <a:t>2022-01-07</a:t>
+              <a:t>2022-02-17</a:t>
             </a:fld>
             <a:endParaRPr lang="en-SE"/>
           </a:p>
@@ -2932,7 +2934,7 @@
           <a:p>
             <a:fld id="{3D89798B-2076-463D-B995-CA32E41DD97F}" type="datetimeFigureOut">
               <a:rPr lang="en-SE" smtClean="0"/>
-              <a:t>2022-01-07</a:t>
+              <a:t>2022-02-17</a:t>
             </a:fld>
             <a:endParaRPr lang="en-SE"/>
           </a:p>
@@ -5988,6 +5990,865 @@
 </p:sld>
 </file>
 
+<file path=ppt/slides/slide4.xml><?xml version="1.0" encoding="utf-8"?>
+<p:sld xmlns:a="http://schemas.openxmlformats.org/drawingml/2006/main" xmlns:r="http://schemas.openxmlformats.org/officeDocument/2006/relationships" xmlns:p="http://schemas.openxmlformats.org/presentationml/2006/main">
+  <p:cSld>
+    <p:spTree>
+      <p:nvGrpSpPr>
+        <p:cNvPr id="1" name=""/>
+        <p:cNvGrpSpPr/>
+        <p:nvPr/>
+      </p:nvGrpSpPr>
+      <p:grpSpPr>
+        <a:xfrm>
+          <a:off x="0" y="0"/>
+          <a:ext cx="0" cy="0"/>
+          <a:chOff x="0" y="0"/>
+          <a:chExt cx="0" cy="0"/>
+        </a:xfrm>
+      </p:grpSpPr>
+      <p:sp>
+        <p:nvSpPr>
+          <p:cNvPr id="2" name="Title 1">
+            <a:extLst>
+              <a:ext uri="{FF2B5EF4-FFF2-40B4-BE49-F238E27FC236}">
+                <a16:creationId xmlns:a16="http://schemas.microsoft.com/office/drawing/2014/main" id="{3CCDB417-7F60-49A5-B4AC-5B6941B35549}"/>
+              </a:ext>
+            </a:extLst>
+          </p:cNvPr>
+          <p:cNvSpPr>
+            <a:spLocks noGrp="1"/>
+          </p:cNvSpPr>
+          <p:nvPr>
+            <p:ph type="title"/>
+          </p:nvPr>
+        </p:nvSpPr>
+        <p:spPr/>
+        <p:txBody>
+          <a:bodyPr/>
+          <a:lstStyle/>
+          <a:p>
+            <a:r>
+              <a:rPr lang="en-US" dirty="0"/>
+              <a:t>Plan “</a:t>
+            </a:r>
+            <a:r>
+              <a:rPr lang="en-US" dirty="0" err="1"/>
+              <a:t>ChaosLab</a:t>
+            </a:r>
+            <a:r>
+              <a:rPr lang="en-US" dirty="0"/>
+              <a:t> 2.0”</a:t>
+            </a:r>
+            <a:endParaRPr lang="en-SE" dirty="0"/>
+          </a:p>
+        </p:txBody>
+      </p:sp>
+      <p:sp>
+        <p:nvSpPr>
+          <p:cNvPr id="3" name="Content Placeholder 2">
+            <a:extLst>
+              <a:ext uri="{FF2B5EF4-FFF2-40B4-BE49-F238E27FC236}">
+                <a16:creationId xmlns:a16="http://schemas.microsoft.com/office/drawing/2014/main" id="{3DB4C403-A147-4EA7-9852-513F7AEA1FA1}"/>
+              </a:ext>
+            </a:extLst>
+          </p:cNvPr>
+          <p:cNvSpPr>
+            <a:spLocks noGrp="1"/>
+          </p:cNvSpPr>
+          <p:nvPr>
+            <p:ph idx="1"/>
+          </p:nvPr>
+        </p:nvSpPr>
+        <p:spPr/>
+        <p:txBody>
+          <a:bodyPr>
+            <a:normAutofit fontScale="92500" lnSpcReduction="20000"/>
+          </a:bodyPr>
+          <a:lstStyle/>
+          <a:p>
+            <a:r>
+              <a:rPr lang="en-US" dirty="0"/>
+              <a:t>Specify and implement all required helper functions in Channel for new IPC structures</a:t>
+            </a:r>
+          </a:p>
+          <a:p>
+            <a:r>
+              <a:rPr lang="en-US" dirty="0"/>
+              <a:t>Specify both-way IDL for </a:t>
+            </a:r>
+            <a:r>
+              <a:rPr lang="en-US" dirty="0" err="1"/>
+              <a:t>ProtocolConsole</a:t>
+            </a:r>
+            <a:r>
+              <a:rPr lang="en-US" dirty="0"/>
+              <a:t> using as many of the concepts that we can think of</a:t>
+            </a:r>
+          </a:p>
+          <a:p>
+            <a:pPr lvl="1"/>
+            <a:r>
+              <a:rPr lang="en-US" dirty="0"/>
+              <a:t>Both way comm</a:t>
+            </a:r>
+          </a:p>
+          <a:p>
+            <a:pPr lvl="1"/>
+            <a:r>
+              <a:rPr lang="en-US" dirty="0"/>
+              <a:t>Mixed content / </a:t>
+            </a:r>
+            <a:r>
+              <a:rPr lang="en-US" dirty="0" err="1"/>
+              <a:t>enum</a:t>
+            </a:r>
+            <a:endParaRPr lang="en-US" dirty="0"/>
+          </a:p>
+          <a:p>
+            <a:pPr lvl="1"/>
+            <a:r>
+              <a:rPr lang="en-US" dirty="0"/>
+              <a:t>Arrays</a:t>
+            </a:r>
+          </a:p>
+          <a:p>
+            <a:pPr lvl="1"/>
+            <a:r>
+              <a:rPr lang="en-US" dirty="0"/>
+              <a:t>Directly specified </a:t>
+            </a:r>
+            <a:r>
+              <a:rPr lang="en-US" dirty="0" err="1"/>
+              <a:t>enums</a:t>
+            </a:r>
+            <a:r>
+              <a:rPr lang="en-US" dirty="0"/>
+              <a:t> for fields “int x, int y, [</a:t>
+            </a:r>
+            <a:r>
+              <a:rPr lang="en-US" dirty="0" err="1"/>
+              <a:t>Opaque|Alpha</a:t>
+            </a:r>
+            <a:r>
+              <a:rPr lang="en-US" dirty="0"/>
+              <a:t>] </a:t>
+            </a:r>
+            <a:r>
+              <a:rPr lang="en-US" dirty="0" err="1"/>
+              <a:t>drawMode</a:t>
+            </a:r>
+            <a:r>
+              <a:rPr lang="en-US" dirty="0"/>
+              <a:t>”</a:t>
+            </a:r>
+          </a:p>
+          <a:p>
+            <a:pPr lvl="1"/>
+            <a:r>
+              <a:rPr lang="en-US" dirty="0" err="1"/>
+              <a:t>Yaml</a:t>
+            </a:r>
+            <a:endParaRPr lang="en-US" dirty="0"/>
+          </a:p>
+          <a:p>
+            <a:pPr lvl="1"/>
+            <a:r>
+              <a:rPr lang="en-US" dirty="0"/>
+              <a:t>Clean </a:t>
+            </a:r>
+            <a:r>
+              <a:rPr lang="en-US" dirty="0" err="1"/>
+              <a:t>idl</a:t>
+            </a:r>
+            <a:r>
+              <a:rPr lang="en-US" dirty="0"/>
+              <a:t> </a:t>
+            </a:r>
+          </a:p>
+          <a:p>
+            <a:r>
+              <a:rPr lang="en-US" dirty="0"/>
+              <a:t>Construct pseudo code for IDL builder</a:t>
+            </a:r>
+          </a:p>
+          <a:p>
+            <a:r>
+              <a:rPr lang="en-US" dirty="0"/>
+              <a:t>Manually implement </a:t>
+            </a:r>
+            <a:r>
+              <a:rPr lang="en-US" dirty="0" err="1"/>
+              <a:t>ProtocolConsole</a:t>
+            </a:r>
+            <a:endParaRPr lang="en-US" dirty="0"/>
+          </a:p>
+          <a:p>
+            <a:r>
+              <a:rPr lang="en-US" dirty="0"/>
+              <a:t>Build IDL compiler</a:t>
+            </a:r>
+            <a:endParaRPr lang="en-SE" dirty="0"/>
+          </a:p>
+        </p:txBody>
+      </p:sp>
+    </p:spTree>
+    <p:extLst>
+      <p:ext uri="{BB962C8B-B14F-4D97-AF65-F5344CB8AC3E}">
+        <p14:creationId xmlns:p14="http://schemas.microsoft.com/office/powerpoint/2010/main" val="3646495274"/>
+      </p:ext>
+    </p:extLst>
+  </p:cSld>
+  <p:clrMapOvr>
+    <a:masterClrMapping/>
+  </p:clrMapOvr>
+</p:sld>
+</file>
+
+<file path=ppt/slides/slide5.xml><?xml version="1.0" encoding="utf-8"?>
+<p:sld xmlns:a="http://schemas.openxmlformats.org/drawingml/2006/main" xmlns:r="http://schemas.openxmlformats.org/officeDocument/2006/relationships" xmlns:p="http://schemas.openxmlformats.org/presentationml/2006/main">
+  <p:cSld>
+    <p:spTree>
+      <p:nvGrpSpPr>
+        <p:cNvPr id="1" name=""/>
+        <p:cNvGrpSpPr/>
+        <p:nvPr/>
+      </p:nvGrpSpPr>
+      <p:grpSpPr>
+        <a:xfrm>
+          <a:off x="0" y="0"/>
+          <a:ext cx="0" cy="0"/>
+          <a:chOff x="0" y="0"/>
+          <a:chExt cx="0" cy="0"/>
+        </a:xfrm>
+      </p:grpSpPr>
+      <p:sp>
+        <p:nvSpPr>
+          <p:cNvPr id="4" name="Rectangle: Rounded Corners 3">
+            <a:extLst>
+              <a:ext uri="{FF2B5EF4-FFF2-40B4-BE49-F238E27FC236}">
+                <a16:creationId xmlns:a16="http://schemas.microsoft.com/office/drawing/2014/main" id="{F96B7A68-4813-4D06-BAF2-89434F5E75B4}"/>
+              </a:ext>
+            </a:extLst>
+          </p:cNvPr>
+          <p:cNvSpPr/>
+          <p:nvPr/>
+        </p:nvSpPr>
+        <p:spPr>
+          <a:xfrm>
+            <a:off x="609600" y="640080"/>
+            <a:ext cx="914400" cy="914400"/>
+          </a:xfrm>
+          <a:prstGeom prst="roundRect">
+            <a:avLst/>
+          </a:prstGeom>
+        </p:spPr>
+        <p:style>
+          <a:lnRef idx="2">
+            <a:schemeClr val="accent1">
+              <a:shade val="50000"/>
+            </a:schemeClr>
+          </a:lnRef>
+          <a:fillRef idx="1">
+            <a:schemeClr val="accent1"/>
+          </a:fillRef>
+          <a:effectRef idx="0">
+            <a:schemeClr val="accent1"/>
+          </a:effectRef>
+          <a:fontRef idx="minor">
+            <a:schemeClr val="lt1"/>
+          </a:fontRef>
+        </p:style>
+        <p:txBody>
+          <a:bodyPr rtlCol="0" anchor="ctr"/>
+          <a:lstStyle/>
+          <a:p>
+            <a:pPr algn="ctr"/>
+            <a:r>
+              <a:rPr lang="en-US" dirty="0"/>
+              <a:t>client</a:t>
+            </a:r>
+            <a:endParaRPr lang="en-SE" dirty="0"/>
+          </a:p>
+        </p:txBody>
+      </p:sp>
+      <p:sp>
+        <p:nvSpPr>
+          <p:cNvPr id="5" name="Rectangle: Rounded Corners 4">
+            <a:extLst>
+              <a:ext uri="{FF2B5EF4-FFF2-40B4-BE49-F238E27FC236}">
+                <a16:creationId xmlns:a16="http://schemas.microsoft.com/office/drawing/2014/main" id="{E1CE2F59-0F61-4127-A82B-5C4847B36584}"/>
+              </a:ext>
+            </a:extLst>
+          </p:cNvPr>
+          <p:cNvSpPr/>
+          <p:nvPr/>
+        </p:nvSpPr>
+        <p:spPr>
+          <a:xfrm>
+            <a:off x="10424160" y="640080"/>
+            <a:ext cx="914400" cy="914400"/>
+          </a:xfrm>
+          <a:prstGeom prst="roundRect">
+            <a:avLst/>
+          </a:prstGeom>
+        </p:spPr>
+        <p:style>
+          <a:lnRef idx="2">
+            <a:schemeClr val="accent1">
+              <a:shade val="50000"/>
+            </a:schemeClr>
+          </a:lnRef>
+          <a:fillRef idx="1">
+            <a:schemeClr val="accent1"/>
+          </a:fillRef>
+          <a:effectRef idx="0">
+            <a:schemeClr val="accent1"/>
+          </a:effectRef>
+          <a:fontRef idx="minor">
+            <a:schemeClr val="lt1"/>
+          </a:fontRef>
+        </p:style>
+        <p:txBody>
+          <a:bodyPr rtlCol="0" anchor="ctr"/>
+          <a:lstStyle/>
+          <a:p>
+            <a:pPr algn="ctr"/>
+            <a:r>
+              <a:rPr lang="en-US" dirty="0"/>
+              <a:t>server</a:t>
+            </a:r>
+            <a:endParaRPr lang="en-SE" dirty="0"/>
+          </a:p>
+        </p:txBody>
+      </p:sp>
+      <p:sp>
+        <p:nvSpPr>
+          <p:cNvPr id="6" name="Rectangle 5">
+            <a:extLst>
+              <a:ext uri="{FF2B5EF4-FFF2-40B4-BE49-F238E27FC236}">
+                <a16:creationId xmlns:a16="http://schemas.microsoft.com/office/drawing/2014/main" id="{7A8040EC-E269-44DB-8A0B-D0B7C741939E}"/>
+              </a:ext>
+            </a:extLst>
+          </p:cNvPr>
+          <p:cNvSpPr/>
+          <p:nvPr/>
+        </p:nvSpPr>
+        <p:spPr>
+          <a:xfrm>
+            <a:off x="3154680" y="449580"/>
+            <a:ext cx="2865120" cy="403860"/>
+          </a:xfrm>
+          <a:prstGeom prst="rect">
+            <a:avLst/>
+          </a:prstGeom>
+        </p:spPr>
+        <p:style>
+          <a:lnRef idx="2">
+            <a:schemeClr val="accent5">
+              <a:shade val="50000"/>
+            </a:schemeClr>
+          </a:lnRef>
+          <a:fillRef idx="1">
+            <a:schemeClr val="accent5"/>
+          </a:fillRef>
+          <a:effectRef idx="0">
+            <a:schemeClr val="accent5"/>
+          </a:effectRef>
+          <a:fontRef idx="minor">
+            <a:schemeClr val="lt1"/>
+          </a:fontRef>
+        </p:style>
+        <p:txBody>
+          <a:bodyPr rtlCol="0" anchor="ctr"/>
+          <a:lstStyle/>
+          <a:p>
+            <a:pPr algn="ctr"/>
+            <a:r>
+              <a:rPr lang="en-US" dirty="0" err="1"/>
+              <a:t>clientToServerBuffer</a:t>
+            </a:r>
+            <a:endParaRPr lang="en-SE" dirty="0"/>
+          </a:p>
+        </p:txBody>
+      </p:sp>
+      <p:sp>
+        <p:nvSpPr>
+          <p:cNvPr id="7" name="Rectangle 6">
+            <a:extLst>
+              <a:ext uri="{FF2B5EF4-FFF2-40B4-BE49-F238E27FC236}">
+                <a16:creationId xmlns:a16="http://schemas.microsoft.com/office/drawing/2014/main" id="{24E3A732-4C34-4D65-B495-80582DF0AE7A}"/>
+              </a:ext>
+            </a:extLst>
+          </p:cNvPr>
+          <p:cNvSpPr/>
+          <p:nvPr/>
+        </p:nvSpPr>
+        <p:spPr>
+          <a:xfrm>
+            <a:off x="3154680" y="1668780"/>
+            <a:ext cx="2148840" cy="403860"/>
+          </a:xfrm>
+          <a:prstGeom prst="rect">
+            <a:avLst/>
+          </a:prstGeom>
+        </p:spPr>
+        <p:style>
+          <a:lnRef idx="2">
+            <a:schemeClr val="accent5">
+              <a:shade val="50000"/>
+            </a:schemeClr>
+          </a:lnRef>
+          <a:fillRef idx="1">
+            <a:schemeClr val="accent5"/>
+          </a:fillRef>
+          <a:effectRef idx="0">
+            <a:schemeClr val="accent5"/>
+          </a:effectRef>
+          <a:fontRef idx="minor">
+            <a:schemeClr val="lt1"/>
+          </a:fontRef>
+        </p:style>
+        <p:txBody>
+          <a:bodyPr rtlCol="0" anchor="ctr"/>
+          <a:lstStyle/>
+          <a:p>
+            <a:pPr algn="ctr"/>
+            <a:r>
+              <a:rPr lang="en-US" dirty="0" err="1"/>
+              <a:t>serverToClientBuffer</a:t>
+            </a:r>
+            <a:endParaRPr lang="en-SE" dirty="0"/>
+          </a:p>
+        </p:txBody>
+      </p:sp>
+      <p:sp>
+        <p:nvSpPr>
+          <p:cNvPr id="8" name="Rectangle 7">
+            <a:extLst>
+              <a:ext uri="{FF2B5EF4-FFF2-40B4-BE49-F238E27FC236}">
+                <a16:creationId xmlns:a16="http://schemas.microsoft.com/office/drawing/2014/main" id="{B4C7D5D6-E47B-497B-8B03-5366D6A3EC2D}"/>
+              </a:ext>
+            </a:extLst>
+          </p:cNvPr>
+          <p:cNvSpPr/>
+          <p:nvPr/>
+        </p:nvSpPr>
+        <p:spPr>
+          <a:xfrm>
+            <a:off x="6019800" y="449580"/>
+            <a:ext cx="2072640" cy="403860"/>
+          </a:xfrm>
+          <a:prstGeom prst="rect">
+            <a:avLst/>
+          </a:prstGeom>
+        </p:spPr>
+        <p:style>
+          <a:lnRef idx="2">
+            <a:schemeClr val="accent2">
+              <a:shade val="50000"/>
+            </a:schemeClr>
+          </a:lnRef>
+          <a:fillRef idx="1">
+            <a:schemeClr val="accent2"/>
+          </a:fillRef>
+          <a:effectRef idx="0">
+            <a:schemeClr val="accent2"/>
+          </a:effectRef>
+          <a:fontRef idx="minor">
+            <a:schemeClr val="lt1"/>
+          </a:fontRef>
+        </p:style>
+        <p:txBody>
+          <a:bodyPr rtlCol="0" anchor="ctr"/>
+          <a:lstStyle/>
+          <a:p>
+            <a:pPr algn="ctr"/>
+            <a:r>
+              <a:rPr lang="en-US" dirty="0"/>
+              <a:t>Virtual IPC area</a:t>
+            </a:r>
+            <a:endParaRPr lang="en-SE" dirty="0"/>
+          </a:p>
+        </p:txBody>
+      </p:sp>
+      <p:sp>
+        <p:nvSpPr>
+          <p:cNvPr id="9" name="Rectangle 8">
+            <a:extLst>
+              <a:ext uri="{FF2B5EF4-FFF2-40B4-BE49-F238E27FC236}">
+                <a16:creationId xmlns:a16="http://schemas.microsoft.com/office/drawing/2014/main" id="{C8888409-A179-4C98-B42C-700830A9813D}"/>
+              </a:ext>
+            </a:extLst>
+          </p:cNvPr>
+          <p:cNvSpPr/>
+          <p:nvPr/>
+        </p:nvSpPr>
+        <p:spPr>
+          <a:xfrm>
+            <a:off x="5303520" y="1668780"/>
+            <a:ext cx="2788920" cy="403860"/>
+          </a:xfrm>
+          <a:prstGeom prst="rect">
+            <a:avLst/>
+          </a:prstGeom>
+        </p:spPr>
+        <p:style>
+          <a:lnRef idx="2">
+            <a:schemeClr val="accent2">
+              <a:shade val="50000"/>
+            </a:schemeClr>
+          </a:lnRef>
+          <a:fillRef idx="1">
+            <a:schemeClr val="accent2"/>
+          </a:fillRef>
+          <a:effectRef idx="0">
+            <a:schemeClr val="accent2"/>
+          </a:effectRef>
+          <a:fontRef idx="minor">
+            <a:schemeClr val="lt1"/>
+          </a:fontRef>
+        </p:style>
+        <p:txBody>
+          <a:bodyPr rtlCol="0" anchor="ctr"/>
+          <a:lstStyle/>
+          <a:p>
+            <a:pPr algn="ctr"/>
+            <a:r>
+              <a:rPr lang="en-US" dirty="0"/>
+              <a:t>Virtual IPC area</a:t>
+            </a:r>
+            <a:endParaRPr lang="en-SE" dirty="0"/>
+          </a:p>
+        </p:txBody>
+      </p:sp>
+      <p:sp>
+        <p:nvSpPr>
+          <p:cNvPr id="10" name="Rectangle 9">
+            <a:extLst>
+              <a:ext uri="{FF2B5EF4-FFF2-40B4-BE49-F238E27FC236}">
+                <a16:creationId xmlns:a16="http://schemas.microsoft.com/office/drawing/2014/main" id="{27074666-F25B-4D1E-BD7B-5536B0D3B1AA}"/>
+              </a:ext>
+            </a:extLst>
+          </p:cNvPr>
+          <p:cNvSpPr/>
+          <p:nvPr/>
+        </p:nvSpPr>
+        <p:spPr>
+          <a:xfrm>
+            <a:off x="8092440" y="449580"/>
+            <a:ext cx="701040" cy="403860"/>
+          </a:xfrm>
+          <a:prstGeom prst="rect">
+            <a:avLst/>
+          </a:prstGeom>
+        </p:spPr>
+        <p:style>
+          <a:lnRef idx="2">
+            <a:schemeClr val="accent6">
+              <a:shade val="50000"/>
+            </a:schemeClr>
+          </a:lnRef>
+          <a:fillRef idx="1">
+            <a:schemeClr val="accent6"/>
+          </a:fillRef>
+          <a:effectRef idx="0">
+            <a:schemeClr val="accent6"/>
+          </a:effectRef>
+          <a:fontRef idx="minor">
+            <a:schemeClr val="lt1"/>
+          </a:fontRef>
+        </p:style>
+        <p:txBody>
+          <a:bodyPr rtlCol="0" anchor="ctr"/>
+          <a:lstStyle/>
+          <a:p>
+            <a:pPr algn="ctr"/>
+            <a:r>
+              <a:rPr lang="en-US" sz="900" dirty="0"/>
+              <a:t>unmapped</a:t>
+            </a:r>
+            <a:endParaRPr lang="en-SE" sz="900" dirty="0"/>
+          </a:p>
+        </p:txBody>
+      </p:sp>
+      <p:sp>
+        <p:nvSpPr>
+          <p:cNvPr id="11" name="Rectangle 10">
+            <a:extLst>
+              <a:ext uri="{FF2B5EF4-FFF2-40B4-BE49-F238E27FC236}">
+                <a16:creationId xmlns:a16="http://schemas.microsoft.com/office/drawing/2014/main" id="{C6A548E2-20CB-4B90-BDC8-1EFCE50BD7BD}"/>
+              </a:ext>
+            </a:extLst>
+          </p:cNvPr>
+          <p:cNvSpPr/>
+          <p:nvPr/>
+        </p:nvSpPr>
+        <p:spPr>
+          <a:xfrm>
+            <a:off x="8092440" y="1668780"/>
+            <a:ext cx="701040" cy="403860"/>
+          </a:xfrm>
+          <a:prstGeom prst="rect">
+            <a:avLst/>
+          </a:prstGeom>
+        </p:spPr>
+        <p:style>
+          <a:lnRef idx="2">
+            <a:schemeClr val="accent6">
+              <a:shade val="50000"/>
+            </a:schemeClr>
+          </a:lnRef>
+          <a:fillRef idx="1">
+            <a:schemeClr val="accent6"/>
+          </a:fillRef>
+          <a:effectRef idx="0">
+            <a:schemeClr val="accent6"/>
+          </a:effectRef>
+          <a:fontRef idx="minor">
+            <a:schemeClr val="lt1"/>
+          </a:fontRef>
+        </p:style>
+        <p:txBody>
+          <a:bodyPr rtlCol="0" anchor="ctr"/>
+          <a:lstStyle/>
+          <a:p>
+            <a:pPr algn="ctr"/>
+            <a:r>
+              <a:rPr lang="en-US" sz="900" dirty="0"/>
+              <a:t>unmapped</a:t>
+            </a:r>
+            <a:endParaRPr lang="en-SE" sz="900" dirty="0"/>
+          </a:p>
+        </p:txBody>
+      </p:sp>
+      <p:cxnSp>
+        <p:nvCxnSpPr>
+          <p:cNvPr id="13" name="Straight Arrow Connector 12">
+            <a:extLst>
+              <a:ext uri="{FF2B5EF4-FFF2-40B4-BE49-F238E27FC236}">
+                <a16:creationId xmlns:a16="http://schemas.microsoft.com/office/drawing/2014/main" id="{BC5C2364-6C98-42FD-8168-BBF71F19A376}"/>
+              </a:ext>
+            </a:extLst>
+          </p:cNvPr>
+          <p:cNvCxnSpPr>
+            <a:cxnSpLocks/>
+            <a:endCxn id="6" idx="1"/>
+          </p:cNvCxnSpPr>
+          <p:nvPr/>
+        </p:nvCxnSpPr>
+        <p:spPr>
+          <a:xfrm flipV="1">
+            <a:off x="1524000" y="651510"/>
+            <a:ext cx="1630680" cy="201930"/>
+          </a:xfrm>
+          <a:prstGeom prst="straightConnector1">
+            <a:avLst/>
+          </a:prstGeom>
+          <a:ln>
+            <a:tailEnd type="triangle"/>
+          </a:ln>
+        </p:spPr>
+        <p:style>
+          <a:lnRef idx="1">
+            <a:schemeClr val="accent1"/>
+          </a:lnRef>
+          <a:fillRef idx="0">
+            <a:schemeClr val="accent1"/>
+          </a:fillRef>
+          <a:effectRef idx="0">
+            <a:schemeClr val="accent1"/>
+          </a:effectRef>
+          <a:fontRef idx="minor">
+            <a:schemeClr val="tx1"/>
+          </a:fontRef>
+        </p:style>
+      </p:cxnSp>
+      <p:cxnSp>
+        <p:nvCxnSpPr>
+          <p:cNvPr id="15" name="Straight Arrow Connector 14">
+            <a:extLst>
+              <a:ext uri="{FF2B5EF4-FFF2-40B4-BE49-F238E27FC236}">
+                <a16:creationId xmlns:a16="http://schemas.microsoft.com/office/drawing/2014/main" id="{BA26D6D3-47A5-4EE0-A581-6E3F9EA27F3A}"/>
+              </a:ext>
+            </a:extLst>
+          </p:cNvPr>
+          <p:cNvCxnSpPr>
+            <a:stCxn id="10" idx="3"/>
+          </p:cNvCxnSpPr>
+          <p:nvPr/>
+        </p:nvCxnSpPr>
+        <p:spPr>
+          <a:xfrm>
+            <a:off x="8793480" y="651510"/>
+            <a:ext cx="1630680" cy="201930"/>
+          </a:xfrm>
+          <a:prstGeom prst="straightConnector1">
+            <a:avLst/>
+          </a:prstGeom>
+          <a:ln>
+            <a:tailEnd type="triangle"/>
+          </a:ln>
+        </p:spPr>
+        <p:style>
+          <a:lnRef idx="1">
+            <a:schemeClr val="accent1"/>
+          </a:lnRef>
+          <a:fillRef idx="0">
+            <a:schemeClr val="accent1"/>
+          </a:fillRef>
+          <a:effectRef idx="0">
+            <a:schemeClr val="accent1"/>
+          </a:effectRef>
+          <a:fontRef idx="minor">
+            <a:schemeClr val="tx1"/>
+          </a:fontRef>
+        </p:style>
+      </p:cxnSp>
+      <p:cxnSp>
+        <p:nvCxnSpPr>
+          <p:cNvPr id="17" name="Straight Arrow Connector 16">
+            <a:extLst>
+              <a:ext uri="{FF2B5EF4-FFF2-40B4-BE49-F238E27FC236}">
+                <a16:creationId xmlns:a16="http://schemas.microsoft.com/office/drawing/2014/main" id="{23769712-BE66-4445-B8EA-91F67C7F189B}"/>
+              </a:ext>
+            </a:extLst>
+          </p:cNvPr>
+          <p:cNvCxnSpPr>
+            <a:cxnSpLocks/>
+            <a:endCxn id="11" idx="3"/>
+          </p:cNvCxnSpPr>
+          <p:nvPr/>
+        </p:nvCxnSpPr>
+        <p:spPr>
+          <a:xfrm flipH="1">
+            <a:off x="8793480" y="1341120"/>
+            <a:ext cx="1630680" cy="529590"/>
+          </a:xfrm>
+          <a:prstGeom prst="straightConnector1">
+            <a:avLst/>
+          </a:prstGeom>
+          <a:ln>
+            <a:tailEnd type="triangle"/>
+          </a:ln>
+        </p:spPr>
+        <p:style>
+          <a:lnRef idx="1">
+            <a:schemeClr val="accent1"/>
+          </a:lnRef>
+          <a:fillRef idx="0">
+            <a:schemeClr val="accent1"/>
+          </a:fillRef>
+          <a:effectRef idx="0">
+            <a:schemeClr val="accent1"/>
+          </a:effectRef>
+          <a:fontRef idx="minor">
+            <a:schemeClr val="tx1"/>
+          </a:fontRef>
+        </p:style>
+      </p:cxnSp>
+      <p:cxnSp>
+        <p:nvCxnSpPr>
+          <p:cNvPr id="20" name="Straight Arrow Connector 19">
+            <a:extLst>
+              <a:ext uri="{FF2B5EF4-FFF2-40B4-BE49-F238E27FC236}">
+                <a16:creationId xmlns:a16="http://schemas.microsoft.com/office/drawing/2014/main" id="{EC6D8872-5EC1-4FC1-9D53-624A199C6BD1}"/>
+              </a:ext>
+            </a:extLst>
+          </p:cNvPr>
+          <p:cNvCxnSpPr>
+            <a:cxnSpLocks/>
+            <a:stCxn id="7" idx="1"/>
+          </p:cNvCxnSpPr>
+          <p:nvPr/>
+        </p:nvCxnSpPr>
+        <p:spPr>
+          <a:xfrm flipH="1" flipV="1">
+            <a:off x="1524000" y="1341120"/>
+            <a:ext cx="1630680" cy="529590"/>
+          </a:xfrm>
+          <a:prstGeom prst="straightConnector1">
+            <a:avLst/>
+          </a:prstGeom>
+          <a:ln>
+            <a:tailEnd type="triangle"/>
+          </a:ln>
+        </p:spPr>
+        <p:style>
+          <a:lnRef idx="1">
+            <a:schemeClr val="accent1"/>
+          </a:lnRef>
+          <a:fillRef idx="0">
+            <a:schemeClr val="accent1"/>
+          </a:fillRef>
+          <a:effectRef idx="0">
+            <a:schemeClr val="accent1"/>
+          </a:effectRef>
+          <a:fontRef idx="minor">
+            <a:schemeClr val="tx1"/>
+          </a:fontRef>
+        </p:style>
+      </p:cxnSp>
+      <p:sp>
+        <p:nvSpPr>
+          <p:cNvPr id="24" name="Content Placeholder 2">
+            <a:extLst>
+              <a:ext uri="{FF2B5EF4-FFF2-40B4-BE49-F238E27FC236}">
+                <a16:creationId xmlns:a16="http://schemas.microsoft.com/office/drawing/2014/main" id="{5FF9E7B1-4828-4388-B64A-6AC8B9B345A9}"/>
+              </a:ext>
+            </a:extLst>
+          </p:cNvPr>
+          <p:cNvSpPr>
+            <a:spLocks noGrp="1"/>
+          </p:cNvSpPr>
+          <p:nvPr>
+            <p:ph idx="1"/>
+          </p:nvPr>
+        </p:nvSpPr>
+        <p:spPr>
+          <a:xfrm>
+            <a:off x="274320" y="2198370"/>
+            <a:ext cx="10515600" cy="4351338"/>
+          </a:xfrm>
+        </p:spPr>
+        <p:txBody>
+          <a:bodyPr>
+            <a:normAutofit/>
+          </a:bodyPr>
+          <a:lstStyle/>
+          <a:p>
+            <a:pPr marL="0" indent="0">
+              <a:buNone/>
+            </a:pPr>
+            <a:r>
+              <a:rPr lang="en-US" dirty="0"/>
+              <a:t>Channel memory layout</a:t>
+            </a:r>
+          </a:p>
+          <a:p>
+            <a:r>
+              <a:rPr lang="en-US"/>
+              <a:t>CHANNEL MAGIC</a:t>
+            </a:r>
+          </a:p>
+          <a:p>
+            <a:endParaRPr lang="en-US" dirty="0"/>
+          </a:p>
+        </p:txBody>
+      </p:sp>
+    </p:spTree>
+    <p:extLst>
+      <p:ext uri="{BB962C8B-B14F-4D97-AF65-F5344CB8AC3E}">
+        <p14:creationId xmlns:p14="http://schemas.microsoft.com/office/powerpoint/2010/main" val="2783641487"/>
+      </p:ext>
+    </p:extLst>
+  </p:cSld>
+  <p:clrMapOvr>
+    <a:masterClrMapping/>
+  </p:clrMapOvr>
+</p:sld>
+</file>
+
 <file path=ppt/theme/theme1.xml><?xml version="1.0" encoding="utf-8"?>
 <a:theme xmlns:a="http://schemas.openxmlformats.org/drawingml/2006/main" name="Office Theme">
   <a:themeElements>
